--- a/Test Configurations/Results.pptx
+++ b/Test Configurations/Results.pptx
@@ -5,7 +5,7 @@
     <p:sldMasterId id="2147483648" r:id="rId1"/>
   </p:sldMasterIdLst>
   <p:notesMasterIdLst>
-    <p:notesMasterId r:id="rId10"/>
+    <p:notesMasterId r:id="rId12"/>
   </p:notesMasterIdLst>
   <p:sldIdLst>
     <p:sldId id="257" r:id="rId2"/>
@@ -16,6 +16,8 @@
     <p:sldId id="266" r:id="rId7"/>
     <p:sldId id="267" r:id="rId8"/>
     <p:sldId id="268" r:id="rId9"/>
+    <p:sldId id="269" r:id="rId10"/>
+    <p:sldId id="270" r:id="rId11"/>
   </p:sldIdLst>
   <p:sldSz cx="9144000" cy="6858000" type="screen4x3"/>
   <p:notesSz cx="6858000" cy="9144000"/>
@@ -199,7 +201,7 @@
           <a:p>
             <a:fld id="{9A707838-A5C7-4512-8EE0-41B28AD82A83}" type="datetimeFigureOut">
               <a:rPr lang="fr-FR" smtClean="0"/>
-              <a:t>25/06/2018</a:t>
+              <a:t>29/06/2018</a:t>
             </a:fld>
             <a:endParaRPr lang="fr-FR"/>
           </a:p>
@@ -648,7 +650,7 @@
           <a:p>
             <a:fld id="{AA309A6D-C09C-4548-B29A-6CF363A7E532}" type="datetimeFigureOut">
               <a:rPr lang="fr-FR" smtClean="0"/>
-              <a:t>24/06/2018</a:t>
+              <a:t>29/06/2018</a:t>
             </a:fld>
             <a:endParaRPr lang="fr-BE"/>
           </a:p>
@@ -813,7 +815,7 @@
           <a:p>
             <a:fld id="{AA309A6D-C09C-4548-B29A-6CF363A7E532}" type="datetimeFigureOut">
               <a:rPr lang="fr-FR" smtClean="0"/>
-              <a:t>24/06/2018</a:t>
+              <a:t>29/06/2018</a:t>
             </a:fld>
             <a:endParaRPr lang="fr-BE"/>
           </a:p>
@@ -988,7 +990,7 @@
           <a:p>
             <a:fld id="{AA309A6D-C09C-4548-B29A-6CF363A7E532}" type="datetimeFigureOut">
               <a:rPr lang="fr-FR" smtClean="0"/>
-              <a:t>24/06/2018</a:t>
+              <a:t>29/06/2018</a:t>
             </a:fld>
             <a:endParaRPr lang="fr-BE"/>
           </a:p>
@@ -1153,7 +1155,7 @@
           <a:p>
             <a:fld id="{AA309A6D-C09C-4548-B29A-6CF363A7E532}" type="datetimeFigureOut">
               <a:rPr lang="fr-FR" smtClean="0"/>
-              <a:t>24/06/2018</a:t>
+              <a:t>29/06/2018</a:t>
             </a:fld>
             <a:endParaRPr lang="fr-BE"/>
           </a:p>
@@ -1394,7 +1396,7 @@
           <a:p>
             <a:fld id="{AA309A6D-C09C-4548-B29A-6CF363A7E532}" type="datetimeFigureOut">
               <a:rPr lang="fr-FR" smtClean="0"/>
-              <a:t>24/06/2018</a:t>
+              <a:t>29/06/2018</a:t>
             </a:fld>
             <a:endParaRPr lang="fr-BE"/>
           </a:p>
@@ -1677,7 +1679,7 @@
           <a:p>
             <a:fld id="{AA309A6D-C09C-4548-B29A-6CF363A7E532}" type="datetimeFigureOut">
               <a:rPr lang="fr-FR" smtClean="0"/>
-              <a:t>24/06/2018</a:t>
+              <a:t>29/06/2018</a:t>
             </a:fld>
             <a:endParaRPr lang="fr-BE"/>
           </a:p>
@@ -2094,7 +2096,7 @@
           <a:p>
             <a:fld id="{AA309A6D-C09C-4548-B29A-6CF363A7E532}" type="datetimeFigureOut">
               <a:rPr lang="fr-FR" smtClean="0"/>
-              <a:t>24/06/2018</a:t>
+              <a:t>29/06/2018</a:t>
             </a:fld>
             <a:endParaRPr lang="fr-BE"/>
           </a:p>
@@ -2207,7 +2209,7 @@
           <a:p>
             <a:fld id="{AA309A6D-C09C-4548-B29A-6CF363A7E532}" type="datetimeFigureOut">
               <a:rPr lang="fr-FR" smtClean="0"/>
-              <a:t>24/06/2018</a:t>
+              <a:t>29/06/2018</a:t>
             </a:fld>
             <a:endParaRPr lang="fr-BE"/>
           </a:p>
@@ -2297,7 +2299,7 @@
           <a:p>
             <a:fld id="{AA309A6D-C09C-4548-B29A-6CF363A7E532}" type="datetimeFigureOut">
               <a:rPr lang="fr-FR" smtClean="0"/>
-              <a:t>24/06/2018</a:t>
+              <a:t>29/06/2018</a:t>
             </a:fld>
             <a:endParaRPr lang="fr-BE"/>
           </a:p>
@@ -2569,7 +2571,7 @@
           <a:p>
             <a:fld id="{AA309A6D-C09C-4548-B29A-6CF363A7E532}" type="datetimeFigureOut">
               <a:rPr lang="fr-FR" smtClean="0"/>
-              <a:t>24/06/2018</a:t>
+              <a:t>29/06/2018</a:t>
             </a:fld>
             <a:endParaRPr lang="fr-BE"/>
           </a:p>
@@ -2817,7 +2819,7 @@
           <a:p>
             <a:fld id="{AA309A6D-C09C-4548-B29A-6CF363A7E532}" type="datetimeFigureOut">
               <a:rPr lang="fr-FR" smtClean="0"/>
-              <a:t>24/06/2018</a:t>
+              <a:t>29/06/2018</a:t>
             </a:fld>
             <a:endParaRPr lang="fr-BE"/>
           </a:p>
@@ -3025,7 +3027,7 @@
           <a:p>
             <a:fld id="{AA309A6D-C09C-4548-B29A-6CF363A7E532}" type="datetimeFigureOut">
               <a:rPr lang="fr-FR" smtClean="0"/>
-              <a:t>24/06/2018</a:t>
+              <a:t>29/06/2018</a:t>
             </a:fld>
             <a:endParaRPr lang="fr-BE"/>
           </a:p>
@@ -3643,6 +3645,259 @@
 </p:sld>
 </file>
 
+<file path=ppt/slides/slide10.xml><?xml version="1.0" encoding="utf-8"?>
+<p:sld xmlns:a="http://schemas.openxmlformats.org/drawingml/2006/main" xmlns:r="http://schemas.openxmlformats.org/officeDocument/2006/relationships" xmlns:p="http://schemas.openxmlformats.org/presentationml/2006/main">
+  <p:cSld>
+    <p:spTree>
+      <p:nvGrpSpPr>
+        <p:cNvPr id="1" name=""/>
+        <p:cNvGrpSpPr/>
+        <p:nvPr/>
+      </p:nvGrpSpPr>
+      <p:grpSpPr>
+        <a:xfrm>
+          <a:off x="0" y="0"/>
+          <a:ext cx="0" cy="0"/>
+          <a:chOff x="0" y="0"/>
+          <a:chExt cx="0" cy="0"/>
+        </a:xfrm>
+      </p:grpSpPr>
+      <p:sp>
+        <p:nvSpPr>
+          <p:cNvPr id="2" name="Titre 1"/>
+          <p:cNvSpPr>
+            <a:spLocks noGrp="1"/>
+          </p:cNvSpPr>
+          <p:nvPr>
+            <p:ph type="title"/>
+          </p:nvPr>
+        </p:nvSpPr>
+        <p:spPr/>
+        <p:txBody>
+          <a:bodyPr/>
+          <a:lstStyle/>
+          <a:p>
+            <a:endParaRPr lang="fr-FR"/>
+          </a:p>
+        </p:txBody>
+      </p:sp>
+      <p:pic>
+        <p:nvPicPr>
+          <p:cNvPr id="2051" name="Picture 3"/>
+          <p:cNvPicPr>
+            <a:picLocks noChangeAspect="1" noChangeArrowheads="1"/>
+          </p:cNvPicPr>
+          <p:nvPr/>
+        </p:nvPicPr>
+        <p:blipFill>
+          <a:blip r:embed="rId2">
+            <a:extLst>
+              <a:ext uri="{28A0092B-C50C-407E-A947-70E740481C1C}">
+                <a14:useLocalDpi xmlns:a14="http://schemas.microsoft.com/office/drawing/2010/main" val="0"/>
+              </a:ext>
+            </a:extLst>
+          </a:blip>
+          <a:srcRect/>
+          <a:stretch>
+            <a:fillRect/>
+          </a:stretch>
+        </p:blipFill>
+        <p:spPr bwMode="auto">
+          <a:xfrm>
+            <a:off x="-167414" y="0"/>
+            <a:ext cx="9277350" cy="3575050"/>
+          </a:xfrm>
+          <a:prstGeom prst="rect">
+            <a:avLst/>
+          </a:prstGeom>
+          <a:noFill/>
+          <a:ln>
+            <a:noFill/>
+          </a:ln>
+          <a:extLst>
+            <a:ext uri="{909E8E84-426E-40DD-AFC4-6F175D3DCCD1}">
+              <a14:hiddenFill xmlns:a14="http://schemas.microsoft.com/office/drawing/2010/main">
+                <a:solidFill>
+                  <a:schemeClr val="accent1"/>
+                </a:solidFill>
+              </a14:hiddenFill>
+            </a:ext>
+            <a:ext uri="{91240B29-F687-4F45-9708-019B960494DF}">
+              <a14:hiddenLine xmlns:a14="http://schemas.microsoft.com/office/drawing/2010/main" w="9525">
+                <a:solidFill>
+                  <a:schemeClr val="tx1"/>
+                </a:solidFill>
+                <a:miter lim="800000"/>
+                <a:headEnd/>
+                <a:tailEnd/>
+              </a14:hiddenLine>
+            </a:ext>
+          </a:extLst>
+        </p:spPr>
+      </p:pic>
+      <p:pic>
+        <p:nvPicPr>
+          <p:cNvPr id="2052" name="Picture 4"/>
+          <p:cNvPicPr>
+            <a:picLocks noChangeAspect="1" noChangeArrowheads="1"/>
+          </p:cNvPicPr>
+          <p:nvPr/>
+        </p:nvPicPr>
+        <p:blipFill>
+          <a:blip r:embed="rId3">
+            <a:extLst>
+              <a:ext uri="{28A0092B-C50C-407E-A947-70E740481C1C}">
+                <a14:useLocalDpi xmlns:a14="http://schemas.microsoft.com/office/drawing/2010/main" val="0"/>
+              </a:ext>
+            </a:extLst>
+          </a:blip>
+          <a:srcRect/>
+          <a:stretch>
+            <a:fillRect/>
+          </a:stretch>
+        </p:blipFill>
+        <p:spPr bwMode="auto">
+          <a:xfrm>
+            <a:off x="395536" y="3408026"/>
+            <a:ext cx="8714400" cy="3575050"/>
+          </a:xfrm>
+          <a:prstGeom prst="rect">
+            <a:avLst/>
+          </a:prstGeom>
+          <a:noFill/>
+          <a:ln>
+            <a:noFill/>
+          </a:ln>
+          <a:extLst>
+            <a:ext uri="{909E8E84-426E-40DD-AFC4-6F175D3DCCD1}">
+              <a14:hiddenFill xmlns:a14="http://schemas.microsoft.com/office/drawing/2010/main">
+                <a:solidFill>
+                  <a:schemeClr val="accent1"/>
+                </a:solidFill>
+              </a14:hiddenFill>
+            </a:ext>
+            <a:ext uri="{91240B29-F687-4F45-9708-019B960494DF}">
+              <a14:hiddenLine xmlns:a14="http://schemas.microsoft.com/office/drawing/2010/main" w="9525">
+                <a:solidFill>
+                  <a:schemeClr val="tx1"/>
+                </a:solidFill>
+                <a:miter lim="800000"/>
+                <a:headEnd/>
+                <a:tailEnd/>
+              </a14:hiddenLine>
+            </a:ext>
+          </a:extLst>
+        </p:spPr>
+      </p:pic>
+      <p:cxnSp>
+        <p:nvCxnSpPr>
+          <p:cNvPr id="4" name="Connecteur droit avec flèche 3"/>
+          <p:cNvCxnSpPr/>
+          <p:nvPr/>
+        </p:nvCxnSpPr>
+        <p:spPr>
+          <a:xfrm flipH="1">
+            <a:off x="3491880" y="692696"/>
+            <a:ext cx="792088" cy="648072"/>
+          </a:xfrm>
+          <a:prstGeom prst="straightConnector1">
+            <a:avLst/>
+          </a:prstGeom>
+          <a:ln>
+            <a:tailEnd type="arrow"/>
+          </a:ln>
+        </p:spPr>
+        <p:style>
+          <a:lnRef idx="1">
+            <a:schemeClr val="accent1"/>
+          </a:lnRef>
+          <a:fillRef idx="0">
+            <a:schemeClr val="accent1"/>
+          </a:fillRef>
+          <a:effectRef idx="0">
+            <a:schemeClr val="accent1"/>
+          </a:effectRef>
+          <a:fontRef idx="minor">
+            <a:schemeClr val="tx1"/>
+          </a:fontRef>
+        </p:style>
+      </p:cxnSp>
+      <p:cxnSp>
+        <p:nvCxnSpPr>
+          <p:cNvPr id="7" name="Connecteur droit avec flèche 6"/>
+          <p:cNvCxnSpPr/>
+          <p:nvPr/>
+        </p:nvCxnSpPr>
+        <p:spPr>
+          <a:xfrm>
+            <a:off x="4572000" y="692696"/>
+            <a:ext cx="1080120" cy="576064"/>
+          </a:xfrm>
+          <a:prstGeom prst="straightConnector1">
+            <a:avLst/>
+          </a:prstGeom>
+          <a:ln>
+            <a:tailEnd type="arrow"/>
+          </a:ln>
+        </p:spPr>
+        <p:style>
+          <a:lnRef idx="1">
+            <a:schemeClr val="accent1"/>
+          </a:lnRef>
+          <a:fillRef idx="0">
+            <a:schemeClr val="accent1"/>
+          </a:fillRef>
+          <a:effectRef idx="0">
+            <a:schemeClr val="accent1"/>
+          </a:effectRef>
+          <a:fontRef idx="minor">
+            <a:schemeClr val="tx1"/>
+          </a:fontRef>
+        </p:style>
+      </p:cxnSp>
+      <p:sp>
+        <p:nvSpPr>
+          <p:cNvPr id="8" name="ZoneTexte 7"/>
+          <p:cNvSpPr txBox="1"/>
+          <p:nvPr/>
+        </p:nvSpPr>
+        <p:spPr>
+          <a:xfrm>
+            <a:off x="3682262" y="5390422"/>
+            <a:ext cx="788999" cy="369332"/>
+          </a:xfrm>
+          <a:prstGeom prst="rect">
+            <a:avLst/>
+          </a:prstGeom>
+          <a:noFill/>
+        </p:spPr>
+        <p:txBody>
+          <a:bodyPr wrap="none" rtlCol="0">
+            <a:spAutoFit/>
+          </a:bodyPr>
+          <a:lstStyle/>
+          <a:p>
+            <a:r>
+              <a:rPr lang="fr-FR" dirty="0" smtClean="0"/>
+              <a:t>-25 dB</a:t>
+            </a:r>
+            <a:endParaRPr lang="fr-FR" dirty="0"/>
+          </a:p>
+        </p:txBody>
+      </p:sp>
+    </p:spTree>
+    <p:extLst>
+      <p:ext uri="{BB962C8B-B14F-4D97-AF65-F5344CB8AC3E}">
+        <p14:creationId xmlns:p14="http://schemas.microsoft.com/office/powerpoint/2010/main" val="805470627"/>
+      </p:ext>
+    </p:extLst>
+  </p:cSld>
+  <p:clrMapOvr>
+    <a:masterClrMapping/>
+  </p:clrMapOvr>
+</p:sld>
+</file>
+
 <file path=ppt/slides/slide2.xml><?xml version="1.0" encoding="utf-8"?>
 <p:sld xmlns:a="http://schemas.openxmlformats.org/drawingml/2006/main" xmlns:r="http://schemas.openxmlformats.org/officeDocument/2006/relationships" xmlns:p="http://schemas.openxmlformats.org/presentationml/2006/main">
   <p:cSld>
@@ -4077,8 +4332,74 @@
         </p:nvSpPr>
         <p:spPr>
           <a:xfrm>
-            <a:off x="395536" y="1349296"/>
-            <a:ext cx="8076185" cy="369332"/>
+            <a:off x="395536" y="1349295"/>
+            <a:ext cx="8496944" cy="646331"/>
+          </a:xfrm>
+          <a:prstGeom prst="rect">
+            <a:avLst/>
+          </a:prstGeom>
+          <a:noFill/>
+        </p:spPr>
+        <p:txBody>
+          <a:bodyPr wrap="square" rtlCol="0">
+            <a:spAutoFit/>
+          </a:bodyPr>
+          <a:lstStyle/>
+          <a:p>
+            <a:r>
+              <a:rPr lang="fr-FR" dirty="0" err="1" smtClean="0"/>
+              <a:t>Increasing</a:t>
+            </a:r>
+            <a:r>
+              <a:rPr lang="fr-FR" dirty="0" smtClean="0"/>
+              <a:t> the </a:t>
+            </a:r>
+            <a:r>
+              <a:rPr lang="fr-FR" dirty="0" smtClean="0"/>
+              <a:t>propagation medium box </a:t>
+            </a:r>
+            <a:r>
+              <a:rPr lang="fr-FR" dirty="0" smtClean="0"/>
+              <a:t>size to </a:t>
+            </a:r>
+            <a:r>
+              <a:rPr lang="fr-FR" dirty="0" err="1" smtClean="0"/>
+              <a:t>see</a:t>
+            </a:r>
+            <a:r>
+              <a:rPr lang="fr-FR" dirty="0" smtClean="0"/>
+              <a:t> the size at </a:t>
+            </a:r>
+            <a:r>
+              <a:rPr lang="fr-FR" dirty="0" err="1" smtClean="0"/>
+              <a:t>which</a:t>
+            </a:r>
+            <a:r>
+              <a:rPr lang="fr-FR" dirty="0" smtClean="0"/>
+              <a:t> the port </a:t>
+            </a:r>
+            <a:r>
+              <a:rPr lang="fr-FR" dirty="0" err="1" smtClean="0"/>
+              <a:t>impedance</a:t>
+            </a:r>
+            <a:r>
+              <a:rPr lang="fr-FR" dirty="0" smtClean="0"/>
+              <a:t> converge</a:t>
+            </a:r>
+            <a:endParaRPr lang="fr-FR" dirty="0"/>
+          </a:p>
+        </p:txBody>
+      </p:sp>
+      <p:sp>
+        <p:nvSpPr>
+          <p:cNvPr id="4" name="ZoneTexte 3"/>
+          <p:cNvSpPr txBox="1"/>
+          <p:nvPr/>
+        </p:nvSpPr>
+        <p:spPr>
+          <a:xfrm>
+            <a:off x="411808" y="2119053"/>
+            <a:ext cx="3153427" cy="646331"/>
           </a:xfrm>
           <a:prstGeom prst="rect">
             <a:avLst/>
@@ -4093,73 +4414,11 @@
           <a:p>
             <a:r>
               <a:rPr lang="fr-FR" dirty="0" err="1" smtClean="0"/>
-              <a:t>Increasing</a:t>
+              <a:t>losses</a:t>
             </a:r>
             <a:r>
               <a:rPr lang="fr-FR" dirty="0" smtClean="0"/>
-              <a:t> the plasma box size to </a:t>
-            </a:r>
-            <a:r>
-              <a:rPr lang="fr-FR" dirty="0" err="1" smtClean="0"/>
-              <a:t>see</a:t>
-            </a:r>
-            <a:r>
-              <a:rPr lang="fr-FR" dirty="0" smtClean="0"/>
-              <a:t> the size at </a:t>
-            </a:r>
-            <a:r>
-              <a:rPr lang="fr-FR" dirty="0" err="1" smtClean="0"/>
-              <a:t>which</a:t>
-            </a:r>
-            <a:r>
-              <a:rPr lang="fr-FR" dirty="0" smtClean="0"/>
-              <a:t> the port </a:t>
-            </a:r>
-            <a:r>
-              <a:rPr lang="fr-FR" dirty="0" err="1" smtClean="0"/>
-              <a:t>impedance</a:t>
-            </a:r>
-            <a:r>
-              <a:rPr lang="fr-FR" dirty="0" smtClean="0"/>
-              <a:t> converge</a:t>
-            </a:r>
-            <a:endParaRPr lang="fr-FR" dirty="0"/>
-          </a:p>
-        </p:txBody>
-      </p:sp>
-      <p:sp>
-        <p:nvSpPr>
-          <p:cNvPr id="4" name="ZoneTexte 3"/>
-          <p:cNvSpPr txBox="1"/>
-          <p:nvPr/>
-        </p:nvSpPr>
-        <p:spPr>
-          <a:xfrm>
-            <a:off x="473813" y="1809690"/>
-            <a:ext cx="3153427" cy="646331"/>
-          </a:xfrm>
-          <a:prstGeom prst="rect">
-            <a:avLst/>
-          </a:prstGeom>
-          <a:noFill/>
-        </p:spPr>
-        <p:txBody>
-          <a:bodyPr wrap="none" rtlCol="0">
-            <a:spAutoFit/>
-          </a:bodyPr>
-          <a:lstStyle/>
-          <a:p>
-            <a:r>
-              <a:rPr lang="fr-FR" dirty="0" err="1" smtClean="0"/>
-              <a:t>losses</a:t>
-            </a:r>
-            <a:r>
-              <a:rPr lang="fr-FR" dirty="0" smtClean="0"/>
-              <a:t> = </a:t>
-            </a:r>
-            <a:r>
-              <a:rPr lang="fr-FR" dirty="0" smtClean="0"/>
-              <a:t>0 </a:t>
+              <a:t> = 0 </a:t>
             </a:r>
             <a:r>
               <a:rPr lang="fr-FR" dirty="0" smtClean="0">
@@ -4518,7 +4777,7 @@
                   <a:srgbClr val="FF0000"/>
                 </a:solidFill>
               </a:rPr>
-              <a:t>d</a:t>
+              <a:t>D</a:t>
             </a:r>
             <a:endParaRPr lang="fr-FR" dirty="0">
               <a:solidFill>
@@ -4602,6 +4861,206 @@
           </a:fontRef>
         </p:style>
       </p:cxnSp>
+      <p:sp>
+        <p:nvSpPr>
+          <p:cNvPr id="16" name="ZoneTexte 15"/>
+          <p:cNvSpPr txBox="1"/>
+          <p:nvPr/>
+        </p:nvSpPr>
+        <p:spPr>
+          <a:xfrm>
+            <a:off x="5652120" y="4522183"/>
+            <a:ext cx="3153427" cy="646331"/>
+          </a:xfrm>
+          <a:prstGeom prst="rect">
+            <a:avLst/>
+          </a:prstGeom>
+          <a:noFill/>
+        </p:spPr>
+        <p:txBody>
+          <a:bodyPr wrap="none" rtlCol="0">
+            <a:spAutoFit/>
+          </a:bodyPr>
+          <a:lstStyle/>
+          <a:p>
+            <a:r>
+              <a:rPr lang="fr-FR" dirty="0" err="1" smtClean="0"/>
+              <a:t>losses</a:t>
+            </a:r>
+            <a:r>
+              <a:rPr lang="fr-FR" dirty="0" smtClean="0"/>
+              <a:t> = 0 </a:t>
+            </a:r>
+            <a:r>
+              <a:rPr lang="fr-FR" dirty="0" smtClean="0">
+                <a:sym typeface="Wingdings" panose="05000000000000000000" pitchFamily="2" charset="2"/>
+              </a:rPr>
+              <a:t> </a:t>
+            </a:r>
+            <a:r>
+              <a:rPr lang="fr-FR" dirty="0"/>
+              <a:t>Plasma1=plasma2 </a:t>
+            </a:r>
+            <a:endParaRPr lang="fr-FR" dirty="0" smtClean="0"/>
+          </a:p>
+          <a:p>
+            <a:r>
+              <a:rPr lang="fr-FR" dirty="0" smtClean="0"/>
+              <a:t>Radiation BC</a:t>
+            </a:r>
+          </a:p>
+        </p:txBody>
+      </p:sp>
+      <p:cxnSp>
+        <p:nvCxnSpPr>
+          <p:cNvPr id="19" name="Connecteur droit avec flèche 18"/>
+          <p:cNvCxnSpPr/>
+          <p:nvPr/>
+        </p:nvCxnSpPr>
+        <p:spPr>
+          <a:xfrm flipV="1">
+            <a:off x="3103640" y="6108576"/>
+            <a:ext cx="1756391" cy="648072"/>
+          </a:xfrm>
+          <a:prstGeom prst="straightConnector1">
+            <a:avLst/>
+          </a:prstGeom>
+          <a:ln w="28575">
+            <a:solidFill>
+              <a:schemeClr val="accent2"/>
+            </a:solidFill>
+            <a:headEnd type="triangle" w="med" len="med"/>
+            <a:tailEnd type="triangle" w="med" len="med"/>
+          </a:ln>
+        </p:spPr>
+        <p:style>
+          <a:lnRef idx="1">
+            <a:schemeClr val="accent1"/>
+          </a:lnRef>
+          <a:fillRef idx="0">
+            <a:schemeClr val="accent1"/>
+          </a:fillRef>
+          <a:effectRef idx="0">
+            <a:schemeClr val="accent1"/>
+          </a:effectRef>
+          <a:fontRef idx="minor">
+            <a:schemeClr val="tx1"/>
+          </a:fontRef>
+        </p:style>
+      </p:cxnSp>
+      <p:sp>
+        <p:nvSpPr>
+          <p:cNvPr id="20" name="ZoneTexte 19"/>
+          <p:cNvSpPr txBox="1"/>
+          <p:nvPr/>
+        </p:nvSpPr>
+        <p:spPr>
+          <a:xfrm>
+            <a:off x="4077567" y="6432612"/>
+            <a:ext cx="494432" cy="369332"/>
+          </a:xfrm>
+          <a:prstGeom prst="rect">
+            <a:avLst/>
+          </a:prstGeom>
+          <a:noFill/>
+        </p:spPr>
+        <p:txBody>
+          <a:bodyPr wrap="square" rtlCol="0">
+            <a:spAutoFit/>
+          </a:bodyPr>
+          <a:lstStyle/>
+          <a:p>
+            <a:r>
+              <a:rPr lang="fr-FR" dirty="0" smtClean="0">
+                <a:solidFill>
+                  <a:srgbClr val="FF0000"/>
+                </a:solidFill>
+              </a:rPr>
+              <a:t>2D</a:t>
+            </a:r>
+            <a:endParaRPr lang="fr-FR" dirty="0">
+              <a:solidFill>
+                <a:srgbClr val="FF0000"/>
+              </a:solidFill>
+            </a:endParaRPr>
+          </a:p>
+        </p:txBody>
+      </p:sp>
+      <p:cxnSp>
+        <p:nvCxnSpPr>
+          <p:cNvPr id="21" name="Connecteur droit avec flèche 20"/>
+          <p:cNvCxnSpPr/>
+          <p:nvPr/>
+        </p:nvCxnSpPr>
+        <p:spPr>
+          <a:xfrm flipV="1">
+            <a:off x="3565235" y="4325896"/>
+            <a:ext cx="416600" cy="180020"/>
+          </a:xfrm>
+          <a:prstGeom prst="straightConnector1">
+            <a:avLst/>
+          </a:prstGeom>
+          <a:ln w="28575">
+            <a:solidFill>
+              <a:schemeClr val="accent2"/>
+            </a:solidFill>
+            <a:headEnd type="triangle" w="med" len="med"/>
+            <a:tailEnd type="triangle" w="med" len="med"/>
+          </a:ln>
+        </p:spPr>
+        <p:style>
+          <a:lnRef idx="1">
+            <a:schemeClr val="accent1"/>
+          </a:lnRef>
+          <a:fillRef idx="0">
+            <a:schemeClr val="accent1"/>
+          </a:fillRef>
+          <a:effectRef idx="0">
+            <a:schemeClr val="accent1"/>
+          </a:effectRef>
+          <a:fontRef idx="minor">
+            <a:schemeClr val="tx1"/>
+          </a:fontRef>
+        </p:style>
+      </p:cxnSp>
+      <p:sp>
+        <p:nvSpPr>
+          <p:cNvPr id="23" name="ZoneTexte 22"/>
+          <p:cNvSpPr txBox="1"/>
+          <p:nvPr/>
+        </p:nvSpPr>
+        <p:spPr>
+          <a:xfrm>
+            <a:off x="3961080" y="4132392"/>
+            <a:ext cx="494432" cy="369332"/>
+          </a:xfrm>
+          <a:prstGeom prst="rect">
+            <a:avLst/>
+          </a:prstGeom>
+          <a:noFill/>
+        </p:spPr>
+        <p:txBody>
+          <a:bodyPr wrap="square" rtlCol="0">
+            <a:spAutoFit/>
+          </a:bodyPr>
+          <a:lstStyle/>
+          <a:p>
+            <a:r>
+              <a:rPr lang="fr-FR" dirty="0" smtClean="0">
+                <a:solidFill>
+                  <a:srgbClr val="FF0000"/>
+                </a:solidFill>
+              </a:rPr>
+              <a:t>d</a:t>
+            </a:r>
+            <a:endParaRPr lang="fr-FR" dirty="0">
+              <a:solidFill>
+                <a:srgbClr val="FF0000"/>
+              </a:solidFill>
+            </a:endParaRPr>
+          </a:p>
+        </p:txBody>
+      </p:sp>
     </p:spTree>
     <p:extLst>
       <p:ext uri="{BB962C8B-B14F-4D97-AF65-F5344CB8AC3E}">
@@ -4645,7 +5104,7 @@
         <p:spPr/>
         <p:txBody>
           <a:bodyPr>
-            <a:normAutofit fontScale="90000"/>
+            <a:normAutofit/>
           </a:bodyPr>
           <a:lstStyle/>
           <a:p>
@@ -4662,12 +5121,8 @@
               <a:t> for </a:t>
             </a:r>
             <a:r>
-              <a:rPr lang="fr-FR" dirty="0" err="1" smtClean="0"/>
-              <a:t>d_vacuum</a:t>
-            </a:r>
-            <a:r>
               <a:rPr lang="fr-FR" dirty="0" smtClean="0"/>
-              <a:t>&gt;0.5m </a:t>
+              <a:t>D~&gt;0.5m </a:t>
             </a:r>
             <a:endParaRPr lang="fr-FR" dirty="0"/>
           </a:p>
@@ -4735,8 +5190,8 @@
         </p:nvSpPr>
         <p:spPr>
           <a:xfrm>
-            <a:off x="1835696" y="2348880"/>
-            <a:ext cx="1673856" cy="369332"/>
+            <a:off x="7925" y="2508558"/>
+            <a:ext cx="4866845" cy="369332"/>
           </a:xfrm>
           <a:prstGeom prst="rect">
             <a:avLst/>
@@ -4756,8 +5211,220 @@
               <a:t> </a:t>
             </a:r>
             <a:r>
+              <a:rPr lang="fr-FR" dirty="0" smtClean="0">
+                <a:sym typeface="Wingdings" panose="05000000000000000000" pitchFamily="2" charset="2"/>
+              </a:rPr>
+              <a:t>Target </a:t>
+            </a:r>
+            <a:r>
+              <a:rPr lang="fr-FR" dirty="0" err="1" smtClean="0">
+                <a:sym typeface="Wingdings" panose="05000000000000000000" pitchFamily="2" charset="2"/>
+              </a:rPr>
+              <a:t>result</a:t>
+            </a:r>
+            <a:r>
+              <a:rPr lang="fr-FR" dirty="0" smtClean="0">
+                <a:sym typeface="Wingdings" panose="05000000000000000000" pitchFamily="2" charset="2"/>
+              </a:rPr>
+              <a:t> for </a:t>
+            </a:r>
+            <a:r>
+              <a:rPr lang="fr-FR" dirty="0" err="1" smtClean="0">
+                <a:sym typeface="Wingdings" panose="05000000000000000000" pitchFamily="2" charset="2"/>
+              </a:rPr>
+              <a:t>next</a:t>
+            </a:r>
+            <a:r>
+              <a:rPr lang="fr-FR" dirty="0" smtClean="0">
+                <a:sym typeface="Wingdings" panose="05000000000000000000" pitchFamily="2" charset="2"/>
+              </a:rPr>
+              <a:t> simulations: </a:t>
+            </a:r>
+            <a:r>
               <a:rPr lang="fr-FR" dirty="0" smtClean="0"/>
               <a:t>Z=0.25+21.3j</a:t>
+            </a:r>
+            <a:endParaRPr lang="fr-FR" dirty="0"/>
+          </a:p>
+        </p:txBody>
+      </p:sp>
+      <p:sp>
+        <p:nvSpPr>
+          <p:cNvPr id="5" name="ZoneTexte 4"/>
+          <p:cNvSpPr txBox="1"/>
+          <p:nvPr/>
+        </p:nvSpPr>
+        <p:spPr>
+          <a:xfrm>
+            <a:off x="-18144" y="1765653"/>
+            <a:ext cx="8753230" cy="646331"/>
+          </a:xfrm>
+          <a:prstGeom prst="rect">
+            <a:avLst/>
+          </a:prstGeom>
+          <a:noFill/>
+        </p:spPr>
+        <p:txBody>
+          <a:bodyPr wrap="none" rtlCol="0">
+            <a:spAutoFit/>
+          </a:bodyPr>
+          <a:lstStyle/>
+          <a:p>
+            <a:pPr marL="285750" indent="-285750">
+              <a:buFont typeface="Wingdings"/>
+              <a:buChar char="à"/>
+            </a:pPr>
+            <a:r>
+              <a:rPr lang="fr-FR" dirty="0" smtClean="0">
+                <a:sym typeface="Wingdings" panose="05000000000000000000" pitchFamily="2" charset="2"/>
+              </a:rPr>
+              <a:t>« 1st </a:t>
+            </a:r>
+            <a:r>
+              <a:rPr lang="fr-FR" dirty="0" err="1" smtClean="0">
+                <a:sym typeface="Wingdings" panose="05000000000000000000" pitchFamily="2" charset="2"/>
+              </a:rPr>
+              <a:t>Rule</a:t>
+            </a:r>
+            <a:r>
+              <a:rPr lang="fr-FR" dirty="0" smtClean="0">
+                <a:sym typeface="Wingdings" panose="05000000000000000000" pitchFamily="2" charset="2"/>
+              </a:rPr>
+              <a:t> of </a:t>
+            </a:r>
+            <a:r>
+              <a:rPr lang="fr-FR" dirty="0" err="1" smtClean="0">
+                <a:sym typeface="Wingdings" panose="05000000000000000000" pitchFamily="2" charset="2"/>
+              </a:rPr>
+              <a:t>thumb</a:t>
+            </a:r>
+            <a:r>
+              <a:rPr lang="fr-FR" dirty="0" smtClean="0">
+                <a:sym typeface="Wingdings" panose="05000000000000000000" pitchFamily="2" charset="2"/>
+              </a:rPr>
+              <a:t> » : radiation medium size &gt; 4 </a:t>
+            </a:r>
+            <a:r>
+              <a:rPr lang="fr-FR" dirty="0" err="1" smtClean="0">
+                <a:sym typeface="Wingdings" panose="05000000000000000000" pitchFamily="2" charset="2"/>
+              </a:rPr>
+              <a:t>antenna</a:t>
+            </a:r>
+            <a:r>
+              <a:rPr lang="fr-FR" dirty="0" smtClean="0">
+                <a:sym typeface="Wingdings" panose="05000000000000000000" pitchFamily="2" charset="2"/>
+              </a:rPr>
+              <a:t> box </a:t>
+            </a:r>
+            <a:r>
+              <a:rPr lang="fr-FR" dirty="0" err="1" smtClean="0">
+                <a:sym typeface="Wingdings" panose="05000000000000000000" pitchFamily="2" charset="2"/>
+              </a:rPr>
+              <a:t>largest</a:t>
+            </a:r>
+            <a:r>
+              <a:rPr lang="fr-FR" dirty="0" smtClean="0">
+                <a:sym typeface="Wingdings" panose="05000000000000000000" pitchFamily="2" charset="2"/>
+              </a:rPr>
+              <a:t> size (250mm </a:t>
+            </a:r>
+            <a:r>
+              <a:rPr lang="fr-FR" dirty="0" err="1" smtClean="0">
+                <a:sym typeface="Wingdings" panose="05000000000000000000" pitchFamily="2" charset="2"/>
+              </a:rPr>
+              <a:t>here</a:t>
+            </a:r>
+            <a:r>
+              <a:rPr lang="fr-FR" dirty="0" smtClean="0">
+                <a:sym typeface="Wingdings" panose="05000000000000000000" pitchFamily="2" charset="2"/>
+              </a:rPr>
+              <a:t>)</a:t>
+            </a:r>
+          </a:p>
+          <a:p>
+            <a:pPr marL="285750" indent="-285750">
+              <a:buFont typeface="Wingdings"/>
+              <a:buChar char="à"/>
+            </a:pPr>
+            <a:r>
+              <a:rPr lang="fr-FR" dirty="0" smtClean="0">
+                <a:sym typeface="Wingdings" panose="05000000000000000000" pitchFamily="2" charset="2"/>
+              </a:rPr>
+              <a:t>(lambda ~ 6m  ~ radiation medium size &gt; lambda/6 at min?)</a:t>
+            </a:r>
+            <a:endParaRPr lang="fr-FR" dirty="0"/>
+          </a:p>
+        </p:txBody>
+      </p:sp>
+      <p:sp>
+        <p:nvSpPr>
+          <p:cNvPr id="7" name="ZoneTexte 6"/>
+          <p:cNvSpPr txBox="1"/>
+          <p:nvPr/>
+        </p:nvSpPr>
+        <p:spPr>
+          <a:xfrm>
+            <a:off x="3419872" y="6372036"/>
+            <a:ext cx="3240360" cy="369332"/>
+          </a:xfrm>
+          <a:prstGeom prst="rect">
+            <a:avLst/>
+          </a:prstGeom>
+          <a:solidFill>
+            <a:schemeClr val="bg1"/>
+          </a:solidFill>
+        </p:spPr>
+        <p:txBody>
+          <a:bodyPr wrap="square" rtlCol="0">
+            <a:spAutoFit/>
+          </a:bodyPr>
+          <a:lstStyle/>
+          <a:p>
+            <a:r>
+              <a:rPr lang="fr-FR" dirty="0" smtClean="0">
+                <a:solidFill>
+                  <a:srgbClr val="FF0000"/>
+                </a:solidFill>
+              </a:rPr>
+              <a:t>D [m]</a:t>
+            </a:r>
+            <a:endParaRPr lang="fr-FR" dirty="0">
+              <a:solidFill>
+                <a:srgbClr val="FF0000"/>
+              </a:solidFill>
+            </a:endParaRPr>
+          </a:p>
+        </p:txBody>
+      </p:sp>
+      <p:sp>
+        <p:nvSpPr>
+          <p:cNvPr id="6" name="ZoneTexte 5"/>
+          <p:cNvSpPr txBox="1"/>
+          <p:nvPr/>
+        </p:nvSpPr>
+        <p:spPr>
+          <a:xfrm>
+            <a:off x="3275856" y="3645024"/>
+            <a:ext cx="3365537" cy="369332"/>
+          </a:xfrm>
+          <a:prstGeom prst="rect">
+            <a:avLst/>
+          </a:prstGeom>
+          <a:noFill/>
+        </p:spPr>
+        <p:txBody>
+          <a:bodyPr wrap="none" rtlCol="0">
+            <a:spAutoFit/>
+          </a:bodyPr>
+          <a:lstStyle/>
+          <a:p>
+            <a:r>
+              <a:rPr lang="fr-FR" dirty="0" err="1" smtClean="0"/>
+              <a:t>Antenna</a:t>
+            </a:r>
+            <a:r>
+              <a:rPr lang="fr-FR" dirty="0" smtClean="0"/>
+              <a:t> box : d=0.16 m, h=0.25m</a:t>
             </a:r>
             <a:endParaRPr lang="fr-FR" dirty="0"/>
           </a:p>
@@ -4844,7 +5511,7 @@
             </a:r>
             <a:r>
               <a:rPr lang="fr-FR" dirty="0" smtClean="0"/>
-              <a:t> </a:t>
+              <a:t> or non-</a:t>
             </a:r>
             <a:r>
               <a:rPr lang="fr-FR" dirty="0" err="1" smtClean="0"/>
@@ -4852,7 +5519,11 @@
             </a:r>
             <a:r>
               <a:rPr lang="fr-FR" dirty="0" smtClean="0"/>
-              <a:t> plasma</a:t>
+              <a:t> </a:t>
+            </a:r>
+            <a:r>
+              <a:rPr lang="fr-FR" dirty="0" smtClean="0"/>
+              <a:t>plasma</a:t>
             </a:r>
             <a:endParaRPr lang="fr-FR" dirty="0"/>
           </a:p>
@@ -5062,7 +5733,7 @@
                   <a:srgbClr val="FF0000"/>
                 </a:solidFill>
               </a:rPr>
-              <a:t>d</a:t>
+              <a:t>D</a:t>
             </a:r>
             <a:endParaRPr lang="fr-FR" dirty="0">
               <a:solidFill>
@@ -5609,14 +6280,18 @@
             <a:r>
               <a:rPr lang="fr-FR" dirty="0" smtClean="0">
                 <a:solidFill>
-                  <a:schemeClr val="tx2"/>
+                  <a:schemeClr val="accent3">
+                    <a:lumMod val="75000"/>
+                  </a:schemeClr>
                 </a:solidFill>
               </a:rPr>
               <a:t>Pin</a:t>
             </a:r>
             <a:endParaRPr lang="fr-FR" dirty="0">
               <a:solidFill>
-                <a:schemeClr val="tx2"/>
+                <a:schemeClr val="accent3">
+                  <a:lumMod val="75000"/>
+                </a:schemeClr>
               </a:solidFill>
             </a:endParaRPr>
           </a:p>
@@ -5674,7 +6349,12 @@
           <a:prstGeom prst="straightConnector1">
             <a:avLst/>
           </a:prstGeom>
-          <a:ln>
+          <a:ln w="28575">
+            <a:solidFill>
+              <a:schemeClr val="accent3">
+                <a:lumMod val="75000"/>
+              </a:schemeClr>
+            </a:solidFill>
             <a:tailEnd type="arrow"/>
           </a:ln>
         </p:spPr>
@@ -5742,6 +6422,278 @@
           </a:prstGeom>
           <a:ln>
             <a:tailEnd type="arrow"/>
+          </a:ln>
+        </p:spPr>
+        <p:style>
+          <a:lnRef idx="1">
+            <a:schemeClr val="accent1"/>
+          </a:lnRef>
+          <a:fillRef idx="0">
+            <a:schemeClr val="accent1"/>
+          </a:fillRef>
+          <a:effectRef idx="0">
+            <a:schemeClr val="accent1"/>
+          </a:effectRef>
+          <a:fontRef idx="minor">
+            <a:schemeClr val="tx1"/>
+          </a:fontRef>
+        </p:style>
+      </p:cxnSp>
+      <p:cxnSp>
+        <p:nvCxnSpPr>
+          <p:cNvPr id="25" name="Connecteur droit avec flèche 24"/>
+          <p:cNvCxnSpPr/>
+          <p:nvPr/>
+        </p:nvCxnSpPr>
+        <p:spPr>
+          <a:xfrm>
+            <a:off x="3635896" y="3182358"/>
+            <a:ext cx="0" cy="441792"/>
+          </a:xfrm>
+          <a:prstGeom prst="straightConnector1">
+            <a:avLst/>
+          </a:prstGeom>
+          <a:ln w="28575">
+            <a:solidFill>
+              <a:schemeClr val="accent2"/>
+            </a:solidFill>
+            <a:headEnd type="triangle" w="med" len="med"/>
+            <a:tailEnd type="triangle" w="med" len="med"/>
+          </a:ln>
+        </p:spPr>
+        <p:style>
+          <a:lnRef idx="1">
+            <a:schemeClr val="accent1"/>
+          </a:lnRef>
+          <a:fillRef idx="0">
+            <a:schemeClr val="accent1"/>
+          </a:fillRef>
+          <a:effectRef idx="0">
+            <a:schemeClr val="accent1"/>
+          </a:effectRef>
+          <a:fontRef idx="minor">
+            <a:schemeClr val="tx1"/>
+          </a:fontRef>
+        </p:style>
+      </p:cxnSp>
+      <p:sp>
+        <p:nvSpPr>
+          <p:cNvPr id="28" name="ZoneTexte 27"/>
+          <p:cNvSpPr txBox="1"/>
+          <p:nvPr/>
+        </p:nvSpPr>
+        <p:spPr>
+          <a:xfrm>
+            <a:off x="3538973" y="2794193"/>
+            <a:ext cx="504056" cy="369332"/>
+          </a:xfrm>
+          <a:prstGeom prst="rect">
+            <a:avLst/>
+          </a:prstGeom>
+          <a:noFill/>
+        </p:spPr>
+        <p:txBody>
+          <a:bodyPr wrap="square" rtlCol="0">
+            <a:spAutoFit/>
+          </a:bodyPr>
+          <a:lstStyle/>
+          <a:p>
+            <a:r>
+              <a:rPr lang="fr-FR" dirty="0" smtClean="0">
+                <a:solidFill>
+                  <a:srgbClr val="FF0000"/>
+                </a:solidFill>
+              </a:rPr>
+              <a:t>d</a:t>
+            </a:r>
+            <a:endParaRPr lang="fr-FR" dirty="0">
+              <a:solidFill>
+                <a:srgbClr val="FF0000"/>
+              </a:solidFill>
+            </a:endParaRPr>
+          </a:p>
+        </p:txBody>
+      </p:sp>
+      <p:cxnSp>
+        <p:nvCxnSpPr>
+          <p:cNvPr id="12" name="Connecteur droit avec flèche 11"/>
+          <p:cNvCxnSpPr/>
+          <p:nvPr/>
+        </p:nvCxnSpPr>
+        <p:spPr>
+          <a:xfrm flipH="1" flipV="1">
+            <a:off x="2627784" y="4656936"/>
+            <a:ext cx="848700" cy="1220336"/>
+          </a:xfrm>
+          <a:prstGeom prst="straightConnector1">
+            <a:avLst/>
+          </a:prstGeom>
+          <a:ln>
+            <a:tailEnd type="arrow"/>
+          </a:ln>
+        </p:spPr>
+        <p:style>
+          <a:lnRef idx="1">
+            <a:schemeClr val="accent1"/>
+          </a:lnRef>
+          <a:fillRef idx="0">
+            <a:schemeClr val="accent1"/>
+          </a:fillRef>
+          <a:effectRef idx="0">
+            <a:schemeClr val="accent1"/>
+          </a:effectRef>
+          <a:fontRef idx="minor">
+            <a:schemeClr val="tx1"/>
+          </a:fontRef>
+        </p:style>
+      </p:cxnSp>
+      <p:sp>
+        <p:nvSpPr>
+          <p:cNvPr id="16" name="ZoneTexte 15"/>
+          <p:cNvSpPr txBox="1"/>
+          <p:nvPr/>
+        </p:nvSpPr>
+        <p:spPr>
+          <a:xfrm>
+            <a:off x="3538973" y="5877272"/>
+            <a:ext cx="4561419" cy="369332"/>
+          </a:xfrm>
+          <a:prstGeom prst="rect">
+            <a:avLst/>
+          </a:prstGeom>
+          <a:noFill/>
+        </p:spPr>
+        <p:txBody>
+          <a:bodyPr wrap="square" rtlCol="0">
+            <a:spAutoFit/>
+          </a:bodyPr>
+          <a:lstStyle/>
+          <a:p>
+            <a:r>
+              <a:rPr lang="fr-FR" dirty="0" err="1" smtClean="0"/>
+              <a:t>Dummy</a:t>
+            </a:r>
+            <a:r>
+              <a:rPr lang="fr-FR" dirty="0" smtClean="0"/>
+              <a:t> </a:t>
+            </a:r>
+            <a:r>
+              <a:rPr lang="fr-FR" dirty="0" err="1" smtClean="0"/>
+              <a:t>boundary</a:t>
+            </a:r>
+            <a:r>
+              <a:rPr lang="fr-FR" dirty="0" smtClean="0"/>
+              <a:t>, close to </a:t>
+            </a:r>
+            <a:r>
+              <a:rPr lang="fr-FR" dirty="0" err="1" smtClean="0"/>
+              <a:t>PerfE</a:t>
+            </a:r>
+            <a:r>
+              <a:rPr lang="fr-FR" dirty="0" smtClean="0"/>
+              <a:t> BC</a:t>
+            </a:r>
+            <a:endParaRPr lang="fr-FR" dirty="0"/>
+          </a:p>
+        </p:txBody>
+      </p:sp>
+      <p:cxnSp>
+        <p:nvCxnSpPr>
+          <p:cNvPr id="31" name="Connecteur droit 30"/>
+          <p:cNvCxnSpPr/>
+          <p:nvPr/>
+        </p:nvCxnSpPr>
+        <p:spPr>
+          <a:xfrm flipH="1">
+            <a:off x="5652120" y="2384207"/>
+            <a:ext cx="2498947" cy="0"/>
+          </a:xfrm>
+          <a:prstGeom prst="line">
+            <a:avLst/>
+          </a:prstGeom>
+          <a:ln w="38100">
+            <a:solidFill>
+              <a:schemeClr val="tx2">
+                <a:lumMod val="75000"/>
+              </a:schemeClr>
+            </a:solidFill>
+            <a:prstDash val="dash"/>
+          </a:ln>
+        </p:spPr>
+        <p:style>
+          <a:lnRef idx="1">
+            <a:schemeClr val="accent1"/>
+          </a:lnRef>
+          <a:fillRef idx="0">
+            <a:schemeClr val="accent1"/>
+          </a:fillRef>
+          <a:effectRef idx="0">
+            <a:schemeClr val="accent1"/>
+          </a:effectRef>
+          <a:fontRef idx="minor">
+            <a:schemeClr val="tx1"/>
+          </a:fontRef>
+        </p:style>
+      </p:cxnSp>
+      <p:cxnSp>
+        <p:nvCxnSpPr>
+          <p:cNvPr id="33" name="Connecteur droit 32"/>
+          <p:cNvCxnSpPr/>
+          <p:nvPr/>
+        </p:nvCxnSpPr>
+        <p:spPr>
+          <a:xfrm flipH="1">
+            <a:off x="5652120" y="4581128"/>
+            <a:ext cx="2407987" cy="0"/>
+          </a:xfrm>
+          <a:prstGeom prst="line">
+            <a:avLst/>
+          </a:prstGeom>
+          <a:ln w="38100">
+            <a:solidFill>
+              <a:schemeClr val="tx2">
+                <a:lumMod val="75000"/>
+              </a:schemeClr>
+            </a:solidFill>
+            <a:prstDash val="dash"/>
+          </a:ln>
+        </p:spPr>
+        <p:style>
+          <a:lnRef idx="1">
+            <a:schemeClr val="accent1"/>
+          </a:lnRef>
+          <a:fillRef idx="0">
+            <a:schemeClr val="accent1"/>
+          </a:fillRef>
+          <a:effectRef idx="0">
+            <a:schemeClr val="accent1"/>
+          </a:effectRef>
+          <a:fontRef idx="minor">
+            <a:schemeClr val="tx1"/>
+          </a:fontRef>
+        </p:style>
+      </p:cxnSp>
+      <p:cxnSp>
+        <p:nvCxnSpPr>
+          <p:cNvPr id="34" name="Connecteur droit 33"/>
+          <p:cNvCxnSpPr/>
+          <p:nvPr/>
+        </p:nvCxnSpPr>
+        <p:spPr>
+          <a:xfrm>
+            <a:off x="5652120" y="2380238"/>
+            <a:ext cx="0" cy="2200890"/>
+          </a:xfrm>
+          <a:prstGeom prst="line">
+            <a:avLst/>
+          </a:prstGeom>
+          <a:ln w="38100">
+            <a:solidFill>
+              <a:schemeClr val="tx2">
+                <a:lumMod val="75000"/>
+              </a:schemeClr>
+            </a:solidFill>
+            <a:prstDash val="dash"/>
           </a:ln>
         </p:spPr>
         <p:style>
@@ -6212,6 +7164,52 @@
           </a:extLst>
         </p:spPr>
       </p:pic>
+      <p:sp>
+        <p:nvSpPr>
+          <p:cNvPr id="3" name="ZoneTexte 2"/>
+          <p:cNvSpPr txBox="1"/>
+          <p:nvPr/>
+        </p:nvSpPr>
+        <p:spPr>
+          <a:xfrm>
+            <a:off x="7081378" y="4941168"/>
+            <a:ext cx="2160240" cy="923330"/>
+          </a:xfrm>
+          <a:prstGeom prst="rect">
+            <a:avLst/>
+          </a:prstGeom>
+          <a:noFill/>
+        </p:spPr>
+        <p:txBody>
+          <a:bodyPr wrap="square" rtlCol="0">
+            <a:spAutoFit/>
+          </a:bodyPr>
+          <a:lstStyle/>
+          <a:p>
+            <a:r>
+              <a:rPr lang="fr-FR" dirty="0" smtClean="0"/>
+              <a:t>-30dB </a:t>
+            </a:r>
+            <a:r>
+              <a:rPr lang="fr-FR" dirty="0" err="1" smtClean="0"/>
+              <a:t>between</a:t>
+            </a:r>
+            <a:r>
+              <a:rPr lang="fr-FR" dirty="0" smtClean="0"/>
+              <a:t> </a:t>
+            </a:r>
+            <a:r>
+              <a:rPr lang="fr-FR" dirty="0" err="1" smtClean="0"/>
+              <a:t>antenna</a:t>
+            </a:r>
+            <a:r>
+              <a:rPr lang="fr-FR" dirty="0" smtClean="0"/>
+              <a:t> aperture and ~BC</a:t>
+            </a:r>
+            <a:endParaRPr lang="fr-FR" dirty="0"/>
+          </a:p>
+        </p:txBody>
+      </p:sp>
     </p:spTree>
     <p:extLst>
       <p:ext uri="{BB962C8B-B14F-4D97-AF65-F5344CB8AC3E}">
@@ -6393,6 +7391,378 @@
     <p:extLst>
       <p:ext uri="{BB962C8B-B14F-4D97-AF65-F5344CB8AC3E}">
         <p14:creationId xmlns:p14="http://schemas.microsoft.com/office/powerpoint/2010/main" val="2675285443"/>
+      </p:ext>
+    </p:extLst>
+  </p:cSld>
+  <p:clrMapOvr>
+    <a:masterClrMapping/>
+  </p:clrMapOvr>
+</p:sld>
+</file>
+
+<file path=ppt/slides/slide9.xml><?xml version="1.0" encoding="utf-8"?>
+<p:sld xmlns:a="http://schemas.openxmlformats.org/drawingml/2006/main" xmlns:r="http://schemas.openxmlformats.org/officeDocument/2006/relationships" xmlns:p="http://schemas.openxmlformats.org/presentationml/2006/main">
+  <p:cSld>
+    <p:spTree>
+      <p:nvGrpSpPr>
+        <p:cNvPr id="1" name=""/>
+        <p:cNvGrpSpPr/>
+        <p:nvPr/>
+      </p:nvGrpSpPr>
+      <p:grpSpPr>
+        <a:xfrm>
+          <a:off x="0" y="0"/>
+          <a:ext cx="0" cy="0"/>
+          <a:chOff x="0" y="0"/>
+          <a:chExt cx="0" cy="0"/>
+        </a:xfrm>
+      </p:grpSpPr>
+      <p:pic>
+        <p:nvPicPr>
+          <p:cNvPr id="7" name="Image 6"/>
+          <p:cNvPicPr>
+            <a:picLocks noChangeAspect="1"/>
+          </p:cNvPicPr>
+          <p:nvPr/>
+        </p:nvPicPr>
+        <p:blipFill>
+          <a:blip r:embed="rId2">
+            <a:extLst>
+              <a:ext uri="{28A0092B-C50C-407E-A947-70E740481C1C}">
+                <a14:useLocalDpi xmlns:a14="http://schemas.microsoft.com/office/drawing/2010/main" val="0"/>
+              </a:ext>
+            </a:extLst>
+          </a:blip>
+          <a:stretch>
+            <a:fillRect/>
+          </a:stretch>
+        </p:blipFill>
+        <p:spPr>
+          <a:xfrm>
+            <a:off x="289205" y="3501008"/>
+            <a:ext cx="4763585" cy="3201129"/>
+          </a:xfrm>
+          <a:prstGeom prst="rect">
+            <a:avLst/>
+          </a:prstGeom>
+        </p:spPr>
+      </p:pic>
+      <p:sp>
+        <p:nvSpPr>
+          <p:cNvPr id="2" name="Titre 1"/>
+          <p:cNvSpPr>
+            <a:spLocks noGrp="1"/>
+          </p:cNvSpPr>
+          <p:nvPr>
+            <p:ph type="title"/>
+          </p:nvPr>
+        </p:nvSpPr>
+        <p:spPr/>
+        <p:txBody>
+          <a:bodyPr/>
+          <a:lstStyle/>
+          <a:p>
+            <a:r>
+              <a:rPr lang="fr-FR" dirty="0" smtClean="0"/>
+              <a:t>PML-</a:t>
+            </a:r>
+            <a:r>
+              <a:rPr lang="fr-FR" dirty="0" err="1" smtClean="0"/>
+              <a:t>like</a:t>
+            </a:r>
+            <a:r>
+              <a:rPr lang="fr-FR" dirty="0" smtClean="0"/>
+              <a:t> </a:t>
+            </a:r>
+            <a:r>
+              <a:rPr lang="fr-FR" dirty="0" err="1" smtClean="0"/>
+              <a:t>evolution</a:t>
+            </a:r>
+            <a:endParaRPr lang="fr-FR" dirty="0"/>
+          </a:p>
+        </p:txBody>
+      </p:sp>
+      <p:pic>
+        <p:nvPicPr>
+          <p:cNvPr id="1026" name="Picture 2"/>
+          <p:cNvPicPr>
+            <a:picLocks noChangeAspect="1" noChangeArrowheads="1"/>
+          </p:cNvPicPr>
+          <p:nvPr/>
+        </p:nvPicPr>
+        <p:blipFill rotWithShape="1">
+          <a:blip r:embed="rId3">
+            <a:extLst>
+              <a:ext uri="{28A0092B-C50C-407E-A947-70E740481C1C}">
+                <a14:useLocalDpi xmlns:a14="http://schemas.microsoft.com/office/drawing/2010/main" val="0"/>
+              </a:ext>
+            </a:extLst>
+          </a:blip>
+          <a:srcRect b="88137"/>
+          <a:stretch/>
+        </p:blipFill>
+        <p:spPr bwMode="auto">
+          <a:xfrm>
+            <a:off x="521025" y="1484784"/>
+            <a:ext cx="8096250" cy="221468"/>
+          </a:xfrm>
+          <a:prstGeom prst="rect">
+            <a:avLst/>
+          </a:prstGeom>
+          <a:noFill/>
+          <a:ln>
+            <a:noFill/>
+          </a:ln>
+          <a:extLst>
+            <a:ext uri="{909E8E84-426E-40DD-AFC4-6F175D3DCCD1}">
+              <a14:hiddenFill xmlns:a14="http://schemas.microsoft.com/office/drawing/2010/main">
+                <a:solidFill>
+                  <a:schemeClr val="accent1"/>
+                </a:solidFill>
+              </a14:hiddenFill>
+            </a:ext>
+            <a:ext uri="{91240B29-F687-4F45-9708-019B960494DF}">
+              <a14:hiddenLine xmlns:a14="http://schemas.microsoft.com/office/drawing/2010/main" w="9525">
+                <a:solidFill>
+                  <a:schemeClr val="tx1"/>
+                </a:solidFill>
+                <a:miter lim="800000"/>
+                <a:headEnd/>
+                <a:tailEnd/>
+              </a14:hiddenLine>
+            </a:ext>
+          </a:extLst>
+        </p:spPr>
+      </p:pic>
+      <p:pic>
+        <p:nvPicPr>
+          <p:cNvPr id="4" name="Picture 2"/>
+          <p:cNvPicPr>
+            <a:picLocks noChangeAspect="1" noChangeArrowheads="1"/>
+          </p:cNvPicPr>
+          <p:nvPr/>
+        </p:nvPicPr>
+        <p:blipFill rotWithShape="1">
+          <a:blip r:embed="rId3">
+            <a:extLst>
+              <a:ext uri="{28A0092B-C50C-407E-A947-70E740481C1C}">
+                <a14:useLocalDpi xmlns:a14="http://schemas.microsoft.com/office/drawing/2010/main" val="0"/>
+              </a:ext>
+            </a:extLst>
+          </a:blip>
+          <a:srcRect t="57728"/>
+          <a:stretch/>
+        </p:blipFill>
+        <p:spPr bwMode="auto">
+          <a:xfrm>
+            <a:off x="521025" y="1706252"/>
+            <a:ext cx="8096250" cy="789164"/>
+          </a:xfrm>
+          <a:prstGeom prst="rect">
+            <a:avLst/>
+          </a:prstGeom>
+          <a:noFill/>
+          <a:ln>
+            <a:noFill/>
+          </a:ln>
+          <a:extLst>
+            <a:ext uri="{909E8E84-426E-40DD-AFC4-6F175D3DCCD1}">
+              <a14:hiddenFill xmlns:a14="http://schemas.microsoft.com/office/drawing/2010/main">
+                <a:solidFill>
+                  <a:schemeClr val="accent1"/>
+                </a:solidFill>
+              </a14:hiddenFill>
+            </a:ext>
+            <a:ext uri="{91240B29-F687-4F45-9708-019B960494DF}">
+              <a14:hiddenLine xmlns:a14="http://schemas.microsoft.com/office/drawing/2010/main" w="9525">
+                <a:solidFill>
+                  <a:schemeClr val="tx1"/>
+                </a:solidFill>
+                <a:miter lim="800000"/>
+                <a:headEnd/>
+                <a:tailEnd/>
+              </a14:hiddenLine>
+            </a:ext>
+          </a:extLst>
+        </p:spPr>
+      </p:pic>
+      <p:sp>
+        <p:nvSpPr>
+          <p:cNvPr id="3" name="ZoneTexte 2"/>
+          <p:cNvSpPr txBox="1"/>
+          <p:nvPr/>
+        </p:nvSpPr>
+        <p:spPr>
+          <a:xfrm>
+            <a:off x="3491880" y="1226186"/>
+            <a:ext cx="2339936" cy="369332"/>
+          </a:xfrm>
+          <a:prstGeom prst="rect">
+            <a:avLst/>
+          </a:prstGeom>
+          <a:noFill/>
+        </p:spPr>
+        <p:txBody>
+          <a:bodyPr wrap="none" rtlCol="0">
+            <a:spAutoFit/>
+          </a:bodyPr>
+          <a:lstStyle/>
+          <a:p>
+            <a:r>
+              <a:rPr lang="fr-FR" dirty="0" err="1" smtClean="0"/>
+              <a:t>Epsr_HFSS</a:t>
+            </a:r>
+            <a:r>
+              <a:rPr lang="fr-FR" dirty="0" smtClean="0"/>
+              <a:t> = </a:t>
+            </a:r>
+            <a:r>
+              <a:rPr lang="fr-FR" dirty="0" err="1" smtClean="0"/>
+              <a:t>epsr</a:t>
+            </a:r>
+            <a:r>
+              <a:rPr lang="fr-FR" dirty="0" smtClean="0"/>
+              <a:t> . S(x)</a:t>
+            </a:r>
+            <a:endParaRPr lang="fr-FR" dirty="0"/>
+          </a:p>
+        </p:txBody>
+      </p:sp>
+      <p:sp>
+        <p:nvSpPr>
+          <p:cNvPr id="5" name="AutoShape 4" descr="data:image/png;base64,iVBORw0KGgoAAAANSUhEUgAAAXcAAAD8CAYAAACMwORRAAAABHNCSVQICAgIfAhkiAAAAAlwSFlzAAALEgAACxIB0t1+/AAAADl0RVh0U29mdHdhcmUAbWF0cGxvdGxpYiB2ZXJzaW9uIDIuMi4yLCBodHRwOi8vbWF0cGxvdGxpYi5vcmcvhp/UCwAAIABJREFUeJztnX/QbVdZ3z/P+96bIBAIEjAhCSZOLw4RseA1oHZqKL+SlEmKghOsNUHsHWyi/aGtxFhwoHRimdaiIOGKGRKLBIqNuS3XhkRlsNpArhgDSaBeI8IljDS5GEJjkvue8/SPs8971zlnrbP2r7PPfne+n5kz2Wf9fM65J8/73c961trm7gghhBgWG+s2QAghRPvIuQshxACRcxdCiAEi5y6EEANEzl0IIQaInLsQQgyQxs7dzM40sz8ws3vM7C4z++eRNmZmv2Jmh83sTjN7YdN5hRCiz5jZ+Wb2+cLvvanr+dtQ7lvAz7j7c4EXA5eb2TlzbS4A9hSvfcB7WphXCCF6iZltAu9m4vvOAV4X8YsrpbFzd/evuPuni+uHgHuA0+eaXQxc7xNuA042s9Oazi2EED3lXOCwu9/r7o8BNzDxg52xq83BzOws4AXAJ+eqTge+FLw/UpR9JTLGPibqno2NE777SU96RpsmiiHhCxeZdk3nAWt1Lo9elh+/wmS57yo7lFeestLny+6Uj9QHRV/3o/e7eyNn8cqXPMkfODoq1fZP7nz0LuCRoGi/u+8P3sd83oua2FeV1py7mT0Z+G3gX7j71+erI12i/5rFF7Qf4ClPOcO/Z+/lbZkohsb0FxQ4Bgt/VUW5jRfLZvoH2Ex9cT3O1IdlubYhdeYaJ8aM2RIy7efBBDN2R/pH50/0XzYm4NN5U/ZHxvXcXMFYH3vkv/zVYoNqPHB0xKdufnaptpun/fkj7r53SZPSPm9VtOLczWw3E8f+AXf/b5EmR4Azg/dnAPe1MbcQQrSBA+Pwr2sz1u7zGjt3MzPgN4B73P0/JZodAK4wsxuY3Jo86O4LIZl53GB0grI1RZxtlR6GTSIq2jJqvYry98hYKYXuET+RVPMR5Z5V5ok7hqVzVVH+M23Hi/UhGeVvOeUfvYtIONrYXI/Em1bBcY55ubBMCW4H9pjZ2cCXgUuAH2lr8DK0ody/H/gnwGfM7I6i7OeBZwO4+zXAQeBC4DDwMPD6FuYVQohWaUu5u/uWmV0B3AxsAte6+12tDF6Sxs7d3f8X8fhS2MaB6sFzg7GUu0iwrbJnFKYt1ifUZmPlP1X2kbKFubaFb3wsiyhnj8Xfc3H8hso/u07QpvJPjUXGlnHmLqImjjNqcUx3P8hE2K6FVrNlhBBiJzPuds1zpfTaubsZ491LbwrE45ntmHfwG4kqwLA+LC8uKij/WZW+aFJM+c+UJ1R+dK5UrD8yf2PlP46UzczVUPnnsnFic8WUf6q+BRwYybkLIcTwkHIXQoiB4cCxAT12tN/O3WB0gsIyIs522GLm/8fqYZVUWOd4/8iYIbmwTjBuKqxzPFUwUhbSNKyTWjyebhwK52oa1qm0ySozV2zxdRULqlLuQggxMBxGw/Ht/XbubmhBVaSJLmiG9VO1nFhQjSj/mIqPqvWgX1b5w7ainylLKP54/4bKP6Lso3M1Vf7ZO4+M8g/Lq2z4agFvf8i10mvnLoQQ3WGMlm/Z2VH027lvwOiEdRshesu2cl4sm5RbpCzXP3wTUds1lP/MGKm2y/pAaeWf+izRu4+Gyj97VAOL9TnlD8fVf6WjGlpgsqAq5y6EEINikucu594JirmLpUTV8GJ96viAmJqOZ9vkxg/LQmW7GOu3lNosnbkT2pJZH8jF8eso/5Tyzh5ctmTM+fLMUQ3R8VtiLOUuhBDDQsq9SwxGu9dthOgr5ZV1PFsmVtZU+efmSq8PTMsqKP868fuayj96VAMR+1pQ/tGjGkJyWUw1cYxRK4+V7gf9du5CCNEhCst0hAPjXlso1sn2/4YZ5Z1SgI2VfyZbZ3auWLZI+bmytm73aaj8s4ekVdmBm1H+md28Idk7qhZwjMd8s9Ux14lcpxBCMN3EpLCMEEIMDi2odoXBWAuqIkHZsMoMYdtYWSask02FTM0V2VCVD7ssLuRWOwohN37YfxpWSTi3lsI6ubP3Z8dK2Lp9Nny7jtjdGPlwlHsrn8TMrjWzr5rZZxP155nZg2Z2R/F6cxvzCiFEm4yxUq+dQFvK/f3Au4Drl7T5Q3d/VaVRDVzKXSTwiBoNiW5SqqRmI/VRQzL9g+t8KmRYFktvrNI/o/wrzFVL+Ydtyx7PPDNWxtaVLKj2O5hRhVY+ibt/wszOamMsIYRYB1pQrc/3mtmfAfcBP+vud+U6uGLuYhm5mHpGbcaU/ypSKcPrGX2csXWGpsq/dCplWF9D+VdY/8ge2xBT/jO2tB8eGSnPvTKfBr7V3b9hZhcCvwPsiTU0s33APoBdT31aR+YJIR7vaIdqDdz968H1QTP7NTM7xd3vj7TdD+wHeMLpZ7o2MYksKWWeqS+bDRNSS/kH19XUbKQ/8frS6wsV+ldS/tufL3HrUSXmX/oupd2YO8B4QNkynbhOMzsV+Gt3dzM7l0mWzgNdzC2EEGVwkHKfx8w+CJwHnGJmR4C3ALsB3P0a4DXAT5rZFvC3wCXuJf7sGoxPaP+vsxgINR7G4bn66DzLxy+j3KflyV99TtnXiLlH7wwic5bpX359IZUBU7Z/+aMaErlLtXGMYzp+YBZ3f12m/l1MUiWFEKKXuDOoTUy9jmgrW0YsJZIPnVPmpA4BI9Z2sayS8q8Q8y6rzGPzz/SreWeQVe7L+kTmKTN+lcyb2BxtH/nLDtqgVIZeO3chhOgKR8pdCCEGiRZUu8LAd2lBVSRYXHeLhmBmFzEXYyhNwzrlznOP1MfCLglTSy+YthnWqRCCaRzWqfG5VvEkJj2sQwghBoYDx3S2TEcY+G4pd5EgohZTynRKTAFWUv6RI21z6Y0z49Y8krfsIWl1lX92/kif1aRSJvpHylexoKrz3IUQYmA42qHaHeb47nG+nXh8ElHDFpOuMwp4+Zb6fMw9ehmfP5jruPJeVP6z9fmxYgY0PSQtKoLbVP4l7zxm2mRUfvvKXU9iEkKIweFuUu6dYWC7pNxFiqnKSkjQiLL3yDG2SeVftPVUBkWFmH9M2UZj/aGtM3Mt3oXUUv51MmBKjB+LyVeKqWeUefaOqgUmC6o6fkAIIQbGsJ6h2m/nbs6GYu4iRyam7smYfORxbdE49/HCqDLPKP8ZG1Lx+5j0jY1bRflHbMkelVBX+efUdmTSnC2VDlFrgcmC6upj7mb2WuAXgecC57r7oaDuSuANwAj4aXe/uSg/H3gnsAm8z92vzs3Tb+cuhBAd0tEO1c8CPwi8Nyw0s3OAS4DvAJ4F3Gpmzymq3w28HDgC3G5mB9z97mWTyLkLIQR0tkPV3e8BMFuY62LgBnd/FPhLMzsMnFvUHXb3e4t+NxRtd65zN4NdJ4zWbYboK5Gwy0yEZTuUkApVLPbPjV8vrBMs5KZCCUXbxmGdzIJpasNVrbBOZsG0TlgnLM8tTq8gE3LdD8g+HbgteH+kKAP40lz5i3KD9dq5CyFEV7jDsXFp536KmR0K3u8vHhEKgJndCpwa6XeVu9+UGDOmMhyif3Gyf9t67dzNnN27pNxFHI8oa4+kEkY3Ls2Xz405U19F+SfGjy/+hf0icjSn/KMLroHaJ9K2rvKPTB9PpWyu/HNHNSydvwGTsExp536/u+9NjuX+shomHAHODN6fAdxXXKfKkwwn70cIIRoyKs6Xyb1WxAHgEjM70czOBvYAnwJuB/aY2dlmdgKTRdcDucF6r9xP3L21bjNET5kufkXVdnA9TqnJJX2gvPJPzR87MiClVmMx9bjyj6j9uX6x+Wsp/4xyjqeFHi+qc0jb7Ljxz5c9sK0mHaZCvhr4VeAZwEfN7A53f6W732VmH2ayULoFXO7uo6LPFcDNTFIhr3X3u3LztPWA7GuBVwFfdffnReqNSY7mhcDDwGXu/uk25hZCiHbo5vgBd78RuDFR93bg7ZHyg8DBKvO0pdzfz+QB2Ncn6i9gcouxh8kq73sosdq7YXDiLil3ESenzGPPwwzVaFPlf1y5x9XebMh5uTKPrR/EDx6LTtWe8k8d1TDfbq5taeVfO9tm8XIVB4fpGapzuPsnzOysJU0uBq73ya/lNjM72cxOc/evtDG/EEI0ZZIto7NlqnI6i3mapwMLzt3M9gH7AE585kk8YdexTgwUO49tZc2iGo+1m68vq/zT/dM2pfrl7hKian++Ito/1me58s8e1TAzWaS0ivKP1EePZ07YEsvyaT/mPqzH7HWVLZPK31wsdN/v7nvdfe/uk5+4YrOEEOI4Y6zUayfQlXJflr+ZZMOcJ0q5iwTT/8lSamscUeZR5Z5Q/nFlvzhXmZh/0/h9W8o/tZs33qeh8p8Z32YbLhgbXk8/a6ptZDdvC3SVLdMVXSn3A8CP2YQXAw8q3i6E6Btj3yj12gm0lQr5QeA8JltyjwBvAXYDuPs1TFJ4LgQOM0mFfH0b8wohRFu4G1s7xHGXoa1smddl6h24vOq4mygsI/Kkwiq5sEwsrJO6jpWVDeuE5VUWZ5uGdWJtk2mbDcM62aMa5sZJjR+Wx8M6wcCrSIUcUFim1ztUhRCiK4YWc++1c9+wMU/e/ci6zRA9ZRr7jKnxsDyMkVZR7tE+NZV/VLlHsi6aKv+Y2k99rqbKP3tUw8xksf6L80/eLC4e5w58aws5dyGEGBhDy3PvtXPfMOfJm4+t2wzRU0ZR5Ryo9KJ+lKqPqfQWlX/2jiA6Vz3lH6ufmasl5Z9U20v6hP1yyn+mPDvXQlFjdkoOexl67dyFEKIr3GGr/MM6ek+vnfumjXnSrkfXbYboKdtqN9iuMYoox1B5x87ibqr809k6i44ivz6QyfzJZAalP1d15Z/b0BXSVPnn2s7OtfwupQkKywghxMBQzL1DNnBO2lS2jIgzmmbLBGpxFFHWo8RG7KbKPxqTT8RsR7G22fh9+buE6Jg1lH/ubqBN5V/neOaw3yqU+yozcbqm185dCCG6RAuqHbFpY54s5S4STJXtrJpeVOmp+jrKf1ZtR+ZKKueYrYv1s7ZUj9/XVf4x5R6bq67yL3s880zbmjH5urgr5i6EEAPEGClbRgghhodi7h2xwZiTNhSWEXGOpyrG1dY0nBLeas+GWJaHdY5vkloM5cTsmK+PzZsK64yiYY1ciKl6WCeXijnzuRqGdXJho9m5lo8VW8htO4Sis2WEEGKI+Gp2va6LXjv3TXNO2vzbdZshekpc2UbUMHHlHVP+scXTdCplOeU/0zaRNhm9I2hR+ceOaoh9lqbKv87xDqnrKhu+2kLZMkIIMTBcC6rdscmYkzceXrcZoqdsK++kMp+q5VzMPb6JaX6cxfHLKf+wPH8UQjPln15fyH2u6so/d1RD7HOVifmXv0tYxSam1odcG7127kII0SXKlpnDzM4H3glsAu9z96vn6i8D3gF8uSh6l7u/Lzfupo15irJlRIJRRDmPbVFtJtUui2o4pKnyjyn+9PEEi2NVUf6lN3Q1VP65oxpC6ij/cNwq8fs2cJdzn8HMNoF3Ay8HjgC3m9kBd797rumH3P2KpvMJIcSqUCrkLOcCh939XgAzuwG4GJh37pXZxDlpQw/rEHFianAUUeap+u2ySJw+bFtF+aeU7XyfiV2Lsfoqyj8V6z8+fnvKv+ydRxvKP2ZL7HPF7kyaMqSYexvfzunAl4L3R4qyeX7IzO40s4+Y2Zmpwcxsn5kdMrNDR4+OWzBPCCHyOMZ4vFHqtRNoQ7nH/rzO//3778AH3f1RM3sjcB3wD2KDuft+YD/A879rt5+0IQcv4oymD4gIfoGzyrMos4TabKj8t9VqJM6/aGtEeUeVeVzZxpV35uCyGso/t5t3Zq6Gyj+3mzcklt+fysxpwoCEeyvK/QgQKvEzgPvCBu7+gLtPH6n068B3tzCvEEK0R7GgWua1E2jDud8O7DGzs83sBOAS4EDYwMxOC95eBNzTwrxCCNEuXvK1A2gclnH3LTO7AriZSSrkte5+l5m9FTjk7geAnzazi4At4ChwWZmxNzFOMqXiizgjm/xfNg7+bxsFK2LHwzVB/Uzb+Xb5sE7s4K5kKCZ6lEEiLGGLYY3ohqmEHmsa1okd1RAfv1lYJ5eqGbZJHdiWOzCuCTtFlZehFc/p7geBg3Nlbw6urwSubGMuIYRYBQ6Mx3LunbDBBk/eOHHdZoieMvLJYnuo3EMRPWZctAvUfKjcSyr/EeOgPjDApmMGNkWU/2SuReUeW6jNHRnQpvJPpXAer2+m/Kuo7dyBbbmjmFvBASl3IYQYHkPKc++1czcm6l2IGBs2jQOHyjrU0cVvx4Ky3P+8gXDbnI4S9Nmcic97ZMzwLiJoHPMaQfVG0W/TwzuLSPx65s4h9rk2EvUbRe1ou2gzqI8exRCkeDL9XkNhO2PLxmw7YCMYf6roNwjvosLvZ/lYs/NG/l3bYkDOXZ5TCCEAKJcG2XTR1czeYWafKzZ13mhmJwd1V5rZYTP7vJm9Mig/vyg7bGZvKjOPnLsQQkzpJhXyFuB57v584P9QJJuY2TlMUsm/Azgf+DUz2wzO77oAOAd4XdF2Kb0OywghRGc4eAfZMu7+seDtbcBriuuLgRuKDZ9/aWaHmZzdBTXO75JyF0KIbazkqzV+HPjd4jp1TlfZ87tmkHIXQogp5UMup5jZoeD9/uJcLADM7Fbg1Ei/q9z9pqLNVUw2dn5g2i1hUUyEZy2VcxdCiCnlnfv97r43OYz7y5Z1NrNLgVcBL3XfTpFadk7X0vO7YigsI4QQcHwTU5lXA4on1/0ccJG7hw+JPgBcYmYnmtnZwB7gU5Q4vyuGlLsQQhR0tInpXcCJwC022ctwm7u/sTiT68NMFkq3gMvdfQQQO78rN4mcuxBCTOkmW+bvLKl7O/D2SPnC+V055NyFEKLABrRDVc5dCCFgR53VXgY5dyGEAKD5YmmfkHMXQogpUu5CCDFAVnDQ5LqQcxdCCBjcwzpa2cSUO46ySMr/UFH/STM7q415hRCiTczLvXYCjZ17yeMo3wB8rcjv/GXgl5rOK4QQrdPNkb+d0IZyP5fiOEp3fwyYHkcZcjFwXXH9EeClZjac+x8hhOgZbTj3MsdRbrdx9y3gQeDpscHMbJ+ZHTKzQ//3gVGsiRBCrASFZWZJHVNZtc2k0H2/u+91973PePpmrIkQQrSPMzl+oMxrB9CGc192TOVCGzPbBTwVONrC3EII0R6Kuc9Q5jjKA8ClxfVrgN8PzjAWQoheMKSwTOM8d3ffih1HaWZvBQ65+wHgN4DfLJ4JeJTJHwAhhOgXO8Rxl6GVTUyx4yjd/c3B9SPAa9uYSwghVoacuxBCDIudFHIpg5y7EEJM2SGZMGWQcxdCiAIpdyGEGCJy7kIIMTAUcxdCiIEi5y6EEMPDBvSwjlbOcxdCCNEvpNyFEGKKwjJCCDEwtKAqhBADRc5dCCEGiJx7NzgwZkDL16JVRj75bYwT/0dOfzuj4HTpsO2ouJ4pm2k7225SH5snsCl4Ls3YF8tn6y1SvxGtj40/8qBt0S9dvzh+rP/MXDP2bRQ2bSyUhW3HyfFtoWz2cy1+7tmycF5bKGsDY1jZMr127kII0RmKuXfHmDHfGD+6bjNETymrvGN9Jm0X28WU94xCjSjvUfQpkik12p7ynpmraDuOqOmwXxXlHR8/bt/x8RfnDOed/f5SKn5RmVe5C2iEnLsQQgwQOfduGOE85FvrNkP0lPLKO1TWi3HuWOx7ch1To4vKdZxQ9rO2RpRvJD5dV3nH+sTi302V98xcERWeUua5+VPzxuq373IiaxJNUVhGCCGGiJz7BDP7ZuBDwFnAF4AfdvevRdqNgM8Ub7/o7heVGX/sxkNjnZAg4jRV3ttliayRUSS2G1Peyf7RbJdUBsiiGq2jvENiajiWdRKWV1HeM5/Lc8o/lk0TzxyK2RL7XG1ny+DDypZp+u28Cfg9d98D/F7xPsbfuvvfLV6lHLsQQnSOl3ztAJo694uB64rr64B/1HA8IYRYG9PnqOZeO4GmMfdvcfevALj7V8zsmYl2TzCzQ8AWcLW7/05qQDPbB+wDOPX0TR4an9DQRDFU4mGTZmGVkNjCXTy9LxFqyIRVZj5LZKw2wyrz88zb0mZYJTZ/LIQ2TtqyGHaJjp/4LhuxQxx3GbLO3cxuBU6NVF1VYZ5nu/t9ZvZtwO+b2Wfc/S9iDd19P7Af4LnPP3FAX7UQotfsoJBLGbLO3d1flqozs782s9MK1X4a8NXEGPcV/73XzD4OvACIOveQkW/w9fETcs3E45SyW+rrKu/5cRbHX7wzqKu8522ar9+2taHyTn+u5cq6rPJOpSeOI/aNiSv/sm1jn6kJxs4JuZShacz9AHBpcX0pcNN8AzN7mpmdWFyfAnw/cHfDeYUQonW6iLmb2dvM7E4zu8PMPmZmzyrKzcx+xcwOF/UvDPpcamZ/XrwuTY9+nKYx96uBD5vZG4AvAq8tDNkLvNHdfwJ4LvBeMxsz+WNytbuXcu4jNvib8RMbmiiGSnxjzfIt9XWUd2rLfzZ9sIbynh1/eVpnU+Ud+yyx2PdMfVZNl4+TjxMx+5gy70K5A12FZd7h7v8WwMx+Gngz8EbgAmBP8XoR8B7gRUXK+VuAvYWFf2JmB2Jp5yGNnLu7PwC8NFJ+CPiJ4vqPge9sMo8QQnRCB87d3b8evH1SMOvFwPXu7sBtZnZyEe4+D7jF3Y8CmNktwPnAB5fN0+sdqiM3Hhp907rNED2l7DGydQ+zyh1gNW/HfH2bynveplTbpsp75nNFPktOeSfVePbOYflYXmGs2lQLuZxSZABO2V8kg5TCzN4O/BjwIPCSovh04EtBsyNFWap8Kb127kII0Snlnfv97r43Vbksy9Ddb3L3q4CrzOxK4AomYZfYXytfUr6UXjv3MRs8pGwZkaB0bnfDw6xSWSe5B1zkttTXUd4hOWXcVHnH5qqr3D3TP8Rzyr249hWEUNo6fmBZluEcvwV8lIlzPwKcGdSdAdxXlJ83V/7x3MA6uEUIIQo6ypbZE7y9CPhccX0A+LEia+bFwIPFJtGbgVcUmYdPA15RlC2l18pdCCE6o7tNTFeb2bcDY+CvmGTKABwELgQOAw8Drwdw96Nm9jbg9qLdW6eLq8votXMf+QbfGCksI+LUCauElN1Sn05vjKT/JY8XWJ4q2DSsEh0z9llqhlWmxBY2w7ax8ElYPlsW2B353tJjLda3RjfZMj+UKHfg8kTdtcC1VebptXMXQoiuGNoO1V479zHGQ1LuIkFT5T3fbr5tbEt9tUXKcougs7Y2U97pzxVR1g2Vd8hUTYdj5hZBPTJ+qu3sXIu2toWNh+Pde+3chRCiMx5vB4etk5Fv8P+2Tly3GaKn1DnMqs72+Gpx8grKuoZyr6K8Z+bKKvPFMaso72V9wn4ptR761O3y7FwLRY1RWEYIIYaInHs3jN34xkgP6xBxmh5mlVPe0T4NlXtKecf6xJVzM+UdElPhTZV3Mg4e7b84/+RNJOaeUfFtIeUuhBBDRM69G8a+wTeOKVtGLKfNw6yqqPjclvo6yjv1uXJ54nWUd8h2/0hZWJFV3pnPlFTg0bHCjpG2bTtib+/4gT7Qa+cuhBBdYSgs0xkjjIe3dq/bDNFTyh4jW/cwq9wBVvE+i/alx2KhPp/tsthnpj/x+pzyjveJtM0o75Qajx5smIip52Lu0/qVOOJVpOCsiV47dyGE6BIpdyGEGBraxHQcM3st8ItMnpN6bvF4vVi784F3ApvA+9z96jLjj11hGZGm7BnhTQ+zqrIIWmVLfZ2wSnquWJ+GYZWZyaYXCZu2x098P5H6pEr2aX1urkT/BgxpQbXpee6fBX4Q+ESqgZltAu9m8vDXc4DXmdk5DecVQojWsXG5106g6QOy7wEwW7qp4FzgsLvfW7S9gcmDYO/Oj288IuUuErR1jGxOTdddBK2ypb6O8p6ZK7dlv6nyjvaJqPCgPqq8M4ukIZZqG6tvA2dQC6pdPImp0sNdzWyfmR0ys0PHHnx45cYJIcSULp7E1BVZ5Z570GuJOWKyJvn1FE8Q3w/wxD2n+aNbWvMVcZoq72V9IBCbmc02uW30s3OFbyL9mirvmckyyr+O8p4ZP3KdiqnnlHeFuWK2tsYOcdxlyHrOCg96TZF66KsQQvQGbWKqzu3AHjM7G/gycAnwI2U6uhuPHpNyF3FqHWaVOYCq0pb6zMadXLZLdkt9Q+U9M1NsS3+byjtiU2z85JhRZb78+2s/5u6DelhHo5i7mb3azI4A3wt81MxuLsqfZWYHAdx9C7iCydO67wE+7O53NTNbCCFWgJd87QCaZsvcCNwYKb+PyVO8p+8PMnmyd8XxjWNbm01MFEMmqtyD6jrKOzN+dEt9iQyQXLZLdEt9LP5dV3nH+gRk1XIF5R2dP2J/+rMuH3+VoROFZYQQYmg4MKCwTK+duztsPSblLjJk4txtKO/j40falohTl1beM5NViakv9skqbxbr08q6nPLOxelLKfCSdwmrOThsBWOuiV47dyGE6BKFZYQQYoAMKVum387djfGxLjbRip1JyTPC6x5mFauPzVUirFMrrJKZK25rqj4TVpkfp+r4ZftXaNt5WGYHZcKUod/OXQghOmKyiWk43r3fzt3Bt6TcRYIa6X91DrPKKtCA7Jb6pso7JJM+WEt5Vxi/6fwh1b6LSFlb7JATH8vQb+cuhBAdIuXeFW6YYu4iRYWY95Rah1lVUKtR+0jE1FelfMvaWmX+SJ+VKPvEXLG1DsXcl9Nv5y6EEJ0xrLNl+u3cHezY0geBiMczdZR3pH+lrIyI8i4Tk6+1pb6CMo6O01BZt2mfxcoy33tIZzF3hWWEEGJg+M55hF4Z+u3cHWxLyl0kaEl5h7Sab10jft2q8o7MVXv8ZX0i85QZv5ItkTmk3JfTb+cuhBBdMhzfLucuhBBTbDycuEyvnbs5bBxbtxWitzQ9qbDs7X2F9MRWQw0thm2220XmLNMyb6D6AAALAElEQVS/Tipj/e/KK8/VCo42MQkhxNAwXJuYOsNh4zEtqIoMdVL2wvIO1GjZtMlsf+L1q0hlrHckQMI5lr3zqNJ2FY64Q+duZj8LvAN4hrvfb2YGvJPJU+weBi5z908XbS8FfqHo+u/c/brc+E2fofpaM7vLzMZmtndJuy+Y2WfM7A4zO9RkTiGEWBnu5V4NMbMzgZcDXwyKLwD2FK99wHuKtt8MvAV4EXAu8BYze1pujqbK/bPADwLvLdH2Je5+f6XRHTa26pglHhd0pEarbExqVXlH2laJuTc/stcXyhvPT6reF8vDscJYeMyWNug25v7LwL8BbgrKLgaud3cHbjOzk83sNOA84BZ3PwpgZrcA5wMfXDZB0wdk31NM1mQYIYToBRWyZU6Zi0Lsd/f9peYwuwj4srv/2ZzvPB34UvD+SFGWKl9KVzF3Bz5mZg68t/SX4MqWEUuooawbq91ldqT6B9e1le+SMdP9ayjvxFz578qXjz9eLAupNNbKYu6VQi73u/uyUPStwKmRqquAnwdeEesWNypZvpSsc19mpLvfFCmP8f3ufp+ZPRO4xcw+5+6fSMy3j0m8iV1PyYaVhBCiHZzW/mC4+8ti5Wb2ncDZwFS1nwF82szOZaLIzwyanwHcV5SfN1f+8ZwNWeeeMrIK7n5f8d+vmtmNTBYFos69UPX7Ab7p1DPdpNxFgtaOkW0Yk690/ECbyjsyV/2YeEQtx8aPxL5nx4/EzpP2xSfL2jo9ubFt4Q4rj7m7+2eAZ07fm9kXgL1FtswB4Aozu4HJ4umD7v4VM7sZ+PfBIuorgCtzc608LGNmTwI23P2h4voVwFtXPa8QQlRlzXnuB5mkQR5mkgr5egB3P2pmbwNuL9q9dbq4uoxGzt3MXg38KvAM4KNmdoe7v9LMngW8z90vBL4FuLG4BdkF/Ja7/89SEyjmLpZQR3nP9K+jzKvUz8y1qDbr5XYn+m/3ySjnhso7pFacPDwvPXMXkZ5rWrYCR9yxc3f3s4JrBy5PtLsWuLbK2E2zZW4EboyU38fkLxDufi/wXU3mEUKIleMOo+GcP9DvHapCCNElOn6gGwxtYhJpGodVImXZ2/9Ki5RLbE6O1TCsEpLbGNQ0rDIzV3rM9PzBm3GkPLm4m1n8bYKcuxBCDAwn/cdrB9Jv5+6wqQVVkaK0ci+vvEPq3RlUUN5E6isp38W2le4cIoubbSjvaH32ziQoHy+WxT9L247YwRVzF0KIYeFoQbUrJscPDOc2SbRM0/TBjFpd1gfiW+prK+9lfVK21lHeM3OFthRvYrHvsG1GeafvTBbj6LPjL94FJOsjtraGYu5CCDFA5Nw7Ygybj63bCNFbstkomQyQksq72pb/Zso7pFo2S3XlHZ0rFvsOy3PKOzX/fLv562i2TNfK3eXchRBicDigB2R3g2LuYhmlj5GteZhV6Th5hS31tZV3pE/c1obKO6SKmi4bJ08p49xc4wpjNUHKXQghhoYrW6YzHDYfG85fUtEyTbNdptc55V3pMK1cHDlua2nlHRJT4XXj2DHlPTNXQ+U+zvSPzTXz7zJeXt8GDq48dyGEGCDaoSqEEANEMfduMHctqIokdcIq0f6pRcZoqCEYILpImpgrs6W+cVhlWZ+wbd2wyna7CgumsbBKbpE0JGlrZKw2cFe2jBBCDBIp945w2HhsOH9JRbs0Vt7bZakF00KZpxY2txd0l6vhWZszyreh8s7O1abyDsktmG7PH1kYTcybXNyMzdUKjo9GLY+5Pvrt3IUQoiscLah2hTlsSrmLFNlUxXLKO6TSlvqycfL5NlFbSs5VRXmHbKvdhHJuqryXjUmgwlP2R8b13FyrcMQDSoXcaNLZzN5hZp8zszvN7EYzOznR7nwz+7yZHTazNzWZUwghVoEDPvZSr51AU+V+C3Clu2+Z2S8BVwI/FzYws03g3cDLgSPA7WZ2wN3vzo4+dsXcRZqyW+prKu+lfUr0r6S8l40f9muqvENiyrip8k7cOXisPrFJySOf1RNtW8Vdyn2Ku3/M3adPOb0NOCPS7FzgsLvf6+6PATcAFzeZVwghVoGPRqVeO4E2Y+4/DnwoUn468KXg/RHgRalBzGwfsK94++itf/QLn23NwvY4Bbh/3UZEkF3V6attsqsa3950gIf42s23+kdOKdm8j9/BDFnnbma3AqdGqq5y95uKNlcBW8AHYkNEypJBK3ffD+wvxj3k7ntzNnaN7KpGX+2C/tomu6phZoeajuHu57dhS1/IOnd3f9myejO7FHgV8FL3aMDtCHBm8P4M4L4qRgohhKhG02yZ85ksoF7k7g8nmt0O7DGzs83sBOAS4ECTeYUQQiynkXMH3gWcBNxiZneY2TUAZvYsMzsIUCy4XgHcDNwDfNjd7yo5/v6G9q0K2VWNvtoF/bVNdlWjr3atDYtHUoQQQuxkmip3IYQQPUTOXQghBsjanXvuaAIzO9HMPlTUf9LMzuqRbf/KzO4ujl/4PTP71j7YFbR7jZm5mXWSulbGLjP74eI7u8vMfqsPdpnZs83sD8zsT4t/yws7sutaM/uqmUX3ctiEXynsvtPMXtgTu/5xYc+dZvbHZvZdXdhVxrag3feY2cjMXtOVbb3D3df2AjaBvwC+DTgB+DPgnLk2/wy4pri+BPhQj2x7CfDE4vonu7CtjF1Fu5OATzDZOby3D3YBe4A/BZ5WvH9mT+zaD/xkcX0O8IWOfmN/H3gh8NlE/YXA7zLZK/Ji4JM9sev7gn/DC7qyq4xtwb/57wMHgdd0ZVvfXutW7mWOJrgYuK64/gjwUjOLbYzq3DZ3/wM/ngKaOn6hc7sK3gb8B+CRDmwqa9c/Bd7t7l8DcPev9sQuB55SXD+VjvZhuPsngKNLmlwMXO8TbgNONrPT1m2Xu//x9N+Q7n7307lz3xnATwG/DXTx++ot63busaMJTk+18Ula5YPA03tiW8gbmKisVZO1y8xeAJzp7v+jA3tK2wU8B3iOmf2Rmd1W7JPog12/CPyomR1hovZ+qgO7ylD1N7gOuvrdl8LMTgdeDVyzblvWzbrPcy9zNEGl4wtapPS8ZvajwF7gB1ZqUTFdpGzbLjPbAH4ZuKwDW0LKfF+7mIRmzmOi9v7QzJ7n7n+zZrteB7zf3f+jmX0v8JuFXes+InBdv/1SmNlLmDj3v7duWwL+M/Bz7j7q5ga/v6zbuZc5mmDa5oiZ7WJy25y7LevKNszsZcBVwA+4+6M9sOsk4HnAx4sf96nAATO7yN0bn7/RwK5pm9vc/Rjwl2b2eSbO/vY12/UG4HwAd//fZvYEJgdkrfu2vrdHd5jZ84H3ARe4+wPrtidgL3BD8ds/BbjQzLbc/XfWa9YaWGfAn8kfl3uBszm+2PUdc20uZ3ZB9cM9su0FTBbr9vTpO5tr/3G6WVAt832dD1xXXJ/CJOTw9B7Y9bvAZcX1c5k4UOvo3/Ms0guX/5DZBdVPdfg7W2bXs4HDwPd1ZU9Z2+bavZ/H8YLqWpW7Tx7yMT2aYBO41t3vMrO3Aofc/QDwG0xukw8zUeyX9Mi2dwBPBv5roRS+6O4X9cCuzilp183AK8zsbmAE/GtfseoradfPAL9uZv+SSdjjMi+8wyoxsw8yCVGdUsT73wLsLuy+hkn8/0ImjvRh4PWrtqmkXW9msu71a8Xvfss7OimyhG2iQMcPCCHEAFl3towQQogVIOcuhBADRM5dCCEGiJy7EEIMEDl3IYQYIHLuQggxQOTchRBigPx/A/V5GZOtEF8AAAAASUVORK5CYII="/>
+          <p:cNvSpPr>
+            <a:spLocks noChangeAspect="1" noChangeArrowheads="1"/>
+          </p:cNvSpPr>
+          <p:nvPr/>
+        </p:nvSpPr>
+        <p:spPr bwMode="auto">
+          <a:xfrm>
+            <a:off x="155575" y="-144463"/>
+            <a:ext cx="304800" cy="304801"/>
+          </a:xfrm>
+          <a:prstGeom prst="rect">
+            <a:avLst/>
+          </a:prstGeom>
+          <a:noFill/>
+          <a:extLst>
+            <a:ext uri="{909E8E84-426E-40DD-AFC4-6F175D3DCCD1}">
+              <a14:hiddenFill xmlns:a14="http://schemas.microsoft.com/office/drawing/2010/main">
+                <a:solidFill>
+                  <a:srgbClr val="FFFFFF"/>
+                </a:solidFill>
+              </a14:hiddenFill>
+            </a:ext>
+          </a:extLst>
+        </p:spPr>
+        <p:txBody>
+          <a:bodyPr vert="horz" wrap="square" lIns="91440" tIns="45720" rIns="91440" bIns="45720" numCol="1" anchor="t" anchorCtr="0" compatLnSpc="1">
+            <a:prstTxWarp prst="textNoShape">
+              <a:avLst/>
+            </a:prstTxWarp>
+          </a:bodyPr>
+          <a:lstStyle/>
+          <a:p>
+            <a:endParaRPr lang="fr-FR"/>
+          </a:p>
+        </p:txBody>
+      </p:sp>
+      <p:sp>
+        <p:nvSpPr>
+          <p:cNvPr id="9" name="Rectangle à coins arrondis 8"/>
+          <p:cNvSpPr/>
+          <p:nvPr/>
+        </p:nvSpPr>
+        <p:spPr>
+          <a:xfrm>
+            <a:off x="1994213" y="4777536"/>
+            <a:ext cx="561563" cy="523672"/>
+          </a:xfrm>
+          <a:prstGeom prst="roundRect">
+            <a:avLst>
+              <a:gd name="adj" fmla="val 0"/>
+            </a:avLst>
+          </a:prstGeom>
+          <a:noFill/>
+          <a:ln>
+            <a:prstDash val="dash"/>
+          </a:ln>
+        </p:spPr>
+        <p:style>
+          <a:lnRef idx="2">
+            <a:schemeClr val="accent1">
+              <a:shade val="50000"/>
+            </a:schemeClr>
+          </a:lnRef>
+          <a:fillRef idx="1">
+            <a:schemeClr val="accent1"/>
+          </a:fillRef>
+          <a:effectRef idx="0">
+            <a:schemeClr val="accent1"/>
+          </a:effectRef>
+          <a:fontRef idx="minor">
+            <a:schemeClr val="lt1"/>
+          </a:fontRef>
+        </p:style>
+        <p:txBody>
+          <a:bodyPr rtlCol="0" anchor="ctr"/>
+          <a:lstStyle/>
+          <a:p>
+            <a:pPr algn="ctr"/>
+            <a:endParaRPr lang="fr-FR"/>
+          </a:p>
+        </p:txBody>
+      </p:sp>
+      <p:sp>
+        <p:nvSpPr>
+          <p:cNvPr id="8" name="Rectangle 7"/>
+          <p:cNvSpPr/>
+          <p:nvPr/>
+        </p:nvSpPr>
+        <p:spPr>
+          <a:xfrm>
+            <a:off x="1691680" y="4941168"/>
+            <a:ext cx="302533" cy="160404"/>
+          </a:xfrm>
+          <a:prstGeom prst="rect">
+            <a:avLst/>
+          </a:prstGeom>
+          <a:solidFill>
+            <a:schemeClr val="accent2"/>
+          </a:solidFill>
+          <a:ln>
+            <a:noFill/>
+          </a:ln>
+        </p:spPr>
+        <p:style>
+          <a:lnRef idx="2">
+            <a:schemeClr val="accent1">
+              <a:shade val="50000"/>
+            </a:schemeClr>
+          </a:lnRef>
+          <a:fillRef idx="1">
+            <a:schemeClr val="accent1"/>
+          </a:fillRef>
+          <a:effectRef idx="0">
+            <a:schemeClr val="accent1"/>
+          </a:effectRef>
+          <a:fontRef idx="minor">
+            <a:schemeClr val="lt1"/>
+          </a:fontRef>
+        </p:style>
+        <p:txBody>
+          <a:bodyPr rtlCol="0" anchor="ctr"/>
+          <a:lstStyle/>
+          <a:p>
+            <a:pPr algn="ctr"/>
+            <a:endParaRPr lang="fr-FR"/>
+          </a:p>
+        </p:txBody>
+      </p:sp>
+    </p:spTree>
+    <p:extLst>
+      <p:ext uri="{BB962C8B-B14F-4D97-AF65-F5344CB8AC3E}">
+        <p14:creationId xmlns:p14="http://schemas.microsoft.com/office/powerpoint/2010/main" val="1439198707"/>
       </p:ext>
     </p:extLst>
   </p:cSld>

--- a/Test Configurations/Results.pptx
+++ b/Test Configurations/Results.pptx
@@ -5,19 +5,27 @@
     <p:sldMasterId id="2147483648" r:id="rId1"/>
   </p:sldMasterIdLst>
   <p:notesMasterIdLst>
-    <p:notesMasterId r:id="rId12"/>
+    <p:notesMasterId r:id="rId20"/>
   </p:notesMasterIdLst>
   <p:sldIdLst>
-    <p:sldId id="257" r:id="rId2"/>
-    <p:sldId id="258" r:id="rId3"/>
-    <p:sldId id="261" r:id="rId4"/>
-    <p:sldId id="262" r:id="rId5"/>
-    <p:sldId id="263" r:id="rId6"/>
-    <p:sldId id="266" r:id="rId7"/>
-    <p:sldId id="267" r:id="rId8"/>
-    <p:sldId id="268" r:id="rId9"/>
-    <p:sldId id="269" r:id="rId10"/>
-    <p:sldId id="270" r:id="rId11"/>
+    <p:sldId id="273" r:id="rId2"/>
+    <p:sldId id="274" r:id="rId3"/>
+    <p:sldId id="275" r:id="rId4"/>
+    <p:sldId id="272" r:id="rId5"/>
+    <p:sldId id="276" r:id="rId6"/>
+    <p:sldId id="278" r:id="rId7"/>
+    <p:sldId id="277" r:id="rId8"/>
+    <p:sldId id="271" r:id="rId9"/>
+    <p:sldId id="257" r:id="rId10"/>
+    <p:sldId id="258" r:id="rId11"/>
+    <p:sldId id="261" r:id="rId12"/>
+    <p:sldId id="262" r:id="rId13"/>
+    <p:sldId id="263" r:id="rId14"/>
+    <p:sldId id="266" r:id="rId15"/>
+    <p:sldId id="267" r:id="rId16"/>
+    <p:sldId id="268" r:id="rId17"/>
+    <p:sldId id="269" r:id="rId18"/>
+    <p:sldId id="270" r:id="rId19"/>
   </p:sldIdLst>
   <p:sldSz cx="9144000" cy="6858000" type="screen4x3"/>
   <p:notesSz cx="6858000" cy="9144000"/>
@@ -201,7 +209,7 @@
           <a:p>
             <a:fld id="{9A707838-A5C7-4512-8EE0-41B28AD82A83}" type="datetimeFigureOut">
               <a:rPr lang="fr-FR" smtClean="0"/>
-              <a:t>29/06/2018</a:t>
+              <a:t>07/07/2018</a:t>
             </a:fld>
             <a:endParaRPr lang="fr-FR"/>
           </a:p>
@@ -650,7 +658,7 @@
           <a:p>
             <a:fld id="{AA309A6D-C09C-4548-B29A-6CF363A7E532}" type="datetimeFigureOut">
               <a:rPr lang="fr-FR" smtClean="0"/>
-              <a:t>29/06/2018</a:t>
+              <a:t>07/07/2018</a:t>
             </a:fld>
             <a:endParaRPr lang="fr-BE"/>
           </a:p>
@@ -815,7 +823,7 @@
           <a:p>
             <a:fld id="{AA309A6D-C09C-4548-B29A-6CF363A7E532}" type="datetimeFigureOut">
               <a:rPr lang="fr-FR" smtClean="0"/>
-              <a:t>29/06/2018</a:t>
+              <a:t>07/07/2018</a:t>
             </a:fld>
             <a:endParaRPr lang="fr-BE"/>
           </a:p>
@@ -990,7 +998,7 @@
           <a:p>
             <a:fld id="{AA309A6D-C09C-4548-B29A-6CF363A7E532}" type="datetimeFigureOut">
               <a:rPr lang="fr-FR" smtClean="0"/>
-              <a:t>29/06/2018</a:t>
+              <a:t>07/07/2018</a:t>
             </a:fld>
             <a:endParaRPr lang="fr-BE"/>
           </a:p>
@@ -1155,7 +1163,7 @@
           <a:p>
             <a:fld id="{AA309A6D-C09C-4548-B29A-6CF363A7E532}" type="datetimeFigureOut">
               <a:rPr lang="fr-FR" smtClean="0"/>
-              <a:t>29/06/2018</a:t>
+              <a:t>07/07/2018</a:t>
             </a:fld>
             <a:endParaRPr lang="fr-BE"/>
           </a:p>
@@ -1396,7 +1404,7 @@
           <a:p>
             <a:fld id="{AA309A6D-C09C-4548-B29A-6CF363A7E532}" type="datetimeFigureOut">
               <a:rPr lang="fr-FR" smtClean="0"/>
-              <a:t>29/06/2018</a:t>
+              <a:t>07/07/2018</a:t>
             </a:fld>
             <a:endParaRPr lang="fr-BE"/>
           </a:p>
@@ -1679,7 +1687,7 @@
           <a:p>
             <a:fld id="{AA309A6D-C09C-4548-B29A-6CF363A7E532}" type="datetimeFigureOut">
               <a:rPr lang="fr-FR" smtClean="0"/>
-              <a:t>29/06/2018</a:t>
+              <a:t>07/07/2018</a:t>
             </a:fld>
             <a:endParaRPr lang="fr-BE"/>
           </a:p>
@@ -2096,7 +2104,7 @@
           <a:p>
             <a:fld id="{AA309A6D-C09C-4548-B29A-6CF363A7E532}" type="datetimeFigureOut">
               <a:rPr lang="fr-FR" smtClean="0"/>
-              <a:t>29/06/2018</a:t>
+              <a:t>07/07/2018</a:t>
             </a:fld>
             <a:endParaRPr lang="fr-BE"/>
           </a:p>
@@ -2209,7 +2217,7 @@
           <a:p>
             <a:fld id="{AA309A6D-C09C-4548-B29A-6CF363A7E532}" type="datetimeFigureOut">
               <a:rPr lang="fr-FR" smtClean="0"/>
-              <a:t>29/06/2018</a:t>
+              <a:t>07/07/2018</a:t>
             </a:fld>
             <a:endParaRPr lang="fr-BE"/>
           </a:p>
@@ -2299,7 +2307,7 @@
           <a:p>
             <a:fld id="{AA309A6D-C09C-4548-B29A-6CF363A7E532}" type="datetimeFigureOut">
               <a:rPr lang="fr-FR" smtClean="0"/>
-              <a:t>29/06/2018</a:t>
+              <a:t>07/07/2018</a:t>
             </a:fld>
             <a:endParaRPr lang="fr-BE"/>
           </a:p>
@@ -2571,7 +2579,7 @@
           <a:p>
             <a:fld id="{AA309A6D-C09C-4548-B29A-6CF363A7E532}" type="datetimeFigureOut">
               <a:rPr lang="fr-FR" smtClean="0"/>
-              <a:t>29/06/2018</a:t>
+              <a:t>07/07/2018</a:t>
             </a:fld>
             <a:endParaRPr lang="fr-BE"/>
           </a:p>
@@ -2819,7 +2827,7 @@
           <a:p>
             <a:fld id="{AA309A6D-C09C-4548-B29A-6CF363A7E532}" type="datetimeFigureOut">
               <a:rPr lang="fr-FR" smtClean="0"/>
-              <a:t>29/06/2018</a:t>
+              <a:t>07/07/2018</a:t>
             </a:fld>
             <a:endParaRPr lang="fr-BE"/>
           </a:p>
@@ -3027,7 +3035,7 @@
           <a:p>
             <a:fld id="{AA309A6D-C09C-4548-B29A-6CF363A7E532}" type="datetimeFigureOut">
               <a:rPr lang="fr-FR" smtClean="0"/>
-              <a:t>29/06/2018</a:t>
+              <a:t>07/07/2018</a:t>
             </a:fld>
             <a:endParaRPr lang="fr-BE"/>
           </a:p>
@@ -3397,6 +3405,29 @@
           <a:chExt cx="0" cy="0"/>
         </a:xfrm>
       </p:grpSpPr>
+      <p:sp>
+        <p:nvSpPr>
+          <p:cNvPr id="2" name="Titre 1"/>
+          <p:cNvSpPr>
+            <a:spLocks noGrp="1"/>
+          </p:cNvSpPr>
+          <p:nvPr>
+            <p:ph type="title"/>
+          </p:nvPr>
+        </p:nvSpPr>
+        <p:spPr/>
+        <p:txBody>
+          <a:bodyPr/>
+          <a:lstStyle/>
+          <a:p>
+            <a:r>
+              <a:rPr lang="fr-FR" dirty="0" err="1" smtClean="0"/>
+              <a:t>Geometry</a:t>
+            </a:r>
+            <a:endParaRPr lang="fr-FR" dirty="0"/>
+          </a:p>
+        </p:txBody>
+      </p:sp>
       <p:pic>
         <p:nvPicPr>
           <p:cNvPr id="2050" name="Picture 2"/>
@@ -3413,13 +3444,13 @@
               </a:ext>
             </a:extLst>
           </a:blip>
-          <a:srcRect l="4657" t="4707" r="31371" b="6671"/>
+          <a:srcRect r="42519" b="7619"/>
           <a:stretch/>
         </p:blipFill>
         <p:spPr bwMode="auto">
           <a:xfrm>
-            <a:off x="107504" y="1320800"/>
-            <a:ext cx="4744720" cy="4124960"/>
+            <a:off x="-25516" y="1124744"/>
+            <a:ext cx="3839830" cy="3302665"/>
           </a:xfrm>
           <a:prstGeom prst="rect">
             <a:avLst/>
@@ -3465,13 +3496,13 @@
               </a:ext>
             </a:extLst>
           </a:blip>
-          <a:srcRect l="19452" r="20548" b="21514"/>
+          <a:srcRect l="13711" r="31378" b="7619"/>
           <a:stretch/>
         </p:blipFill>
         <p:spPr bwMode="auto">
           <a:xfrm>
-            <a:off x="4682480" y="1412776"/>
-            <a:ext cx="4450080" cy="3653155"/>
+            <a:off x="4932040" y="1340768"/>
+            <a:ext cx="3668232" cy="3302664"/>
           </a:xfrm>
           <a:prstGeom prst="rect">
             <a:avLst/>
@@ -3501,86 +3532,23 @@
           </a:extLst>
         </p:spPr>
       </p:pic>
-      <p:sp>
-        <p:nvSpPr>
-          <p:cNvPr id="4" name="Titre 3"/>
-          <p:cNvSpPr>
-            <a:spLocks noGrp="1"/>
-          </p:cNvSpPr>
-          <p:nvPr>
-            <p:ph type="title"/>
-          </p:nvPr>
-        </p:nvSpPr>
-        <p:spPr/>
-        <p:txBody>
-          <a:bodyPr>
-            <a:normAutofit fontScale="90000"/>
-          </a:bodyPr>
-          <a:lstStyle/>
-          <a:p>
-            <a:r>
-              <a:rPr lang="fr-FR" dirty="0" smtClean="0"/>
-              <a:t>1 </a:t>
-            </a:r>
-            <a:r>
-              <a:rPr lang="fr-FR" dirty="0" err="1" smtClean="0"/>
-              <a:t>strap</a:t>
-            </a:r>
-            <a:r>
-              <a:rPr lang="fr-FR" dirty="0" smtClean="0"/>
-              <a:t> – </a:t>
-            </a:r>
-            <a:r>
-              <a:rPr lang="fr-FR" dirty="0" err="1" smtClean="0"/>
-              <a:t>lossy</a:t>
-            </a:r>
-            <a:r>
-              <a:rPr lang="fr-FR" dirty="0" smtClean="0"/>
-              <a:t> water </a:t>
-            </a:r>
-            <a:br>
-              <a:rPr lang="fr-FR" dirty="0" smtClean="0"/>
-            </a:br>
-            <a:r>
-              <a:rPr lang="fr-FR" dirty="0" err="1" smtClean="0"/>
-              <a:t>eps</a:t>
-            </a:r>
-            <a:r>
-              <a:rPr lang="fr-FR" baseline="-25000" dirty="0" err="1" smtClean="0"/>
-              <a:t>r</a:t>
-            </a:r>
-            <a:r>
-              <a:rPr lang="fr-FR" dirty="0" smtClean="0"/>
-              <a:t>=(81-1j*$</a:t>
-            </a:r>
-            <a:r>
-              <a:rPr lang="fr-FR" dirty="0" err="1" smtClean="0"/>
-              <a:t>losses</a:t>
-            </a:r>
-            <a:r>
-              <a:rPr lang="fr-FR" dirty="0" smtClean="0"/>
-              <a:t>)</a:t>
-            </a:r>
-            <a:endParaRPr lang="fr-FR" dirty="0"/>
-          </a:p>
-        </p:txBody>
-      </p:sp>
       <p:cxnSp>
         <p:nvCxnSpPr>
-          <p:cNvPr id="6" name="Connecteur droit avec flèche 5"/>
+          <p:cNvPr id="4" name="Connecteur droit avec flèche 3"/>
           <p:cNvCxnSpPr/>
           <p:nvPr/>
         </p:nvCxnSpPr>
         <p:spPr>
-          <a:xfrm flipH="1">
-            <a:off x="4283968" y="4365104"/>
-            <a:ext cx="1440160" cy="1296144"/>
+          <a:xfrm flipV="1">
+            <a:off x="4788024" y="1772817"/>
+            <a:ext cx="160516" cy="2088231"/>
           </a:xfrm>
           <a:prstGeom prst="straightConnector1">
             <a:avLst/>
           </a:prstGeom>
           <a:ln>
-            <a:tailEnd type="arrow"/>
+            <a:headEnd type="arrow" w="med" len="med"/>
+            <a:tailEnd type="arrow" w="med" len="med"/>
           </a:ln>
         </p:spPr>
         <p:style>
@@ -3598,16 +3566,84 @@
           </a:fontRef>
         </p:style>
       </p:cxnSp>
-      <p:sp>
-        <p:nvSpPr>
-          <p:cNvPr id="7" name="ZoneTexte 6"/>
+      <p:cxnSp>
+        <p:nvCxnSpPr>
+          <p:cNvPr id="8" name="Connecteur droit avec flèche 7"/>
+          <p:cNvCxnSpPr/>
+          <p:nvPr/>
+        </p:nvCxnSpPr>
+        <p:spPr>
+          <a:xfrm>
+            <a:off x="4932040" y="4077072"/>
+            <a:ext cx="1368152" cy="720080"/>
+          </a:xfrm>
+          <a:prstGeom prst="straightConnector1">
+            <a:avLst/>
+          </a:prstGeom>
+          <a:ln>
+            <a:headEnd type="arrow" w="med" len="med"/>
+            <a:tailEnd type="arrow" w="med" len="med"/>
+          </a:ln>
+        </p:spPr>
+        <p:style>
+          <a:lnRef idx="1">
+            <a:schemeClr val="accent1"/>
+          </a:lnRef>
+          <a:fillRef idx="0">
+            <a:schemeClr val="accent1"/>
+          </a:fillRef>
+          <a:effectRef idx="0">
+            <a:schemeClr val="accent1"/>
+          </a:effectRef>
+          <a:fontRef idx="minor">
+            <a:schemeClr val="tx1"/>
+          </a:fontRef>
+        </p:style>
+      </p:cxnSp>
+      <p:cxnSp>
+        <p:nvCxnSpPr>
+          <p:cNvPr id="10" name="Connecteur droit avec flèche 9"/>
+          <p:cNvCxnSpPr/>
+          <p:nvPr/>
+        </p:nvCxnSpPr>
+        <p:spPr>
+          <a:xfrm flipV="1">
+            <a:off x="6736432" y="4293096"/>
+            <a:ext cx="1651992" cy="504056"/>
+          </a:xfrm>
+          <a:prstGeom prst="straightConnector1">
+            <a:avLst/>
+          </a:prstGeom>
+          <a:ln>
+            <a:headEnd type="arrow" w="med" len="med"/>
+            <a:tailEnd type="arrow" w="med" len="med"/>
+          </a:ln>
+        </p:spPr>
+        <p:style>
+          <a:lnRef idx="1">
+            <a:schemeClr val="accent1"/>
+          </a:lnRef>
+          <a:fillRef idx="0">
+            <a:schemeClr val="accent1"/>
+          </a:fillRef>
+          <a:effectRef idx="0">
+            <a:schemeClr val="accent1"/>
+          </a:effectRef>
+          <a:fontRef idx="minor">
+            <a:schemeClr val="tx1"/>
+          </a:fontRef>
+        </p:style>
+      </p:cxnSp>
+      <p:sp>
+        <p:nvSpPr>
+          <p:cNvPr id="11" name="ZoneTexte 10"/>
           <p:cNvSpPr txBox="1"/>
           <p:nvPr/>
         </p:nvSpPr>
         <p:spPr>
           <a:xfrm>
-            <a:off x="3995936" y="5949280"/>
-            <a:ext cx="1468159" cy="369332"/>
+            <a:off x="5401968" y="5003884"/>
+            <a:ext cx="2728376" cy="369332"/>
           </a:xfrm>
           <a:prstGeom prst="rect">
             <a:avLst/>
@@ -3621,21 +3657,50 @@
           <a:lstStyle/>
           <a:p>
             <a:r>
-              <a:rPr lang="fr-FR" dirty="0" smtClean="0"/>
-              <a:t>Radiation </a:t>
-            </a:r>
-            <a:r>
-              <a:rPr lang="fr-FR" dirty="0" err="1" smtClean="0"/>
-              <a:t>BCs</a:t>
-            </a:r>
-            <a:endParaRPr lang="fr-FR" dirty="0"/>
+              <a:rPr lang="fr-FR" dirty="0" smtClean="0">
+                <a:solidFill>
+                  <a:schemeClr val="tx2"/>
+                </a:solidFill>
+              </a:rPr>
+              <a:t>Cube of </a:t>
+            </a:r>
+            <a:r>
+              <a:rPr lang="fr-FR" dirty="0" err="1" smtClean="0">
+                <a:solidFill>
+                  <a:schemeClr val="tx2"/>
+                </a:solidFill>
+                <a:latin typeface="Courier (W1)" pitchFamily="49" charset="0"/>
+              </a:rPr>
+              <a:t>d_vacuum</a:t>
+            </a:r>
+            <a:r>
+              <a:rPr lang="fr-FR" dirty="0" smtClean="0">
+                <a:solidFill>
+                  <a:schemeClr val="tx2"/>
+                </a:solidFill>
+              </a:rPr>
+              <a:t> </a:t>
+            </a:r>
+            <a:r>
+              <a:rPr lang="fr-FR" dirty="0" err="1" smtClean="0">
+                <a:solidFill>
+                  <a:schemeClr val="tx2"/>
+                </a:solidFill>
+              </a:rPr>
+              <a:t>length</a:t>
+            </a:r>
+            <a:endParaRPr lang="fr-FR" dirty="0">
+              <a:solidFill>
+                <a:schemeClr val="tx2"/>
+              </a:solidFill>
+            </a:endParaRPr>
           </a:p>
         </p:txBody>
       </p:sp>
     </p:spTree>
     <p:extLst>
       <p:ext uri="{BB962C8B-B14F-4D97-AF65-F5344CB8AC3E}">
-        <p14:creationId xmlns:p14="http://schemas.microsoft.com/office/powerpoint/2010/main" val="3718662431"/>
+        <p14:creationId xmlns:p14="http://schemas.microsoft.com/office/powerpoint/2010/main" val="1466691480"/>
       </p:ext>
     </p:extLst>
   </p:cSld>
@@ -3646,6 +3711,3858 @@
 </file>
 
 <file path=ppt/slides/slide10.xml><?xml version="1.0" encoding="utf-8"?>
+<p:sld xmlns:a="http://schemas.openxmlformats.org/drawingml/2006/main" xmlns:r="http://schemas.openxmlformats.org/officeDocument/2006/relationships" xmlns:p="http://schemas.openxmlformats.org/presentationml/2006/main">
+  <p:cSld>
+    <p:spTree>
+      <p:nvGrpSpPr>
+        <p:cNvPr id="1" name=""/>
+        <p:cNvGrpSpPr/>
+        <p:nvPr/>
+      </p:nvGrpSpPr>
+      <p:grpSpPr>
+        <a:xfrm>
+          <a:off x="0" y="0"/>
+          <a:ext cx="0" cy="0"/>
+          <a:chOff x="0" y="0"/>
+          <a:chExt cx="0" cy="0"/>
+        </a:xfrm>
+      </p:grpSpPr>
+      <p:sp>
+        <p:nvSpPr>
+          <p:cNvPr id="2" name="Titre 1"/>
+          <p:cNvSpPr>
+            <a:spLocks noGrp="1"/>
+          </p:cNvSpPr>
+          <p:nvPr>
+            <p:ph type="title"/>
+          </p:nvPr>
+        </p:nvSpPr>
+        <p:spPr>
+          <a:xfrm>
+            <a:off x="457200" y="274638"/>
+            <a:ext cx="4546848" cy="1143000"/>
+          </a:xfrm>
+        </p:spPr>
+        <p:txBody>
+          <a:bodyPr/>
+          <a:lstStyle/>
+          <a:p>
+            <a:r>
+              <a:rPr lang="fr-FR" dirty="0" err="1" smtClean="0"/>
+              <a:t>Parameters</a:t>
+            </a:r>
+            <a:endParaRPr lang="fr-FR" dirty="0"/>
+          </a:p>
+        </p:txBody>
+      </p:sp>
+      <p:pic>
+        <p:nvPicPr>
+          <p:cNvPr id="3074" name="Picture 2"/>
+          <p:cNvPicPr>
+            <a:picLocks noChangeAspect="1" noChangeArrowheads="1"/>
+          </p:cNvPicPr>
+          <p:nvPr/>
+        </p:nvPicPr>
+        <p:blipFill rotWithShape="1">
+          <a:blip r:embed="rId2">
+            <a:extLst>
+              <a:ext uri="{28A0092B-C50C-407E-A947-70E740481C1C}">
+                <a14:useLocalDpi xmlns:a14="http://schemas.microsoft.com/office/drawing/2010/main" val="0"/>
+              </a:ext>
+            </a:extLst>
+          </a:blip>
+          <a:srcRect l="18356" r="19315" b="21951"/>
+          <a:stretch/>
+        </p:blipFill>
+        <p:spPr bwMode="auto">
+          <a:xfrm>
+            <a:off x="4629720" y="116632"/>
+            <a:ext cx="4622800" cy="3632835"/>
+          </a:xfrm>
+          <a:prstGeom prst="rect">
+            <a:avLst/>
+          </a:prstGeom>
+          <a:noFill/>
+          <a:ln>
+            <a:noFill/>
+          </a:ln>
+          <a:extLst>
+            <a:ext uri="{909E8E84-426E-40DD-AFC4-6F175D3DCCD1}">
+              <a14:hiddenFill xmlns:a14="http://schemas.microsoft.com/office/drawing/2010/main">
+                <a:solidFill>
+                  <a:schemeClr val="accent1"/>
+                </a:solidFill>
+              </a14:hiddenFill>
+            </a:ext>
+            <a:ext uri="{91240B29-F687-4F45-9708-019B960494DF}">
+              <a14:hiddenLine xmlns:a14="http://schemas.microsoft.com/office/drawing/2010/main" w="9525">
+                <a:solidFill>
+                  <a:schemeClr val="tx1"/>
+                </a:solidFill>
+                <a:miter lim="800000"/>
+                <a:headEnd/>
+                <a:tailEnd/>
+              </a14:hiddenLine>
+            </a:ext>
+          </a:extLst>
+        </p:spPr>
+      </p:pic>
+      <p:sp>
+        <p:nvSpPr>
+          <p:cNvPr id="3" name="ZoneTexte 2"/>
+          <p:cNvSpPr txBox="1"/>
+          <p:nvPr/>
+        </p:nvSpPr>
+        <p:spPr>
+          <a:xfrm>
+            <a:off x="813296" y="1844824"/>
+            <a:ext cx="3291991" cy="369332"/>
+          </a:xfrm>
+          <a:prstGeom prst="rect">
+            <a:avLst/>
+          </a:prstGeom>
+          <a:noFill/>
+        </p:spPr>
+        <p:txBody>
+          <a:bodyPr wrap="none" rtlCol="0">
+            <a:spAutoFit/>
+          </a:bodyPr>
+          <a:lstStyle/>
+          <a:p>
+            <a:r>
+              <a:rPr lang="fr-FR" dirty="0" err="1" smtClean="0"/>
+              <a:t>P_transferred</a:t>
+            </a:r>
+            <a:r>
+              <a:rPr lang="fr-FR" dirty="0" smtClean="0"/>
+              <a:t> : </a:t>
+            </a:r>
+            <a:r>
+              <a:rPr lang="fr-FR" dirty="0" err="1" smtClean="0"/>
+              <a:t>int</a:t>
+            </a:r>
+            <a:r>
+              <a:rPr lang="fr-FR" dirty="0" smtClean="0"/>
+              <a:t>(</a:t>
+            </a:r>
+            <a:r>
+              <a:rPr lang="fr-FR" dirty="0" err="1" smtClean="0"/>
+              <a:t>Re</a:t>
+            </a:r>
+            <a:r>
+              <a:rPr lang="fr-FR" dirty="0" smtClean="0"/>
+              <a:t>(</a:t>
+            </a:r>
+            <a:r>
+              <a:rPr lang="fr-FR" dirty="0" err="1" smtClean="0"/>
+              <a:t>Poynting</a:t>
+            </a:r>
+            <a:r>
+              <a:rPr lang="fr-FR" dirty="0" smtClean="0"/>
+              <a:t>))</a:t>
+            </a:r>
+            <a:endParaRPr lang="fr-FR" dirty="0"/>
+          </a:p>
+        </p:txBody>
+      </p:sp>
+      <p:cxnSp>
+        <p:nvCxnSpPr>
+          <p:cNvPr id="5" name="Connecteur droit avec flèche 4"/>
+          <p:cNvCxnSpPr/>
+          <p:nvPr/>
+        </p:nvCxnSpPr>
+        <p:spPr>
+          <a:xfrm>
+            <a:off x="3981648" y="2029490"/>
+            <a:ext cx="3384376" cy="319390"/>
+          </a:xfrm>
+          <a:prstGeom prst="straightConnector1">
+            <a:avLst/>
+          </a:prstGeom>
+          <a:ln>
+            <a:tailEnd type="arrow"/>
+          </a:ln>
+        </p:spPr>
+        <p:style>
+          <a:lnRef idx="1">
+            <a:schemeClr val="accent1"/>
+          </a:lnRef>
+          <a:fillRef idx="0">
+            <a:schemeClr val="accent1"/>
+          </a:fillRef>
+          <a:effectRef idx="0">
+            <a:schemeClr val="accent1"/>
+          </a:effectRef>
+          <a:fontRef idx="minor">
+            <a:schemeClr val="tx1"/>
+          </a:fontRef>
+        </p:style>
+      </p:cxnSp>
+      <p:pic>
+        <p:nvPicPr>
+          <p:cNvPr id="3075" name="Picture 3"/>
+          <p:cNvPicPr>
+            <a:picLocks noChangeAspect="1" noChangeArrowheads="1"/>
+          </p:cNvPicPr>
+          <p:nvPr/>
+        </p:nvPicPr>
+        <p:blipFill rotWithShape="1">
+          <a:blip r:embed="rId3">
+            <a:extLst>
+              <a:ext uri="{28A0092B-C50C-407E-A947-70E740481C1C}">
+                <a14:useLocalDpi xmlns:a14="http://schemas.microsoft.com/office/drawing/2010/main" val="0"/>
+              </a:ext>
+            </a:extLst>
+          </a:blip>
+          <a:srcRect l="16301" r="18057" b="17804"/>
+          <a:stretch/>
+        </p:blipFill>
+        <p:spPr bwMode="auto">
+          <a:xfrm>
+            <a:off x="323528" y="3749467"/>
+            <a:ext cx="3597424" cy="2827021"/>
+          </a:xfrm>
+          <a:prstGeom prst="rect">
+            <a:avLst/>
+          </a:prstGeom>
+          <a:noFill/>
+          <a:ln>
+            <a:noFill/>
+          </a:ln>
+          <a:extLst>
+            <a:ext uri="{909E8E84-426E-40DD-AFC4-6F175D3DCCD1}">
+              <a14:hiddenFill xmlns:a14="http://schemas.microsoft.com/office/drawing/2010/main">
+                <a:solidFill>
+                  <a:schemeClr val="accent1"/>
+                </a:solidFill>
+              </a14:hiddenFill>
+            </a:ext>
+            <a:ext uri="{91240B29-F687-4F45-9708-019B960494DF}">
+              <a14:hiddenLine xmlns:a14="http://schemas.microsoft.com/office/drawing/2010/main" w="9525">
+                <a:solidFill>
+                  <a:schemeClr val="tx1"/>
+                </a:solidFill>
+                <a:miter lim="800000"/>
+                <a:headEnd/>
+                <a:tailEnd/>
+              </a14:hiddenLine>
+            </a:ext>
+          </a:extLst>
+        </p:spPr>
+      </p:pic>
+      <p:sp>
+        <p:nvSpPr>
+          <p:cNvPr id="8" name="ZoneTexte 7"/>
+          <p:cNvSpPr txBox="1"/>
+          <p:nvPr/>
+        </p:nvSpPr>
+        <p:spPr>
+          <a:xfrm>
+            <a:off x="3920952" y="4725144"/>
+            <a:ext cx="2955233" cy="369332"/>
+          </a:xfrm>
+          <a:prstGeom prst="rect">
+            <a:avLst/>
+          </a:prstGeom>
+          <a:noFill/>
+        </p:spPr>
+        <p:txBody>
+          <a:bodyPr wrap="none" rtlCol="0">
+            <a:spAutoFit/>
+          </a:bodyPr>
+          <a:lstStyle/>
+          <a:p>
+            <a:r>
+              <a:rPr lang="fr-FR" dirty="0" err="1" smtClean="0"/>
+              <a:t>P_radiated</a:t>
+            </a:r>
+            <a:r>
+              <a:rPr lang="fr-FR" dirty="0" smtClean="0"/>
+              <a:t> : </a:t>
+            </a:r>
+            <a:r>
+              <a:rPr lang="fr-FR" dirty="0" err="1" smtClean="0"/>
+              <a:t>int</a:t>
+            </a:r>
+            <a:r>
+              <a:rPr lang="fr-FR" dirty="0" smtClean="0"/>
+              <a:t>(</a:t>
+            </a:r>
+            <a:r>
+              <a:rPr lang="fr-FR" dirty="0" err="1" smtClean="0"/>
+              <a:t>Re</a:t>
+            </a:r>
+            <a:r>
+              <a:rPr lang="fr-FR" dirty="0" smtClean="0"/>
+              <a:t>(</a:t>
+            </a:r>
+            <a:r>
+              <a:rPr lang="fr-FR" dirty="0" err="1" smtClean="0"/>
+              <a:t>Poynting</a:t>
+            </a:r>
+            <a:r>
+              <a:rPr lang="fr-FR" dirty="0" smtClean="0"/>
+              <a:t>))</a:t>
+            </a:r>
+            <a:endParaRPr lang="fr-FR" dirty="0"/>
+          </a:p>
+        </p:txBody>
+      </p:sp>
+      <p:cxnSp>
+        <p:nvCxnSpPr>
+          <p:cNvPr id="7" name="Connecteur droit avec flèche 6"/>
+          <p:cNvCxnSpPr/>
+          <p:nvPr/>
+        </p:nvCxnSpPr>
+        <p:spPr>
+          <a:xfrm flipH="1" flipV="1">
+            <a:off x="2915816" y="4293096"/>
+            <a:ext cx="1189471" cy="504056"/>
+          </a:xfrm>
+          <a:prstGeom prst="straightConnector1">
+            <a:avLst/>
+          </a:prstGeom>
+          <a:ln>
+            <a:tailEnd type="arrow"/>
+          </a:ln>
+        </p:spPr>
+        <p:style>
+          <a:lnRef idx="1">
+            <a:schemeClr val="accent1"/>
+          </a:lnRef>
+          <a:fillRef idx="0">
+            <a:schemeClr val="accent1"/>
+          </a:fillRef>
+          <a:effectRef idx="0">
+            <a:schemeClr val="accent1"/>
+          </a:effectRef>
+          <a:fontRef idx="minor">
+            <a:schemeClr val="tx1"/>
+          </a:fontRef>
+        </p:style>
+      </p:cxnSp>
+      <p:sp>
+        <p:nvSpPr>
+          <p:cNvPr id="4" name="ZoneTexte 3"/>
+          <p:cNvSpPr txBox="1"/>
+          <p:nvPr/>
+        </p:nvSpPr>
+        <p:spPr>
+          <a:xfrm>
+            <a:off x="4105287" y="6309310"/>
+            <a:ext cx="4805483" cy="369332"/>
+          </a:xfrm>
+          <a:prstGeom prst="rect">
+            <a:avLst/>
+          </a:prstGeom>
+          <a:noFill/>
+        </p:spPr>
+        <p:txBody>
+          <a:bodyPr wrap="none" rtlCol="0">
+            <a:spAutoFit/>
+          </a:bodyPr>
+          <a:lstStyle/>
+          <a:p>
+            <a:r>
+              <a:rPr lang="fr-FR" dirty="0" smtClean="0"/>
+              <a:t>Convergence criterium on Z: 1% real and </a:t>
+            </a:r>
+            <a:r>
+              <a:rPr lang="fr-FR" dirty="0" err="1" smtClean="0"/>
+              <a:t>im</a:t>
+            </a:r>
+            <a:r>
+              <a:rPr lang="fr-FR" dirty="0" smtClean="0"/>
+              <a:t> parts</a:t>
+            </a:r>
+            <a:endParaRPr lang="fr-FR" dirty="0"/>
+          </a:p>
+        </p:txBody>
+      </p:sp>
+    </p:spTree>
+    <p:extLst>
+      <p:ext uri="{BB962C8B-B14F-4D97-AF65-F5344CB8AC3E}">
+        <p14:creationId xmlns:p14="http://schemas.microsoft.com/office/powerpoint/2010/main" val="3622771922"/>
+      </p:ext>
+    </p:extLst>
+  </p:cSld>
+  <p:clrMapOvr>
+    <a:masterClrMapping/>
+  </p:clrMapOvr>
+</p:sld>
+</file>
+
+<file path=ppt/slides/slide11.xml><?xml version="1.0" encoding="utf-8"?>
+<p:sld xmlns:a="http://schemas.openxmlformats.org/drawingml/2006/main" xmlns:r="http://schemas.openxmlformats.org/officeDocument/2006/relationships" xmlns:p="http://schemas.openxmlformats.org/presentationml/2006/main">
+  <p:cSld>
+    <p:spTree>
+      <p:nvGrpSpPr>
+        <p:cNvPr id="1" name=""/>
+        <p:cNvGrpSpPr/>
+        <p:nvPr/>
+      </p:nvGrpSpPr>
+      <p:grpSpPr>
+        <a:xfrm>
+          <a:off x="0" y="0"/>
+          <a:ext cx="0" cy="0"/>
+          <a:chOff x="0" y="0"/>
+          <a:chExt cx="0" cy="0"/>
+        </a:xfrm>
+      </p:grpSpPr>
+      <p:sp>
+        <p:nvSpPr>
+          <p:cNvPr id="2" name="Titre 1"/>
+          <p:cNvSpPr>
+            <a:spLocks noGrp="1"/>
+          </p:cNvSpPr>
+          <p:nvPr>
+            <p:ph type="title"/>
+          </p:nvPr>
+        </p:nvSpPr>
+        <p:spPr/>
+        <p:txBody>
+          <a:bodyPr/>
+          <a:lstStyle/>
+          <a:p>
+            <a:r>
+              <a:rPr lang="fr-FR" dirty="0" err="1" smtClean="0"/>
+              <a:t>Step</a:t>
+            </a:r>
+            <a:r>
+              <a:rPr lang="fr-FR" dirty="0" smtClean="0"/>
+              <a:t> 1 : size of the plasma box</a:t>
+            </a:r>
+            <a:endParaRPr lang="fr-FR" dirty="0"/>
+          </a:p>
+        </p:txBody>
+      </p:sp>
+      <p:sp>
+        <p:nvSpPr>
+          <p:cNvPr id="3" name="ZoneTexte 2"/>
+          <p:cNvSpPr txBox="1"/>
+          <p:nvPr/>
+        </p:nvSpPr>
+        <p:spPr>
+          <a:xfrm>
+            <a:off x="395536" y="1349295"/>
+            <a:ext cx="8496944" cy="646331"/>
+          </a:xfrm>
+          <a:prstGeom prst="rect">
+            <a:avLst/>
+          </a:prstGeom>
+          <a:noFill/>
+        </p:spPr>
+        <p:txBody>
+          <a:bodyPr wrap="square" rtlCol="0">
+            <a:spAutoFit/>
+          </a:bodyPr>
+          <a:lstStyle/>
+          <a:p>
+            <a:r>
+              <a:rPr lang="fr-FR" dirty="0" err="1" smtClean="0"/>
+              <a:t>Increasing</a:t>
+            </a:r>
+            <a:r>
+              <a:rPr lang="fr-FR" dirty="0" smtClean="0"/>
+              <a:t> the propagation medium box size to </a:t>
+            </a:r>
+            <a:r>
+              <a:rPr lang="fr-FR" dirty="0" err="1" smtClean="0"/>
+              <a:t>see</a:t>
+            </a:r>
+            <a:r>
+              <a:rPr lang="fr-FR" dirty="0" smtClean="0"/>
+              <a:t> the size at </a:t>
+            </a:r>
+            <a:r>
+              <a:rPr lang="fr-FR" dirty="0" err="1" smtClean="0"/>
+              <a:t>which</a:t>
+            </a:r>
+            <a:r>
+              <a:rPr lang="fr-FR" dirty="0" smtClean="0"/>
+              <a:t> the port </a:t>
+            </a:r>
+            <a:r>
+              <a:rPr lang="fr-FR" dirty="0" err="1" smtClean="0"/>
+              <a:t>impedance</a:t>
+            </a:r>
+            <a:r>
+              <a:rPr lang="fr-FR" dirty="0" smtClean="0"/>
+              <a:t> converge</a:t>
+            </a:r>
+            <a:endParaRPr lang="fr-FR" dirty="0"/>
+          </a:p>
+        </p:txBody>
+      </p:sp>
+      <p:sp>
+        <p:nvSpPr>
+          <p:cNvPr id="4" name="ZoneTexte 3"/>
+          <p:cNvSpPr txBox="1"/>
+          <p:nvPr/>
+        </p:nvSpPr>
+        <p:spPr>
+          <a:xfrm>
+            <a:off x="411808" y="2119053"/>
+            <a:ext cx="3153427" cy="646331"/>
+          </a:xfrm>
+          <a:prstGeom prst="rect">
+            <a:avLst/>
+          </a:prstGeom>
+          <a:noFill/>
+        </p:spPr>
+        <p:txBody>
+          <a:bodyPr wrap="none" rtlCol="0">
+            <a:spAutoFit/>
+          </a:bodyPr>
+          <a:lstStyle/>
+          <a:p>
+            <a:r>
+              <a:rPr lang="fr-FR" dirty="0" err="1" smtClean="0"/>
+              <a:t>losses</a:t>
+            </a:r>
+            <a:r>
+              <a:rPr lang="fr-FR" dirty="0" smtClean="0"/>
+              <a:t> = 0 </a:t>
+            </a:r>
+            <a:r>
+              <a:rPr lang="fr-FR" dirty="0" smtClean="0">
+                <a:sym typeface="Wingdings" panose="05000000000000000000" pitchFamily="2" charset="2"/>
+              </a:rPr>
+              <a:t> </a:t>
+            </a:r>
+            <a:r>
+              <a:rPr lang="fr-FR" dirty="0"/>
+              <a:t>Plasma1=plasma2 </a:t>
+            </a:r>
+            <a:endParaRPr lang="fr-FR" dirty="0" smtClean="0"/>
+          </a:p>
+          <a:p>
+            <a:r>
+              <a:rPr lang="fr-FR" dirty="0" smtClean="0"/>
+              <a:t>Radiation BC</a:t>
+            </a:r>
+          </a:p>
+        </p:txBody>
+      </p:sp>
+      <p:pic>
+        <p:nvPicPr>
+          <p:cNvPr id="1026" name="Picture 2"/>
+          <p:cNvPicPr>
+            <a:picLocks noChangeAspect="1" noChangeArrowheads="1"/>
+          </p:cNvPicPr>
+          <p:nvPr/>
+        </p:nvPicPr>
+        <p:blipFill rotWithShape="1">
+          <a:blip r:embed="rId2">
+            <a:extLst>
+              <a:ext uri="{28A0092B-C50C-407E-A947-70E740481C1C}">
+                <a14:useLocalDpi xmlns:a14="http://schemas.microsoft.com/office/drawing/2010/main" val="0"/>
+              </a:ext>
+            </a:extLst>
+          </a:blip>
+          <a:srcRect l="19356" t="6832" r="34245" b="12460"/>
+          <a:stretch/>
+        </p:blipFill>
+        <p:spPr bwMode="auto">
+          <a:xfrm>
+            <a:off x="411808" y="2852936"/>
+            <a:ext cx="4557711" cy="3831704"/>
+          </a:xfrm>
+          <a:prstGeom prst="rect">
+            <a:avLst/>
+          </a:prstGeom>
+          <a:noFill/>
+          <a:ln>
+            <a:noFill/>
+          </a:ln>
+          <a:extLst>
+            <a:ext uri="{909E8E84-426E-40DD-AFC4-6F175D3DCCD1}">
+              <a14:hiddenFill xmlns:a14="http://schemas.microsoft.com/office/drawing/2010/main">
+                <a:solidFill>
+                  <a:schemeClr val="accent1"/>
+                </a:solidFill>
+              </a14:hiddenFill>
+            </a:ext>
+            <a:ext uri="{91240B29-F687-4F45-9708-019B960494DF}">
+              <a14:hiddenLine xmlns:a14="http://schemas.microsoft.com/office/drawing/2010/main" w="9525">
+                <a:solidFill>
+                  <a:schemeClr val="tx1"/>
+                </a:solidFill>
+                <a:miter lim="800000"/>
+                <a:headEnd/>
+                <a:tailEnd/>
+              </a14:hiddenLine>
+            </a:ext>
+          </a:extLst>
+        </p:spPr>
+      </p:pic>
+      <p:sp>
+        <p:nvSpPr>
+          <p:cNvPr id="5" name="Flèche gauche 4"/>
+          <p:cNvSpPr/>
+          <p:nvPr/>
+        </p:nvSpPr>
+        <p:spPr>
+          <a:xfrm>
+            <a:off x="412488" y="4708102"/>
+            <a:ext cx="576064" cy="460412"/>
+          </a:xfrm>
+          <a:prstGeom prst="leftArrow">
+            <a:avLst/>
+          </a:prstGeom>
+        </p:spPr>
+        <p:style>
+          <a:lnRef idx="2">
+            <a:schemeClr val="accent1">
+              <a:shade val="50000"/>
+            </a:schemeClr>
+          </a:lnRef>
+          <a:fillRef idx="1">
+            <a:schemeClr val="accent1"/>
+          </a:fillRef>
+          <a:effectRef idx="0">
+            <a:schemeClr val="accent1"/>
+          </a:effectRef>
+          <a:fontRef idx="minor">
+            <a:schemeClr val="lt1"/>
+          </a:fontRef>
+        </p:style>
+        <p:txBody>
+          <a:bodyPr rtlCol="0" anchor="ctr"/>
+          <a:lstStyle/>
+          <a:p>
+            <a:pPr algn="ctr"/>
+            <a:endParaRPr lang="fr-FR"/>
+          </a:p>
+        </p:txBody>
+      </p:sp>
+      <p:sp>
+        <p:nvSpPr>
+          <p:cNvPr id="7" name="Flèche gauche 6"/>
+          <p:cNvSpPr/>
+          <p:nvPr/>
+        </p:nvSpPr>
+        <p:spPr>
+          <a:xfrm rot="5400000">
+            <a:off x="2281926" y="2910762"/>
+            <a:ext cx="576064" cy="460412"/>
+          </a:xfrm>
+          <a:prstGeom prst="leftArrow">
+            <a:avLst/>
+          </a:prstGeom>
+        </p:spPr>
+        <p:style>
+          <a:lnRef idx="2">
+            <a:schemeClr val="accent1">
+              <a:shade val="50000"/>
+            </a:schemeClr>
+          </a:lnRef>
+          <a:fillRef idx="1">
+            <a:schemeClr val="accent1"/>
+          </a:fillRef>
+          <a:effectRef idx="0">
+            <a:schemeClr val="accent1"/>
+          </a:effectRef>
+          <a:fontRef idx="minor">
+            <a:schemeClr val="lt1"/>
+          </a:fontRef>
+        </p:style>
+        <p:txBody>
+          <a:bodyPr rtlCol="0" anchor="ctr"/>
+          <a:lstStyle/>
+          <a:p>
+            <a:pPr algn="ctr"/>
+            <a:endParaRPr lang="fr-FR"/>
+          </a:p>
+        </p:txBody>
+      </p:sp>
+      <p:sp>
+        <p:nvSpPr>
+          <p:cNvPr id="8" name="Flèche gauche 7"/>
+          <p:cNvSpPr/>
+          <p:nvPr/>
+        </p:nvSpPr>
+        <p:spPr>
+          <a:xfrm rot="16200000">
+            <a:off x="1821514" y="6166402"/>
+            <a:ext cx="576064" cy="460412"/>
+          </a:xfrm>
+          <a:prstGeom prst="leftArrow">
+            <a:avLst/>
+          </a:prstGeom>
+        </p:spPr>
+        <p:style>
+          <a:lnRef idx="2">
+            <a:schemeClr val="accent1">
+              <a:shade val="50000"/>
+            </a:schemeClr>
+          </a:lnRef>
+          <a:fillRef idx="1">
+            <a:schemeClr val="accent1"/>
+          </a:fillRef>
+          <a:effectRef idx="0">
+            <a:schemeClr val="accent1"/>
+          </a:effectRef>
+          <a:fontRef idx="minor">
+            <a:schemeClr val="lt1"/>
+          </a:fontRef>
+        </p:style>
+        <p:txBody>
+          <a:bodyPr rtlCol="0" anchor="ctr"/>
+          <a:lstStyle/>
+          <a:p>
+            <a:pPr algn="ctr"/>
+            <a:endParaRPr lang="fr-FR"/>
+          </a:p>
+        </p:txBody>
+      </p:sp>
+      <p:sp>
+        <p:nvSpPr>
+          <p:cNvPr id="9" name="Flèche gauche 8"/>
+          <p:cNvSpPr/>
+          <p:nvPr/>
+        </p:nvSpPr>
+        <p:spPr>
+          <a:xfrm rot="10800000">
+            <a:off x="4572000" y="3429000"/>
+            <a:ext cx="576064" cy="460412"/>
+          </a:xfrm>
+          <a:prstGeom prst="leftArrow">
+            <a:avLst/>
+          </a:prstGeom>
+        </p:spPr>
+        <p:style>
+          <a:lnRef idx="2">
+            <a:schemeClr val="accent1">
+              <a:shade val="50000"/>
+            </a:schemeClr>
+          </a:lnRef>
+          <a:fillRef idx="1">
+            <a:schemeClr val="accent1"/>
+          </a:fillRef>
+          <a:effectRef idx="0">
+            <a:schemeClr val="accent1"/>
+          </a:effectRef>
+          <a:fontRef idx="minor">
+            <a:schemeClr val="lt1"/>
+          </a:fontRef>
+        </p:style>
+        <p:txBody>
+          <a:bodyPr rtlCol="0" anchor="ctr"/>
+          <a:lstStyle/>
+          <a:p>
+            <a:pPr algn="ctr"/>
+            <a:endParaRPr lang="fr-FR"/>
+          </a:p>
+        </p:txBody>
+      </p:sp>
+      <p:sp>
+        <p:nvSpPr>
+          <p:cNvPr id="6" name="ZoneTexte 5"/>
+          <p:cNvSpPr txBox="1"/>
+          <p:nvPr/>
+        </p:nvSpPr>
+        <p:spPr>
+          <a:xfrm>
+            <a:off x="988552" y="3889413"/>
+            <a:ext cx="1074333" cy="369332"/>
+          </a:xfrm>
+          <a:prstGeom prst="rect">
+            <a:avLst/>
+          </a:prstGeom>
+          <a:noFill/>
+        </p:spPr>
+        <p:txBody>
+          <a:bodyPr wrap="none" rtlCol="0">
+            <a:spAutoFit/>
+          </a:bodyPr>
+          <a:lstStyle/>
+          <a:p>
+            <a:r>
+              <a:rPr lang="fr-FR" dirty="0" smtClean="0"/>
+              <a:t>Plasma 2 </a:t>
+            </a:r>
+            <a:endParaRPr lang="fr-FR" dirty="0"/>
+          </a:p>
+        </p:txBody>
+      </p:sp>
+      <p:sp>
+        <p:nvSpPr>
+          <p:cNvPr id="11" name="ZoneTexte 10"/>
+          <p:cNvSpPr txBox="1"/>
+          <p:nvPr/>
+        </p:nvSpPr>
+        <p:spPr>
+          <a:xfrm>
+            <a:off x="2800164" y="4005064"/>
+            <a:ext cx="1074333" cy="369332"/>
+          </a:xfrm>
+          <a:prstGeom prst="rect">
+            <a:avLst/>
+          </a:prstGeom>
+          <a:noFill/>
+        </p:spPr>
+        <p:txBody>
+          <a:bodyPr wrap="none" rtlCol="0">
+            <a:spAutoFit/>
+          </a:bodyPr>
+          <a:lstStyle/>
+          <a:p>
+            <a:r>
+              <a:rPr lang="fr-FR" dirty="0" smtClean="0"/>
+              <a:t>Plasma 1 </a:t>
+            </a:r>
+            <a:endParaRPr lang="fr-FR" dirty="0"/>
+          </a:p>
+        </p:txBody>
+      </p:sp>
+      <p:cxnSp>
+        <p:nvCxnSpPr>
+          <p:cNvPr id="12" name="Connecteur droit avec flèche 11"/>
+          <p:cNvCxnSpPr/>
+          <p:nvPr/>
+        </p:nvCxnSpPr>
+        <p:spPr>
+          <a:xfrm flipV="1">
+            <a:off x="3627240" y="5589240"/>
+            <a:ext cx="806388" cy="360040"/>
+          </a:xfrm>
+          <a:prstGeom prst="straightConnector1">
+            <a:avLst/>
+          </a:prstGeom>
+          <a:ln w="28575">
+            <a:solidFill>
+              <a:schemeClr val="accent2"/>
+            </a:solidFill>
+            <a:headEnd type="triangle" w="med" len="med"/>
+            <a:tailEnd type="triangle" w="med" len="med"/>
+          </a:ln>
+        </p:spPr>
+        <p:style>
+          <a:lnRef idx="1">
+            <a:schemeClr val="accent1"/>
+          </a:lnRef>
+          <a:fillRef idx="0">
+            <a:schemeClr val="accent1"/>
+          </a:fillRef>
+          <a:effectRef idx="0">
+            <a:schemeClr val="accent1"/>
+          </a:effectRef>
+          <a:fontRef idx="minor">
+            <a:schemeClr val="tx1"/>
+          </a:fontRef>
+        </p:style>
+      </p:cxnSp>
+      <p:sp>
+        <p:nvSpPr>
+          <p:cNvPr id="13" name="ZoneTexte 12"/>
+          <p:cNvSpPr txBox="1"/>
+          <p:nvPr/>
+        </p:nvSpPr>
+        <p:spPr>
+          <a:xfrm>
+            <a:off x="4148440" y="5714444"/>
+            <a:ext cx="3240360" cy="369332"/>
+          </a:xfrm>
+          <a:prstGeom prst="rect">
+            <a:avLst/>
+          </a:prstGeom>
+          <a:noFill/>
+        </p:spPr>
+        <p:txBody>
+          <a:bodyPr wrap="square" rtlCol="0">
+            <a:spAutoFit/>
+          </a:bodyPr>
+          <a:lstStyle/>
+          <a:p>
+            <a:r>
+              <a:rPr lang="fr-FR" dirty="0" smtClean="0">
+                <a:solidFill>
+                  <a:srgbClr val="FF0000"/>
+                </a:solidFill>
+              </a:rPr>
+              <a:t>D</a:t>
+            </a:r>
+            <a:endParaRPr lang="fr-FR" dirty="0">
+              <a:solidFill>
+                <a:srgbClr val="FF0000"/>
+              </a:solidFill>
+            </a:endParaRPr>
+          </a:p>
+        </p:txBody>
+      </p:sp>
+      <p:cxnSp>
+        <p:nvCxnSpPr>
+          <p:cNvPr id="15" name="Connecteur droit avec flèche 14"/>
+          <p:cNvCxnSpPr/>
+          <p:nvPr/>
+        </p:nvCxnSpPr>
+        <p:spPr>
+          <a:xfrm flipH="1" flipV="1">
+            <a:off x="3131840" y="4374396"/>
+            <a:ext cx="72008" cy="1340048"/>
+          </a:xfrm>
+          <a:prstGeom prst="straightConnector1">
+            <a:avLst/>
+          </a:prstGeom>
+          <a:ln w="28575">
+            <a:solidFill>
+              <a:schemeClr val="accent2"/>
+            </a:solidFill>
+            <a:headEnd type="triangle" w="med" len="med"/>
+            <a:tailEnd type="triangle" w="med" len="med"/>
+          </a:ln>
+        </p:spPr>
+        <p:style>
+          <a:lnRef idx="1">
+            <a:schemeClr val="accent1"/>
+          </a:lnRef>
+          <a:fillRef idx="0">
+            <a:schemeClr val="accent1"/>
+          </a:fillRef>
+          <a:effectRef idx="0">
+            <a:schemeClr val="accent1"/>
+          </a:effectRef>
+          <a:fontRef idx="minor">
+            <a:schemeClr val="tx1"/>
+          </a:fontRef>
+        </p:style>
+      </p:cxnSp>
+      <p:cxnSp>
+        <p:nvCxnSpPr>
+          <p:cNvPr id="18" name="Connecteur droit avec flèche 17"/>
+          <p:cNvCxnSpPr/>
+          <p:nvPr/>
+        </p:nvCxnSpPr>
+        <p:spPr>
+          <a:xfrm flipH="1" flipV="1">
+            <a:off x="2339752" y="5714444"/>
+            <a:ext cx="1016496" cy="152400"/>
+          </a:xfrm>
+          <a:prstGeom prst="straightConnector1">
+            <a:avLst/>
+          </a:prstGeom>
+          <a:ln w="28575">
+            <a:solidFill>
+              <a:schemeClr val="accent2"/>
+            </a:solidFill>
+            <a:headEnd type="triangle" w="med" len="med"/>
+            <a:tailEnd type="triangle" w="med" len="med"/>
+          </a:ln>
+        </p:spPr>
+        <p:style>
+          <a:lnRef idx="1">
+            <a:schemeClr val="accent1"/>
+          </a:lnRef>
+          <a:fillRef idx="0">
+            <a:schemeClr val="accent1"/>
+          </a:fillRef>
+          <a:effectRef idx="0">
+            <a:schemeClr val="accent1"/>
+          </a:effectRef>
+          <a:fontRef idx="minor">
+            <a:schemeClr val="tx1"/>
+          </a:fontRef>
+        </p:style>
+      </p:cxnSp>
+      <p:sp>
+        <p:nvSpPr>
+          <p:cNvPr id="16" name="ZoneTexte 15"/>
+          <p:cNvSpPr txBox="1"/>
+          <p:nvPr/>
+        </p:nvSpPr>
+        <p:spPr>
+          <a:xfrm>
+            <a:off x="5652120" y="4522183"/>
+            <a:ext cx="3153427" cy="646331"/>
+          </a:xfrm>
+          <a:prstGeom prst="rect">
+            <a:avLst/>
+          </a:prstGeom>
+          <a:noFill/>
+        </p:spPr>
+        <p:txBody>
+          <a:bodyPr wrap="none" rtlCol="0">
+            <a:spAutoFit/>
+          </a:bodyPr>
+          <a:lstStyle/>
+          <a:p>
+            <a:r>
+              <a:rPr lang="fr-FR" dirty="0" err="1" smtClean="0"/>
+              <a:t>losses</a:t>
+            </a:r>
+            <a:r>
+              <a:rPr lang="fr-FR" dirty="0" smtClean="0"/>
+              <a:t> = 0 </a:t>
+            </a:r>
+            <a:r>
+              <a:rPr lang="fr-FR" dirty="0" smtClean="0">
+                <a:sym typeface="Wingdings" panose="05000000000000000000" pitchFamily="2" charset="2"/>
+              </a:rPr>
+              <a:t> </a:t>
+            </a:r>
+            <a:r>
+              <a:rPr lang="fr-FR" dirty="0"/>
+              <a:t>Plasma1=plasma2 </a:t>
+            </a:r>
+            <a:endParaRPr lang="fr-FR" dirty="0" smtClean="0"/>
+          </a:p>
+          <a:p>
+            <a:r>
+              <a:rPr lang="fr-FR" dirty="0" smtClean="0"/>
+              <a:t>Radiation BC</a:t>
+            </a:r>
+          </a:p>
+        </p:txBody>
+      </p:sp>
+      <p:cxnSp>
+        <p:nvCxnSpPr>
+          <p:cNvPr id="19" name="Connecteur droit avec flèche 18"/>
+          <p:cNvCxnSpPr/>
+          <p:nvPr/>
+        </p:nvCxnSpPr>
+        <p:spPr>
+          <a:xfrm flipV="1">
+            <a:off x="3103640" y="6108576"/>
+            <a:ext cx="1756391" cy="648072"/>
+          </a:xfrm>
+          <a:prstGeom prst="straightConnector1">
+            <a:avLst/>
+          </a:prstGeom>
+          <a:ln w="28575">
+            <a:solidFill>
+              <a:schemeClr val="accent2"/>
+            </a:solidFill>
+            <a:headEnd type="triangle" w="med" len="med"/>
+            <a:tailEnd type="triangle" w="med" len="med"/>
+          </a:ln>
+        </p:spPr>
+        <p:style>
+          <a:lnRef idx="1">
+            <a:schemeClr val="accent1"/>
+          </a:lnRef>
+          <a:fillRef idx="0">
+            <a:schemeClr val="accent1"/>
+          </a:fillRef>
+          <a:effectRef idx="0">
+            <a:schemeClr val="accent1"/>
+          </a:effectRef>
+          <a:fontRef idx="minor">
+            <a:schemeClr val="tx1"/>
+          </a:fontRef>
+        </p:style>
+      </p:cxnSp>
+      <p:sp>
+        <p:nvSpPr>
+          <p:cNvPr id="20" name="ZoneTexte 19"/>
+          <p:cNvSpPr txBox="1"/>
+          <p:nvPr/>
+        </p:nvSpPr>
+        <p:spPr>
+          <a:xfrm>
+            <a:off x="4077567" y="6432612"/>
+            <a:ext cx="494432" cy="369332"/>
+          </a:xfrm>
+          <a:prstGeom prst="rect">
+            <a:avLst/>
+          </a:prstGeom>
+          <a:noFill/>
+        </p:spPr>
+        <p:txBody>
+          <a:bodyPr wrap="square" rtlCol="0">
+            <a:spAutoFit/>
+          </a:bodyPr>
+          <a:lstStyle/>
+          <a:p>
+            <a:r>
+              <a:rPr lang="fr-FR" dirty="0" smtClean="0">
+                <a:solidFill>
+                  <a:srgbClr val="FF0000"/>
+                </a:solidFill>
+              </a:rPr>
+              <a:t>2D</a:t>
+            </a:r>
+            <a:endParaRPr lang="fr-FR" dirty="0">
+              <a:solidFill>
+                <a:srgbClr val="FF0000"/>
+              </a:solidFill>
+            </a:endParaRPr>
+          </a:p>
+        </p:txBody>
+      </p:sp>
+      <p:cxnSp>
+        <p:nvCxnSpPr>
+          <p:cNvPr id="21" name="Connecteur droit avec flèche 20"/>
+          <p:cNvCxnSpPr/>
+          <p:nvPr/>
+        </p:nvCxnSpPr>
+        <p:spPr>
+          <a:xfrm flipV="1">
+            <a:off x="3565235" y="4325896"/>
+            <a:ext cx="416600" cy="180020"/>
+          </a:xfrm>
+          <a:prstGeom prst="straightConnector1">
+            <a:avLst/>
+          </a:prstGeom>
+          <a:ln w="28575">
+            <a:solidFill>
+              <a:schemeClr val="accent2"/>
+            </a:solidFill>
+            <a:headEnd type="triangle" w="med" len="med"/>
+            <a:tailEnd type="triangle" w="med" len="med"/>
+          </a:ln>
+        </p:spPr>
+        <p:style>
+          <a:lnRef idx="1">
+            <a:schemeClr val="accent1"/>
+          </a:lnRef>
+          <a:fillRef idx="0">
+            <a:schemeClr val="accent1"/>
+          </a:fillRef>
+          <a:effectRef idx="0">
+            <a:schemeClr val="accent1"/>
+          </a:effectRef>
+          <a:fontRef idx="minor">
+            <a:schemeClr val="tx1"/>
+          </a:fontRef>
+        </p:style>
+      </p:cxnSp>
+      <p:sp>
+        <p:nvSpPr>
+          <p:cNvPr id="23" name="ZoneTexte 22"/>
+          <p:cNvSpPr txBox="1"/>
+          <p:nvPr/>
+        </p:nvSpPr>
+        <p:spPr>
+          <a:xfrm>
+            <a:off x="3961080" y="4132392"/>
+            <a:ext cx="494432" cy="369332"/>
+          </a:xfrm>
+          <a:prstGeom prst="rect">
+            <a:avLst/>
+          </a:prstGeom>
+          <a:noFill/>
+        </p:spPr>
+        <p:txBody>
+          <a:bodyPr wrap="square" rtlCol="0">
+            <a:spAutoFit/>
+          </a:bodyPr>
+          <a:lstStyle/>
+          <a:p>
+            <a:r>
+              <a:rPr lang="fr-FR" dirty="0" smtClean="0">
+                <a:solidFill>
+                  <a:srgbClr val="FF0000"/>
+                </a:solidFill>
+              </a:rPr>
+              <a:t>d</a:t>
+            </a:r>
+            <a:endParaRPr lang="fr-FR" dirty="0">
+              <a:solidFill>
+                <a:srgbClr val="FF0000"/>
+              </a:solidFill>
+            </a:endParaRPr>
+          </a:p>
+        </p:txBody>
+      </p:sp>
+    </p:spTree>
+    <p:extLst>
+      <p:ext uri="{BB962C8B-B14F-4D97-AF65-F5344CB8AC3E}">
+        <p14:creationId xmlns:p14="http://schemas.microsoft.com/office/powerpoint/2010/main" val="2170444392"/>
+      </p:ext>
+    </p:extLst>
+  </p:cSld>
+  <p:clrMapOvr>
+    <a:masterClrMapping/>
+  </p:clrMapOvr>
+</p:sld>
+</file>
+
+<file path=ppt/slides/slide12.xml><?xml version="1.0" encoding="utf-8"?>
+<p:sld xmlns:a="http://schemas.openxmlformats.org/drawingml/2006/main" xmlns:r="http://schemas.openxmlformats.org/officeDocument/2006/relationships" xmlns:p="http://schemas.openxmlformats.org/presentationml/2006/main">
+  <p:cSld>
+    <p:spTree>
+      <p:nvGrpSpPr>
+        <p:cNvPr id="1" name=""/>
+        <p:cNvGrpSpPr/>
+        <p:nvPr/>
+      </p:nvGrpSpPr>
+      <p:grpSpPr>
+        <a:xfrm>
+          <a:off x="0" y="0"/>
+          <a:ext cx="0" cy="0"/>
+          <a:chOff x="0" y="0"/>
+          <a:chExt cx="0" cy="0"/>
+        </a:xfrm>
+      </p:grpSpPr>
+      <p:sp>
+        <p:nvSpPr>
+          <p:cNvPr id="2" name="Titre 1"/>
+          <p:cNvSpPr>
+            <a:spLocks noGrp="1"/>
+          </p:cNvSpPr>
+          <p:nvPr>
+            <p:ph type="title"/>
+          </p:nvPr>
+        </p:nvSpPr>
+        <p:spPr/>
+        <p:txBody>
+          <a:bodyPr>
+            <a:normAutofit/>
+          </a:bodyPr>
+          <a:lstStyle/>
+          <a:p>
+            <a:r>
+              <a:rPr lang="fr-FR" dirty="0" smtClean="0"/>
+              <a:t>Convergence </a:t>
+            </a:r>
+            <a:r>
+              <a:rPr lang="fr-FR" dirty="0" err="1" smtClean="0"/>
+              <a:t>reached</a:t>
+            </a:r>
+            <a:r>
+              <a:rPr lang="fr-FR" dirty="0" smtClean="0"/>
+              <a:t> for D~&gt;0.5m </a:t>
+            </a:r>
+            <a:endParaRPr lang="fr-FR" dirty="0"/>
+          </a:p>
+        </p:txBody>
+      </p:sp>
+      <p:pic>
+        <p:nvPicPr>
+          <p:cNvPr id="2051" name="Picture 3"/>
+          <p:cNvPicPr>
+            <a:picLocks noChangeAspect="1" noChangeArrowheads="1"/>
+          </p:cNvPicPr>
+          <p:nvPr/>
+        </p:nvPicPr>
+        <p:blipFill>
+          <a:blip r:embed="rId2">
+            <a:extLst>
+              <a:ext uri="{28A0092B-C50C-407E-A947-70E740481C1C}">
+                <a14:useLocalDpi xmlns:a14="http://schemas.microsoft.com/office/drawing/2010/main" val="0"/>
+              </a:ext>
+            </a:extLst>
+          </a:blip>
+          <a:srcRect/>
+          <a:stretch>
+            <a:fillRect/>
+          </a:stretch>
+        </p:blipFill>
+        <p:spPr bwMode="auto">
+          <a:xfrm>
+            <a:off x="-108610" y="2996952"/>
+            <a:ext cx="9264650" cy="3587750"/>
+          </a:xfrm>
+          <a:prstGeom prst="rect">
+            <a:avLst/>
+          </a:prstGeom>
+          <a:noFill/>
+          <a:ln>
+            <a:noFill/>
+          </a:ln>
+          <a:extLst>
+            <a:ext uri="{909E8E84-426E-40DD-AFC4-6F175D3DCCD1}">
+              <a14:hiddenFill xmlns:a14="http://schemas.microsoft.com/office/drawing/2010/main">
+                <a:solidFill>
+                  <a:schemeClr val="accent1"/>
+                </a:solidFill>
+              </a14:hiddenFill>
+            </a:ext>
+            <a:ext uri="{91240B29-F687-4F45-9708-019B960494DF}">
+              <a14:hiddenLine xmlns:a14="http://schemas.microsoft.com/office/drawing/2010/main" w="9525">
+                <a:solidFill>
+                  <a:schemeClr val="tx1"/>
+                </a:solidFill>
+                <a:miter lim="800000"/>
+                <a:headEnd/>
+                <a:tailEnd/>
+              </a14:hiddenLine>
+            </a:ext>
+          </a:extLst>
+        </p:spPr>
+      </p:pic>
+      <p:sp>
+        <p:nvSpPr>
+          <p:cNvPr id="3" name="ZoneTexte 2"/>
+          <p:cNvSpPr txBox="1"/>
+          <p:nvPr/>
+        </p:nvSpPr>
+        <p:spPr>
+          <a:xfrm>
+            <a:off x="7925" y="2508558"/>
+            <a:ext cx="4866845" cy="369332"/>
+          </a:xfrm>
+          <a:prstGeom prst="rect">
+            <a:avLst/>
+          </a:prstGeom>
+          <a:noFill/>
+        </p:spPr>
+        <p:txBody>
+          <a:bodyPr wrap="none" rtlCol="0">
+            <a:spAutoFit/>
+          </a:bodyPr>
+          <a:lstStyle/>
+          <a:p>
+            <a:r>
+              <a:rPr lang="fr-FR" dirty="0" smtClean="0">
+                <a:sym typeface="Wingdings" panose="05000000000000000000" pitchFamily="2" charset="2"/>
+              </a:rPr>
+              <a:t> Target </a:t>
+            </a:r>
+            <a:r>
+              <a:rPr lang="fr-FR" dirty="0" err="1" smtClean="0">
+                <a:sym typeface="Wingdings" panose="05000000000000000000" pitchFamily="2" charset="2"/>
+              </a:rPr>
+              <a:t>result</a:t>
+            </a:r>
+            <a:r>
+              <a:rPr lang="fr-FR" dirty="0" smtClean="0">
+                <a:sym typeface="Wingdings" panose="05000000000000000000" pitchFamily="2" charset="2"/>
+              </a:rPr>
+              <a:t> for </a:t>
+            </a:r>
+            <a:r>
+              <a:rPr lang="fr-FR" dirty="0" err="1" smtClean="0">
+                <a:sym typeface="Wingdings" panose="05000000000000000000" pitchFamily="2" charset="2"/>
+              </a:rPr>
+              <a:t>next</a:t>
+            </a:r>
+            <a:r>
+              <a:rPr lang="fr-FR" dirty="0" smtClean="0">
+                <a:sym typeface="Wingdings" panose="05000000000000000000" pitchFamily="2" charset="2"/>
+              </a:rPr>
+              <a:t> simulations: </a:t>
+            </a:r>
+            <a:r>
+              <a:rPr lang="fr-FR" dirty="0" smtClean="0"/>
+              <a:t>Z=0.25+21.3j</a:t>
+            </a:r>
+            <a:endParaRPr lang="fr-FR" dirty="0"/>
+          </a:p>
+        </p:txBody>
+      </p:sp>
+      <p:sp>
+        <p:nvSpPr>
+          <p:cNvPr id="5" name="ZoneTexte 4"/>
+          <p:cNvSpPr txBox="1"/>
+          <p:nvPr/>
+        </p:nvSpPr>
+        <p:spPr>
+          <a:xfrm>
+            <a:off x="-18144" y="1765653"/>
+            <a:ext cx="8753230" cy="646331"/>
+          </a:xfrm>
+          <a:prstGeom prst="rect">
+            <a:avLst/>
+          </a:prstGeom>
+          <a:noFill/>
+        </p:spPr>
+        <p:txBody>
+          <a:bodyPr wrap="none" rtlCol="0">
+            <a:spAutoFit/>
+          </a:bodyPr>
+          <a:lstStyle/>
+          <a:p>
+            <a:pPr marL="285750" indent="-285750">
+              <a:buFont typeface="Wingdings"/>
+              <a:buChar char="à"/>
+            </a:pPr>
+            <a:r>
+              <a:rPr lang="fr-FR" dirty="0" smtClean="0">
+                <a:sym typeface="Wingdings" panose="05000000000000000000" pitchFamily="2" charset="2"/>
+              </a:rPr>
+              <a:t>« 1st </a:t>
+            </a:r>
+            <a:r>
+              <a:rPr lang="fr-FR" dirty="0" err="1" smtClean="0">
+                <a:sym typeface="Wingdings" panose="05000000000000000000" pitchFamily="2" charset="2"/>
+              </a:rPr>
+              <a:t>Rule</a:t>
+            </a:r>
+            <a:r>
+              <a:rPr lang="fr-FR" dirty="0" smtClean="0">
+                <a:sym typeface="Wingdings" panose="05000000000000000000" pitchFamily="2" charset="2"/>
+              </a:rPr>
+              <a:t> of </a:t>
+            </a:r>
+            <a:r>
+              <a:rPr lang="fr-FR" dirty="0" err="1" smtClean="0">
+                <a:sym typeface="Wingdings" panose="05000000000000000000" pitchFamily="2" charset="2"/>
+              </a:rPr>
+              <a:t>thumb</a:t>
+            </a:r>
+            <a:r>
+              <a:rPr lang="fr-FR" dirty="0" smtClean="0">
+                <a:sym typeface="Wingdings" panose="05000000000000000000" pitchFamily="2" charset="2"/>
+              </a:rPr>
+              <a:t> » : radiation medium size &gt; 4 </a:t>
+            </a:r>
+            <a:r>
+              <a:rPr lang="fr-FR" dirty="0" err="1" smtClean="0">
+                <a:sym typeface="Wingdings" panose="05000000000000000000" pitchFamily="2" charset="2"/>
+              </a:rPr>
+              <a:t>antenna</a:t>
+            </a:r>
+            <a:r>
+              <a:rPr lang="fr-FR" dirty="0" smtClean="0">
+                <a:sym typeface="Wingdings" panose="05000000000000000000" pitchFamily="2" charset="2"/>
+              </a:rPr>
+              <a:t> box </a:t>
+            </a:r>
+            <a:r>
+              <a:rPr lang="fr-FR" dirty="0" err="1" smtClean="0">
+                <a:sym typeface="Wingdings" panose="05000000000000000000" pitchFamily="2" charset="2"/>
+              </a:rPr>
+              <a:t>largest</a:t>
+            </a:r>
+            <a:r>
+              <a:rPr lang="fr-FR" dirty="0" smtClean="0">
+                <a:sym typeface="Wingdings" panose="05000000000000000000" pitchFamily="2" charset="2"/>
+              </a:rPr>
+              <a:t> size (250mm </a:t>
+            </a:r>
+            <a:r>
+              <a:rPr lang="fr-FR" dirty="0" err="1" smtClean="0">
+                <a:sym typeface="Wingdings" panose="05000000000000000000" pitchFamily="2" charset="2"/>
+              </a:rPr>
+              <a:t>here</a:t>
+            </a:r>
+            <a:r>
+              <a:rPr lang="fr-FR" dirty="0" smtClean="0">
+                <a:sym typeface="Wingdings" panose="05000000000000000000" pitchFamily="2" charset="2"/>
+              </a:rPr>
+              <a:t>)</a:t>
+            </a:r>
+          </a:p>
+          <a:p>
+            <a:pPr marL="285750" indent="-285750">
+              <a:buFont typeface="Wingdings"/>
+              <a:buChar char="à"/>
+            </a:pPr>
+            <a:r>
+              <a:rPr lang="fr-FR" dirty="0" smtClean="0">
+                <a:sym typeface="Wingdings" panose="05000000000000000000" pitchFamily="2" charset="2"/>
+              </a:rPr>
+              <a:t>(lambda ~ 6m  ~ radiation medium size &gt; lambda/6 at min?)</a:t>
+            </a:r>
+            <a:endParaRPr lang="fr-FR" dirty="0"/>
+          </a:p>
+        </p:txBody>
+      </p:sp>
+      <p:sp>
+        <p:nvSpPr>
+          <p:cNvPr id="7" name="ZoneTexte 6"/>
+          <p:cNvSpPr txBox="1"/>
+          <p:nvPr/>
+        </p:nvSpPr>
+        <p:spPr>
+          <a:xfrm>
+            <a:off x="3419872" y="6372036"/>
+            <a:ext cx="3240360" cy="369332"/>
+          </a:xfrm>
+          <a:prstGeom prst="rect">
+            <a:avLst/>
+          </a:prstGeom>
+          <a:solidFill>
+            <a:schemeClr val="bg1"/>
+          </a:solidFill>
+        </p:spPr>
+        <p:txBody>
+          <a:bodyPr wrap="square" rtlCol="0">
+            <a:spAutoFit/>
+          </a:bodyPr>
+          <a:lstStyle/>
+          <a:p>
+            <a:r>
+              <a:rPr lang="fr-FR" dirty="0" smtClean="0">
+                <a:solidFill>
+                  <a:srgbClr val="FF0000"/>
+                </a:solidFill>
+              </a:rPr>
+              <a:t>D [m]</a:t>
+            </a:r>
+            <a:endParaRPr lang="fr-FR" dirty="0">
+              <a:solidFill>
+                <a:srgbClr val="FF0000"/>
+              </a:solidFill>
+            </a:endParaRPr>
+          </a:p>
+        </p:txBody>
+      </p:sp>
+      <p:sp>
+        <p:nvSpPr>
+          <p:cNvPr id="6" name="ZoneTexte 5"/>
+          <p:cNvSpPr txBox="1"/>
+          <p:nvPr/>
+        </p:nvSpPr>
+        <p:spPr>
+          <a:xfrm>
+            <a:off x="3275856" y="3645024"/>
+            <a:ext cx="3365537" cy="369332"/>
+          </a:xfrm>
+          <a:prstGeom prst="rect">
+            <a:avLst/>
+          </a:prstGeom>
+          <a:noFill/>
+        </p:spPr>
+        <p:txBody>
+          <a:bodyPr wrap="none" rtlCol="0">
+            <a:spAutoFit/>
+          </a:bodyPr>
+          <a:lstStyle/>
+          <a:p>
+            <a:r>
+              <a:rPr lang="fr-FR" dirty="0" err="1" smtClean="0"/>
+              <a:t>Antenna</a:t>
+            </a:r>
+            <a:r>
+              <a:rPr lang="fr-FR" dirty="0" smtClean="0"/>
+              <a:t> box : d=0.16 m, h=0.25m</a:t>
+            </a:r>
+            <a:endParaRPr lang="fr-FR" dirty="0"/>
+          </a:p>
+        </p:txBody>
+      </p:sp>
+    </p:spTree>
+    <p:extLst>
+      <p:ext uri="{BB962C8B-B14F-4D97-AF65-F5344CB8AC3E}">
+        <p14:creationId xmlns:p14="http://schemas.microsoft.com/office/powerpoint/2010/main" val="2712479689"/>
+      </p:ext>
+    </p:extLst>
+  </p:cSld>
+  <p:clrMapOvr>
+    <a:masterClrMapping/>
+  </p:clrMapOvr>
+</p:sld>
+</file>
+
+<file path=ppt/slides/slide13.xml><?xml version="1.0" encoding="utf-8"?>
+<p:sld xmlns:a="http://schemas.openxmlformats.org/drawingml/2006/main" xmlns:r="http://schemas.openxmlformats.org/officeDocument/2006/relationships" xmlns:p="http://schemas.openxmlformats.org/presentationml/2006/main">
+  <p:cSld>
+    <p:spTree>
+      <p:nvGrpSpPr>
+        <p:cNvPr id="1" name=""/>
+        <p:cNvGrpSpPr/>
+        <p:nvPr/>
+      </p:nvGrpSpPr>
+      <p:grpSpPr>
+        <a:xfrm>
+          <a:off x="0" y="0"/>
+          <a:ext cx="0" cy="0"/>
+          <a:chOff x="0" y="0"/>
+          <a:chExt cx="0" cy="0"/>
+        </a:xfrm>
+      </p:grpSpPr>
+      <p:sp>
+        <p:nvSpPr>
+          <p:cNvPr id="2" name="Titre 1"/>
+          <p:cNvSpPr>
+            <a:spLocks noGrp="1"/>
+          </p:cNvSpPr>
+          <p:nvPr>
+            <p:ph type="title"/>
+          </p:nvPr>
+        </p:nvSpPr>
+        <p:spPr/>
+        <p:txBody>
+          <a:bodyPr>
+            <a:normAutofit fontScale="90000"/>
+          </a:bodyPr>
+          <a:lstStyle/>
+          <a:p>
+            <a:r>
+              <a:rPr lang="fr-FR" dirty="0" smtClean="0"/>
+              <a:t>Step2 : </a:t>
+            </a:r>
+            <a:r>
+              <a:rPr lang="fr-FR" dirty="0" err="1" smtClean="0"/>
+              <a:t>creating</a:t>
+            </a:r>
+            <a:r>
+              <a:rPr lang="fr-FR" dirty="0" smtClean="0"/>
+              <a:t> a </a:t>
+            </a:r>
+            <a:r>
+              <a:rPr lang="fr-FR" dirty="0" err="1" smtClean="0"/>
+              <a:t>lossy</a:t>
+            </a:r>
+            <a:r>
+              <a:rPr lang="fr-FR" dirty="0" smtClean="0"/>
+              <a:t> plasma </a:t>
+            </a:r>
+            <a:r>
+              <a:rPr lang="fr-FR" dirty="0" err="1" smtClean="0"/>
+              <a:t>surrounding</a:t>
+            </a:r>
+            <a:r>
+              <a:rPr lang="fr-FR" dirty="0" smtClean="0"/>
+              <a:t> a </a:t>
+            </a:r>
+            <a:r>
+              <a:rPr lang="fr-FR" dirty="0" err="1" smtClean="0"/>
+              <a:t>low</a:t>
+            </a:r>
+            <a:r>
+              <a:rPr lang="fr-FR" dirty="0" smtClean="0"/>
+              <a:t> or non-</a:t>
+            </a:r>
+            <a:r>
+              <a:rPr lang="fr-FR" dirty="0" err="1" smtClean="0"/>
+              <a:t>lossy</a:t>
+            </a:r>
+            <a:r>
+              <a:rPr lang="fr-FR" dirty="0" smtClean="0"/>
+              <a:t> plasma</a:t>
+            </a:r>
+            <a:endParaRPr lang="fr-FR" dirty="0"/>
+          </a:p>
+        </p:txBody>
+      </p:sp>
+      <p:pic>
+        <p:nvPicPr>
+          <p:cNvPr id="3074" name="Picture 2"/>
+          <p:cNvPicPr>
+            <a:picLocks noChangeAspect="1" noChangeArrowheads="1"/>
+          </p:cNvPicPr>
+          <p:nvPr/>
+        </p:nvPicPr>
+        <p:blipFill rotWithShape="1">
+          <a:blip r:embed="rId2">
+            <a:extLst>
+              <a:ext uri="{28A0092B-C50C-407E-A947-70E740481C1C}">
+                <a14:useLocalDpi xmlns:a14="http://schemas.microsoft.com/office/drawing/2010/main" val="0"/>
+              </a:ext>
+            </a:extLst>
+          </a:blip>
+          <a:srcRect l="16863" r="36219" b="7929"/>
+          <a:stretch/>
+        </p:blipFill>
+        <p:spPr bwMode="auto">
+          <a:xfrm>
+            <a:off x="711200" y="1664965"/>
+            <a:ext cx="3482758" cy="3303275"/>
+          </a:xfrm>
+          <a:prstGeom prst="rect">
+            <a:avLst/>
+          </a:prstGeom>
+          <a:noFill/>
+          <a:ln>
+            <a:noFill/>
+          </a:ln>
+          <a:extLst>
+            <a:ext uri="{909E8E84-426E-40DD-AFC4-6F175D3DCCD1}">
+              <a14:hiddenFill xmlns:a14="http://schemas.microsoft.com/office/drawing/2010/main">
+                <a:solidFill>
+                  <a:schemeClr val="accent1"/>
+                </a:solidFill>
+              </a14:hiddenFill>
+            </a:ext>
+            <a:ext uri="{91240B29-F687-4F45-9708-019B960494DF}">
+              <a14:hiddenLine xmlns:a14="http://schemas.microsoft.com/office/drawing/2010/main" w="9525">
+                <a:solidFill>
+                  <a:schemeClr val="tx1"/>
+                </a:solidFill>
+                <a:miter lim="800000"/>
+                <a:headEnd/>
+                <a:tailEnd/>
+              </a14:hiddenLine>
+            </a:ext>
+          </a:extLst>
+        </p:spPr>
+      </p:pic>
+      <p:sp>
+        <p:nvSpPr>
+          <p:cNvPr id="3" name="ZoneTexte 2"/>
+          <p:cNvSpPr txBox="1"/>
+          <p:nvPr/>
+        </p:nvSpPr>
+        <p:spPr>
+          <a:xfrm>
+            <a:off x="2248352" y="2996952"/>
+            <a:ext cx="2520280" cy="923330"/>
+          </a:xfrm>
+          <a:prstGeom prst="rect">
+            <a:avLst/>
+          </a:prstGeom>
+          <a:noFill/>
+        </p:spPr>
+        <p:txBody>
+          <a:bodyPr wrap="square" rtlCol="0">
+            <a:spAutoFit/>
+          </a:bodyPr>
+          <a:lstStyle/>
+          <a:p>
+            <a:r>
+              <a:rPr lang="fr-FR" dirty="0" smtClean="0"/>
+              <a:t>Plasma1, </a:t>
+            </a:r>
+          </a:p>
+          <a:p>
+            <a:r>
+              <a:rPr lang="fr-FR" dirty="0" smtClean="0"/>
+              <a:t>Constant </a:t>
+            </a:r>
+            <a:br>
+              <a:rPr lang="fr-FR" dirty="0" smtClean="0"/>
+            </a:br>
+            <a:r>
+              <a:rPr lang="fr-FR" dirty="0" err="1" smtClean="0"/>
+              <a:t>losses</a:t>
+            </a:r>
+            <a:endParaRPr lang="fr-FR" dirty="0"/>
+          </a:p>
+        </p:txBody>
+      </p:sp>
+      <p:sp>
+        <p:nvSpPr>
+          <p:cNvPr id="5" name="ZoneTexte 4"/>
+          <p:cNvSpPr txBox="1"/>
+          <p:nvPr/>
+        </p:nvSpPr>
+        <p:spPr>
+          <a:xfrm>
+            <a:off x="956204" y="4010605"/>
+            <a:ext cx="2520280" cy="646331"/>
+          </a:xfrm>
+          <a:prstGeom prst="rect">
+            <a:avLst/>
+          </a:prstGeom>
+          <a:noFill/>
+        </p:spPr>
+        <p:txBody>
+          <a:bodyPr wrap="square" rtlCol="0">
+            <a:spAutoFit/>
+          </a:bodyPr>
+          <a:lstStyle/>
+          <a:p>
+            <a:r>
+              <a:rPr lang="fr-FR" dirty="0" smtClean="0"/>
+              <a:t>Plasma2, </a:t>
+            </a:r>
+          </a:p>
+          <a:p>
+            <a:r>
+              <a:rPr lang="fr-FR" dirty="0" err="1" smtClean="0"/>
+              <a:t>Increasing</a:t>
+            </a:r>
+            <a:r>
+              <a:rPr lang="fr-FR" dirty="0" smtClean="0"/>
+              <a:t> </a:t>
+            </a:r>
+            <a:r>
+              <a:rPr lang="fr-FR" dirty="0" err="1" smtClean="0"/>
+              <a:t>losses</a:t>
+            </a:r>
+            <a:endParaRPr lang="fr-FR" dirty="0"/>
+          </a:p>
+        </p:txBody>
+      </p:sp>
+      <p:cxnSp>
+        <p:nvCxnSpPr>
+          <p:cNvPr id="6" name="Connecteur droit avec flèche 5"/>
+          <p:cNvCxnSpPr/>
+          <p:nvPr/>
+        </p:nvCxnSpPr>
+        <p:spPr>
+          <a:xfrm>
+            <a:off x="2087724" y="2564904"/>
+            <a:ext cx="1404156" cy="0"/>
+          </a:xfrm>
+          <a:prstGeom prst="straightConnector1">
+            <a:avLst/>
+          </a:prstGeom>
+          <a:ln w="28575">
+            <a:solidFill>
+              <a:schemeClr val="accent2"/>
+            </a:solidFill>
+            <a:headEnd type="triangle" w="med" len="med"/>
+            <a:tailEnd type="triangle" w="med" len="med"/>
+          </a:ln>
+        </p:spPr>
+        <p:style>
+          <a:lnRef idx="1">
+            <a:schemeClr val="accent1"/>
+          </a:lnRef>
+          <a:fillRef idx="0">
+            <a:schemeClr val="accent1"/>
+          </a:fillRef>
+          <a:effectRef idx="0">
+            <a:schemeClr val="accent1"/>
+          </a:effectRef>
+          <a:fontRef idx="minor">
+            <a:schemeClr val="tx1"/>
+          </a:fontRef>
+        </p:style>
+      </p:cxnSp>
+      <p:sp>
+        <p:nvSpPr>
+          <p:cNvPr id="7" name="ZoneTexte 6"/>
+          <p:cNvSpPr txBox="1"/>
+          <p:nvPr/>
+        </p:nvSpPr>
+        <p:spPr>
+          <a:xfrm>
+            <a:off x="2447764" y="2195572"/>
+            <a:ext cx="504056" cy="369332"/>
+          </a:xfrm>
+          <a:prstGeom prst="rect">
+            <a:avLst/>
+          </a:prstGeom>
+          <a:noFill/>
+        </p:spPr>
+        <p:txBody>
+          <a:bodyPr wrap="square" rtlCol="0">
+            <a:spAutoFit/>
+          </a:bodyPr>
+          <a:lstStyle/>
+          <a:p>
+            <a:r>
+              <a:rPr lang="fr-FR" dirty="0" smtClean="0">
+                <a:solidFill>
+                  <a:srgbClr val="FF0000"/>
+                </a:solidFill>
+              </a:rPr>
+              <a:t>D</a:t>
+            </a:r>
+            <a:endParaRPr lang="fr-FR" dirty="0">
+              <a:solidFill>
+                <a:srgbClr val="FF0000"/>
+              </a:solidFill>
+            </a:endParaRPr>
+          </a:p>
+        </p:txBody>
+      </p:sp>
+      <p:sp>
+        <p:nvSpPr>
+          <p:cNvPr id="9" name="AutoShape 7" descr="data:image/png;base64,iVBORw0KGgoAAAANSUhEUgAAAXIAAAD8CAYAAABq6S8VAAAABHNCSVQICAgIfAhkiAAAAAlwSFlzAAALEgAACxIB0t1+/AAAADl0RVh0U29mdHdhcmUAbWF0cGxvdGxpYiB2ZXJzaW9uIDIuMi4yLCBodHRwOi8vbWF0cGxvdGxpYi5vcmcvhp/UCwAAIABJREFUeJztnXu0JVV95z/fe7sbRo0CtkAHaMGxE4JZiZgbNA8VBYZH1giZ+IBEbZLudMgEkxlnMpKFS7OYlZU2rBkzSXxMD2FsX+AjUXoQJdAxS2YUpE0UwQx0i4o99KLlZXQRuu895zd/1K46VftUnar7On33ub+P61i1H7X3vtWX3/2d3/79fltmhuM4jpMuU0d6AY7jOM7icEHuOI6TOC7IHcdxEscFueM4TuK4IHccx0kcF+SO4ziJ0yrIJV0v6aCke1v6/ayknqTXLt3yHMdx0kLScZJuk7Q3XI9t6Pc5SU9KujmqP03SXeH5j0la1zZnF438A8AFLQufBt4F3NphPMdxnEnmKmC3mW0CdodyHdcCb6qpfxfw7vD8E8CWtglbBbmZfQF4vKXbW4C/Ag62jec4jjPhXAzsDPc7gUvqOpnZbuAH5TpJAl4NfLLt+TJrFrrS0sQnAb8cJv/Zlr7bgG0Az3zmM3/m9NNPX+z0I9n3w4eWdXxn+TBTds3LqLY+q8vvVCnnz5Q7x32JA5uNmvrRfVUXHB2No1Hjt/QZqi/PGfcd/PDDaxtqs9p6+jUvzPqVtnJE+I+95DSWm6985SuPmtnzFjPG+a96pj32eK/bfPccug94ulS1w8x2dJzqBDM7AGBmByQdP49lPhd40szmQnk/cFLbQ4sW5MCfAm8zs172x6SZ8CJ2AMzMzNiePXuWYPpm/vUdb1nW8Z3l43B/GoC5fvalcTaUZ3vZtdcffJnM+8z1qte8T7836Jvf93tB6Icr/WpZvdLvclQ3uGbNmquWy/dTRZ+ofq7Udy7qG/WZmrOhZ4q2Wate56Ly4X7pmX6oyybQbLgenquUOTQ7mOjw4VCXXe3QIQD6Tx8quvzNno+y3Ej6zmLHeOzxHl++dWOnvtMb9j5tZjMj1nM7cGJN09ULXF4xdE1dax6VpRDkM8CNQYivBy6SNGdmn16CsR3HcZYEA/r0W/t1Gsvs3KY2SY9I2hC08Q3Mz+T8KHCMpDVBKz8ZeLjtoUULcjMrvldJ+gBw80oR4uumu32NclYeU8EmcFjT1fqgnMxG9QAKzxTX8M/fq+mDMs3cwrfIXFPPv1RaSS/Kb4fVoqhFw2252Ig3o8riZCqqy8u59aKfL6ac4G7ItFJV5BQ/Cyjc99dmM0wVZpPpyvjqld6tranOHUws6i+NQBwnhjFrY5EJu4DNwPZwvanrg2Zmkj4PvBa4sevzXdwPbwC+BPy4pP2Stki6QtIVXRfnOI6zEuh3/N8i2Q6cJ2kvcF4oI2lG0nV5J0l3AJ8Azgmy9fzQ9DbgrZL2kdnM/7JtwlaN3Mwu67p6M7u8a99xcPT0bHsnZ0VyOPxq5pp5ronnGrpKu3j5/VxvWEsfpqr/9kJ5KpT7oVzWb/OZ1LDnOdqsWd2ArfsvLs4kHYuRwYprV5X9v+WbkEHrDs1T/cEzA008jJCvJZ8wLpfGpRc08TWh09o0NfLeGNJ2m9ljwDk19XuAraXyyxuefxA4az5zLoWN3HEcJwn67fuGSTLRgnxdeZvfSYpCA+9Xf0WbbOdlFGnxZWeqqUJ7D3pu4bSianluYHWMbeTtNvMSua06nz//lSz9WEN29AZvwKnShIUbZtAwB7bw6OG1pTUVdVP5IGHc8C2kMMqXLK793H6+tvKMEjyQxoCeC3LHcZy0cY3ccRwnYQyYTfCbRBcmWpD/C9/sTJbDUbjklPqhfvhXttgQ7TW7JrYTOwEOKIKGQp92E0tda+SOWLb6Vb3/hs0xjStj4HZYuAeGcrCElF9jZB3Bgoll4FkYuSOWGpW3rQlt/fREh2FuWnEcx0kag95kyvHJFuRH+WZn8uQblofiTc+SZpWH8zeOUXZVDPEgc0PBQ2ETNFePS/pvvyFkZzGaed03/KbgoaLvsKI8CBpqckMsv7ZiszMvh2emGwKFAHKXzjW5Zh4G7KXoftjwrWYCmGhB7jiOM0D0an3+02eiBblr5OkyHTTlQ5GeO7CVD6u0cfBQXp5l/jbznoaDnrtq5uW6AVVbdjm4Zyh8P3I3rHU/nB7dty7LovrVbwM2pInn9aWHClt79BUgwU3DbLPTBbnjOE6yZH7kLsiT4xlTh4/0EpwFUtjEg+aZa+JTNd4STcFDS0Y0bJtmDgNvkaKuCNEftqjnwTyFxp1r25XRI/turolHHi9xgi2VNND+2oZgoTzn15o8vH/wHaHQ0vMgoXBVp3QIK4++a+SO4zjp4hp5ohw95X7kqZN7UExRH6oP9fbyZaFBM8/D5JtTWtWYlKfLofNVT5OY2L+8XFdo6ZGtvPBaqZz2k3upVMfIk2flmvhUSfW34K1SaOSRF0tKGCqSpE0aEy3IHcdxyrhpJUGOco08eaat3vN3ah5eE2XtPY/+nIr8x+eDFdp0dW21ibYsKtcOmEd95t8+qrbrItCyRiMv+jRcqwdLBI+Z2Dbej54tpb7NNfHck0W5Jt5PT7M1xGFL07bfxkQLcsdxnJwsICi9P0BdcEHuOM6qwTc7E+RouWklWYLiNBWZVqaDHeDp/tr4ieEh8tzlLSH8C2UonL9k+ihOGpquNsmqQTlAaeOwmmOcuG9NiH6TaaUuiKg4ZrNwN8z7Rom3ShuxuUtiYWLpJ2xaMdGz9NbdhYkW5I7jOGX6rpGnh7sfpku+yVlo3g0aeu2zxabh8rrIDdwFq26IWU04AzQ/fad4Jg/UKY2TJ7yajtwQR0TDN4bmh9cTBwrBYBOzOFWoX9XEixD+8ulF/YbEWgkGBGWbnZMp8ibzp3Icx4nwzc5EcRt5ukwVqmWoCMXpIvKl+dnpJQgQagrOGdmnpKTmgSdFWtlQn2vddV8WivEKd8OgOcch/KU+Q7byyFxfjgfK3Qzz8fLDIorgoelqPxiRWGvt8n7bWS56E+pH3vrnSdL1kg5Kureh/dck3RM+X5T000u/TMdxnMWRR3Z2+SwGScdJuk3S3nA9tqHf5yQ9KenmqP4jku6XdG+Qv607+1008g8AfwF8sKH9W8ArzewJSRcCO4CXdhh32XEbeboUtvAoc9TUUGw6Q+rIbL9Q3xdMf7pdc4v7VDX0XDWuHvFm5FrwoOdQGH/hpVK1YVfGbwgWsii4p/wO8tdS2NWbvFhK73aQSKtatgS9VqCaEGwZuQrYbWbbJV0Vym+r6Xct8Azgt6L6jwBvDPcfBbYC7xs1YetPZWZfAB4f0f5FM3siFO8ETm4b03EcZ9xkSbOWXyMHLgZ2hvudwCW16zHbDfygpv4WCwBfpoNMXWob+Rbgs02NkrYB2wA2bty4xFMPc7Q8jW2qFEmyIhv5VJ2NPNba49OLF6CZd8nJEXuTVJ/JQ9uri+vnKvP04AcY+JjXjzvwJx9OgBVr3sUXmRo/couTZTV4sahGi89/jKLPVHq2ZkPMdg/RXy9pT6m8w8x2dHz2BDM7AGBmByQdP5915gSTypuA32vru2SCXNKryAT5Lzb1CS9iB8DMzEyauyWO4ySJGfMJCHrUzGaaGiXdDpxY03T1QtbWwHuBL5jZHW0dl0SQS/op4DrgQjN7bCnGXAqOlh/1NjGE//6mR9nIm04vLvdtUchyG+q66V5zn2DVXhPbyGvGHlKubdjnfCjBVqRtD/mXlwaOtXfrN7fHUZ9NXizl8zly3/I8He5UL/c1T08jBy1ZQJCZnds4i/SIpA1BG98AHJzv+JLeCTyPYft5LYs2BknaCPw18CYze2Cx4zmO4ywHRqaRd/kskl3A5nC/GbhpPg9L2gqcD1xm1iECjg4auaQbgLPJbEb7gXcSjmQ1s/cD7wCeC7xXEsDcqK8kjuM4R4oxHSyxHfi4pC3AQ8DrACTNAFeY2dZQvgM4HXhWkK1bzOxW4P3Ad4AvBZn612Z2zagJWwW5mV3W0r6VzD1mxeEBQenTGGY/YrOz0cRSbpuOq3M3uw5uhw196r62D5k+ak77KcL4i83Iahj/UKBQaaAiWCh3O4zdESsh+lTGKdwRcxNLERBUOudzTX34fr+fnmnF0FgOlgjm5XNq6vdQkpVm9vKG5+dt8p7oyE7HcZwcA2Y910p6+GZn+kxRbyKcLtc3aeI1mnmuNfdCQEsvuNGtm8cmWKx551re2hptz4qNy3AtNi5Lm51FGH81edaQVl0J0Y+ChfrVDdLYHREGGnesvQ+CiIbP+Sw2O6PwfesQMLXykOcjdxzHSRljbJGdY2eiBfnRanYhcyaJEPjVppmX6xZArnmvm+rV1tfV5QFBoxJsFWH8lvfNg4my5rpAoSIv2JQqfRvdEaExsVZRju3sDOzocfi+knQ/9BOCHMdxksZMrpGnyNolSGfqHCkW8m2qRTNvqmtbidXb0QsNvSZ4KLYh5wm2+jXh9gOtvRosVGjiU3lYfGn8/L4p5W2Ndq0m23hcLnmk5Db9OHy/X791saLJNjvTOxCjCxMtyB3HcQb4mZ1JcrQm0x62Osg11qq2mx+o3ODMEp4I3kqjbOQNmnmu0fZLvzv9qQZNvEFDBzDrVerycxjqbNmFrTryThn4lw8fRtGU8rY4LGJ6+JDnwmslspX3I0+XysESuZY+Fa0/we2nbLNzMmXCRAtyx3GcMmOK7Bw7Lsgdx1kVjCuy80gw0YL8KE3mX9/VQfadfio2seRmh3mYzXplMwlV00mvKGe/K0dNNQeR5aaOfoP74bqSvaEwqYR15+6Haxh2RyyChaZys0i+2ZkHCtWcKhTlFC/6FoFCeXtpoQ2bnPEmaGUjs1812dTlLE8JP3zZcRwnYcxgNtEj6tqYaEG+dkL/+q4KCoU1SrC9ELfEhSbYKrrkp/tUtfWmAKHsmRb3w+mB2jsUxp9r17mGHrThqvthNZx/KLFWtOmZFcIlPk0oDt0vz1No6c05y1MhM61MpkxI8J/DcRxnYXhkZ4IcpYn+8SabXPuNNPN+B8280KDr/qNt0MTzJFq5rbxXUn/7eTrk6XzmbNyjRrgf5lp64c4Y7Od1boF54q7pvC3UN7kjQofEWtNV7R5KqWgjjXwoUKgm9W3hflhc0xOI7n7oOI6TPG5aSZK1rpGnT4NmXs3p2t1uXmjrmqqUi0NIRvx3nmvtR0XaaF0If/5tYF0UGNQLKm75vM+87yCNbIMXSym97MCOnpXzU+2Lcm47Lx8S0ZLGlhE28sKeHtnKU2OpzuxcabikcxxnVZB5rSTqN9mCC3LHcVYFHhDkOI4zAbhpxXEcJ2Hca8VxHGcCmFSvldafStL1kg5KurehXZL+TNI+SfdIesnSL9NxHGdxmIk5m+r0WQySjpN0m6S94XpsQ7/PSXpS0s0N7X8u6Ydd5uyy4g8AF4xovxDYFD7bgPd1mdhxHGfc9E2dPovkKmC3mW0CdodyHdcCb6prkDQDHNN1wlZBbmZfAB4f0eVi4IOWcSdwjKQNXRfgOI4zDnIb+RgE+cXAznC/E7ikdj1mu4EfxPWSpsmE/H/qOuFSGIxOAr5bKu8PdUNI2iZpj6Q93/ve95ZgasdxnO7MQ5Cvz2VV+GybxzQnmNkBgHA9fp7LvBLYlY/RhaXY7Kz781Ub9mVmO4AdADMzM2mGhjmOkyTz9CN/1Mxmmhol3Q6cWNN09ULWVhr3R4HXAWfP57mlEOT7gVNK5ZOBh5dgXMdxnCVlqfzIzezcpjZJj0jaYGYHgpn54DyGPhN4IbBP2eEnz5C0z8xeOOqhpTCt7ALeHLxXXgZ8fz5fCRzHccaBGcz1pzp9FskuYHO43wzc1H2N9hkzO9HMTjWzU4Gn2oQ4dNDIJd1Apuavl7QfeCewNkz6fuAW4CJgH/AU8OtdF+04jjNOxhQQtB34uKQtwENkppLcE+UKM9sayncApwPPCrJ1i5ndupAJWwW5mV3W0m7A7yxkcsdxnHExrlwrZvYYcE5N/R5ga6n88g5jPavLnB7Z6TjOqsHGo5GPHRfkjuOsGjxpluM4TsKYedIsx3GcxFFxytOk4YLccZxVg9vIHcdxEsbzkTuO46SOZXbyScQFueM4qwb3WnEcx0kY881Ox3Gc9HHTiuM4TuK414rjOE7CmLkgdxzHSR53P3Qcx0kct5E7juMkjCH67rXiOI6TNhOqkLsgdxxnleCbnY7jOBPAhKrkLsgdx1k1uEbuOI6TMAb0+y7IHcdx0sUA18gdx3HSZlL9yDs5VUq6QNL9kvZJuqqmfaOkz0v6B0n3SLpo6ZfqOI6zSKzjZxFIOk7SbZL2huuxDf0+J+lJSTdH9ZL0R5IekPSPkn63bc5WQS5pGngPcCFwBnCZpDOibm8HPm5mZwKXAu9tG9dxHGe8CLNun0VyFbDbzDYBu0O5jmuBN9XUXw6cApxuZj8B3Ng2YReN/Cxgn5k9aGaHw6AXR30MeHa4fw7wcIdxHcdxxssYNHIy+bgz3O8ELqlditlu4Ac1Tb8NXGNm/dDvYNuEXQT5ScB3S+X9oa7MHwJvlLQfuAV4S4dxHcdxxoeB9dXpA6yXtKf02TaPmU4wswMA4Xr8PFf6L4E3hHk/K2lT2wNdNjvrvmfEf7MuAz5gZv9F0s8BH5L0k/lflGKg7GVsA9i4cWOHqR3HcZaSzmaTR81spnEU6XbgxJqmqxeyqoijgKfNbEbSvwGuB14+6oEugnw/mb0m52SGTSdbgAsAzOxLko4G1gOVrwRmtgPYATAzMzOh+8eO46xYlkjqmNm5TW2SHpG0wcwOSNpAJAc7sB/4q3D/KeB/tj3QxbRyN7BJ0mmS1pFtZu6K+jwEnAMg6SeAo4HvdVy04zjOeBiPjXwXsDncbwZumufznwZeHe5fCTzQ9kCrIDezOeBK4FbgH8m8U+6TdI2k14Ru/wH4TUlfA24ALjebVI9Nx3GSJA8I6vJZHNuB8yTtBc4LZSTNSLou7yTpDuATwDmS9ks6v/T8r0j6OvDHwNa2CTsFBJnZLWSbmOW6d5TuvwH8QpexHMdxjhTjUC/N7DGChSKq30NJKJtZrd3bzJ4Efmk+c3pkp+M4qwfPteI4jpM2mlCDrwtyx3FWB0uzkbkicUHuOM4qYUk2MlckLsgdx1k9uEbuOI6TOP32LinigtxxnNWBHyzhOI6TPu614jiOkzoTKsg7nRDkOI7jrFxcI3ccZ9XgphXHcZyUMTxE33EcJ3lcI3ccx0kbN604juOkjgtyx3GcxHFB7jiOky4yN604juOkj3utOI7jpI1r5I7jOKnjgtxxHCdh3EbuOI4zAUyoIO+UNEvSBZLul7RP0lUNfV4v6RuS7pP00aVdpuM4zuJRv9tnUXNIx0m6TdLecD22od/nJD0p6eao/hxJfy/pq5L+t6QXts3ZKsglTQPvAS4EzgAuk3RG1GcT8AfAL5jZi4B/1zau4zjOhHIVsNvMNgG7Q7mOa4E31dS/D/g1M3sx8FHg7W0TdtHIzwL2mdmDZnYYuBG4OOrzm8B7zOwJADM72GFcx3Gc8WIdP4vjYmBnuN8JXFK7FLPdwA8aVvnscP8c4OG2CbvYyE8Cvlsq7wdeGvX5MQBJ/weYBv7QzD7XYWzHcZzxML/NzvWS9pTKO8xsR8dnTzCzAwBmdkDS8fNYJcBW4BZJ/wz8E/Cytge6CPI6D/r4dawBNgFnAycDd0j6STN7sjKQtA3YBrBx48YOUzuO4ywh3QX5o2Y209Qo6XbgxJqmqxewqph/D1xkZndJ+n3gv5IJ90a6CPL9wCml8skMq/r7gTvNbBb4lqT7yQT73eVO4S/aDoCZmZkJ3T92HGfFskRSx8zObWqT9IikDUEb3wB0NjVLeh7w02Z2V6j6GNBq3ehiI78b2CTpNEnrgEuBXVGfTwOvCgtZT2ZqebDj2h3HcZYdMR6vFTL5uDncbwZumsezTwDPkfRjoXwe8I9tD7Vq5GY2J+lK4FYy+/f1ZnafpGuAPWa2K7T9K0nfAHrA75vZY/NYvOM4zvIyvoCg7cDHJW0BHgJeByBpBrjCzLaG8h3A6cCzJO0HtpjZrZJ+E/grSX0ywf4bbRN2Cggys1uAW6K6d5TuDXhr+DiO46xMxiDIgxJ7Tk39Hkq2bjN7ecPznwI+NZ85PbLTcZzVw4TuzLkgdxxn1eC5VhzHcVLHBbnjOE7C2JJ4pKxIXJA7jrN6cI3ccRwnbdxG7jiOkzouyB3HcRJmaTIbrkhckDuOsyoQblpxHMdJHhfkjuM4qeOC3HEcJ3FckDuO4yTM+LIfjh0X5I7jrB5ckDuO46SNh+g7juMkjptWHMdxUsYDghzHcSYAF+SO4zjp4pGdjuM4E4D6kynJXZA7jrM6cBu54zhO+kyqaWXqSC/AcRxnbFjHzyKQdJyk2yTtDddja/q8WNKXJN0n6R5Jbyi1nSbprvD8xySta5uzkyCXdIGk+yXtk3TViH6vlWSSZrqM6ziOM05k3T6L5Cpgt5ltAnaHcsxTwJvN7EXABcCfSjomtL0LeHd4/glgS9uErYJc0jTwHuBC4AzgMkln1PT7EeB3gbvaxnQcxzkijEEjBy4Gdob7ncAlQ8swe8DM9ob7h4GDwPMkCXg18MlRz8d00cjPAvaZ2YNmdhi4MSw05j8DfwI83WFMx3Gc8WJZiH6XD7Be0p7SZ9s8ZjrBzA4AhOvxozpLOgtYB3wTeC7wpJnNheb9wEltE3bZ7DwJ+G6pvB94abSQM4FTzOxmSf9xxIK3AdsANm7c2GFqx3GcpWGefuSPmlmjiVjS7cCJNU1Xz2tN0gbgQ8BmM+sHjTymddVdBPnIgSVNAe8GLm8byMx2ADsAZmZmJnT/2HGcFYstjdgxs3Ob2iQ9ImmDmR0IgvpgQ79nA58B3m5md4bqR4FjJK0JWvnJwMNt6+liWtkPnFIqxwP/CPCTwN9J+jbwMmCXb3g6jrPSGNNm5y5gc7jfDNw0tI7ME+VTwAfN7BN5vZkZ8HngtaOej+kiyO8GNgWXmHXApWGh+cTfN7P1ZnaqmZ0K3Am8xsz2dBjbcRxnPHTd6Fy8IN8OnCdpL3BeKCNpRtJ1oc/rgVcAl0v6avi8OLS9DXirpH1kNvO/bJuw1bRiZnOSrgRuBaaB683sPknXAHvMbNfoERzHcVYG48hHbmaPAefU1O8Btob7DwMfbnj+QTInk850iuw0s1uAW6K6dzT0PXs+C3AcxxkXfrCE4zhOyhhLttm50nBB7jjOqmFSc61MtCCfLXzqndQ4FP7tZumHcnZ9OmhUszbwin3apsN1TbiurZQP2+DX/HDom19ni2ezZw71w7PhmtVlz8+Fvnn5cF7fD2P2BvPM9adCn+lKuReuc72Bn0F+n7f1w8/W72dX64Vrv+QJHO6V1wWTQWE66KlaBqZ6oU8QZupF13iMmj5TPauUk8MFueM4Trr4wRKJcsg18mSJNfHDkSaea+HZfa55T0fXqoYOA037kFU179lIQ58tjZ/3PdSrauB5udDMbaBlx5r4bCjP9rJrr9S3n2vrQTPvN1wpaeS5lq74mmvqhSZd1uKJ2lrqGdbSB9cEJaJZmuvuwEQLcsdxnAqTKccnW5DnWp2THrEmfijSxJ+usXsPbOPRtWzvjuqabOO5HRxgNmjMed2hSAM/XNjIB1p8fp9r4nOFJq5QHraR5zbxwjaea+A2bCNvsoUP7N1Vzby+T3Ydsp3X2Mhj2/hUol923bTiOI6TMga4aSU9cq3OSY/YOyXXxA9TtYNnbfWa+GzQ2mcr2vuaqK1qE4+17vL9bKyBF14r1XoYeKAUNvF+VRMva+SNXiq5fTuyg1fq8l/xIds41faauiYb+VRJix/SxItyogIx0WW3MdGC3HEcp4ybVhzHcRLHvVYS5OkJDcddDcQmldjFsOJSaLELYXA7jDY0obSpaWuq5QY3xKxPUwBQbmKpuhrCYJOzF7kf5pue/VLfNnfD2NWwfD+0qRmbWOoCguIgn3jTc5T7Yc24ybA0mQ1XJBMtyB3HcXKygKDJlOQTLcjLYdxOWrRp4mUtexBmvy67NrgWlsdrcjeMtW8YDsEvNPB88zNyNYTBJudcHOwTuRjCQAMvNjcj98PBhubg/QxpyOHZpjD88vNq6DPQtgfCrmmTcyrVzc4Uv0l0YKIFueM4ThnXyBOkHMbtpEWbJj5bcT8crYmXg4e6auKHSgmw4hD8OAAotn/DcOBPnBirV3Y/LJJiVW3jGuV+GCfLarB/V+zdLX2G3BIpafhzcTlBgeg2csdxnNTxXCtJUtbEnLTItepmjXzwb9umic9Wwu1z+3Zuw64G98SJsLL7yEsl0sQHninDYfdF+H0e9BMH+5Tv+9VyU0KsrI6oTyiP8C5pTWNb2L8Hz8Q2cSUfEJToultwSec4zurAEnWb7MBEC/KyZ4OTFvGhELEm/nR/2I+8SROvhNtHKWmL8PtIMy+H28f+4nFK2rqw+yJJVr/eR7xf6lskxYpt4Q0Jscp92rXs0jMNofhDybNK2naeHKvQxOcS91pxjdxxHCdxJlOOM9XexXEcZzJQv9/ps6g5pOMk3SZpb7geW9PnxZK+JOk+SfdIekOp7SOS7pd0r6TrJbWaFjpp5JIuAP4bMA1cZ2bbo/a3AluBOeB7wG+Y2Xe6jL2c+GZnusQmlUEI/fCpP20mlUPlvpFJ5VBkSomDfMpts5G5JDel1LofNphS4qCfct3ApJJdhnKOz8eVcIT7YRyKPyrXeLwBmnt9JOt+OB4b+VXAbjPbLumqUH5b1Ocp4M1mtlfSjwJfkXSrmT0JfAR4Y+j3UTLZ+r5RE7Zq5JKmgfcAFwJnAJdJOiPq9g/AjJn9FPBJ4E/axnUcxxknwpB1+yySi4Gd4X4ncEncwcweMLO94f5h4CDwvFC+xQLAl4GT2ybsorKeBewzswcBJN0YFvqN0qI+X+p/J4O/JkeUPFDESY/C7TA6Y/NwFGIPw2H3uYYcb2xmfeo18WKTM9rYhIEmHm9yFu6HvZognzwUv9DIq0E/VpMAKw78GXIt7NWbn8+KAAANYklEQVS4HzYEBMUbmXV91CHXeLGpGbshpuqP3V1Ir5e0p1TeYWY7Oj57gpkdyKazA5KOH9VZ0lnAOuCbUf1a4E3A77VN2EWQnwR8t1TeD7x0RP8twGfrGiRtA7YBbNy4scPUjuM4S0h3Qf6omc00NUq6HTixpunq+SxH0gbgQ8Bms6GTcN4LfMHM7mgbp4sgr8s8Vfs2JL0RmAFeWdce/qLtAJiZmVn2P+llFzUnLXKNfPi0+9xG3hx2nwf7xPbw8n2bJj5bsncPuRtGYfbxmZvltqEAoFGn/TSkpo0186wPUZ/oOircPtLam8Lws7pIE5/Lrwk6ZC+hjdzMzm1qk/SIpA1BG99AZjap6/ds4DPA283szqjtnWSmlt/qsp4uXiv7gVNK5ZOBh2sWdS7ZX6PXmNmhLpM7juOMk3F4rQC7gM3hfjNw09A6pHXAp4APmtknoratwPnAZTVaei1dNPK7gU2STgP+H3Ap8KvRxGcC/x24wMxq//ocCTwgKF1mIxt5nCyrYiOPEmDlYfd152+2aeJdUtJ2SYQ1dO7miEMimgJ/hoJ+Rtq766/VcPu8zqK+9WH4lbbZfiiH62yCGjk2roCg7cDHJW0BHgJeByBpBrjCzLYCrwdeATxX0uXhucvN7KvA+4HvAF+SBPDXZnbNqAlbBbmZzUm6EriVzP3wejO7T9I1wB4z2wVcCzwL+ESY+CEze828fnTHcZzlxBiLIDezx4Bzaur3kLkSYmYfBj7c8Py8/aY7PWBmtwC3RHXvKN032ouOJG4jT5cmDTzW1LO2+lS0g7D7sk/4aE08PzyibCNv08TrEmG1HtdW9kBp8Bcf5RPeaO9usJ1n9/VeKk1h+OU+w5p5+cSKhEjxi0QHPGLGcZxVgx8skSBuI0+XJg28SHI14nDkOBVtHq0J3TXxuREpaYsDlHuxr3jJd6BRE88uFXv33GgvlfqkWaOvdQcpN3qpFJ4peXvJRh55qcTX5HBB7jiOkzBm0Ev0D1ALLsgdx1k9uEaeHod8szNZnu7Hm51R/nAb3sCMTSqx+aRc1xR2H29slu/jzc3CpDJX3diEGpPKXBT0UxNuPxWbWEZuXHa7Ts3Z0DNTsw2n/swNb3YW7oa5JjsXXVPDBbnjOE7CGJBqjpgWJlqQu/thusQpaPPzMOuCfOJzN4c2MjskwGpyMYRSwM/c6JS0lURYcw2JsKLw+0rbfFLSRuH08eZm3fmbTeduFmH4c5H2DcObncHtUHMpuh8adAuUTI6JFuSO4zgFhm92pshTfU9jmypNia9m84MfymH3vaqb4UISYDUF+0CzJm5RuVMirCL4ZtA3DsGPD3gYuAkOhm8K/GkK8gGYmq3ON2Qrn6sG/WR1DW6HqQYEuY3ccRwncVyQp0fZjuqkRVMCrOJItv6wJ0pT4quydt2micfBPtl9R018ruyJMvpwiOpxatVrU/h9XdKsob6x7bzm2Lb4OpQQq2wjnw0DFdcw4OFZ0mNsSbPGjks6x3FWBwYsPkXtimSiBblr5OkS+4bPRbbxsm94bBsfsoOXPFDi49nafMShuyZe9Q2PNPGhMHxKfbNrbBPvFKIfhdkPea3UJMBq8iMvNPOSj/iQl8pcmNBt5CsKl3SO46wSPEQ/Sf65537kqdLkG57btiupaRts4rm2XT4koqsmXkRrQnMCrA7RmrEmXmjdHQ6JGE5uNXhmYAuvT3iVa92VQyKiOs3We6QUdvHyfa6Bx5p5Shh0PHAnOSZakDuO41TwyE7HcZzEcRt5ehz2zc5kaQvyKecLz00nc4WJpd6lEEqn2wdzSS/awIxP9im3tZlURiW1ik0qqjGTzCe3+NBpP0UwT/WZ3MSS1VU3NYsN0tkRCbFyU0rubjibXS1F90Mz91pxHMdJHtfI0+Np3+xMlnhTM9fI883JulPue5ZpxrEmXj7dvqsm3ikBVkOyq/IzQy6EczV9403NxhD9knYdux1GIfkDd8RyiH4U+BO07YGLYTaIZktfFyJ3Qwtlm01QI8ewVN0mW5hoQe44jlPgaWzTpBw04qRFbAuPg3zKYfftp9yXNPJe1d2wKRXtyARYLcE+5fvYhTC2mZfbhlPR5vV1KWmr4xQ28uhwiLKNvCnwJ3cxLAKByilq45D8wwnbyGEsaWwlHQd8DDgV+DbwejN7IurzYuB9wLPJTnL9IzP7WNTnz4FfN7Nntc051dYhDHiBpPsl7ZN0VU37UZI+FtrvknRql3Edx3HGhQHWt06fRXIVsNvMNgG7QznmKeDNZvYi4ALgTyUdkzdKmgGOqXmullaNXNI08B7gPGA/cLekXWb2jVK3LcATZvZCSZcC7wLe0HURy8XTvYn+wjHRxJp4Ye8OmvOoIJ++NZ9u31kTr0uA1R+tiVe07AabeGz3huGUtMNa9vD4RZh93icOv687JKJNE8+177L9u/BSOZxdQx+bS1Ajt7EdLHExcHa43wn8HfC26lLsgdL9w5IOAs8Dngwy91rgV4Ff7jJhF438LGCfmT1oZoeBG8NC44XvDPefBM6RJBzHcVYQ1ut1+gDrJe0pfbbNY5oTzOwAQLgeP6qzpLOAdcA3Q9WVwK58jC50UVlPAr5bKu8HXtrUx8zmJH0feC7waLTgbUD+Qn4o6f6uC10g6+M1rCB8bQvD17Ywlm1ti9TZuq7r+YuZBOAHPHHr7fbJ9R27P2pmFzQ1SrodOLGm6er5rEnSBuBDwGYz60v6UeB1DDT6TnQR5HX/SrERqUsfzGwHsKPDnEuCpD1mNjOu+eaDr21h+NoWxkpd2zjXNUowL2Csc5vaJD0iaYOZHQiC+mBDv2cDnwHebmZ3huozgRcC+8IfyGdI2mdmLxy1ni6mlf3AKaXyycDDTX0krQGeAzzeYWzHcZxJYxewOdxvBm6KO0haB3wK+KCZfSKvN7PPmNmJZnaqmZ0KPNUmxKGbIL8b2CTptDD5pWGhTQt/LfC3ZhMaQuU4jjOa7cB5kvaSOYlsh8wTRdJ1oc/rgVcAl0v6avi8eKETtppWgs37SuBWYBq43szuk3QNsMfMdgF/CXxI0j4yTfzShS5oiRmbGWcB+NoWhq9tYazUta3UdS0YM3sMOKemfg+wNdx/GPhwh7FafcgB5Iqz4zhO2nQKCHIcx3FWLi7IHcdxEidZQb6YtAGS/iDU3y/p/COwtrdK+oakeyTtlvT8UluvtPkRbyqPY22XS/peaQ1bS22bJe0Nn83xs8u8rneX1vSApCdLbcv9zq6XdFDSvQ3tkvRnYe33SHpJqW0531nbun4trOceSV+U9NOltm9L+np4Z3uWcl0d13a2pO+X/t3eUWob+bvg1GBmyX3INl2/CbyALCLqa8AZUZ9/C7w/3F8KfCzcnxH6HwWcFsaZHvPaXgU8I9z/dr62UP7hEX5vlwN/UfPsccCD4XpsuD92XOuK+r+FbNN92d9ZGP8VwEuAexvaLwI+SxZP8TLgruV+Zx3X9fP5fMCF+bpC+dvA+iP4zs4Gbl7s74J/sk+qGvli0gZcDNxoZofM7FvAvjDe2NZmZp83s6dC8U4y3/xx0OW9NXE+cJuZPW5ZJrfbyJL9HIl1XQbcsERzt2JmX2B0XMTFZP7AZllgxzEhEGQ531nruszsizbIujfO37Mu76yJxfyOrlpSFeR1aQNOaupjZnNAnjagy7PLvbYyW8i0uZyjleV2uFPSJUu4rvms7VfC1/FPSsqDwZbzvXUeO5ihTgP+tlS9nO+sC03rX+7ftfkQ/54Z8DeSvqL55RFZSn5O0tckfVbSi0LdSnpnyZBqesDFpA3olE5gEXQeX9IbgRnglaXqjZZlQ3sB8LeSvm5m36x7fpnW9r+AG8zskKQryL7VvLrjs8u5rpxLgU+aWfmol+V8Z104Ur9rnZD0KjJB/oul6l8I7+x44DZJ/zdo0ePi74Hnm9kPJV0EfBrYxAp5Z6mRqka+mLQBXZ5d7rUh6VyyBDuvMbNDeb2ZPRyuD5KlvzxznGszs8dK6/kfwM90fXY511XiUiKzyjK/sy40rX+5f9dakfRTwHXAxZYFqgCVd3aQLFR8Kc2LrZjZP5nZD8P9LcBaSetZAe8sSY60kX4hH7JvEg+SfcXON0ReFPX5HaqbnR8P9y+iutn5IEu72dllbWeSbehsiuqPBY4K9+uBvSzhRk/HtW0o3f8ycGe4Pw74VljjseH+uHGtK/T7cbJNOo3rnZXmOZXmjbtforrZ+eXlfmcd17WRbA/o56P6ZwI/Urr/InDBmN/Zifm/I9kfkYfC++v0u+Cf6H0e6QUs4pfkIuCBIBCvDnXXkGm4AEcDnwi/yF8GXlB69urw3P3AhUdgbbcDjwBfDZ9dof7nga+HX96vA1uOwNr+GLgvrOHzwOmlZ38jvM99ZEdQjW1dofyHwPbouXG8sxuAA8Asmca4BbgCuCK0i+zwlW+GNcyM6Z21res64InS79meUP+C8L6+Fv6trz4C7+zK0u/ZnZT+2NT9Lvhn9MdD9B3HcRInVRu54ziOE3BB7jiOkzguyB3HcRLHBbnjOE7iuCB3HMdJHBfkjuM4ieOC3HEcJ3H+P9I2QnJe4PnWAAAAAElFTkSuQmCC"/>
+          <p:cNvSpPr>
+            <a:spLocks noChangeAspect="1" noChangeArrowheads="1"/>
+          </p:cNvSpPr>
+          <p:nvPr/>
+        </p:nvSpPr>
+        <p:spPr bwMode="auto">
+          <a:xfrm>
+            <a:off x="155575" y="-144463"/>
+            <a:ext cx="304800" cy="304801"/>
+          </a:xfrm>
+          <a:prstGeom prst="rect">
+            <a:avLst/>
+          </a:prstGeom>
+          <a:noFill/>
+          <a:extLst>
+            <a:ext uri="{909E8E84-426E-40DD-AFC4-6F175D3DCCD1}">
+              <a14:hiddenFill xmlns:a14="http://schemas.microsoft.com/office/drawing/2010/main">
+                <a:solidFill>
+                  <a:srgbClr val="FFFFFF"/>
+                </a:solidFill>
+              </a14:hiddenFill>
+            </a:ext>
+          </a:extLst>
+        </p:spPr>
+        <p:txBody>
+          <a:bodyPr vert="horz" wrap="square" lIns="91440" tIns="45720" rIns="91440" bIns="45720" numCol="1" anchor="t" anchorCtr="0" compatLnSpc="1">
+            <a:prstTxWarp prst="textNoShape">
+              <a:avLst/>
+            </a:prstTxWarp>
+          </a:bodyPr>
+          <a:lstStyle/>
+          <a:p>
+            <a:endParaRPr lang="fr-FR"/>
+          </a:p>
+        </p:txBody>
+      </p:sp>
+      <p:sp>
+        <p:nvSpPr>
+          <p:cNvPr id="10" name="AutoShape 9" descr="data:image/png;base64,iVBORw0KGgoAAAANSUhEUgAAAXIAAAD8CAYAAABq6S8VAAAABHNCSVQICAgIfAhkiAAAAAlwSFlzAAALEgAACxIB0t1+/AAAADl0RVh0U29mdHdhcmUAbWF0cGxvdGxpYiB2ZXJzaW9uIDIuMi4yLCBodHRwOi8vbWF0cGxvdGxpYi5vcmcvhp/UCwAAIABJREFUeJztnXu0JVV95z/fe7sbRo0CtkAHaMGxE4JZiZgbNA8VBYZH1giZ+IBEbZLudMgEkxlnMpKFS7OYlZU2rBkzSXxMD2FsX+AjUXoQJdAxS2YUpE0UwQx0i4o99KLlZXQRuu895zd/1K46VftUnar7On33ub+P61i1H7X3vtWX3/2d3/79fltmhuM4jpMuU0d6AY7jOM7icEHuOI6TOC7IHcdxEscFueM4TuK4IHccx0kcF+SO4ziJ0yrIJV0v6aCke1v6/ayknqTXLt3yHMdx0kLScZJuk7Q3XI9t6Pc5SU9KujmqP03SXeH5j0la1zZnF438A8AFLQufBt4F3NphPMdxnEnmKmC3mW0CdodyHdcCb6qpfxfw7vD8E8CWtglbBbmZfQF4vKXbW4C/Ag62jec4jjPhXAzsDPc7gUvqOpnZbuAH5TpJAl4NfLLt+TJrFrrS0sQnAb8cJv/Zlr7bgG0Az3zmM3/m9NNPX+z0I9n3w4eWdXxn+TBTds3LqLY+q8vvVCnnz5Q7x32JA5uNmvrRfVUXHB2No1Hjt/QZqi/PGfcd/PDDaxtqs9p6+jUvzPqVtnJE+I+95DSWm6985SuPmtnzFjPG+a96pj32eK/bfPccug94ulS1w8x2dJzqBDM7AGBmByQdP49lPhd40szmQnk/cFLbQ4sW5MCfAm8zs172x6SZ8CJ2AMzMzNiePXuWYPpm/vUdb1nW8Z3l43B/GoC5fvalcTaUZ3vZtdcffJnM+8z1qte8T7836Jvf93tB6Icr/WpZvdLvclQ3uGbNmquWy/dTRZ+ofq7Udy7qG/WZmrOhZ4q2Wate56Ly4X7pmX6oyybQbLgenquUOTQ7mOjw4VCXXe3QIQD6Tx8quvzNno+y3Ej6zmLHeOzxHl++dWOnvtMb9j5tZjMj1nM7cGJN09ULXF4xdE1dax6VpRDkM8CNQYivBy6SNGdmn16CsR3HcZYEA/r0W/t1Gsvs3KY2SY9I2hC08Q3Mz+T8KHCMpDVBKz8ZeLjtoUULcjMrvldJ+gBw80oR4uumu32NclYeU8EmcFjT1fqgnMxG9QAKzxTX8M/fq+mDMs3cwrfIXFPPv1RaSS/Kb4fVoqhFw2252Ig3o8riZCqqy8u59aKfL6ac4G7ItFJV5BQ/Cyjc99dmM0wVZpPpyvjqld6tranOHUws6i+NQBwnhjFrY5EJu4DNwPZwvanrg2Zmkj4PvBa4sevzXdwPbwC+BPy4pP2Stki6QtIVXRfnOI6zEuh3/N8i2Q6cJ2kvcF4oI2lG0nV5J0l3AJ8Azgmy9fzQ9DbgrZL2kdnM/7JtwlaN3Mwu67p6M7u8a99xcPT0bHsnZ0VyOPxq5pp5ronnGrpKu3j5/VxvWEsfpqr/9kJ5KpT7oVzWb/OZ1LDnOdqsWd2ArfsvLs4kHYuRwYprV5X9v+WbkEHrDs1T/cEzA008jJCvJZ8wLpfGpRc08TWh09o0NfLeGNJ2m9ljwDk19XuAraXyyxuefxA4az5zLoWN3HEcJwn67fuGSTLRgnxdeZvfSYpCA+9Xf0WbbOdlFGnxZWeqqUJ7D3pu4bSianluYHWMbeTtNvMSua06nz//lSz9WEN29AZvwKnShIUbZtAwB7bw6OG1pTUVdVP5IGHc8C2kMMqXLK793H6+tvKMEjyQxoCeC3LHcZy0cY3ccRwnYQyYTfCbRBcmWpD/C9/sTJbDUbjklPqhfvhXttgQ7TW7JrYTOwEOKIKGQp92E0tda+SOWLb6Vb3/hs0xjStj4HZYuAeGcrCElF9jZB3Bgoll4FkYuSOWGpW3rQlt/fREh2FuWnEcx0kag95kyvHJFuRH+WZn8uQblofiTc+SZpWH8zeOUXZVDPEgc0PBQ2ETNFePS/pvvyFkZzGaed03/KbgoaLvsKI8CBpqckMsv7ZiszMvh2emGwKFAHKXzjW5Zh4G7KXoftjwrWYCmGhB7jiOM0D0an3+02eiBblr5OkyHTTlQ5GeO7CVD6u0cfBQXp5l/jbznoaDnrtq5uW6AVVbdjm4Zyh8P3I3rHU/nB7dty7LovrVbwM2pInn9aWHClt79BUgwU3DbLPTBbnjOE6yZH7kLsiT4xlTh4/0EpwFUtjEg+aZa+JTNd4STcFDS0Y0bJtmDgNvkaKuCNEftqjnwTyFxp1r25XRI/turolHHi9xgi2VNND+2oZgoTzn15o8vH/wHaHQ0vMgoXBVp3QIK4++a+SO4zjp4hp5ohw95X7kqZN7UExRH6oP9fbyZaFBM8/D5JtTWtWYlKfLofNVT5OY2L+8XFdo6ZGtvPBaqZz2k3upVMfIk2flmvhUSfW34K1SaOSRF0tKGCqSpE0aEy3IHcdxyrhpJUGOco08eaat3vN3ah5eE2XtPY/+nIr8x+eDFdp0dW21ibYsKtcOmEd95t8+qrbrItCyRiMv+jRcqwdLBI+Z2Dbej54tpb7NNfHck0W5Jt5PT7M1xGFL07bfxkQLcsdxnJwsICi9P0BdcEHuOM6qwTc7E+RouWklWYLiNBWZVqaDHeDp/tr4ieEh8tzlLSH8C2UonL9k+ihOGpquNsmqQTlAaeOwmmOcuG9NiH6TaaUuiKg4ZrNwN8z7Rom3ShuxuUtiYWLpJ2xaMdGz9NbdhYkW5I7jOGX6rpGnh7sfpku+yVlo3g0aeu2zxabh8rrIDdwFq26IWU04AzQ/fad4Jg/UKY2TJ7yajtwQR0TDN4bmh9cTBwrBYBOzOFWoX9XEixD+8ulF/YbEWgkGBGWbnZMp8ibzp3Icx4nwzc5EcRt5ukwVqmWoCMXpIvKl+dnpJQgQagrOGdmnpKTmgSdFWtlQn2vddV8WivEKd8OgOcch/KU+Q7byyFxfjgfK3Qzz8fLDIorgoelqPxiRWGvt8n7bWS56E+pH3vrnSdL1kg5Kureh/dck3RM+X5T000u/TMdxnMWRR3Z2+SwGScdJuk3S3nA9tqHf5yQ9KenmqP4jku6XdG+Qv607+1008g8AfwF8sKH9W8ArzewJSRcCO4CXdhh32XEbeboUtvAoc9TUUGw6Q+rIbL9Q3xdMf7pdc4v7VDX0XDWuHvFm5FrwoOdQGH/hpVK1YVfGbwgWsii4p/wO8tdS2NWbvFhK73aQSKtatgS9VqCaEGwZuQrYbWbbJV0Vym+r6Xct8Azgt6L6jwBvDPcfBbYC7xs1YetPZWZfAB4f0f5FM3siFO8ETm4b03EcZ9xkSbOWXyMHLgZ2hvudwCW16zHbDfygpv4WCwBfpoNMXWob+Rbgs02NkrYB2wA2bty4xFMPc7Q8jW2qFEmyIhv5VJ2NPNba49OLF6CZd8nJEXuTVJ/JQ9uri+vnKvP04AcY+JjXjzvwJx9OgBVr3sUXmRo/couTZTV4sahGi89/jKLPVHq2ZkPMdg/RXy9pT6m8w8x2dHz2BDM7AGBmByQdP5915gSTypuA32vru2SCXNKryAT5Lzb1CS9iB8DMzEyauyWO4ySJGfMJCHrUzGaaGiXdDpxY03T1QtbWwHuBL5jZHW0dl0SQS/op4DrgQjN7bCnGXAqOlh/1NjGE//6mR9nIm04vLvdtUchyG+q66V5zn2DVXhPbyGvGHlKubdjnfCjBVqRtD/mXlwaOtXfrN7fHUZ9NXizl8zly3/I8He5UL/c1T08jBy1ZQJCZnds4i/SIpA1BG98AHJzv+JLeCTyPYft5LYs2BknaCPw18CYze2Cx4zmO4ywHRqaRd/kskl3A5nC/GbhpPg9L2gqcD1xm1iECjg4auaQbgLPJbEb7gXcSjmQ1s/cD7wCeC7xXEsDcqK8kjuM4R4oxHSyxHfi4pC3AQ8DrACTNAFeY2dZQvgM4HXhWkK1bzOxW4P3Ad4AvBZn612Z2zagJWwW5mV3W0r6VzD1mxeEBQenTGGY/YrOz0cRSbpuOq3M3uw5uhw196r62D5k+ak77KcL4i83Iahj/UKBQaaAiWCh3O4zdESsh+lTGKdwRcxNLERBUOudzTX34fr+fnmnF0FgOlgjm5XNq6vdQkpVm9vKG5+dt8p7oyE7HcZwcA2Y910p6+GZn+kxRbyKcLtc3aeI1mnmuNfdCQEsvuNGtm8cmWKx551re2hptz4qNy3AtNi5Lm51FGH81edaQVl0J0Y+ChfrVDdLYHREGGnesvQ+CiIbP+Sw2O6PwfesQMLXykOcjdxzHSRljbJGdY2eiBfnRanYhcyaJEPjVppmX6xZArnmvm+rV1tfV5QFBoxJsFWH8lvfNg4my5rpAoSIv2JQqfRvdEaExsVZRju3sDOzocfi+knQ/9BOCHMdxksZMrpGnyNolSGfqHCkW8m2qRTNvqmtbidXb0QsNvSZ4KLYh5wm2+jXh9gOtvRosVGjiU3lYfGn8/L4p5W2Ndq0m23hcLnmk5Db9OHy/X791saLJNjvTOxCjCxMtyB3HcQb4mZ1JcrQm0x62Osg11qq2mx+o3ODMEp4I3kqjbOQNmnmu0fZLvzv9qQZNvEFDBzDrVerycxjqbNmFrTryThn4lw8fRtGU8rY4LGJ6+JDnwmslspX3I0+XysESuZY+Fa0/we2nbLNzMmXCRAtyx3GcMmOK7Bw7Lsgdx1kVjCuy80gw0YL8KE3mX9/VQfadfio2seRmh3mYzXplMwlV00mvKGe/K0dNNQeR5aaOfoP74bqSvaEwqYR15+6Haxh2RyyChaZys0i+2ZkHCtWcKhTlFC/6FoFCeXtpoQ2bnPEmaGUjs1812dTlLE8JP3zZcRwnYcxgNtEj6tqYaEG+dkL/+q4KCoU1SrC9ELfEhSbYKrrkp/tUtfWmAKHsmRb3w+mB2jsUxp9r17mGHrThqvthNZx/KLFWtOmZFcIlPk0oDt0vz1No6c05y1MhM61MpkxI8J/DcRxnYXhkZ4IcpYn+8SabXPuNNPN+B8280KDr/qNt0MTzJFq5rbxXUn/7eTrk6XzmbNyjRrgf5lp64c4Y7Od1boF54q7pvC3UN7kjQofEWtNV7R5KqWgjjXwoUKgm9W3hflhc0xOI7n7oOI6TPG5aSZK1rpGnT4NmXs3p2t1uXmjrmqqUi0NIRvx3nmvtR0XaaF0If/5tYF0UGNQLKm75vM+87yCNbIMXSym97MCOnpXzU+2Lcm47Lx8S0ZLGlhE28sKeHtnKU2OpzuxcabikcxxnVZB5rSTqN9mCC3LHcVYFHhDkOI4zAbhpxXEcJ2Hca8VxHGcCmFSvldafStL1kg5KurehXZL+TNI+SfdIesnSL9NxHGdxmIk5m+r0WQySjpN0m6S94XpsQ7/PSXpS0s0N7X8u6Ydd5uyy4g8AF4xovxDYFD7bgPd1mdhxHGfc9E2dPovkKmC3mW0CdodyHdcCb6prkDQDHNN1wlZBbmZfAB4f0eVi4IOWcSdwjKQNXRfgOI4zDnIb+RgE+cXAznC/E7ikdj1mu4EfxPWSpsmE/H/qOuFSGIxOAr5bKu8PdUNI2iZpj6Q93/ve95ZgasdxnO7MQ5Cvz2VV+GybxzQnmNkBgHA9fp7LvBLYlY/RhaXY7Kz781Ub9mVmO4AdADMzM2mGhjmOkyTz9CN/1Mxmmhol3Q6cWNN09ULWVhr3R4HXAWfP57mlEOT7gVNK5ZOBh5dgXMdxnCVlqfzIzezcpjZJj0jaYGYHgpn54DyGPhN4IbBP2eEnz5C0z8xeOOqhpTCt7ALeHLxXXgZ8fz5fCRzHccaBGcz1pzp9FskuYHO43wzc1H2N9hkzO9HMTjWzU4Gn2oQ4dNDIJd1Apuavl7QfeCewNkz6fuAW4CJgH/AU8OtdF+04jjNOxhQQtB34uKQtwENkppLcE+UKM9sayncApwPPCrJ1i5ndupAJWwW5mV3W0m7A7yxkcsdxnHExrlwrZvYYcE5N/R5ga6n88g5jPavLnB7Z6TjOqsHGo5GPHRfkjuOsGjxpluM4TsKYedIsx3GcxFFxytOk4YLccZxVg9vIHcdxEsbzkTuO46SOZXbyScQFueM4qwb3WnEcx0kY881Ox3Gc9HHTiuM4TuK414rjOE7CmLkgdxzHSR53P3Qcx0kct5E7juMkjCH67rXiOI6TNhOqkLsgdxxnleCbnY7jOBPAhKrkLsgdx1k1uEbuOI6TMAb0+y7IHcdx0sUA18gdx3HSZlL9yDs5VUq6QNL9kvZJuqqmfaOkz0v6B0n3SLpo6ZfqOI6zSKzjZxFIOk7SbZL2huuxDf0+J+lJSTdH9ZL0R5IekPSPkn63bc5WQS5pGngPcCFwBnCZpDOibm8HPm5mZwKXAu9tG9dxHGe8CLNun0VyFbDbzDYBu0O5jmuBN9XUXw6cApxuZj8B3Ng2YReN/Cxgn5k9aGaHw6AXR30MeHa4fw7wcIdxHcdxxssYNHIy+bgz3O8ELqlditlu4Ac1Tb8NXGNm/dDvYNuEXQT5ScB3S+X9oa7MHwJvlLQfuAV4S4dxHcdxxoeB9dXpA6yXtKf02TaPmU4wswMA4Xr8PFf6L4E3hHk/K2lT2wNdNjvrvmfEf7MuAz5gZv9F0s8BH5L0k/lflGKg7GVsA9i4cWOHqR3HcZaSzmaTR81spnEU6XbgxJqmqxeyqoijgKfNbEbSvwGuB14+6oEugnw/mb0m52SGTSdbgAsAzOxLko4G1gOVrwRmtgPYATAzMzOh+8eO46xYlkjqmNm5TW2SHpG0wcwOSNpAJAc7sB/4q3D/KeB/tj3QxbRyN7BJ0mmS1pFtZu6K+jwEnAMg6SeAo4HvdVy04zjOeBiPjXwXsDncbwZumufznwZeHe5fCTzQ9kCrIDezOeBK4FbgH8m8U+6TdI2k14Ru/wH4TUlfA24ALjebVI9Nx3GSJA8I6vJZHNuB8yTtBc4LZSTNSLou7yTpDuATwDmS9ks6v/T8r0j6OvDHwNa2CTsFBJnZLWSbmOW6d5TuvwH8QpexHMdxjhTjUC/N7DGChSKq30NJKJtZrd3bzJ4Efmk+c3pkp+M4qwfPteI4jpM2mlCDrwtyx3FWB0uzkbkicUHuOM4qYUk2MlckLsgdx1k9uEbuOI6TOP32LinigtxxnNWBHyzhOI6TPu614jiOkzoTKsg7nRDkOI7jrFxcI3ccZ9XgphXHcZyUMTxE33EcJ3lcI3ccx0kbN604juOkjgtyx3GcxHFB7jiOky4yN604juOkj3utOI7jpI1r5I7jOKnjgtxxHCdh3EbuOI4zAUyoIO+UNEvSBZLul7RP0lUNfV4v6RuS7pP00aVdpuM4zuJRv9tnUXNIx0m6TdLecD22od/nJD0p6eao/hxJfy/pq5L+t6QXts3ZKsglTQPvAS4EzgAuk3RG1GcT8AfAL5jZi4B/1zau4zjOhHIVsNvMNgG7Q7mOa4E31dS/D/g1M3sx8FHg7W0TdtHIzwL2mdmDZnYYuBG4OOrzm8B7zOwJADM72GFcx3Gc8WIdP4vjYmBnuN8JXFK7FLPdwA8aVvnscP8c4OG2CbvYyE8Cvlsq7wdeGvX5MQBJ/weYBv7QzD7XYWzHcZzxML/NzvWS9pTKO8xsR8dnTzCzAwBmdkDS8fNYJcBW4BZJ/wz8E/Cytge6CPI6D/r4dawBNgFnAycDd0j6STN7sjKQtA3YBrBx48YOUzuO4ywh3QX5o2Y209Qo6XbgxJqmqxewqph/D1xkZndJ+n3gv5IJ90a6CPL9wCml8skMq/r7gTvNbBb4lqT7yQT73eVO4S/aDoCZmZkJ3T92HGfFskRSx8zObWqT9IikDUEb3wB0NjVLeh7w02Z2V6j6GNBq3ehiI78b2CTpNEnrgEuBXVGfTwOvCgtZT2ZqebDj2h3HcZYdMR6vFTL5uDncbwZumsezTwDPkfRjoXwe8I9tD7Vq5GY2J+lK4FYy+/f1ZnafpGuAPWa2K7T9K0nfAHrA75vZY/NYvOM4zvIyvoCg7cDHJW0BHgJeByBpBrjCzLaG8h3A6cCzJO0HtpjZrZJ+E/grSX0ywf4bbRN2Cggys1uAW6K6d5TuDXhr+DiO46xMxiDIgxJ7Tk39Hkq2bjN7ecPznwI+NZ85PbLTcZzVw4TuzLkgdxxn1eC5VhzHcVLHBbnjOE7C2JJ4pKxIXJA7jrN6cI3ccRwnbdxG7jiOkzouyB3HcRJmaTIbrkhckDuOsyoQblpxHMdJHhfkjuM4qeOC3HEcJ3FckDuO4yTM+LIfjh0X5I7jrB5ckDuO46SNh+g7juMkjptWHMdxUsYDghzHcSYAF+SO4zjp4pGdjuM4E4D6kynJXZA7jrM6cBu54zhO+kyqaWXqSC/AcRxnbFjHzyKQdJyk2yTtDddja/q8WNKXJN0n6R5Jbyi1nSbprvD8xySta5uzkyCXdIGk+yXtk3TViH6vlWSSZrqM6ziOM05k3T6L5Cpgt5ltAnaHcsxTwJvN7EXABcCfSjomtL0LeHd4/glgS9uErYJc0jTwHuBC4AzgMkln1PT7EeB3gbvaxnQcxzkijEEjBy4Gdob7ncAlQ8swe8DM9ob7h4GDwPMkCXg18MlRz8d00cjPAvaZ2YNmdhi4MSw05j8DfwI83WFMx3Gc8WJZiH6XD7Be0p7SZ9s8ZjrBzA4AhOvxozpLOgtYB3wTeC7wpJnNheb9wEltE3bZ7DwJ+G6pvB94abSQM4FTzOxmSf9xxIK3AdsANm7c2GFqx3GcpWGefuSPmlmjiVjS7cCJNU1Xz2tN0gbgQ8BmM+sHjTymddVdBPnIgSVNAe8GLm8byMx2ADsAZmZmJnT/2HGcFYstjdgxs3Ob2iQ9ImmDmR0IgvpgQ79nA58B3m5md4bqR4FjJK0JWvnJwMNt6+liWtkPnFIqxwP/CPCTwN9J+jbwMmCXb3g6jrPSGNNm5y5gc7jfDNw0tI7ME+VTwAfN7BN5vZkZ8HngtaOej+kiyO8GNgWXmHXApWGh+cTfN7P1ZnaqmZ0K3Am8xsz2dBjbcRxnPHTd6Fy8IN8OnCdpL3BeKCNpRtJ1oc/rgVcAl0v6avi8OLS9DXirpH1kNvO/bJuw1bRiZnOSrgRuBaaB683sPknXAHvMbNfoERzHcVYG48hHbmaPAefU1O8Btob7DwMfbnj+QTInk850iuw0s1uAW6K6dzT0PXs+C3AcxxkXfrCE4zhOyhhLttm50nBB7jjOqmFSc61MtCCfLXzqndQ4FP7tZumHcnZ9OmhUszbwin3apsN1TbiurZQP2+DX/HDom19ni2ezZw71w7PhmtVlz8+Fvnn5cF7fD2P2BvPM9adCn+lKuReuc72Bn0F+n7f1w8/W72dX64Vrv+QJHO6V1wWTQWE66KlaBqZ6oU8QZupF13iMmj5TPauUk8MFueM4Trr4wRKJcsg18mSJNfHDkSaea+HZfa55T0fXqoYOA037kFU179lIQ58tjZ/3PdSrauB5udDMbaBlx5r4bCjP9rJrr9S3n2vrQTPvN1wpaeS5lq74mmvqhSZd1uKJ2lrqGdbSB9cEJaJZmuvuwEQLcsdxnAqTKccnW5DnWp2THrEmfijSxJ+usXsPbOPRtWzvjuqabOO5HRxgNmjMed2hSAM/XNjIB1p8fp9r4nOFJq5QHraR5zbxwjaea+A2bCNvsoUP7N1Vzby+T3Ydsp3X2Mhj2/hUol923bTiOI6TMga4aSU9cq3OSY/YOyXXxA9TtYNnbfWa+GzQ2mcr2vuaqK1qE4+17vL9bKyBF14r1XoYeKAUNvF+VRMva+SNXiq5fTuyg1fq8l/xIds41faauiYb+VRJix/SxItyogIx0WW3MdGC3HEcp4ybVhzHcRLHvVYS5OkJDcddDcQmldjFsOJSaLELYXA7jDY0obSpaWuq5QY3xKxPUwBQbmKpuhrCYJOzF7kf5pue/VLfNnfD2NWwfD+0qRmbWOoCguIgn3jTc5T7Yc24ybA0mQ1XJBMtyB3HcXKygKDJlOQTLcjLYdxOWrRp4mUtexBmvy67NrgWlsdrcjeMtW8YDsEvNPB88zNyNYTBJudcHOwTuRjCQAMvNjcj98PBhubg/QxpyOHZpjD88vNq6DPQtgfCrmmTcyrVzc4Uv0l0YKIFueM4ThnXyBOkHMbtpEWbJj5bcT8crYmXg4e6auKHSgmw4hD8OAAotn/DcOBPnBirV3Y/LJJiVW3jGuV+GCfLarB/V+zdLX2G3BIpafhzcTlBgeg2csdxnNTxXCtJUtbEnLTItepmjXzwb9umic9Wwu1z+3Zuw64G98SJsLL7yEsl0sQHninDYfdF+H0e9BMH+5Tv+9VyU0KsrI6oTyiP8C5pTWNb2L8Hz8Q2cSUfEJToultwSec4zurAEnWb7MBEC/KyZ4OTFvGhELEm/nR/2I+8SROvhNtHKWmL8PtIMy+H28f+4nFK2rqw+yJJVr/eR7xf6lskxYpt4Q0Jscp92rXs0jMNofhDybNK2naeHKvQxOcS91pxjdxxHCdxJlOOM9XexXEcZzJQv9/ps6g5pOMk3SZpb7geW9PnxZK+JOk+SfdIekOp7SOS7pd0r6TrJbWaFjpp5JIuAP4bMA1cZ2bbo/a3AluBOeB7wG+Y2Xe6jL2c+GZnusQmlUEI/fCpP20mlUPlvpFJ5VBkSomDfMpts5G5JDel1LofNphS4qCfct3ApJJdhnKOz8eVcIT7YRyKPyrXeLwBmnt9JOt+OB4b+VXAbjPbLumqUH5b1Ocp4M1mtlfSjwJfkXSrmT0JfAR4Y+j3UTLZ+r5RE7Zq5JKmgfcAFwJnAJdJOiPq9g/AjJn9FPBJ4E/axnUcxxknwpB1+yySi4Gd4X4ncEncwcweMLO94f5h4CDwvFC+xQLAl4GT2ybsorKeBewzswcBJN0YFvqN0qI+X+p/J4O/JkeUPFDESY/C7TA6Y/NwFGIPw2H3uYYcb2xmfeo18WKTM9rYhIEmHm9yFu6HvZognzwUv9DIq0E/VpMAKw78GXIt7NWbn8+KAAANYklEQVS4HzYEBMUbmXV91CHXeLGpGbshpuqP3V1Ir5e0p1TeYWY7Oj57gpkdyKazA5KOH9VZ0lnAOuCbUf1a4E3A77VN2EWQnwR8t1TeD7x0RP8twGfrGiRtA7YBbNy4scPUjuM4S0h3Qf6omc00NUq6HTixpunq+SxH0gbgQ8Bms6GTcN4LfMHM7mgbp4sgr8s8Vfs2JL0RmAFeWdce/qLtAJiZmVn2P+llFzUnLXKNfPi0+9xG3hx2nwf7xPbw8n2bJj5bsncPuRtGYfbxmZvltqEAoFGn/TSkpo0186wPUZ/oOircPtLam8Lws7pIE5/Lrwk6ZC+hjdzMzm1qk/SIpA1BG99AZjap6/ds4DPA283szqjtnWSmlt/qsp4uXiv7gVNK5ZOBh2sWdS7ZX6PXmNmhLpM7juOMk3F4rQC7gM3hfjNw09A6pHXAp4APmtknoratwPnAZTVaei1dNPK7gU2STgP+H3Ap8KvRxGcC/x24wMxq//ocCTwgKF1mIxt5nCyrYiOPEmDlYfd152+2aeJdUtJ2SYQ1dO7miEMimgJ/hoJ+Rtq766/VcPu8zqK+9WH4lbbZfiiH62yCGjk2roCg7cDHJW0BHgJeByBpBrjCzLYCrwdeATxX0uXhucvN7KvA+4HvAF+SBPDXZnbNqAlbBbmZzUm6EriVzP3wejO7T9I1wB4z2wVcCzwL+ESY+CEze828fnTHcZzlxBiLIDezx4Bzaur3kLkSYmYfBj7c8Py8/aY7PWBmtwC3RHXvKN032ouOJG4jT5cmDTzW1LO2+lS0g7D7sk/4aE08PzyibCNv08TrEmG1HtdW9kBp8Bcf5RPeaO9usJ1n9/VeKk1h+OU+w5p5+cSKhEjxi0QHPGLGcZxVgx8skSBuI0+XJg28SHI14nDkOBVtHq0J3TXxuREpaYsDlHuxr3jJd6BRE88uFXv33GgvlfqkWaOvdQcpN3qpFJ4peXvJRh55qcTX5HBB7jiOkzBm0Ev0D1ALLsgdx1k9uEaeHod8szNZnu7Hm51R/nAb3sCMTSqx+aRc1xR2H29slu/jzc3CpDJX3diEGpPKXBT0UxNuPxWbWEZuXHa7Ts3Z0DNTsw2n/swNb3YW7oa5JjsXXVPDBbnjOE7CGJBqjpgWJlqQu/thusQpaPPzMOuCfOJzN4c2MjskwGpyMYRSwM/c6JS0lURYcw2JsKLw+0rbfFLSRuH08eZm3fmbTeduFmH4c5H2DcObncHtUHMpuh8adAuUTI6JFuSO4zgFhm92pshTfU9jmypNia9m84MfymH3vaqb4UISYDUF+0CzJm5RuVMirCL4ZtA3DsGPD3gYuAkOhm8K/GkK8gGYmq3ON2Qrn6sG/WR1DW6HqQYEuY3ccRwncVyQp0fZjuqkRVMCrOJItv6wJ0pT4quydt2micfBPtl9R018ruyJMvpwiOpxatVrU/h9XdKsob6x7bzm2Lb4OpQQq2wjnw0DFdcw4OFZ0mNsSbPGjks6x3FWBwYsPkXtimSiBblr5OkS+4bPRbbxsm94bBsfsoOXPFDi49nafMShuyZe9Q2PNPGhMHxKfbNrbBPvFKIfhdkPea3UJMBq8iMvNPOSj/iQl8pcmNBt5CsKl3SO46wSPEQ/Sf65537kqdLkG57btiupaRts4rm2XT4koqsmXkRrQnMCrA7RmrEmXmjdHQ6JGE5uNXhmYAuvT3iVa92VQyKiOs3We6QUdvHyfa6Bx5p5Shh0PHAnOSZakDuO41TwyE7HcZzEcRt5ehz2zc5kaQvyKecLz00nc4WJpd6lEEqn2wdzSS/awIxP9im3tZlURiW1ik0qqjGTzCe3+NBpP0UwT/WZ3MSS1VU3NYsN0tkRCbFyU0rubjibXS1F90Mz91pxHMdJHtfI0+Np3+xMlnhTM9fI883JulPue5ZpxrEmXj7dvqsm3ikBVkOyq/IzQy6EczV9403NxhD9knYdux1GIfkDd8RyiH4U+BO07YGLYTaIZktfFyJ3Qwtlm01QI8ewVN0mW5hoQe44jlPgaWzTpBw04qRFbAuPg3zKYfftp9yXNPJe1d2wKRXtyARYLcE+5fvYhTC2mZfbhlPR5vV1KWmr4xQ28uhwiLKNvCnwJ3cxLAKByilq45D8wwnbyGEsaWwlHQd8DDgV+DbwejN7IurzYuB9wLPJTnL9IzP7WNTnz4FfN7Nntc051dYhDHiBpPsl7ZN0VU37UZI+FtrvknRql3Edx3HGhQHWt06fRXIVsNvMNgG7QznmKeDNZvYi4ALgTyUdkzdKmgGOqXmullaNXNI08B7gPGA/cLekXWb2jVK3LcATZvZCSZcC7wLe0HURy8XTvYn+wjHRxJp4Ye8OmvOoIJ++NZ9u31kTr0uA1R+tiVe07AabeGz3huGUtMNa9vD4RZh93icOv687JKJNE8+177L9u/BSOZxdQx+bS1Ajt7EdLHExcHa43wn8HfC26lLsgdL9w5IOAs8Dngwy91rgV4Ff7jJhF438LGCfmT1oZoeBG8NC44XvDPefBM6RJBzHcVYQ1ut1+gDrJe0pfbbNY5oTzOwAQLgeP6qzpLOAdcA3Q9WVwK58jC50UVlPAr5bKu8HXtrUx8zmJH0feC7waLTgbUD+Qn4o6f6uC10g6+M1rCB8bQvD17Ywlm1ti9TZuq7r+YuZBOAHPHHr7fbJ9R27P2pmFzQ1SrodOLGm6er5rEnSBuBDwGYz60v6UeB1DDT6TnQR5HX/SrERqUsfzGwHsKPDnEuCpD1mNjOu+eaDr21h+NoWxkpd2zjXNUowL2Csc5vaJD0iaYOZHQiC+mBDv2cDnwHebmZ3huozgRcC+8IfyGdI2mdmLxy1ni6mlf3AKaXyycDDTX0krQGeAzzeYWzHcZxJYxewOdxvBm6KO0haB3wK+KCZfSKvN7PPmNmJZnaqmZ0KPNUmxKGbIL8b2CTptDD5pWGhTQt/LfC3ZhMaQuU4jjOa7cB5kvaSOYlsh8wTRdJ1oc/rgVcAl0v6avi8eKETtppWgs37SuBWYBq43szuk3QNsMfMdgF/CXxI0j4yTfzShS5oiRmbGWcB+NoWhq9tYazUta3UdS0YM3sMOKemfg+wNdx/GPhwh7FafcgB5Iqz4zhO2nQKCHIcx3FWLi7IHcdxEidZQb6YtAGS/iDU3y/p/COwtrdK+oakeyTtlvT8UluvtPkRbyqPY22XS/peaQ1bS22bJe0Nn83xs8u8rneX1vSApCdLbcv9zq6XdFDSvQ3tkvRnYe33SHpJqW0531nbun4trOceSV+U9NOltm9L+np4Z3uWcl0d13a2pO+X/t3eUWob+bvg1GBmyX3INl2/CbyALCLqa8AZUZ9/C7w/3F8KfCzcnxH6HwWcFsaZHvPaXgU8I9z/dr62UP7hEX5vlwN/UfPsccCD4XpsuD92XOuK+r+FbNN92d9ZGP8VwEuAexvaLwI+SxZP8TLgruV+Zx3X9fP5fMCF+bpC+dvA+iP4zs4Gbl7s74J/sk+qGvli0gZcDNxoZofM7FvAvjDe2NZmZp83s6dC8U4y3/xx0OW9NXE+cJuZPW5ZJrfbyJL9HIl1XQbcsERzt2JmX2B0XMTFZP7AZllgxzEhEGQ531nruszsizbIujfO37Mu76yJxfyOrlpSFeR1aQNOaupjZnNAnjagy7PLvbYyW8i0uZyjleV2uFPSJUu4rvms7VfC1/FPSsqDwZbzvXUeO5ihTgP+tlS9nO+sC03rX+7ftfkQ/54Z8DeSvqL55RFZSn5O0tckfVbSi0LdSnpnyZBqesDFpA3olE5gEXQeX9IbgRnglaXqjZZlQ3sB8LeSvm5m36x7fpnW9r+AG8zskKQryL7VvLrjs8u5rpxLgU+aWfmol+V8Z104Ur9rnZD0KjJB/oul6l8I7+x44DZJ/zdo0ePi74Hnm9kPJV0EfBrYxAp5Z6mRqka+mLQBXZ5d7rUh6VyyBDuvMbNDeb2ZPRyuD5KlvzxznGszs8dK6/kfwM90fXY511XiUiKzyjK/sy40rX+5f9dakfRTwHXAxZYFqgCVd3aQLFR8Kc2LrZjZP5nZD8P9LcBaSetZAe8sSY60kX4hH7JvEg+SfcXON0ReFPX5HaqbnR8P9y+iutn5IEu72dllbWeSbehsiuqPBY4K9+uBvSzhRk/HtW0o3f8ycGe4Pw74VljjseH+uHGtK/T7cbJNOo3rnZXmOZXmjbtforrZ+eXlfmcd17WRbA/o56P6ZwI/Urr/InDBmN/Zifm/I9kfkYfC++v0u+Cf6H0e6QUs4pfkIuCBIBCvDnXXkGm4AEcDnwi/yF8GXlB69urw3P3AhUdgbbcDjwBfDZ9dof7nga+HX96vA1uOwNr+GLgvrOHzwOmlZ38jvM99ZEdQjW1dofyHwPbouXG8sxuAA8Asmca4BbgCuCK0i+zwlW+GNcyM6Z21res64InS79meUP+C8L6+Fv6trz4C7+zK0u/ZnZT+2NT9Lvhn9MdD9B3HcRInVRu54ziOE3BB7jiOkzguyB3HcRLHBbnjOE7iuCB3HMdJHBfkjuM4ieOC3HEcJ3H+P9I2QnJe4PnWAAAAAElFTkSuQmCC"/>
+          <p:cNvSpPr>
+            <a:spLocks noChangeAspect="1" noChangeArrowheads="1"/>
+          </p:cNvSpPr>
+          <p:nvPr/>
+        </p:nvSpPr>
+        <p:spPr bwMode="auto">
+          <a:xfrm>
+            <a:off x="307975" y="7937"/>
+            <a:ext cx="304800" cy="304801"/>
+          </a:xfrm>
+          <a:prstGeom prst="rect">
+            <a:avLst/>
+          </a:prstGeom>
+          <a:noFill/>
+          <a:extLst>
+            <a:ext uri="{909E8E84-426E-40DD-AFC4-6F175D3DCCD1}">
+              <a14:hiddenFill xmlns:a14="http://schemas.microsoft.com/office/drawing/2010/main">
+                <a:solidFill>
+                  <a:srgbClr val="FFFFFF"/>
+                </a:solidFill>
+              </a14:hiddenFill>
+            </a:ext>
+          </a:extLst>
+        </p:spPr>
+        <p:txBody>
+          <a:bodyPr vert="horz" wrap="square" lIns="91440" tIns="45720" rIns="91440" bIns="45720" numCol="1" anchor="t" anchorCtr="0" compatLnSpc="1">
+            <a:prstTxWarp prst="textNoShape">
+              <a:avLst/>
+            </a:prstTxWarp>
+          </a:bodyPr>
+          <a:lstStyle/>
+          <a:p>
+            <a:endParaRPr lang="fr-FR"/>
+          </a:p>
+        </p:txBody>
+      </p:sp>
+      <p:pic>
+        <p:nvPicPr>
+          <p:cNvPr id="3082" name="Picture 10"/>
+          <p:cNvPicPr>
+            <a:picLocks noChangeAspect="1" noChangeArrowheads="1"/>
+          </p:cNvPicPr>
+          <p:nvPr/>
+        </p:nvPicPr>
+        <p:blipFill rotWithShape="1">
+          <a:blip r:embed="rId3">
+            <a:clrChange>
+              <a:clrFrom>
+                <a:srgbClr val="000000"/>
+              </a:clrFrom>
+              <a:clrTo>
+                <a:srgbClr val="000000">
+                  <a:alpha val="0"/>
+                </a:srgbClr>
+              </a:clrTo>
+            </a:clrChange>
+            <a:extLst>
+              <a:ext uri="{28A0092B-C50C-407E-A947-70E740481C1C}">
+                <a14:useLocalDpi xmlns:a14="http://schemas.microsoft.com/office/drawing/2010/main" val="0"/>
+              </a:ext>
+            </a:extLst>
+          </a:blip>
+          <a:srcRect r="18408"/>
+          <a:stretch/>
+        </p:blipFill>
+        <p:spPr bwMode="auto">
+          <a:xfrm rot="10800000">
+            <a:off x="5105399" y="1883618"/>
+            <a:ext cx="3640993" cy="3039273"/>
+          </a:xfrm>
+          <a:prstGeom prst="rect">
+            <a:avLst/>
+          </a:prstGeom>
+          <a:noFill/>
+          <a:ln>
+            <a:noFill/>
+          </a:ln>
+          <a:extLst>
+            <a:ext uri="{909E8E84-426E-40DD-AFC4-6F175D3DCCD1}">
+              <a14:hiddenFill xmlns:a14="http://schemas.microsoft.com/office/drawing/2010/main">
+                <a:solidFill>
+                  <a:schemeClr val="accent1"/>
+                </a:solidFill>
+              </a14:hiddenFill>
+            </a:ext>
+            <a:ext uri="{91240B29-F687-4F45-9708-019B960494DF}">
+              <a14:hiddenLine xmlns:a14="http://schemas.microsoft.com/office/drawing/2010/main" w="9525">
+                <a:solidFill>
+                  <a:schemeClr val="tx1"/>
+                </a:solidFill>
+                <a:miter lim="800000"/>
+                <a:headEnd/>
+                <a:tailEnd/>
+              </a14:hiddenLine>
+            </a:ext>
+          </a:extLst>
+        </p:spPr>
+      </p:pic>
+      <p:sp>
+        <p:nvSpPr>
+          <p:cNvPr id="11" name="ZoneTexte 10"/>
+          <p:cNvSpPr txBox="1"/>
+          <p:nvPr/>
+        </p:nvSpPr>
+        <p:spPr>
+          <a:xfrm>
+            <a:off x="6948264" y="3335010"/>
+            <a:ext cx="966931" cy="369332"/>
+          </a:xfrm>
+          <a:prstGeom prst="rect">
+            <a:avLst/>
+          </a:prstGeom>
+          <a:noFill/>
+        </p:spPr>
+        <p:txBody>
+          <a:bodyPr wrap="none" rtlCol="0">
+            <a:spAutoFit/>
+          </a:bodyPr>
+          <a:lstStyle/>
+          <a:p>
+            <a:r>
+              <a:rPr lang="el-GR" dirty="0" smtClean="0">
+                <a:solidFill>
+                  <a:schemeClr val="tx2"/>
+                </a:solidFill>
+                <a:latin typeface="Calibri"/>
+                <a:cs typeface="Calibri"/>
+              </a:rPr>
+              <a:t>ε</a:t>
+            </a:r>
+            <a:r>
+              <a:rPr lang="fr-FR" dirty="0" smtClean="0">
+                <a:solidFill>
+                  <a:schemeClr val="tx2"/>
+                </a:solidFill>
+                <a:latin typeface="Calibri"/>
+                <a:cs typeface="Calibri"/>
+              </a:rPr>
+              <a:t>" = -</a:t>
+            </a:r>
+            <a:r>
+              <a:rPr lang="fr-FR" dirty="0" smtClean="0">
+                <a:solidFill>
+                  <a:schemeClr val="tx2"/>
+                </a:solidFill>
+              </a:rPr>
+              <a:t>0.1</a:t>
+            </a:r>
+            <a:endParaRPr lang="fr-FR" dirty="0">
+              <a:solidFill>
+                <a:schemeClr val="tx2"/>
+              </a:solidFill>
+            </a:endParaRPr>
+          </a:p>
+        </p:txBody>
+      </p:sp>
+      <p:sp>
+        <p:nvSpPr>
+          <p:cNvPr id="13" name="Rectangle à coins arrondis 12"/>
+          <p:cNvSpPr/>
+          <p:nvPr/>
+        </p:nvSpPr>
+        <p:spPr>
+          <a:xfrm>
+            <a:off x="6732240" y="2780928"/>
+            <a:ext cx="1368152" cy="1368152"/>
+          </a:xfrm>
+          <a:prstGeom prst="roundRect">
+            <a:avLst>
+              <a:gd name="adj" fmla="val 0"/>
+            </a:avLst>
+          </a:prstGeom>
+          <a:noFill/>
+          <a:ln>
+            <a:prstDash val="dash"/>
+          </a:ln>
+        </p:spPr>
+        <p:style>
+          <a:lnRef idx="2">
+            <a:schemeClr val="accent1">
+              <a:shade val="50000"/>
+            </a:schemeClr>
+          </a:lnRef>
+          <a:fillRef idx="1">
+            <a:schemeClr val="accent1"/>
+          </a:fillRef>
+          <a:effectRef idx="0">
+            <a:schemeClr val="accent1"/>
+          </a:effectRef>
+          <a:fontRef idx="minor">
+            <a:schemeClr val="lt1"/>
+          </a:fontRef>
+        </p:style>
+        <p:txBody>
+          <a:bodyPr rtlCol="0" anchor="ctr"/>
+          <a:lstStyle/>
+          <a:p>
+            <a:pPr algn="ctr"/>
+            <a:endParaRPr lang="fr-FR"/>
+          </a:p>
+        </p:txBody>
+      </p:sp>
+      <p:sp>
+        <p:nvSpPr>
+          <p:cNvPr id="14" name="Rectangle 13"/>
+          <p:cNvSpPr/>
+          <p:nvPr/>
+        </p:nvSpPr>
+        <p:spPr>
+          <a:xfrm>
+            <a:off x="5652120" y="3273951"/>
+            <a:ext cx="772969" cy="369332"/>
+          </a:xfrm>
+          <a:prstGeom prst="rect">
+            <a:avLst/>
+          </a:prstGeom>
+        </p:spPr>
+        <p:txBody>
+          <a:bodyPr wrap="none">
+            <a:spAutoFit/>
+          </a:bodyPr>
+          <a:lstStyle/>
+          <a:p>
+            <a:r>
+              <a:rPr lang="el-GR" dirty="0" smtClean="0">
+                <a:cs typeface="Calibri"/>
+              </a:rPr>
+              <a:t>ε</a:t>
+            </a:r>
+            <a:r>
+              <a:rPr lang="fr-FR" dirty="0" smtClean="0">
+                <a:cs typeface="Calibri"/>
+              </a:rPr>
+              <a:t>"(</a:t>
+            </a:r>
+            <a:r>
+              <a:rPr lang="fr-FR" dirty="0" err="1" smtClean="0">
+                <a:cs typeface="Calibri"/>
+              </a:rPr>
+              <a:t>x,z</a:t>
+            </a:r>
+            <a:r>
+              <a:rPr lang="fr-FR" dirty="0" smtClean="0">
+                <a:cs typeface="Calibri"/>
+              </a:rPr>
+              <a:t>)</a:t>
+            </a:r>
+            <a:endParaRPr lang="fr-FR" dirty="0"/>
+          </a:p>
+        </p:txBody>
+      </p:sp>
+      <p:sp>
+        <p:nvSpPr>
+          <p:cNvPr id="15" name="ZoneTexte 14"/>
+          <p:cNvSpPr txBox="1"/>
+          <p:nvPr/>
+        </p:nvSpPr>
+        <p:spPr>
+          <a:xfrm>
+            <a:off x="612775" y="1628800"/>
+            <a:ext cx="1262718" cy="369332"/>
+          </a:xfrm>
+          <a:prstGeom prst="rect">
+            <a:avLst/>
+          </a:prstGeom>
+          <a:noFill/>
+        </p:spPr>
+        <p:txBody>
+          <a:bodyPr wrap="none" rtlCol="0">
+            <a:spAutoFit/>
+          </a:bodyPr>
+          <a:lstStyle/>
+          <a:p>
+            <a:r>
+              <a:rPr lang="fr-FR" dirty="0" err="1" smtClean="0"/>
+              <a:t>PerfectE</a:t>
+            </a:r>
+            <a:r>
+              <a:rPr lang="fr-FR" dirty="0" smtClean="0"/>
+              <a:t> BC</a:t>
+            </a:r>
+            <a:endParaRPr lang="fr-FR" dirty="0"/>
+          </a:p>
+        </p:txBody>
+      </p:sp>
+      <p:cxnSp>
+        <p:nvCxnSpPr>
+          <p:cNvPr id="17" name="Connecteur droit 16"/>
+          <p:cNvCxnSpPr/>
+          <p:nvPr/>
+        </p:nvCxnSpPr>
+        <p:spPr>
+          <a:xfrm flipH="1">
+            <a:off x="827584" y="2132856"/>
+            <a:ext cx="2648900" cy="0"/>
+          </a:xfrm>
+          <a:prstGeom prst="line">
+            <a:avLst/>
+          </a:prstGeom>
+          <a:ln w="38100">
+            <a:solidFill>
+              <a:schemeClr val="tx2">
+                <a:lumMod val="75000"/>
+              </a:schemeClr>
+            </a:solidFill>
+            <a:prstDash val="dash"/>
+          </a:ln>
+        </p:spPr>
+        <p:style>
+          <a:lnRef idx="1">
+            <a:schemeClr val="accent1"/>
+          </a:lnRef>
+          <a:fillRef idx="0">
+            <a:schemeClr val="accent1"/>
+          </a:fillRef>
+          <a:effectRef idx="0">
+            <a:schemeClr val="accent1"/>
+          </a:effectRef>
+          <a:fontRef idx="minor">
+            <a:schemeClr val="tx1"/>
+          </a:fontRef>
+        </p:style>
+      </p:cxnSp>
+      <p:cxnSp>
+        <p:nvCxnSpPr>
+          <p:cNvPr id="19" name="Connecteur droit 18"/>
+          <p:cNvCxnSpPr/>
+          <p:nvPr/>
+        </p:nvCxnSpPr>
+        <p:spPr>
+          <a:xfrm>
+            <a:off x="827584" y="2132856"/>
+            <a:ext cx="0" cy="2520280"/>
+          </a:xfrm>
+          <a:prstGeom prst="line">
+            <a:avLst/>
+          </a:prstGeom>
+          <a:ln w="38100">
+            <a:solidFill>
+              <a:schemeClr val="tx2">
+                <a:lumMod val="75000"/>
+              </a:schemeClr>
+            </a:solidFill>
+            <a:prstDash val="dash"/>
+          </a:ln>
+        </p:spPr>
+        <p:style>
+          <a:lnRef idx="1">
+            <a:schemeClr val="accent1"/>
+          </a:lnRef>
+          <a:fillRef idx="0">
+            <a:schemeClr val="accent1"/>
+          </a:fillRef>
+          <a:effectRef idx="0">
+            <a:schemeClr val="accent1"/>
+          </a:effectRef>
+          <a:fontRef idx="minor">
+            <a:schemeClr val="tx1"/>
+          </a:fontRef>
+        </p:style>
+      </p:cxnSp>
+      <p:cxnSp>
+        <p:nvCxnSpPr>
+          <p:cNvPr id="21" name="Connecteur droit 20"/>
+          <p:cNvCxnSpPr/>
+          <p:nvPr/>
+        </p:nvCxnSpPr>
+        <p:spPr>
+          <a:xfrm>
+            <a:off x="827584" y="4653136"/>
+            <a:ext cx="2648900" cy="0"/>
+          </a:xfrm>
+          <a:prstGeom prst="line">
+            <a:avLst/>
+          </a:prstGeom>
+          <a:ln w="38100">
+            <a:solidFill>
+              <a:schemeClr val="tx2">
+                <a:lumMod val="75000"/>
+              </a:schemeClr>
+            </a:solidFill>
+            <a:prstDash val="dash"/>
+          </a:ln>
+        </p:spPr>
+        <p:style>
+          <a:lnRef idx="1">
+            <a:schemeClr val="accent1"/>
+          </a:lnRef>
+          <a:fillRef idx="0">
+            <a:schemeClr val="accent1"/>
+          </a:fillRef>
+          <a:effectRef idx="0">
+            <a:schemeClr val="accent1"/>
+          </a:effectRef>
+          <a:fontRef idx="minor">
+            <a:schemeClr val="tx1"/>
+          </a:fontRef>
+        </p:style>
+      </p:cxnSp>
+      <p:cxnSp>
+        <p:nvCxnSpPr>
+          <p:cNvPr id="23" name="Connecteur droit avec flèche 22"/>
+          <p:cNvCxnSpPr/>
+          <p:nvPr/>
+        </p:nvCxnSpPr>
+        <p:spPr>
+          <a:xfrm>
+            <a:off x="1979712" y="4656936"/>
+            <a:ext cx="0" cy="311304"/>
+          </a:xfrm>
+          <a:prstGeom prst="straightConnector1">
+            <a:avLst/>
+          </a:prstGeom>
+          <a:ln>
+            <a:tailEnd type="arrow"/>
+          </a:ln>
+        </p:spPr>
+        <p:style>
+          <a:lnRef idx="1">
+            <a:schemeClr val="accent1"/>
+          </a:lnRef>
+          <a:fillRef idx="0">
+            <a:schemeClr val="accent1"/>
+          </a:fillRef>
+          <a:effectRef idx="0">
+            <a:schemeClr val="accent1"/>
+          </a:effectRef>
+          <a:fontRef idx="minor">
+            <a:schemeClr val="tx1"/>
+          </a:fontRef>
+        </p:style>
+      </p:cxnSp>
+      <p:sp>
+        <p:nvSpPr>
+          <p:cNvPr id="24" name="ZoneTexte 23"/>
+          <p:cNvSpPr txBox="1"/>
+          <p:nvPr/>
+        </p:nvSpPr>
+        <p:spPr>
+          <a:xfrm>
+            <a:off x="1670076" y="4975456"/>
+            <a:ext cx="619272" cy="369332"/>
+          </a:xfrm>
+          <a:prstGeom prst="rect">
+            <a:avLst/>
+          </a:prstGeom>
+          <a:noFill/>
+        </p:spPr>
+        <p:txBody>
+          <a:bodyPr wrap="none" rtlCol="0">
+            <a:spAutoFit/>
+          </a:bodyPr>
+          <a:lstStyle/>
+          <a:p>
+            <a:r>
+              <a:rPr lang="fr-FR" dirty="0" smtClean="0">
+                <a:solidFill>
+                  <a:schemeClr val="tx2"/>
+                </a:solidFill>
+              </a:rPr>
+              <a:t>Pout</a:t>
+            </a:r>
+            <a:endParaRPr lang="fr-FR" dirty="0">
+              <a:solidFill>
+                <a:schemeClr val="tx2"/>
+              </a:solidFill>
+            </a:endParaRPr>
+          </a:p>
+        </p:txBody>
+      </p:sp>
+      <p:sp>
+        <p:nvSpPr>
+          <p:cNvPr id="29" name="ZoneTexte 28"/>
+          <p:cNvSpPr txBox="1"/>
+          <p:nvPr/>
+        </p:nvSpPr>
+        <p:spPr>
+          <a:xfrm>
+            <a:off x="3505452" y="3648147"/>
+            <a:ext cx="478016" cy="369332"/>
+          </a:xfrm>
+          <a:prstGeom prst="rect">
+            <a:avLst/>
+          </a:prstGeom>
+          <a:noFill/>
+        </p:spPr>
+        <p:txBody>
+          <a:bodyPr wrap="none" rtlCol="0">
+            <a:spAutoFit/>
+          </a:bodyPr>
+          <a:lstStyle/>
+          <a:p>
+            <a:r>
+              <a:rPr lang="fr-FR" dirty="0" smtClean="0">
+                <a:solidFill>
+                  <a:schemeClr val="accent3">
+                    <a:lumMod val="75000"/>
+                  </a:schemeClr>
+                </a:solidFill>
+              </a:rPr>
+              <a:t>Pin</a:t>
+            </a:r>
+            <a:endParaRPr lang="fr-FR" dirty="0">
+              <a:solidFill>
+                <a:schemeClr val="accent3">
+                  <a:lumMod val="75000"/>
+                </a:schemeClr>
+              </a:solidFill>
+            </a:endParaRPr>
+          </a:p>
+        </p:txBody>
+      </p:sp>
+      <p:cxnSp>
+        <p:nvCxnSpPr>
+          <p:cNvPr id="30" name="Connecteur droit 29"/>
+          <p:cNvCxnSpPr/>
+          <p:nvPr/>
+        </p:nvCxnSpPr>
+        <p:spPr>
+          <a:xfrm>
+            <a:off x="3458248" y="3200678"/>
+            <a:ext cx="0" cy="442605"/>
+          </a:xfrm>
+          <a:prstGeom prst="line">
+            <a:avLst/>
+          </a:prstGeom>
+          <a:ln w="38100">
+            <a:solidFill>
+              <a:schemeClr val="tx2">
+                <a:lumMod val="75000"/>
+              </a:schemeClr>
+            </a:solidFill>
+            <a:prstDash val="sysDot"/>
+          </a:ln>
+        </p:spPr>
+        <p:style>
+          <a:lnRef idx="1">
+            <a:schemeClr val="accent1"/>
+          </a:lnRef>
+          <a:fillRef idx="0">
+            <a:schemeClr val="accent1"/>
+          </a:fillRef>
+          <a:effectRef idx="0">
+            <a:schemeClr val="accent1"/>
+          </a:effectRef>
+          <a:fontRef idx="minor">
+            <a:schemeClr val="tx1"/>
+          </a:fontRef>
+        </p:style>
+      </p:cxnSp>
+      <p:cxnSp>
+        <p:nvCxnSpPr>
+          <p:cNvPr id="27" name="Connecteur droit avec flèche 26"/>
+          <p:cNvCxnSpPr/>
+          <p:nvPr/>
+        </p:nvCxnSpPr>
+        <p:spPr>
+          <a:xfrm flipH="1">
+            <a:off x="3286945" y="3421980"/>
+            <a:ext cx="221547" cy="0"/>
+          </a:xfrm>
+          <a:prstGeom prst="straightConnector1">
+            <a:avLst/>
+          </a:prstGeom>
+          <a:ln w="28575">
+            <a:solidFill>
+              <a:schemeClr val="accent3">
+                <a:lumMod val="75000"/>
+              </a:schemeClr>
+            </a:solidFill>
+            <a:tailEnd type="arrow"/>
+          </a:ln>
+        </p:spPr>
+        <p:style>
+          <a:lnRef idx="1">
+            <a:schemeClr val="accent1"/>
+          </a:lnRef>
+          <a:fillRef idx="0">
+            <a:schemeClr val="accent1"/>
+          </a:fillRef>
+          <a:effectRef idx="0">
+            <a:schemeClr val="accent1"/>
+          </a:effectRef>
+          <a:fontRef idx="minor">
+            <a:schemeClr val="tx1"/>
+          </a:fontRef>
+        </p:style>
+      </p:cxnSp>
+      <p:cxnSp>
+        <p:nvCxnSpPr>
+          <p:cNvPr id="35" name="Connecteur droit avec flèche 34"/>
+          <p:cNvCxnSpPr/>
+          <p:nvPr/>
+        </p:nvCxnSpPr>
+        <p:spPr>
+          <a:xfrm flipH="1">
+            <a:off x="460375" y="3364024"/>
+            <a:ext cx="353529" cy="0"/>
+          </a:xfrm>
+          <a:prstGeom prst="straightConnector1">
+            <a:avLst/>
+          </a:prstGeom>
+          <a:ln>
+            <a:tailEnd type="arrow"/>
+          </a:ln>
+        </p:spPr>
+        <p:style>
+          <a:lnRef idx="1">
+            <a:schemeClr val="accent1"/>
+          </a:lnRef>
+          <a:fillRef idx="0">
+            <a:schemeClr val="accent1"/>
+          </a:fillRef>
+          <a:effectRef idx="0">
+            <a:schemeClr val="accent1"/>
+          </a:effectRef>
+          <a:fontRef idx="minor">
+            <a:schemeClr val="tx1"/>
+          </a:fontRef>
+        </p:style>
+      </p:cxnSp>
+      <p:cxnSp>
+        <p:nvCxnSpPr>
+          <p:cNvPr id="37" name="Connecteur droit avec flèche 36"/>
+          <p:cNvCxnSpPr/>
+          <p:nvPr/>
+        </p:nvCxnSpPr>
+        <p:spPr>
+          <a:xfrm flipH="1" flipV="1">
+            <a:off x="2425116" y="1813466"/>
+            <a:ext cx="1" cy="312326"/>
+          </a:xfrm>
+          <a:prstGeom prst="straightConnector1">
+            <a:avLst/>
+          </a:prstGeom>
+          <a:ln>
+            <a:tailEnd type="arrow"/>
+          </a:ln>
+        </p:spPr>
+        <p:style>
+          <a:lnRef idx="1">
+            <a:schemeClr val="accent1"/>
+          </a:lnRef>
+          <a:fillRef idx="0">
+            <a:schemeClr val="accent1"/>
+          </a:fillRef>
+          <a:effectRef idx="0">
+            <a:schemeClr val="accent1"/>
+          </a:effectRef>
+          <a:fontRef idx="minor">
+            <a:schemeClr val="tx1"/>
+          </a:fontRef>
+        </p:style>
+      </p:cxnSp>
+      <p:cxnSp>
+        <p:nvCxnSpPr>
+          <p:cNvPr id="25" name="Connecteur droit avec flèche 24"/>
+          <p:cNvCxnSpPr/>
+          <p:nvPr/>
+        </p:nvCxnSpPr>
+        <p:spPr>
+          <a:xfrm>
+            <a:off x="3635896" y="3182358"/>
+            <a:ext cx="0" cy="441792"/>
+          </a:xfrm>
+          <a:prstGeom prst="straightConnector1">
+            <a:avLst/>
+          </a:prstGeom>
+          <a:ln w="28575">
+            <a:solidFill>
+              <a:schemeClr val="accent2"/>
+            </a:solidFill>
+            <a:headEnd type="triangle" w="med" len="med"/>
+            <a:tailEnd type="triangle" w="med" len="med"/>
+          </a:ln>
+        </p:spPr>
+        <p:style>
+          <a:lnRef idx="1">
+            <a:schemeClr val="accent1"/>
+          </a:lnRef>
+          <a:fillRef idx="0">
+            <a:schemeClr val="accent1"/>
+          </a:fillRef>
+          <a:effectRef idx="0">
+            <a:schemeClr val="accent1"/>
+          </a:effectRef>
+          <a:fontRef idx="minor">
+            <a:schemeClr val="tx1"/>
+          </a:fontRef>
+        </p:style>
+      </p:cxnSp>
+      <p:sp>
+        <p:nvSpPr>
+          <p:cNvPr id="28" name="ZoneTexte 27"/>
+          <p:cNvSpPr txBox="1"/>
+          <p:nvPr/>
+        </p:nvSpPr>
+        <p:spPr>
+          <a:xfrm>
+            <a:off x="3538973" y="2794193"/>
+            <a:ext cx="504056" cy="369332"/>
+          </a:xfrm>
+          <a:prstGeom prst="rect">
+            <a:avLst/>
+          </a:prstGeom>
+          <a:noFill/>
+        </p:spPr>
+        <p:txBody>
+          <a:bodyPr wrap="square" rtlCol="0">
+            <a:spAutoFit/>
+          </a:bodyPr>
+          <a:lstStyle/>
+          <a:p>
+            <a:r>
+              <a:rPr lang="fr-FR" dirty="0" smtClean="0">
+                <a:solidFill>
+                  <a:srgbClr val="FF0000"/>
+                </a:solidFill>
+              </a:rPr>
+              <a:t>d</a:t>
+            </a:r>
+            <a:endParaRPr lang="fr-FR" dirty="0">
+              <a:solidFill>
+                <a:srgbClr val="FF0000"/>
+              </a:solidFill>
+            </a:endParaRPr>
+          </a:p>
+        </p:txBody>
+      </p:sp>
+      <p:cxnSp>
+        <p:nvCxnSpPr>
+          <p:cNvPr id="12" name="Connecteur droit avec flèche 11"/>
+          <p:cNvCxnSpPr/>
+          <p:nvPr/>
+        </p:nvCxnSpPr>
+        <p:spPr>
+          <a:xfrm flipH="1" flipV="1">
+            <a:off x="2627784" y="4656936"/>
+            <a:ext cx="848700" cy="1220336"/>
+          </a:xfrm>
+          <a:prstGeom prst="straightConnector1">
+            <a:avLst/>
+          </a:prstGeom>
+          <a:ln>
+            <a:tailEnd type="arrow"/>
+          </a:ln>
+        </p:spPr>
+        <p:style>
+          <a:lnRef idx="1">
+            <a:schemeClr val="accent1"/>
+          </a:lnRef>
+          <a:fillRef idx="0">
+            <a:schemeClr val="accent1"/>
+          </a:fillRef>
+          <a:effectRef idx="0">
+            <a:schemeClr val="accent1"/>
+          </a:effectRef>
+          <a:fontRef idx="minor">
+            <a:schemeClr val="tx1"/>
+          </a:fontRef>
+        </p:style>
+      </p:cxnSp>
+      <p:sp>
+        <p:nvSpPr>
+          <p:cNvPr id="16" name="ZoneTexte 15"/>
+          <p:cNvSpPr txBox="1"/>
+          <p:nvPr/>
+        </p:nvSpPr>
+        <p:spPr>
+          <a:xfrm>
+            <a:off x="3538973" y="5877272"/>
+            <a:ext cx="4561419" cy="369332"/>
+          </a:xfrm>
+          <a:prstGeom prst="rect">
+            <a:avLst/>
+          </a:prstGeom>
+          <a:noFill/>
+        </p:spPr>
+        <p:txBody>
+          <a:bodyPr wrap="square" rtlCol="0">
+            <a:spAutoFit/>
+          </a:bodyPr>
+          <a:lstStyle/>
+          <a:p>
+            <a:r>
+              <a:rPr lang="fr-FR" dirty="0" err="1" smtClean="0"/>
+              <a:t>Dummy</a:t>
+            </a:r>
+            <a:r>
+              <a:rPr lang="fr-FR" dirty="0" smtClean="0"/>
+              <a:t> </a:t>
+            </a:r>
+            <a:r>
+              <a:rPr lang="fr-FR" dirty="0" err="1" smtClean="0"/>
+              <a:t>boundary</a:t>
+            </a:r>
+            <a:r>
+              <a:rPr lang="fr-FR" dirty="0" smtClean="0"/>
+              <a:t>, close to </a:t>
+            </a:r>
+            <a:r>
+              <a:rPr lang="fr-FR" dirty="0" err="1" smtClean="0"/>
+              <a:t>PerfE</a:t>
+            </a:r>
+            <a:r>
+              <a:rPr lang="fr-FR" dirty="0" smtClean="0"/>
+              <a:t> BC</a:t>
+            </a:r>
+            <a:endParaRPr lang="fr-FR" dirty="0"/>
+          </a:p>
+        </p:txBody>
+      </p:sp>
+      <p:cxnSp>
+        <p:nvCxnSpPr>
+          <p:cNvPr id="31" name="Connecteur droit 30"/>
+          <p:cNvCxnSpPr/>
+          <p:nvPr/>
+        </p:nvCxnSpPr>
+        <p:spPr>
+          <a:xfrm flipH="1">
+            <a:off x="5652120" y="2384207"/>
+            <a:ext cx="2498947" cy="0"/>
+          </a:xfrm>
+          <a:prstGeom prst="line">
+            <a:avLst/>
+          </a:prstGeom>
+          <a:ln w="38100">
+            <a:solidFill>
+              <a:schemeClr val="tx2">
+                <a:lumMod val="75000"/>
+              </a:schemeClr>
+            </a:solidFill>
+            <a:prstDash val="dash"/>
+          </a:ln>
+        </p:spPr>
+        <p:style>
+          <a:lnRef idx="1">
+            <a:schemeClr val="accent1"/>
+          </a:lnRef>
+          <a:fillRef idx="0">
+            <a:schemeClr val="accent1"/>
+          </a:fillRef>
+          <a:effectRef idx="0">
+            <a:schemeClr val="accent1"/>
+          </a:effectRef>
+          <a:fontRef idx="minor">
+            <a:schemeClr val="tx1"/>
+          </a:fontRef>
+        </p:style>
+      </p:cxnSp>
+      <p:cxnSp>
+        <p:nvCxnSpPr>
+          <p:cNvPr id="33" name="Connecteur droit 32"/>
+          <p:cNvCxnSpPr/>
+          <p:nvPr/>
+        </p:nvCxnSpPr>
+        <p:spPr>
+          <a:xfrm flipH="1">
+            <a:off x="5652120" y="4581128"/>
+            <a:ext cx="2407987" cy="0"/>
+          </a:xfrm>
+          <a:prstGeom prst="line">
+            <a:avLst/>
+          </a:prstGeom>
+          <a:ln w="38100">
+            <a:solidFill>
+              <a:schemeClr val="tx2">
+                <a:lumMod val="75000"/>
+              </a:schemeClr>
+            </a:solidFill>
+            <a:prstDash val="dash"/>
+          </a:ln>
+        </p:spPr>
+        <p:style>
+          <a:lnRef idx="1">
+            <a:schemeClr val="accent1"/>
+          </a:lnRef>
+          <a:fillRef idx="0">
+            <a:schemeClr val="accent1"/>
+          </a:fillRef>
+          <a:effectRef idx="0">
+            <a:schemeClr val="accent1"/>
+          </a:effectRef>
+          <a:fontRef idx="minor">
+            <a:schemeClr val="tx1"/>
+          </a:fontRef>
+        </p:style>
+      </p:cxnSp>
+      <p:cxnSp>
+        <p:nvCxnSpPr>
+          <p:cNvPr id="34" name="Connecteur droit 33"/>
+          <p:cNvCxnSpPr/>
+          <p:nvPr/>
+        </p:nvCxnSpPr>
+        <p:spPr>
+          <a:xfrm>
+            <a:off x="5652120" y="2380238"/>
+            <a:ext cx="0" cy="2200890"/>
+          </a:xfrm>
+          <a:prstGeom prst="line">
+            <a:avLst/>
+          </a:prstGeom>
+          <a:ln w="38100">
+            <a:solidFill>
+              <a:schemeClr val="tx2">
+                <a:lumMod val="75000"/>
+              </a:schemeClr>
+            </a:solidFill>
+            <a:prstDash val="dash"/>
+          </a:ln>
+        </p:spPr>
+        <p:style>
+          <a:lnRef idx="1">
+            <a:schemeClr val="accent1"/>
+          </a:lnRef>
+          <a:fillRef idx="0">
+            <a:schemeClr val="accent1"/>
+          </a:fillRef>
+          <a:effectRef idx="0">
+            <a:schemeClr val="accent1"/>
+          </a:effectRef>
+          <a:fontRef idx="minor">
+            <a:schemeClr val="tx1"/>
+          </a:fontRef>
+        </p:style>
+      </p:cxnSp>
+    </p:spTree>
+    <p:extLst>
+      <p:ext uri="{BB962C8B-B14F-4D97-AF65-F5344CB8AC3E}">
+        <p14:creationId xmlns:p14="http://schemas.microsoft.com/office/powerpoint/2010/main" val="254740491"/>
+      </p:ext>
+    </p:extLst>
+  </p:cSld>
+  <p:clrMapOvr>
+    <a:masterClrMapping/>
+  </p:clrMapOvr>
+</p:sld>
+</file>
+
+<file path=ppt/slides/slide14.xml><?xml version="1.0" encoding="utf-8"?>
+<p:sld xmlns:a="http://schemas.openxmlformats.org/drawingml/2006/main" xmlns:r="http://schemas.openxmlformats.org/officeDocument/2006/relationships" xmlns:p="http://schemas.openxmlformats.org/presentationml/2006/main">
+  <p:cSld>
+    <p:spTree>
+      <p:nvGrpSpPr>
+        <p:cNvPr id="1" name=""/>
+        <p:cNvGrpSpPr/>
+        <p:nvPr/>
+      </p:nvGrpSpPr>
+      <p:grpSpPr>
+        <a:xfrm>
+          <a:off x="0" y="0"/>
+          <a:ext cx="0" cy="0"/>
+          <a:chOff x="0" y="0"/>
+          <a:chExt cx="0" cy="0"/>
+        </a:xfrm>
+      </p:grpSpPr>
+      <p:pic>
+        <p:nvPicPr>
+          <p:cNvPr id="12" name="Picture 3"/>
+          <p:cNvPicPr>
+            <a:picLocks noChangeAspect="1" noChangeArrowheads="1"/>
+          </p:cNvPicPr>
+          <p:nvPr/>
+        </p:nvPicPr>
+        <p:blipFill>
+          <a:blip r:embed="rId2">
+            <a:extLst>
+              <a:ext uri="{28A0092B-C50C-407E-A947-70E740481C1C}">
+                <a14:useLocalDpi xmlns:a14="http://schemas.microsoft.com/office/drawing/2010/main" val="0"/>
+              </a:ext>
+            </a:extLst>
+          </a:blip>
+          <a:srcRect/>
+          <a:stretch>
+            <a:fillRect/>
+          </a:stretch>
+        </p:blipFill>
+        <p:spPr bwMode="auto">
+          <a:xfrm>
+            <a:off x="-133350" y="3212976"/>
+            <a:ext cx="9277350" cy="3587750"/>
+          </a:xfrm>
+          <a:prstGeom prst="rect">
+            <a:avLst/>
+          </a:prstGeom>
+          <a:noFill/>
+          <a:ln>
+            <a:noFill/>
+          </a:ln>
+          <a:extLst>
+            <a:ext uri="{909E8E84-426E-40DD-AFC4-6F175D3DCCD1}">
+              <a14:hiddenFill xmlns:a14="http://schemas.microsoft.com/office/drawing/2010/main">
+                <a:solidFill>
+                  <a:schemeClr val="accent1"/>
+                </a:solidFill>
+              </a14:hiddenFill>
+            </a:ext>
+            <a:ext uri="{91240B29-F687-4F45-9708-019B960494DF}">
+              <a14:hiddenLine xmlns:a14="http://schemas.microsoft.com/office/drawing/2010/main" w="9525">
+                <a:solidFill>
+                  <a:schemeClr val="tx1"/>
+                </a:solidFill>
+                <a:miter lim="800000"/>
+                <a:headEnd/>
+                <a:tailEnd/>
+              </a14:hiddenLine>
+            </a:ext>
+          </a:extLst>
+        </p:spPr>
+      </p:pic>
+      <p:sp>
+        <p:nvSpPr>
+          <p:cNvPr id="2" name="Titre 1"/>
+          <p:cNvSpPr>
+            <a:spLocks noGrp="1"/>
+          </p:cNvSpPr>
+          <p:nvPr>
+            <p:ph type="title"/>
+          </p:nvPr>
+        </p:nvSpPr>
+        <p:spPr/>
+        <p:txBody>
+          <a:bodyPr/>
+          <a:lstStyle/>
+          <a:p>
+            <a:r>
+              <a:rPr lang="fr-FR" dirty="0" err="1" smtClean="0"/>
+              <a:t>Linear</a:t>
+            </a:r>
+            <a:r>
+              <a:rPr lang="fr-FR" dirty="0" smtClean="0"/>
+              <a:t> </a:t>
+            </a:r>
+            <a:r>
+              <a:rPr lang="fr-FR" dirty="0" err="1" smtClean="0"/>
+              <a:t>loss</a:t>
+            </a:r>
+            <a:r>
+              <a:rPr lang="fr-FR" dirty="0" smtClean="0"/>
+              <a:t> </a:t>
+            </a:r>
+            <a:r>
+              <a:rPr lang="fr-FR" dirty="0" err="1" smtClean="0"/>
+              <a:t>evolution</a:t>
+            </a:r>
+            <a:endParaRPr lang="fr-FR" dirty="0"/>
+          </a:p>
+        </p:txBody>
+      </p:sp>
+      <p:cxnSp>
+        <p:nvCxnSpPr>
+          <p:cNvPr id="6" name="Connecteur droit avec flèche 5"/>
+          <p:cNvCxnSpPr>
+            <a:stCxn id="8" idx="2"/>
+          </p:cNvCxnSpPr>
+          <p:nvPr/>
+        </p:nvCxnSpPr>
+        <p:spPr>
+          <a:xfrm flipH="1">
+            <a:off x="6660232" y="3890898"/>
+            <a:ext cx="358997" cy="463406"/>
+          </a:xfrm>
+          <a:prstGeom prst="straightConnector1">
+            <a:avLst/>
+          </a:prstGeom>
+          <a:ln>
+            <a:tailEnd type="arrow"/>
+          </a:ln>
+        </p:spPr>
+        <p:style>
+          <a:lnRef idx="1">
+            <a:schemeClr val="accent1"/>
+          </a:lnRef>
+          <a:fillRef idx="0">
+            <a:schemeClr val="accent1"/>
+          </a:fillRef>
+          <a:effectRef idx="0">
+            <a:schemeClr val="accent1"/>
+          </a:effectRef>
+          <a:fontRef idx="minor">
+            <a:schemeClr val="tx1"/>
+          </a:fontRef>
+        </p:style>
+      </p:cxnSp>
+      <p:sp>
+        <p:nvSpPr>
+          <p:cNvPr id="7" name="AutoShape 4" descr="data:image/png;base64,iVBORw0KGgoAAAANSUhEUgAAAX4AAAD8CAYAAABw1c+bAAAABHNCSVQICAgIfAhkiAAAAAlwSFlzAAALEgAACxIB0t1+/AAAADl0RVh0U29mdHdhcmUAbWF0cGxvdGxpYiB2ZXJzaW9uIDIuMi4yLCBodHRwOi8vbWF0cGxvdGxpYi5vcmcvhp/UCwAAIABJREFUeJzt3XlwnIWd5vHvT5fl+5RtWWpjAzZgA77aDhkmEBIgBgbbDJYMcyypIkuxmexU7dROLanZSqZIbdXsZGdndjbZnWGyVGZ2axLJBowTTDgChBBwUPvEBz6wgW7JtuQb3zp++0e3Qke0rLbV6re73+dT1aXW+76t/kmYR6/e9+2nzd0REZHwKAt6ABERyS8Fv4hIyCj4RURCRsEvIhIyCn4RkZBR8IuIhIyCX0QkZBT8IiIho+AXEQmZiqAHyGTSpEk+Y8aMoMcQESkaGzduPOLuNdlsW5DBP2PGDGKxWNBjiIgUDTP7KNttdahHRCRkFPwiIiGj4BcRCRkFv4hIyCj4RURCRsEvIhIyCn4RkZApmeA/39nNU29+wNsfHAl6FBGRy/b6++08/dYBLnb1DPlzlUzwV5QZP/jlAZ5+60DQo4iIXLZ/+MUH/Ms7H1JZbkP+XKUT/OVlPLiontd3d9B+6nzQ44iIZO3DI2f49YFjNEQjmCn4L0vDonq6e5xnNrUGPYqISNZWb4xTZvDgwvq8PF9JBf/VNaNYMmMCq2Nx3D3ocUREBtTd46zZmOD22TVMHVudl+csqeAHaIjWs//IGWIfHQ96FBGRAb25p4PDpy6wanEkb89ZcsF/3821jKwqp6klHvQoIiIDamqJM3FkFV+6fkrenrPkgn9EVQX3z5vGC9sOcvpCV9DjiIj06+jpC7y66zAPLKijqiJ/cVxywQ/QuDjCuc5ufrq1LehRRET69dzmVrp6nMY8HuaBLILfzJ42s3Yz297P+j83sy2p23Yz6zazCal1H5rZe6l1eXtnlQWRcVw7eRTNMR3uEZHC5O40tcSZFxnH7Cmj8/rc2ezx/xBY2t9Kd/+uu8939/nAN4FfuPuxtE3uSK2PDm7U7JkZq6IRNn18gn3tn+TraUVEsrYlfoK97adZFc3v3j5kEfzu/iZwbKDtUh4GfjSoiXLkgYV1VJSZTvKKSEFqjiWorizj/nm1eX/unB3jN7MRJP8yeCZtsQMvm9lGM3ssV8+VjUmjhvHlGybz7KZWOruHvvtCRCRbZy928ZOtbdx7Uy2jqyvz/vy5PLl7P/CrPod5bnX3hcA9wJ+Y2W39PdjMHjOzmJnFOjo6cjJQYzTC0TMX+fmu9px8PRGRXHjxvUOcvtAVyGEeyG3wP0Sfwzzu3pb62A48Byzp78Hu/pS7R909WlNTk5OBbp9dw+TRw1itk7wiUkCaYnFmTBzBkpkTAnn+nAS/mY0FbgeeT1s20sxG994H7gYyXhk0VD4tbmvnsIrbRKQAHDhyhnfzWMiWSTaXc/4IeAe4zswSZvaomT1uZo+nbfYA8LK7n0lbNgV4y8y2Au8CL7j7z3I5fDYaoxF6HNZsTOT7qUVEPmN1LL+FbJlUDLSBuz+cxTY/JHnZZ/qy/cC8Kx0sV2ZOGsmSGRNYszHB1794TWC/YUVEurp78l7IlklJvnK3r8bFEQ4cOUPLhypuE5HgvLm3g/ZP8lvIlkkogv/em6YyaliFrukXkUAFUciWSSiCP1ncVsv69w7yyfnOoMcRkRA6cvoCP9/Vzu8vzG8hWyahCH6AhmiquG3bwaBHEZEQem5TqpAtoGv304Um+BdExjFLxW0iEgB3pzkWZ8H0cczKcyFbJqEJfjOjMRph88cn2HtYxW0ikj+bU4VshbC3DyEKflBxm4gEo7klzvDKcn7v5vwXsmUSquDvLW57bnMrF7tU3CYiQy/oQrZMQhX8AKsWJ4vbXnv/cNCjiEgIrH/vEGcudgd+7X660AX/bbNqmDJmGM0xVTiIyNBrbokzc9JIFs8YH/QovxG64K8oL+PBhfW8sbudQydV3CYiQ2d/x2ne/fAYDdH6gqqLCV3ww6fFbc9s0l6/iAyd1RsTlJcZKwMsZMsklME/Y9JIPjdzAqtjcdw96HFEpAR1dffwzMYEX5xdw+QxwRWyZRLK4IfkXv+HR8/y7oFs305YRCR7v9iTLGRrLKCTur1CG/z33lTL6GEVNOmVvCIyBJpjcSaNquJL108OepTPCG3wD68q5/7501TcJiI51/FJbyFbPZXlhRezhTdRHjVGI5zv7OEnW1XcJiK5s3ZzbyFbYZ3U7RXq4J9XP5brpoxWcZuI5Iy70xSLs3D6OK6dHHwhWyahDn4zoyFaz5b4CfaouE1EcmBz/AT72k8X1Ct1+8rmzdafNrN2M9vez/ovmtlJM9uSun0rbd1SM9ttZvvM7IlcDp4rDyyoo7LcaFZxm4jkQHNLnBFV5dx387SgR+lXNnv8PwSWDrDNL919fur2JICZlQPfB+4B5gAPm9mcwQw7FCaOGsadN0zhWRW3icgg9Ray3XdTLaOGVQQ9Tr8GDH53fxO4kovdlwD73H2/u18Efgwsv4KvM+QaF0c4puI2ERmkF7Yd5MzF7oK8dj9dro7xf97MtprZi2Y2N7WsDkg/fpJILSs4t82qYeqYavX0i8igNMfiXD1pJNGrCqeQLZNcBP8m4Cp3nwf8T2BtanmmRqJ++xHM7DEzi5lZrKOjIwdjZa+8zFi5qJ5f7OlQcZuIXJH9Hadp+fA4DdFIQRWyZTLo4Hf3U+5+OnV/PVBpZpNI7uGn/71TD7Rd4us85e5Rd4/W1NQMdqzL1hCtV3GbiFyx5liykO3BRQV5YOO3DDr4zWyqpX69mdmS1Nc8CrQAs8xspplVAQ8B6wb7fEPlqokjueXqCTTH4vT0qLhNRLLX1d3DM5sS3HHdZCaPLqxCtkyyuZzzR8A7wHVmljCzR83scTN7PLXJSmC7mW0F/h54yJO6gG8ALwG7gGZ33zE030ZuNEYjfHT0LO9+qOI2EcneG7s76PjkQsG+UrevAa83cveHB1j/PeB7/axbD6y/stHy754ba/n28ztobolzy9UTgx5HRIpEUyzOpFHDuKMAC9kyCfUrd/saXlXOsvnTWL/9IKdU3CYiWWj/5Dyvvd/OgwvrCrKQLZPimDKPPi1u6/c8tIjIbzy3qZXuHqchWtjX7qdT8Pdxc/1Yrp86WhUOIjIgd6c5FmfRVeO5dvKooMfJmoK/j2RxW4StiZPsPqTiNhHp36aPj/NBxxlWFdHePij4M/pNcZvqmkXkEppbEqlCttqgR7ksCv4MJoys4q45U3hOxW0i0o8zF7r46bY2fu/mWkYWcCFbJgr+fjRGk8VtP9+l4jYR+awX3ksWshVy735/FPz9+MKsGmrHVuvN2EUko+aWOFfXjGTh9MIuZMtEwd+P3uK2N/d0cPDkuaDHEZEC8kHHaWIfHWdVERSyZaLgv4SVi1LFbRtV3CYin2qOxSkvMx5YWPiFbJko+C/h0+K2hIrbRARIFrI9u6m1aArZMlHwD2DV4ggfHzvLrw+ouE1E4PVUIVsxntTtpeAfwD031jK6uoLVOskrIiQP89SMHsYd1+X/fUNyRcE/gOrKcpbNU3GbiHxayPb7C+uoKJJCtkyKd/I8WrU4Wdy2bouK20TCrLeQrbHIKhr6UvBn4aa6ZHGbDveIhJe70xSLE71qPNfUFE8hWyYK/iyYGY2p4rb3D50KehwRCcCmj4+zv+MMjUV8UreXgj9LK1LFbU2qaxYJpaaWOCOryrnvpuIqZMtEwZ+lCSOruHvOVNZubuVCV3fQ44hIHiUL2Q5yXxEWsmWSzZutP21m7Wa2vZ/1f2hm21K3t81sXtq6D83sPTPbYmaxXA4ehIZoPcfPdvLqzvagRxGRPHph20HOFmkhWybZ7PH/EFh6ifUHgNvd/WbgO8BTfdbf4e7z3T16ZSMWjt7iNvX0i4RLUyzONUVayJbJgMHv7m8C/b5s1d3fdvfjqU83APU5mq3g/Ka4bW8HbSdU3CYSBvvaT7Pxo+M0FmkhWya5Psb/KPBi2ucOvGxmG83ssRw/VyAaFkVwFbeJhMbqVCHb7y8snX3anAW/md1BMvj/U9riW919IXAP8CdmdtslHv+YmcXMLNbR0ZGrsXJu+sQRfP7qiTRvjKu4TaTEdXb38MymBF+6fjI1o4cFPU7O5CT4zexm4AfAcnc/2rvc3dtSH9uB54Al/X0Nd3/K3aPuHq2pKewOjFWLI8SPnWPDgaMDbywiRev199s5cvpi0b2Z+kAGHfxmNh14Fvhjd9+TtnykmY3uvQ/cDWS8MqjYLL1xKqOrK2jWNf0iJa23kO2LRVzIlkk2l3P+CHgHuM7MEmb2qJk9bmaPpzb5FjAR+F99LtucArxlZluBd4EX3P1nQ/A95F11ZTnL50/jxe2HOHlOxW0ipaj91Hle391R9IVsmQz4SgR3f3iA9V8DvpZh+X5g3mcfURoaoxH+34aPWbe1jT++5aqgxxGRHHumRArZMimtX2N51FvcpsM9IqXH3Vkdi7N4RvEXsmWi4L9CZsaqxRHeaz3JzjYVt4mUkthHx9l/5ExJ7u2Dgn9QVsyvo6q8TK/kFSkxvYVs95ZAIVsmCv5BGD+yirvmTmHtFhW3iZSK0xe6eGHbQe6fN60kCtkyUfAP0qpohBNnO3ll5+GgRxGRHPjp1jbOdXbTUKKHeUDBP2i3XjuJaWOraY6pwkGkFDTH4lw7eRQLp48LepQho+AfpPIyY2U0wi/3dtCq4jaRorav/RM2fXyCxmh9yRSyZaLgz4GGRfUqbhMpAc2xBBVlxgMLSqeQLRMFfw5EJozg1msn0hxTcZtIsers7uHZEixky0TBnyON0QiJ4+fYsF/FbSLF6LXeQrYSeZetS1Hw58hX5k5lTHUFTbqmX6QoNbfEmTx6GLfPLq1CtkwU/DlSXVnOigV1yeK2sypuEykmh0+d5/Xd7Ty4qL7kCtkyKf3vMI8aoxEudvWwbmtr0KOIyGV4ZlOCHqdkKxr6UvDn0I11Y5lTO0aHe0SKSLKQLcGSmROYOWlk0OPkhYI/xxqj9WxvPcWOtpNBjyIiWWj58DgHSriQLRMFf46tWJAsblutV/KKFIWmljijhlVw701Tgx4lbxT8OTZuRBV3z53Cc5tbOd+p4jaRQvbJ+U7Wv3eQ++fVMqKqNAvZMlHwD4FViyOcPKfiNpFC99NtBznX2R2qwzyg4B8St14zibpxw9XTL1LgmmNxZk8ZxfxI6RayZaLgHwJlZcbKRfW8te8IieNngx5HRDLYe/gTNn98gsZopKQL2TLJKvjN7Gkzazez7f2sNzP7ezPbZ2bbzGxh2rpHzGxv6vZIrgYvdA3RZMnTMxt1Tb9IIWqOxVOFbHVBj5J32e7x/xBYeon19wCzUrfHgP8NYGYTgG8DnwOWAN82s/FXOmwxqR8/gluvmaTiNpECdLGrh2c3tXLnDVOYOKq0C9kyySr43f1N4NglNlkO/IsnbQDGmVkt8BXgFXc/5u7HgVe49C+QktK4OELriXO8o+I2kYLy2vvtHD1zkcbFpV2/3J9cHeOvA9LPZCZSy/pb/hlm9piZxcws1tHRkaOxgnX3nCmMHV5JU4tO8ooUkuZYnCljhnHbrNIvZMskV8Gf6cyIX2L5Zxe6P+XuUXeP1tSUxn+M6spyVsyfxs92qLhNpFAcPnWeN3a3szIkhWyZ5Oq7TgDpF8LWA22XWB4aDanitudV3CZSENZsTBayNSwK17X76XIV/OuAf5O6uucW4KS7HwReAu42s/Gpk7p3p5aFxo11Y5k7bYyu6RcpAMlCtjifmzmBGSEpZMsk28s5fwS8A1xnZgkze9TMHjezx1ObrAf2A/uAfwK+DuDux4DvAC2p25OpZaHSGI2ouE2kALx74BgfHj0bulfq9pVVOYW7PzzAegf+pJ91TwNPX/5opWP5/Gn8l/W7WB1LMHfZ2KDHEQmt5lgiVchWG/QogQrnmY08Gzeiiq/MnariNpEAfVrINo3hVeVBjxMoBX+eNEbrVdwmEqBPC9nCee1+OgV/nqi4TSRYTS3hLGTLRMGfJ2VlRkNUxW0iQdhz+BO2xMNZyJaJgj+PVi5K/om5ZqPenUskn5pb4lSWh7OQLRMFfx7Vjx/B7147idWxhIrbRPLkYlcPz20ObyFbJgr+PGuIJovbfvXBkaBHEQmF194/nCxkC/m1++kU/HnWW9zWrDdjF8mL5liCqWOquW12aXSA5YKCP896i9te2n6IE2cvBj2OSEnrLWR7cFEd5WU6qdtLwR+AxsURLnb38PyWUPXVieSdCtkyU/AHYO60ZHGbevpFho6706xCtowU/AFZtTjCzoOn2N6q4jaRofDrA8f46OhZVi3W3n5fCv6ALJ9XR1VFmV7JKzJEmmNxRg+r4J4bw13IlomCPyBjR1SydO5U1qq4TSTnTvUWss1XIVsmCv4ANUYjnDrfxUs7DgU9ikhJ+cnWNs539uja/X4o+AP0O9dMVHGbyBBojiW4bspo5tXr/S8yUfAHqLe47Vf7jhI/puI2kVzYfegTtsZP0BCtVyFbPxT8AWuIRjCD1SpuE8mJJhWyDUjBH7C6ccP53WsnsSYWp1vFbSKDkixkS6iQbQDZvtn6UjPbbWb7zOyJDOv/1sy2pG57zOxE2rrutHXrcjl8qWiMRmg7eZ5f7VNxm8hgvLrrMMfPdtKoa/cvacA3WzezcuD7wF1AAmgxs3XuvrN3G3f/D2nb/3tgQdqXOOfu83M3cum5e+4Uxo2opDkWV5GUyCA0x+LJQrZZ+v/oUrLZ418C7HP3/e5+EfgxsPwS2z8M/CgXw4XFsIpyVsyv4+Udhzl+RsVtIlfi4MlzvLmng5WL6lXINoBsgr8OSL/eMJFa9hlmdhUwE3gtbXG1mcXMbIOZrejvSczssdR2sY6OjizGKi2N0d7ittagRxEpSs/0FrLpzdQHlE3wZ/rV2d9ZyIeANe6e/lLU6e4eBf4A+DszuybTA939KXePunu0piZ8f6bNmTaGm+rG0hRL4K6TvCKXo6fHaY4luOXqCVw1UYVsA8km+BNA+pmSeqC/PuGH6HOYx93bUh/3A2/w28f/JU3j4gi7Dp5ie+upoEcRKSq/PnCMj4+pkC1b2QR/CzDLzGaaWRXJcP/M1Tlmdh0wHngnbdl4MxuWuj8JuBXY2fexkrRs3jSGqbhN5LL1FrItnatCtmwMGPzu3gV8A3gJ2AU0u/sOM3vSzJalbfow8GP/7eMUNwAxM9sKvA78VfrVQPLbxg6v5J4bp/L8FhW3iWSrt5BtmQrZsjbg5ZwA7r4eWN9n2bf6fP6XGR73NnDTIOYLncZohLVb2nhpxyGWz9crD0UGsm5LGxe6VMh2OfTK3QJzy9UTiUxQcZtItlbH4lw/dTQ3q5Atawr+AlNWZjQsiqi4TSQL7x86xdbESRqjERWyXQYFfwFauahexW0iWWhuSVBZbqxQIdtlUfAXoGnjhvOFWTUqbhO5hAtd3Ty3OcHdc6YyYWRV0OMUFQV/gVqVKm57S8VtIhm9urOd42c79UrdK6DgL1B3zpnM+FRxm4h8VnMszrSx1XxBhWyXTcFfoIZVlLNiQR2vqLhN5DPaTpzjzb0qZLtSCv4C1lvctlbFbSK/5ZmNCdxh5SJdu38lFPwF7IbaMdxcP5amlriK20RSenqc5o1xfueaiUyfOCLocYqSgr/ANUYjvH/oExW3iaRsOHCU+LFzKmQbBAV/gbs/VdzWFPs46FFECkJzS5zR1RV8Ze7UoEcpWgr+Ajd2eCX33lTL81vaVNwmoXfyXCcvbj/Eivl1VFeqkO1KKfiLQEO0nk/Od/Gz7YeCHkUkUOu2qpAtFxT8ReCWmROZPmGErumX0Fsdi3ND7RhurBsT9ChFTcFfBJLFbfW8/cFRPj6q4jYJp10HT7EtcZLGaL0K2QZJwV8kVkaTxW1rNmqvX8KpORanqryMFXqfikFT8BeJ2rHDuW1WDas3JlTcJqGTLGRr5a65UxivQrZBU/AXkVWLIxxUcZuE0Ks72zlxtpNVOqmbEwr+IvLlG1LFbS063CPh0pQqZLv12klBj1ISsgp+M1tqZrvNbJ+ZPZFh/VfNrMPMtqRuX0tb94iZ7U3dHsnl8GEzrKKcBxbU8/LOQxxTcZuERNuJc/xybwcroxEVsuXIgMFvZuXA94F7gDnAw2Y2J8OmTe4+P3X7QeqxE4BvA58DlgDfNrPxOZs+hBoX19PZ7azdrOI2CYc1qUK2hkXq3c+VbPb4lwD73H2/u18Efgwsz/LrfwV4xd2Puftx4BVg6ZWNKgDXTx3DvPqxNMdU3Calr6fHWb0xzq3XTiQyQYVsuZJN8NcB6QeVE6llfT1oZtvMbI2Z9Z6ByfaxchkaUsVt77WeDHoUkSG1YX+ykE2v1M2tbII/00G1vruaPwFmuPvNwKvAP1/GY5Mbmj1mZjEzi3V0dGQxVngtm58qbtNJXilxzbE4Y1TIlnPZBH8CSP91Ww+0pW/g7kfd/ULq038CFmX72LSv8ZS7R909WlOjt1K7lDHVyeK2dVvaOHdRxW1SmnoL2ZarkC3nsgn+FmCWmc00syrgIWBd+gZmVpv26TJgV+r+S8DdZjY+dVL37tQyGaTGaIRPLnTxsx0Hgx5FZEj0FrKpdz/3Bgx+d+8CvkEysHcBze6+w8yeNLNlqc3+1Mx2mNlW4E+Br6Yeewz4DslfHi3Ak6llMkifmzmB6RNG6HCPlKzmlmQh29xpKmTLtYpsNnL39cD6Psu+lXb/m8A3+3ns08DTg5hRMigrMxqj9fy3l/fw0dEzXDVxZNAjieTMzrZTvNd6kr+8f44K2YaAXrlbxB5cVE+ZwepYIuhRRHKqt5BtuQrZhoSCv4jVjh3ObbNrWKPiNikhF7q6WbullbtVyDZkFPxFrjEa4dCp87y5V5fASml4ZedhTpzt1LX7Q0jBX+TuvGEKE0ZWsVrvziUloqklTt244SpkG0IK/iJXVZF8Y4pXdh7m6OkLAz9ApIAljp/lrX1HeHBRvQrZhpCCvwSsWhyhs9t5TsVtUuSe2diqQrY8UPCXgOumjlZxmxQ9FbLlj4K/RDQujrDn8Gm2JlTcJsXp7Q+OkjiuQrZ8UPCXiPvnTaO6UsVtUrxUyJY/Cv4SMaa6kntvrOWnW1XcJsXn5NlOfrbjECsWqJAtHxT8JaRxcbK47cXtKm6T4vL81lYudvXoME+eKPhLyOdmTuCqiSpuk+LT1BJnTu0YbqwbG/QooaDgLyFmRmM0wq8PHOPDI2eCHkckK9tbT7Kj7ZTql/NIwV9iHlyYKm7bqL1+KQ6rY3GqKspYPn9a0KOEhoK/xEwdW83tKm6TInG+s5u1W9r4ytypjBuhQrZ8UfCXoFWLIxw+dYE396i4TQrbyzsPc/JcJ41RvVI3nxT8JehL109h4sgqmlXcJgVudSxVyHaNCtnyScFfgqoqynhgQR2v7lJxmxSu3kK2lYvqKVMhW14p+EtUo4rbpMCt2Zh857gGHebJu6yC38yWmtluM9tnZk9kWP9nZrbTzLaZ2c/N7Kq0dd1mtiV1W5fL4aV/s6eMZn5knIrbpCD19DirYwl+99pJ1I9XIVu+DRj8ZlYOfB+4B5gDPGxmc/psthmIuvvNwBrgr9PWnXP3+anbshzNLVlYpeI2KVBvf3CU1hPnaNArdQORzR7/EmCfu+9394vAj4Hl6Ru4++vufjb16QZAf7sVgN+7uZbhleV6Ja8UnKZYnLHDK7l7zpSgRwmlbIK/DkhPjkRqWX8eBV5M+7zazGJmtsHMVlzBjHKFRldXcu9NtfxkaxtnL3YFPY4IACfOXuSlHYd4QIVsgckm+DOdbs940NjM/giIAt9NWzzd3aPAHwB/Z2bX9PPYx1K/IGIdHbr+PFcao/WcvtDF+vcOBT2KCADPb2njYlePTuoGKJvgTwDpB+Lqgba+G5nZncBfAMvc/TfXELp7W+rjfuANYEGmJ3H3p9w96u7RmpqarL8BubQlMycwc9JIXdMvBaOpJc7caWOYO02FbEHJJvhbgFlmNtPMqoCHgN+6OsfMFgD/SDL029OWjzezYan7k4BbgZ25Gl4GZmasXFTPuweOcUDFbRKw7a0n2XlQhWxBGzD43b0L+AbwErALaHb3HWb2pJn1XqXzXWAUsLrPZZs3ADEz2wq8DvyVuyv482zlolRxm/b6JWDNvYVs8y51mlCGWkU2G7n7emB9n2XfSrt/Zz+Pexu4aTADyuBNGVPNHddN5plNCf7srtlUlOt1e5J/5zu7Wbu5lXtunMrYEZVBjxNqSoCQaIimitv26sS5BOOlHYc4db5L77JVABT8IfHlGyYzaVQVzS2JoEeRkFodS1A/fjifv3pi0KOEnoI/JCrLPy1uO6LiNsmz+LFkIVvDoogK2QqAgj9EGqMRunqc5zapuE3ya83GBGawUtfuFwQFf4jMmjKaBdNV3Cb51d3jrNmYLGSrGzc86HEEBX/orIpG2Nt+mi3xE0GPIiHx9gdHaD1xTtfuFxAFf8jclypu0yt5JV+aWuKMG1HJXSpkKxgK/pAZXV3JfTfX8pOtB1XcJkPuxNmLvLzjMCvm1zGsQoVshULBH0KN0YiK2yQv1m5u5WJ3j67dLzAK/hBaPGO8itskL5pjCW6qG8ucaWOCHkXSKPhDyMxoiKq4TYZWbyFboy7hLDhZdfVI6Vm5sJ6/eXkPDz31DmOq1ZsiuXfiXCfDKspYNl+FbIVGwR9Sk8dU8817rmfTx8eDHkVK2O9cM4mxw7VjUWgU/CH2tS9cHfQIIhIAHeMXEQkZBb+ISMgo+EVEQkbBLyISMgp+EZGQUfCLiISMgl9EJGQU/CIiIWOF+E5MZtYBfBT0HH1MAo4EPUSWNOvQKaZ5i2lWKK55C3HWq9y9JpsNCzL4C5GZxdw9GvQc2dCsQ6eY5i2mWaG45i2mWTPRoR4RkZBR8IuIhIyCP3tPBT3AZdCsQ6eY5i2mWaG45i2mWT9Dx/hFREJGe/wiIiGj4O+HmU0ws1fMbG/q4/h+tptuZi+b2S4z22lmM/I7afazprYdY2bOZQR1AAAEK0lEQVStZva9fM6Y9vwDzmpm883sHTPbYWbbzGxVAHMuNbPdZrbPzJ7IsH6YmTWl1v86iP/uabMMNOufpf5tbjOzn5vZVUHMmTbPJedN226lmbmZBXb1TDazmllj6ue7w8z+Nd8zXhF31y3DDfhr4InU/SeA/9rPdm8Ad6XujwJGFOqsqfX/A/hX4HuF+nMFZgOzUvenAQeBcXmcsRz4ALgaqAK2AnP6bPN14B9S9x8CmgL6eWYz6x29/y6BfxfUrNnOm9puNPAmsAGIFuqswCxgMzA+9fnkoH62l3PTHn//lgP/nLr/z8CKvhuY2Rygwt1fAXD30+5+Nn8j/saAswKY2SJgCvBynubKZMBZ3X2Pu+9N3W8D2oGsXpiSI0uAfe6+390vAj8mOXe69O9jDfBlM7M8zthrwFnd/fW0f5cbgCDf/Tybny3Ad0juJJzP53B9ZDPrvwW+7+7HAdy9Pc8zXhEFf/+muPtBgNTHyRm2mQ2cMLNnzWyzmX3XzMrzOmXSgLOaWRnwN8Cf53m2vrL5uf6GmS0hubf1QR5m61UHxNM+T6SWZdzG3buAk8DEvEzXzxwpmWZN9yjw4pBOdGkDzmtmC4CIu/80n4NlkM3PdjYw28x+ZWYbzGxp3qYbhFC/566ZvQpMzbDqL7L8EhXAF4AFwMdAE/BV4P/kYr50OZj168B6d48P9Y5pDmbt/Tq1wP8FHnH3nlzMlu1TZ1jW9/K3bLbJh6znMLM/AqLA7UM60aVdct7UDsrfkvz/KGjZ/GwrSB7u+SLJv6R+aWY3uvuJIZ5tUEId/O5+Z3/rzOywmdW6+8FUAGX6Ey4BbHb3/anHrAVuYQiCPwezfh74gpl9neS5iCozO+3u/Z5cC3BWzGwM8ALwn919Q65nHEACiKR9Xg+09bNNwswqgLHAsfyMl3GOXplmxczuJPmL93Z3v5Cn2TIZaN7RwI3AG6kdlKnAOjNb5u6xvE2ZlO2/gw3u3gkcMLPdJH8RtORnxCujQz39Wwc8krr/CPB8hm1agPFm1nv8+UvAzjzM1teAs7r7H7r7dHefAfxH4F+GIvSzMOCsZlYFPEdyxtV5nK1XCzDLzGamZnmI5Nzp0r+PlcBrnjq7l2cDzpo6dPKPwLICOAZ9yXnd/aS7T3L3Gal/qxtIzp3v0B9w1pS1JE+eY2aTSB762Z/XKa9E0GeXC/VG8njtz4G9qY8TUsujwA/StrsL2Aa8B/wQqCrUWdO2/yrBXdUz4KzAHwGdwJa02/w8z3kvsIfkuYW/SC17kmQIAVQDq4F9wLvA1QH+Wx1o1leBw2k/y3VBzZrNvH22fYOArurJ8mdrwH8nucP3HvBQkD/bbG965a6ISMjoUI+ISMgo+EVEQkbBLyISMgp+EZGQUfCLiISMgl9EJGQU/CIiIaPgFxEJmf8PoFkpmDkDJVsAAAAASUVORK5CYII="/>
+          <p:cNvSpPr>
+            <a:spLocks noChangeAspect="1" noChangeArrowheads="1"/>
+          </p:cNvSpPr>
+          <p:nvPr/>
+        </p:nvSpPr>
+        <p:spPr bwMode="auto">
+          <a:xfrm>
+            <a:off x="155575" y="-144463"/>
+            <a:ext cx="304800" cy="304801"/>
+          </a:xfrm>
+          <a:prstGeom prst="rect">
+            <a:avLst/>
+          </a:prstGeom>
+          <a:noFill/>
+          <a:extLst>
+            <a:ext uri="{909E8E84-426E-40DD-AFC4-6F175D3DCCD1}">
+              <a14:hiddenFill xmlns:a14="http://schemas.microsoft.com/office/drawing/2010/main">
+                <a:solidFill>
+                  <a:srgbClr val="FFFFFF"/>
+                </a:solidFill>
+              </a14:hiddenFill>
+            </a:ext>
+          </a:extLst>
+        </p:spPr>
+        <p:txBody>
+          <a:bodyPr vert="horz" wrap="square" lIns="91440" tIns="45720" rIns="91440" bIns="45720" numCol="1" anchor="t" anchorCtr="0" compatLnSpc="1">
+            <a:prstTxWarp prst="textNoShape">
+              <a:avLst/>
+            </a:prstTxWarp>
+          </a:bodyPr>
+          <a:lstStyle/>
+          <a:p>
+            <a:endParaRPr lang="fr-FR"/>
+          </a:p>
+        </p:txBody>
+      </p:sp>
+      <p:pic>
+        <p:nvPicPr>
+          <p:cNvPr id="6149" name="Picture 5"/>
+          <p:cNvPicPr>
+            <a:picLocks noChangeAspect="1" noChangeArrowheads="1"/>
+          </p:cNvPicPr>
+          <p:nvPr/>
+        </p:nvPicPr>
+        <p:blipFill>
+          <a:blip r:embed="rId3">
+            <a:clrChange>
+              <a:clrFrom>
+                <a:srgbClr val="000000"/>
+              </a:clrFrom>
+              <a:clrTo>
+                <a:srgbClr val="000000">
+                  <a:alpha val="0"/>
+                </a:srgbClr>
+              </a:clrTo>
+            </a:clrChange>
+            <a:extLst>
+              <a:ext uri="{28A0092B-C50C-407E-A947-70E740481C1C}">
+                <a14:useLocalDpi xmlns:a14="http://schemas.microsoft.com/office/drawing/2010/main" val="0"/>
+              </a:ext>
+            </a:extLst>
+          </a:blip>
+          <a:srcRect/>
+          <a:stretch>
+            <a:fillRect/>
+          </a:stretch>
+        </p:blipFill>
+        <p:spPr bwMode="auto">
+          <a:xfrm>
+            <a:off x="6977372" y="1275546"/>
+            <a:ext cx="1944216" cy="1282572"/>
+          </a:xfrm>
+          <a:prstGeom prst="rect">
+            <a:avLst/>
+          </a:prstGeom>
+          <a:noFill/>
+          <a:ln>
+            <a:noFill/>
+          </a:ln>
+          <a:extLst>
+            <a:ext uri="{909E8E84-426E-40DD-AFC4-6F175D3DCCD1}">
+              <a14:hiddenFill xmlns:a14="http://schemas.microsoft.com/office/drawing/2010/main">
+                <a:solidFill>
+                  <a:schemeClr val="accent1"/>
+                </a:solidFill>
+              </a14:hiddenFill>
+            </a:ext>
+            <a:ext uri="{91240B29-F687-4F45-9708-019B960494DF}">
+              <a14:hiddenLine xmlns:a14="http://schemas.microsoft.com/office/drawing/2010/main" w="9525">
+                <a:solidFill>
+                  <a:schemeClr val="tx1"/>
+                </a:solidFill>
+                <a:miter lim="800000"/>
+                <a:headEnd/>
+                <a:tailEnd/>
+              </a14:hiddenLine>
+            </a:ext>
+          </a:extLst>
+        </p:spPr>
+      </p:pic>
+      <p:sp>
+        <p:nvSpPr>
+          <p:cNvPr id="8" name="ZoneTexte 7"/>
+          <p:cNvSpPr txBox="1"/>
+          <p:nvPr/>
+        </p:nvSpPr>
+        <p:spPr>
+          <a:xfrm>
+            <a:off x="6692857" y="3521566"/>
+            <a:ext cx="652743" cy="369332"/>
+          </a:xfrm>
+          <a:prstGeom prst="rect">
+            <a:avLst/>
+          </a:prstGeom>
+          <a:noFill/>
+          <a:ln>
+            <a:solidFill>
+              <a:schemeClr val="accent1"/>
+            </a:solidFill>
+          </a:ln>
+        </p:spPr>
+        <p:txBody>
+          <a:bodyPr wrap="none" rtlCol="0">
+            <a:spAutoFit/>
+          </a:bodyPr>
+          <a:lstStyle/>
+          <a:p>
+            <a:r>
+              <a:rPr lang="fr-FR" dirty="0" smtClean="0"/>
+              <a:t>2500</a:t>
+            </a:r>
+            <a:endParaRPr lang="fr-FR" dirty="0"/>
+          </a:p>
+        </p:txBody>
+      </p:sp>
+      <p:pic>
+        <p:nvPicPr>
+          <p:cNvPr id="6151" name="Picture 7"/>
+          <p:cNvPicPr>
+            <a:picLocks noChangeAspect="1" noChangeArrowheads="1"/>
+          </p:cNvPicPr>
+          <p:nvPr/>
+        </p:nvPicPr>
+        <p:blipFill>
+          <a:blip r:embed="rId4">
+            <a:extLst>
+              <a:ext uri="{28A0092B-C50C-407E-A947-70E740481C1C}">
+                <a14:useLocalDpi xmlns:a14="http://schemas.microsoft.com/office/drawing/2010/main" val="0"/>
+              </a:ext>
+            </a:extLst>
+          </a:blip>
+          <a:srcRect/>
+          <a:stretch>
+            <a:fillRect/>
+          </a:stretch>
+        </p:blipFill>
+        <p:spPr bwMode="auto">
+          <a:xfrm>
+            <a:off x="160087" y="1628800"/>
+            <a:ext cx="4943475" cy="1304925"/>
+          </a:xfrm>
+          <a:prstGeom prst="rect">
+            <a:avLst/>
+          </a:prstGeom>
+          <a:noFill/>
+          <a:ln>
+            <a:noFill/>
+          </a:ln>
+          <a:extLst>
+            <a:ext uri="{909E8E84-426E-40DD-AFC4-6F175D3DCCD1}">
+              <a14:hiddenFill xmlns:a14="http://schemas.microsoft.com/office/drawing/2010/main">
+                <a:solidFill>
+                  <a:schemeClr val="accent1"/>
+                </a:solidFill>
+              </a14:hiddenFill>
+            </a:ext>
+            <a:ext uri="{91240B29-F687-4F45-9708-019B960494DF}">
+              <a14:hiddenLine xmlns:a14="http://schemas.microsoft.com/office/drawing/2010/main" w="9525">
+                <a:solidFill>
+                  <a:schemeClr val="tx1"/>
+                </a:solidFill>
+                <a:miter lim="800000"/>
+                <a:headEnd/>
+                <a:tailEnd/>
+              </a14:hiddenLine>
+            </a:ext>
+          </a:extLst>
+        </p:spPr>
+      </p:pic>
+    </p:spTree>
+    <p:extLst>
+      <p:ext uri="{BB962C8B-B14F-4D97-AF65-F5344CB8AC3E}">
+        <p14:creationId xmlns:p14="http://schemas.microsoft.com/office/powerpoint/2010/main" val="217047539"/>
+      </p:ext>
+    </p:extLst>
+  </p:cSld>
+  <p:clrMapOvr>
+    <a:masterClrMapping/>
+  </p:clrMapOvr>
+</p:sld>
+</file>
+
+<file path=ppt/slides/slide15.xml><?xml version="1.0" encoding="utf-8"?>
+<p:sld xmlns:a="http://schemas.openxmlformats.org/drawingml/2006/main" xmlns:r="http://schemas.openxmlformats.org/officeDocument/2006/relationships" xmlns:p="http://schemas.openxmlformats.org/presentationml/2006/main">
+  <p:cSld>
+    <p:spTree>
+      <p:nvGrpSpPr>
+        <p:cNvPr id="1" name=""/>
+        <p:cNvGrpSpPr/>
+        <p:nvPr/>
+      </p:nvGrpSpPr>
+      <p:grpSpPr>
+        <a:xfrm>
+          <a:off x="0" y="0"/>
+          <a:ext cx="0" cy="0"/>
+          <a:chOff x="0" y="0"/>
+          <a:chExt cx="0" cy="0"/>
+        </a:xfrm>
+      </p:grpSpPr>
+      <p:sp>
+        <p:nvSpPr>
+          <p:cNvPr id="2" name="Titre 1"/>
+          <p:cNvSpPr>
+            <a:spLocks noGrp="1"/>
+          </p:cNvSpPr>
+          <p:nvPr>
+            <p:ph type="title"/>
+          </p:nvPr>
+        </p:nvSpPr>
+        <p:spPr/>
+        <p:txBody>
+          <a:bodyPr/>
+          <a:lstStyle/>
+          <a:p>
+            <a:endParaRPr lang="fr-FR"/>
+          </a:p>
+        </p:txBody>
+      </p:sp>
+      <p:pic>
+        <p:nvPicPr>
+          <p:cNvPr id="7170" name="Picture 2"/>
+          <p:cNvPicPr>
+            <a:picLocks noChangeAspect="1" noChangeArrowheads="1"/>
+          </p:cNvPicPr>
+          <p:nvPr/>
+        </p:nvPicPr>
+        <p:blipFill>
+          <a:blip r:embed="rId2">
+            <a:extLst>
+              <a:ext uri="{28A0092B-C50C-407E-A947-70E740481C1C}">
+                <a14:useLocalDpi xmlns:a14="http://schemas.microsoft.com/office/drawing/2010/main" val="0"/>
+              </a:ext>
+            </a:extLst>
+          </a:blip>
+          <a:srcRect/>
+          <a:stretch>
+            <a:fillRect/>
+          </a:stretch>
+        </p:blipFill>
+        <p:spPr bwMode="auto">
+          <a:xfrm>
+            <a:off x="0" y="3270250"/>
+            <a:ext cx="9277350" cy="3587750"/>
+          </a:xfrm>
+          <a:prstGeom prst="rect">
+            <a:avLst/>
+          </a:prstGeom>
+          <a:noFill/>
+          <a:ln>
+            <a:noFill/>
+          </a:ln>
+          <a:extLst>
+            <a:ext uri="{909E8E84-426E-40DD-AFC4-6F175D3DCCD1}">
+              <a14:hiddenFill xmlns:a14="http://schemas.microsoft.com/office/drawing/2010/main">
+                <a:solidFill>
+                  <a:schemeClr val="accent1"/>
+                </a:solidFill>
+              </a14:hiddenFill>
+            </a:ext>
+            <a:ext uri="{91240B29-F687-4F45-9708-019B960494DF}">
+              <a14:hiddenLine xmlns:a14="http://schemas.microsoft.com/office/drawing/2010/main" w="9525">
+                <a:solidFill>
+                  <a:schemeClr val="tx1"/>
+                </a:solidFill>
+                <a:miter lim="800000"/>
+                <a:headEnd/>
+                <a:tailEnd/>
+              </a14:hiddenLine>
+            </a:ext>
+          </a:extLst>
+        </p:spPr>
+      </p:pic>
+      <p:sp>
+        <p:nvSpPr>
+          <p:cNvPr id="3" name="ZoneTexte 2"/>
+          <p:cNvSpPr txBox="1"/>
+          <p:nvPr/>
+        </p:nvSpPr>
+        <p:spPr>
+          <a:xfrm>
+            <a:off x="7081378" y="4941168"/>
+            <a:ext cx="2160240" cy="923330"/>
+          </a:xfrm>
+          <a:prstGeom prst="rect">
+            <a:avLst/>
+          </a:prstGeom>
+          <a:noFill/>
+        </p:spPr>
+        <p:txBody>
+          <a:bodyPr wrap="square" rtlCol="0">
+            <a:spAutoFit/>
+          </a:bodyPr>
+          <a:lstStyle/>
+          <a:p>
+            <a:r>
+              <a:rPr lang="fr-FR" dirty="0" smtClean="0"/>
+              <a:t>-30dB </a:t>
+            </a:r>
+            <a:r>
+              <a:rPr lang="fr-FR" dirty="0" err="1" smtClean="0"/>
+              <a:t>between</a:t>
+            </a:r>
+            <a:r>
+              <a:rPr lang="fr-FR" dirty="0" smtClean="0"/>
+              <a:t> </a:t>
+            </a:r>
+            <a:r>
+              <a:rPr lang="fr-FR" dirty="0" err="1" smtClean="0"/>
+              <a:t>antenna</a:t>
+            </a:r>
+            <a:r>
+              <a:rPr lang="fr-FR" dirty="0" smtClean="0"/>
+              <a:t> aperture and ~BC</a:t>
+            </a:r>
+            <a:endParaRPr lang="fr-FR" dirty="0"/>
+          </a:p>
+        </p:txBody>
+      </p:sp>
+    </p:spTree>
+    <p:extLst>
+      <p:ext uri="{BB962C8B-B14F-4D97-AF65-F5344CB8AC3E}">
+        <p14:creationId xmlns:p14="http://schemas.microsoft.com/office/powerpoint/2010/main" val="2197940790"/>
+      </p:ext>
+    </p:extLst>
+  </p:cSld>
+  <p:clrMapOvr>
+    <a:masterClrMapping/>
+  </p:clrMapOvr>
+</p:sld>
+</file>
+
+<file path=ppt/slides/slide16.xml><?xml version="1.0" encoding="utf-8"?>
+<p:sld xmlns:a="http://schemas.openxmlformats.org/drawingml/2006/main" xmlns:r="http://schemas.openxmlformats.org/officeDocument/2006/relationships" xmlns:p="http://schemas.openxmlformats.org/presentationml/2006/main">
+  <p:cSld>
+    <p:spTree>
+      <p:nvGrpSpPr>
+        <p:cNvPr id="1" name=""/>
+        <p:cNvGrpSpPr/>
+        <p:nvPr/>
+      </p:nvGrpSpPr>
+      <p:grpSpPr>
+        <a:xfrm>
+          <a:off x="0" y="0"/>
+          <a:ext cx="0" cy="0"/>
+          <a:chOff x="0" y="0"/>
+          <a:chExt cx="0" cy="0"/>
+        </a:xfrm>
+      </p:grpSpPr>
+      <p:sp>
+        <p:nvSpPr>
+          <p:cNvPr id="2" name="Titre 1"/>
+          <p:cNvSpPr>
+            <a:spLocks noGrp="1"/>
+          </p:cNvSpPr>
+          <p:nvPr>
+            <p:ph type="title"/>
+          </p:nvPr>
+        </p:nvSpPr>
+        <p:spPr/>
+        <p:txBody>
+          <a:bodyPr/>
+          <a:lstStyle/>
+          <a:p>
+            <a:r>
+              <a:rPr lang="fr-FR" dirty="0" err="1" smtClean="0"/>
+              <a:t>Exponential</a:t>
+            </a:r>
+            <a:r>
+              <a:rPr lang="fr-FR" dirty="0" smtClean="0"/>
+              <a:t> </a:t>
+            </a:r>
+            <a:r>
+              <a:rPr lang="fr-FR" dirty="0" err="1" smtClean="0"/>
+              <a:t>loss</a:t>
+            </a:r>
+            <a:r>
+              <a:rPr lang="fr-FR" dirty="0" smtClean="0"/>
+              <a:t> </a:t>
+            </a:r>
+            <a:r>
+              <a:rPr lang="fr-FR" dirty="0" err="1" smtClean="0"/>
+              <a:t>evolution</a:t>
+            </a:r>
+            <a:endParaRPr lang="fr-FR" dirty="0"/>
+          </a:p>
+        </p:txBody>
+      </p:sp>
+      <p:pic>
+        <p:nvPicPr>
+          <p:cNvPr id="8195" name="Picture 3"/>
+          <p:cNvPicPr>
+            <a:picLocks noChangeAspect="1" noChangeArrowheads="1"/>
+          </p:cNvPicPr>
+          <p:nvPr/>
+        </p:nvPicPr>
+        <p:blipFill>
+          <a:blip r:embed="rId2">
+            <a:extLst>
+              <a:ext uri="{28A0092B-C50C-407E-A947-70E740481C1C}">
+                <a14:useLocalDpi xmlns:a14="http://schemas.microsoft.com/office/drawing/2010/main" val="0"/>
+              </a:ext>
+            </a:extLst>
+          </a:blip>
+          <a:srcRect/>
+          <a:stretch>
+            <a:fillRect/>
+          </a:stretch>
+        </p:blipFill>
+        <p:spPr bwMode="auto">
+          <a:xfrm>
+            <a:off x="209550" y="1268760"/>
+            <a:ext cx="4362450" cy="1390650"/>
+          </a:xfrm>
+          <a:prstGeom prst="rect">
+            <a:avLst/>
+          </a:prstGeom>
+          <a:noFill/>
+          <a:ln>
+            <a:noFill/>
+          </a:ln>
+          <a:extLst>
+            <a:ext uri="{909E8E84-426E-40DD-AFC4-6F175D3DCCD1}">
+              <a14:hiddenFill xmlns:a14="http://schemas.microsoft.com/office/drawing/2010/main">
+                <a:solidFill>
+                  <a:schemeClr val="accent1"/>
+                </a:solidFill>
+              </a14:hiddenFill>
+            </a:ext>
+            <a:ext uri="{91240B29-F687-4F45-9708-019B960494DF}">
+              <a14:hiddenLine xmlns:a14="http://schemas.microsoft.com/office/drawing/2010/main" w="9525">
+                <a:solidFill>
+                  <a:schemeClr val="tx1"/>
+                </a:solidFill>
+                <a:miter lim="800000"/>
+                <a:headEnd/>
+                <a:tailEnd/>
+              </a14:hiddenLine>
+            </a:ext>
+          </a:extLst>
+        </p:spPr>
+      </p:pic>
+      <p:pic>
+        <p:nvPicPr>
+          <p:cNvPr id="8197" name="Picture 5"/>
+          <p:cNvPicPr>
+            <a:picLocks noChangeAspect="1" noChangeArrowheads="1"/>
+          </p:cNvPicPr>
+          <p:nvPr/>
+        </p:nvPicPr>
+        <p:blipFill>
+          <a:blip r:embed="rId3">
+            <a:extLst>
+              <a:ext uri="{28A0092B-C50C-407E-A947-70E740481C1C}">
+                <a14:useLocalDpi xmlns:a14="http://schemas.microsoft.com/office/drawing/2010/main" val="0"/>
+              </a:ext>
+            </a:extLst>
+          </a:blip>
+          <a:srcRect/>
+          <a:stretch>
+            <a:fillRect/>
+          </a:stretch>
+        </p:blipFill>
+        <p:spPr bwMode="auto">
+          <a:xfrm>
+            <a:off x="-40635" y="2438400"/>
+            <a:ext cx="9277350" cy="4419600"/>
+          </a:xfrm>
+          <a:prstGeom prst="rect">
+            <a:avLst/>
+          </a:prstGeom>
+          <a:noFill/>
+          <a:ln>
+            <a:noFill/>
+          </a:ln>
+          <a:extLst>
+            <a:ext uri="{909E8E84-426E-40DD-AFC4-6F175D3DCCD1}">
+              <a14:hiddenFill xmlns:a14="http://schemas.microsoft.com/office/drawing/2010/main">
+                <a:solidFill>
+                  <a:schemeClr val="accent1"/>
+                </a:solidFill>
+              </a14:hiddenFill>
+            </a:ext>
+            <a:ext uri="{91240B29-F687-4F45-9708-019B960494DF}">
+              <a14:hiddenLine xmlns:a14="http://schemas.microsoft.com/office/drawing/2010/main" w="9525">
+                <a:solidFill>
+                  <a:schemeClr val="tx1"/>
+                </a:solidFill>
+                <a:miter lim="800000"/>
+                <a:headEnd/>
+                <a:tailEnd/>
+              </a14:hiddenLine>
+            </a:ext>
+          </a:extLst>
+        </p:spPr>
+      </p:pic>
+    </p:spTree>
+    <p:extLst>
+      <p:ext uri="{BB962C8B-B14F-4D97-AF65-F5344CB8AC3E}">
+        <p14:creationId xmlns:p14="http://schemas.microsoft.com/office/powerpoint/2010/main" val="2675285443"/>
+      </p:ext>
+    </p:extLst>
+  </p:cSld>
+  <p:clrMapOvr>
+    <a:masterClrMapping/>
+  </p:clrMapOvr>
+</p:sld>
+</file>
+
+<file path=ppt/slides/slide17.xml><?xml version="1.0" encoding="utf-8"?>
+<p:sld xmlns:a="http://schemas.openxmlformats.org/drawingml/2006/main" xmlns:r="http://schemas.openxmlformats.org/officeDocument/2006/relationships" xmlns:p="http://schemas.openxmlformats.org/presentationml/2006/main">
+  <p:cSld>
+    <p:spTree>
+      <p:nvGrpSpPr>
+        <p:cNvPr id="1" name=""/>
+        <p:cNvGrpSpPr/>
+        <p:nvPr/>
+      </p:nvGrpSpPr>
+      <p:grpSpPr>
+        <a:xfrm>
+          <a:off x="0" y="0"/>
+          <a:ext cx="0" cy="0"/>
+          <a:chOff x="0" y="0"/>
+          <a:chExt cx="0" cy="0"/>
+        </a:xfrm>
+      </p:grpSpPr>
+      <p:pic>
+        <p:nvPicPr>
+          <p:cNvPr id="7" name="Image 6"/>
+          <p:cNvPicPr>
+            <a:picLocks noChangeAspect="1"/>
+          </p:cNvPicPr>
+          <p:nvPr/>
+        </p:nvPicPr>
+        <p:blipFill>
+          <a:blip r:embed="rId2">
+            <a:extLst>
+              <a:ext uri="{28A0092B-C50C-407E-A947-70E740481C1C}">
+                <a14:useLocalDpi xmlns:a14="http://schemas.microsoft.com/office/drawing/2010/main" val="0"/>
+              </a:ext>
+            </a:extLst>
+          </a:blip>
+          <a:stretch>
+            <a:fillRect/>
+          </a:stretch>
+        </p:blipFill>
+        <p:spPr>
+          <a:xfrm>
+            <a:off x="289205" y="3501008"/>
+            <a:ext cx="4763585" cy="3201129"/>
+          </a:xfrm>
+          <a:prstGeom prst="rect">
+            <a:avLst/>
+          </a:prstGeom>
+        </p:spPr>
+      </p:pic>
+      <p:sp>
+        <p:nvSpPr>
+          <p:cNvPr id="2" name="Titre 1"/>
+          <p:cNvSpPr>
+            <a:spLocks noGrp="1"/>
+          </p:cNvSpPr>
+          <p:nvPr>
+            <p:ph type="title"/>
+          </p:nvPr>
+        </p:nvSpPr>
+        <p:spPr/>
+        <p:txBody>
+          <a:bodyPr/>
+          <a:lstStyle/>
+          <a:p>
+            <a:r>
+              <a:rPr lang="fr-FR" dirty="0" smtClean="0"/>
+              <a:t>PML-</a:t>
+            </a:r>
+            <a:r>
+              <a:rPr lang="fr-FR" dirty="0" err="1" smtClean="0"/>
+              <a:t>like</a:t>
+            </a:r>
+            <a:r>
+              <a:rPr lang="fr-FR" dirty="0" smtClean="0"/>
+              <a:t> </a:t>
+            </a:r>
+            <a:r>
+              <a:rPr lang="fr-FR" dirty="0" err="1" smtClean="0"/>
+              <a:t>evolution</a:t>
+            </a:r>
+            <a:endParaRPr lang="fr-FR" dirty="0"/>
+          </a:p>
+        </p:txBody>
+      </p:sp>
+      <p:pic>
+        <p:nvPicPr>
+          <p:cNvPr id="1026" name="Picture 2"/>
+          <p:cNvPicPr>
+            <a:picLocks noChangeAspect="1" noChangeArrowheads="1"/>
+          </p:cNvPicPr>
+          <p:nvPr/>
+        </p:nvPicPr>
+        <p:blipFill rotWithShape="1">
+          <a:blip r:embed="rId3">
+            <a:extLst>
+              <a:ext uri="{28A0092B-C50C-407E-A947-70E740481C1C}">
+                <a14:useLocalDpi xmlns:a14="http://schemas.microsoft.com/office/drawing/2010/main" val="0"/>
+              </a:ext>
+            </a:extLst>
+          </a:blip>
+          <a:srcRect b="88137"/>
+          <a:stretch/>
+        </p:blipFill>
+        <p:spPr bwMode="auto">
+          <a:xfrm>
+            <a:off x="521025" y="1484784"/>
+            <a:ext cx="8096250" cy="221468"/>
+          </a:xfrm>
+          <a:prstGeom prst="rect">
+            <a:avLst/>
+          </a:prstGeom>
+          <a:noFill/>
+          <a:ln>
+            <a:noFill/>
+          </a:ln>
+          <a:extLst>
+            <a:ext uri="{909E8E84-426E-40DD-AFC4-6F175D3DCCD1}">
+              <a14:hiddenFill xmlns:a14="http://schemas.microsoft.com/office/drawing/2010/main">
+                <a:solidFill>
+                  <a:schemeClr val="accent1"/>
+                </a:solidFill>
+              </a14:hiddenFill>
+            </a:ext>
+            <a:ext uri="{91240B29-F687-4F45-9708-019B960494DF}">
+              <a14:hiddenLine xmlns:a14="http://schemas.microsoft.com/office/drawing/2010/main" w="9525">
+                <a:solidFill>
+                  <a:schemeClr val="tx1"/>
+                </a:solidFill>
+                <a:miter lim="800000"/>
+                <a:headEnd/>
+                <a:tailEnd/>
+              </a14:hiddenLine>
+            </a:ext>
+          </a:extLst>
+        </p:spPr>
+      </p:pic>
+      <p:pic>
+        <p:nvPicPr>
+          <p:cNvPr id="4" name="Picture 2"/>
+          <p:cNvPicPr>
+            <a:picLocks noChangeAspect="1" noChangeArrowheads="1"/>
+          </p:cNvPicPr>
+          <p:nvPr/>
+        </p:nvPicPr>
+        <p:blipFill rotWithShape="1">
+          <a:blip r:embed="rId3">
+            <a:extLst>
+              <a:ext uri="{28A0092B-C50C-407E-A947-70E740481C1C}">
+                <a14:useLocalDpi xmlns:a14="http://schemas.microsoft.com/office/drawing/2010/main" val="0"/>
+              </a:ext>
+            </a:extLst>
+          </a:blip>
+          <a:srcRect t="57728"/>
+          <a:stretch/>
+        </p:blipFill>
+        <p:spPr bwMode="auto">
+          <a:xfrm>
+            <a:off x="521025" y="1706252"/>
+            <a:ext cx="8096250" cy="789164"/>
+          </a:xfrm>
+          <a:prstGeom prst="rect">
+            <a:avLst/>
+          </a:prstGeom>
+          <a:noFill/>
+          <a:ln>
+            <a:noFill/>
+          </a:ln>
+          <a:extLst>
+            <a:ext uri="{909E8E84-426E-40DD-AFC4-6F175D3DCCD1}">
+              <a14:hiddenFill xmlns:a14="http://schemas.microsoft.com/office/drawing/2010/main">
+                <a:solidFill>
+                  <a:schemeClr val="accent1"/>
+                </a:solidFill>
+              </a14:hiddenFill>
+            </a:ext>
+            <a:ext uri="{91240B29-F687-4F45-9708-019B960494DF}">
+              <a14:hiddenLine xmlns:a14="http://schemas.microsoft.com/office/drawing/2010/main" w="9525">
+                <a:solidFill>
+                  <a:schemeClr val="tx1"/>
+                </a:solidFill>
+                <a:miter lim="800000"/>
+                <a:headEnd/>
+                <a:tailEnd/>
+              </a14:hiddenLine>
+            </a:ext>
+          </a:extLst>
+        </p:spPr>
+      </p:pic>
+      <p:sp>
+        <p:nvSpPr>
+          <p:cNvPr id="3" name="ZoneTexte 2"/>
+          <p:cNvSpPr txBox="1"/>
+          <p:nvPr/>
+        </p:nvSpPr>
+        <p:spPr>
+          <a:xfrm>
+            <a:off x="3491880" y="1226186"/>
+            <a:ext cx="2339936" cy="369332"/>
+          </a:xfrm>
+          <a:prstGeom prst="rect">
+            <a:avLst/>
+          </a:prstGeom>
+          <a:noFill/>
+        </p:spPr>
+        <p:txBody>
+          <a:bodyPr wrap="none" rtlCol="0">
+            <a:spAutoFit/>
+          </a:bodyPr>
+          <a:lstStyle/>
+          <a:p>
+            <a:r>
+              <a:rPr lang="fr-FR" dirty="0" err="1" smtClean="0"/>
+              <a:t>Epsr_HFSS</a:t>
+            </a:r>
+            <a:r>
+              <a:rPr lang="fr-FR" dirty="0" smtClean="0"/>
+              <a:t> = </a:t>
+            </a:r>
+            <a:r>
+              <a:rPr lang="fr-FR" dirty="0" err="1" smtClean="0"/>
+              <a:t>epsr</a:t>
+            </a:r>
+            <a:r>
+              <a:rPr lang="fr-FR" dirty="0" smtClean="0"/>
+              <a:t> . S(x)</a:t>
+            </a:r>
+            <a:endParaRPr lang="fr-FR" dirty="0"/>
+          </a:p>
+        </p:txBody>
+      </p:sp>
+      <p:sp>
+        <p:nvSpPr>
+          <p:cNvPr id="5" name="AutoShape 4" descr="data:image/png;base64,iVBORw0KGgoAAAANSUhEUgAAAXcAAAD8CAYAAACMwORRAAAABHNCSVQICAgIfAhkiAAAAAlwSFlzAAALEgAACxIB0t1+/AAAADl0RVh0U29mdHdhcmUAbWF0cGxvdGxpYiB2ZXJzaW9uIDIuMi4yLCBodHRwOi8vbWF0cGxvdGxpYi5vcmcvhp/UCwAAIABJREFUeJztnX/QbVdZ3z/P+96bIBAIEjAhCSZOLw4RseA1oHZqKL+SlEmKghOsNUHsHWyi/aGtxFhwoHRimdaiIOGKGRKLBIqNuS3XhkRlsNpArhgDSaBeI8IljDS5GEJjkvue8/SPs8971zlnrbP2r7PPfne+n5kz2Wf9fM65J8/73c961trm7gghhBgWG+s2QAghRPvIuQshxACRcxdCiAEi5y6EEANEzl0IIQaInLsQQgyQxs7dzM40sz8ws3vM7C4z++eRNmZmv2Jmh83sTjN7YdN5hRCiz5jZ+Wb2+cLvvanr+dtQ7lvAz7j7c4EXA5eb2TlzbS4A9hSvfcB7WphXCCF6iZltAu9m4vvOAV4X8YsrpbFzd/evuPuni+uHgHuA0+eaXQxc7xNuA042s9Oazi2EED3lXOCwu9/r7o8BNzDxg52xq83BzOws4AXAJ+eqTge+FLw/UpR9JTLGPibqno2NE777SU96RpsmiiHhCxeZdk3nAWt1Lo9elh+/wmS57yo7lFeestLny+6Uj9QHRV/3o/e7eyNn8cqXPMkfODoq1fZP7nz0LuCRoGi/u+8P3sd83oua2FeV1py7mT0Z+G3gX7j71+erI12i/5rFF7Qf4ClPOcO/Z+/lbZkohsb0FxQ4Bgt/VUW5jRfLZvoH2Ex9cT3O1IdlubYhdeYaJ8aM2RIy7efBBDN2R/pH50/0XzYm4NN5U/ZHxvXcXMFYH3vkv/zVYoNqPHB0xKdufnaptpun/fkj7r53SZPSPm9VtOLczWw3E8f+AXf/b5EmR4Azg/dnAPe1MbcQQrSBA+Pwr2sz1u7zGjt3MzPgN4B73P0/JZodAK4wsxuY3Jo86O4LIZl53GB0grI1RZxtlR6GTSIq2jJqvYry98hYKYXuET+RVPMR5Z5V5ok7hqVzVVH+M23Hi/UhGeVvOeUfvYtIONrYXI/Em1bBcY55ubBMCW4H9pjZ2cCXgUuAH2lr8DK0ody/H/gnwGfM7I6i7OeBZwO4+zXAQeBC4DDwMPD6FuYVQohWaUu5u/uWmV0B3AxsAte6+12tDF6Sxs7d3f8X8fhS2MaB6sFzg7GUu0iwrbJnFKYt1ifUZmPlP1X2kbKFubaFb3wsiyhnj8Xfc3H8hso/u07QpvJPjUXGlnHmLqImjjNqcUx3P8hE2K6FVrNlhBBiJzPuds1zpfTaubsZ491LbwrE45ntmHfwG4kqwLA+LC8uKij/WZW+aFJM+c+UJ1R+dK5UrD8yf2PlP46UzczVUPnnsnFic8WUf6q+BRwYybkLIcTwkHIXQoiB4cCxAT12tN/O3WB0gsIyIs522GLm/8fqYZVUWOd4/8iYIbmwTjBuKqxzPFUwUhbSNKyTWjyebhwK52oa1qm0ySozV2zxdRULqlLuQggxMBxGw/Ht/XbubmhBVaSJLmiG9VO1nFhQjSj/mIqPqvWgX1b5w7ainylLKP54/4bKP6Lso3M1Vf7ZO4+M8g/Lq2z4agFvf8i10mvnLoQQ3WGMlm/Z2VH027lvwOiEdRshesu2cl4sm5RbpCzXP3wTUds1lP/MGKm2y/pAaeWf+izRu4+Gyj97VAOL9TnlD8fVf6WjGlpgsqAq5y6EEINikucu594JirmLpUTV8GJ96viAmJqOZ9vkxg/LQmW7GOu3lNosnbkT2pJZH8jF8eso/5Tyzh5ctmTM+fLMUQ3R8VtiLOUuhBDDQsq9SwxGu9dthOgr5ZV1PFsmVtZU+efmSq8PTMsqKP868fuayj96VAMR+1pQ/tGjGkJyWUw1cYxRK4+V7gf9du5CCNEhCst0hAPjXlso1sn2/4YZ5Z1SgI2VfyZbZ3auWLZI+bmytm73aaj8s4ekVdmBm1H+md28Idk7qhZwjMd8s9Ux14lcpxBCMN3EpLCMEEIMDi2odoXBWAuqIkHZsMoMYdtYWSask02FTM0V2VCVD7ssLuRWOwohN37YfxpWSTi3lsI6ubP3Z8dK2Lp9Nny7jtjdGPlwlHsrn8TMrjWzr5rZZxP155nZg2Z2R/F6cxvzCiFEm4yxUq+dQFvK/f3Au4Drl7T5Q3d/VaVRDVzKXSTwiBoNiW5SqqRmI/VRQzL9g+t8KmRYFktvrNI/o/wrzFVL+Ydtyx7PPDNWxtaVLKj2O5hRhVY+ibt/wszOamMsIYRYB1pQrc/3mtmfAfcBP+vud+U6uGLuYhm5mHpGbcaU/ypSKcPrGX2csXWGpsq/dCplWF9D+VdY/8ge2xBT/jO2tB8eGSnPvTKfBr7V3b9hZhcCvwPsiTU0s33APoBdT31aR+YJIR7vaIdqDdz968H1QTP7NTM7xd3vj7TdD+wHeMLpZ7o2MYksKWWeqS+bDRNSS/kH19XUbKQ/8frS6wsV+ldS/tufL3HrUSXmX/oupd2YO8B4QNkynbhOMzsV+Gt3dzM7l0mWzgNdzC2EEGVwkHKfx8w+CJwHnGJmR4C3ALsB3P0a4DXAT5rZFvC3wCXuJf7sGoxPaP+vsxgINR7G4bn66DzLxy+j3KflyV99TtnXiLlH7wwic5bpX359IZUBU7Z/+aMaErlLtXGMYzp+YBZ3f12m/l1MUiWFEKKXuDOoTUy9jmgrW0YsJZIPnVPmpA4BI9Z2sayS8q8Q8y6rzGPzz/SreWeQVe7L+kTmKTN+lcyb2BxtH/nLDtqgVIZeO3chhOgKR8pdCCEGiRZUu8LAd2lBVSRYXHeLhmBmFzEXYyhNwzrlznOP1MfCLglTSy+YthnWqRCCaRzWqfG5VvEkJj2sQwghBoYDx3S2TEcY+G4pd5EgohZTynRKTAFWUv6RI21z6Y0z49Y8krfsIWl1lX92/kif1aRSJvpHylexoKrz3IUQYmA42qHaHeb47nG+nXh8ElHDFpOuMwp4+Zb6fMw9ehmfP5jruPJeVP6z9fmxYgY0PSQtKoLbVP4l7zxm2mRUfvvKXU9iEkKIweFuUu6dYWC7pNxFiqnKSkjQiLL3yDG2SeVftPVUBkWFmH9M2UZj/aGtM3Mt3oXUUv51MmBKjB+LyVeKqWeUefaOqgUmC6o6fkAIIQbGsJ6h2m/nbs6GYu4iRyam7smYfORxbdE49/HCqDLPKP8ZG1Lx+5j0jY1bRflHbMkelVBX+efUdmTSnC2VDlFrgcmC6upj7mb2WuAXgecC57r7oaDuSuANwAj4aXe/uSg/H3gnsAm8z92vzs3Tb+cuhBAd0tEO1c8CPwi8Nyw0s3OAS4DvAJ4F3Gpmzymq3w28HDgC3G5mB9z97mWTyLkLIQR0tkPV3e8BMFuY62LgBnd/FPhLMzsMnFvUHXb3e4t+NxRtd65zN4NdJ4zWbYboK5Gwy0yEZTuUkApVLPbPjV8vrBMs5KZCCUXbxmGdzIJpasNVrbBOZsG0TlgnLM8tTq8gE3LdD8g+HbgteH+kKAP40lz5i3KD9dq5CyFEV7jDsXFp536KmR0K3u8vHhEKgJndCpwa6XeVu9+UGDOmMhyif3Gyf9t67dzNnN27pNxFHI8oa4+kEkY3Ls2Xz405U19F+SfGjy/+hf0icjSn/KMLroHaJ9K2rvKPTB9PpWyu/HNHNSydvwGTsExp536/u+9NjuX+shomHAHODN6fAdxXXKfKkwwn70cIIRoyKs6Xyb1WxAHgEjM70czOBvYAnwJuB/aY2dlmdgKTRdcDucF6r9xP3L21bjNET5kufkXVdnA9TqnJJX2gvPJPzR87MiClVmMx9bjyj6j9uX6x+Wsp/4xyjqeFHi+qc0jb7Ljxz5c9sK0mHaZCvhr4VeAZwEfN7A53f6W732VmH2ayULoFXO7uo6LPFcDNTFIhr3X3u3LztPWA7GuBVwFfdffnReqNSY7mhcDDwGXu/uk25hZCiHbo5vgBd78RuDFR93bg7ZHyg8DBKvO0pdzfz+QB2Ncn6i9gcouxh8kq73sosdq7YXDiLil3ESenzGPPwwzVaFPlf1y5x9XebMh5uTKPrR/EDx6LTtWe8k8d1TDfbq5taeVfO9tm8XIVB4fpGapzuPsnzOysJU0uBq73ya/lNjM72cxOc/evtDG/EEI0ZZIto7NlqnI6i3mapwMLzt3M9gH7AE585kk8YdexTgwUO49tZc2iGo+1m68vq/zT/dM2pfrl7hKian++Ito/1me58s8e1TAzWaS0ivKP1EePZ07YEsvyaT/mPqzH7HWVLZPK31wsdN/v7nvdfe/uk5+4YrOEEOI4Y6zUayfQlXJflr+ZZMOcJ0q5iwTT/8lSamscUeZR5Z5Q/nFlvzhXmZh/0/h9W8o/tZs33qeh8p8Z32YbLhgbXk8/a6ptZDdvC3SVLdMVXSn3A8CP2YQXAw8q3i6E6Btj3yj12gm0lQr5QeA8JltyjwBvAXYDuPs1TFJ4LgQOM0mFfH0b8wohRFu4G1s7xHGXoa1smddl6h24vOq4mygsI/Kkwiq5sEwsrJO6jpWVDeuE5VUWZ5uGdWJtk2mbDcM62aMa5sZJjR+Wx8M6wcCrSIUcUFim1ztUhRCiK4YWc++1c9+wMU/e/ci6zRA9ZRr7jKnxsDyMkVZR7tE+NZV/VLlHsi6aKv+Y2k99rqbKP3tUw8xksf6L80/eLC4e5w58aws5dyGEGBhDy3PvtXPfMOfJm4+t2wzRU0ZR5Ryo9KJ+lKqPqfQWlX/2jiA6Vz3lH6ufmasl5Z9U20v6hP1yyn+mPDvXQlFjdkoOexl67dyFEKIr3GGr/MM6ek+vnfumjXnSrkfXbYboKdtqN9iuMYoox1B5x87ibqr809k6i44ivz6QyfzJZAalP1d15Z/b0BXSVPnn2s7OtfwupQkKywghxMBQzL1DNnBO2lS2jIgzmmbLBGpxFFHWo8RG7KbKPxqTT8RsR7G22fh9+buE6Jg1lH/ubqBN5V/neOaw3yqU+yozcbqm185dCCG6RAuqHbFpY54s5S4STJXtrJpeVOmp+jrKf1ZtR+ZKKueYrYv1s7ZUj9/XVf4x5R6bq67yL3s880zbmjH5urgr5i6EEAPEGClbRgghhodi7h2xwZiTNhSWEXGOpyrG1dY0nBLeas+GWJaHdY5vkloM5cTsmK+PzZsK64yiYY1ciKl6WCeXijnzuRqGdXJho9m5lo8VW8htO4Sis2WEEGKI+Gp2va6LXjv3TXNO2vzbdZshekpc2UbUMHHlHVP+scXTdCplOeU/0zaRNhm9I2hR+ceOaoh9lqbKv87xDqnrKhu+2kLZMkIIMTBcC6rdscmYkzceXrcZoqdsK++kMp+q5VzMPb6JaX6cxfHLKf+wPH8UQjPln15fyH2u6so/d1RD7HOVifmXv0tYxSam1odcG7127kII0SXKlpnDzM4H3glsAu9z96vn6i8D3gF8uSh6l7u/Lzfupo15irJlRIJRRDmPbVFtJtUui2o4pKnyjyn+9PEEi2NVUf6lN3Q1VP65oxpC6ij/cNwq8fs2cJdzn8HMNoF3Ay8HjgC3m9kBd797rumH3P2KpvMJIcSqUCrkLOcCh939XgAzuwG4GJh37pXZxDlpQw/rEHFianAUUeap+u2ySJw+bFtF+aeU7XyfiV2Lsfoqyj8V6z8+fnvKv+ydRxvKP2ZL7HPF7kyaMqSYexvfzunAl4L3R4qyeX7IzO40s4+Y2Zmpwcxsn5kdMrNDR4+OWzBPCCHyOMZ4vFHqtRNoQ7nH/rzO//3778AH3f1RM3sjcB3wD2KDuft+YD/A879rt5+0IQcv4oymD4gIfoGzyrMos4TabKj8t9VqJM6/aGtEeUeVeVzZxpV35uCyGso/t5t3Zq6Gyj+3mzcklt+fysxpwoCEeyvK/QgQKvEzgPvCBu7+gLtPH6n068B3tzCvEEK0R7GgWua1E2jDud8O7DGzs83sBOAS4EDYwMxOC95eBNzTwrxCCNEuXvK1A2gclnH3LTO7AriZSSrkte5+l5m9FTjk7geAnzazi4At4ChwWZmxNzFOMqXiizgjm/xfNg7+bxsFK2LHwzVB/Uzb+Xb5sE7s4K5kKCZ6lEEiLGGLYY3ohqmEHmsa1okd1RAfv1lYJ5eqGbZJHdiWOzCuCTtFlZehFc/p7geBg3Nlbw6urwSubGMuIYRYBQ6Mx3LunbDBBk/eOHHdZoieMvLJYnuo3EMRPWZctAvUfKjcSyr/EeOgPjDApmMGNkWU/2SuReUeW6jNHRnQpvJPpXAer2+m/Kuo7dyBbbmjmFvBASl3IYQYHkPKc++1czcm6l2IGBs2jQOHyjrU0cVvx4Ky3P+8gXDbnI4S9Nmcic97ZMzwLiJoHPMaQfVG0W/TwzuLSPx65s4h9rk2EvUbRe1ou2gzqI8exRCkeDL9XkNhO2PLxmw7YCMYf6roNwjvosLvZ/lYs/NG/l3bYkDOXZ5TCCEAKJcG2XTR1czeYWafKzZ13mhmJwd1V5rZYTP7vJm9Mig/vyg7bGZvKjOPnLsQQkzpJhXyFuB57v584P9QJJuY2TlMUsm/Azgf+DUz2wzO77oAOAd4XdF2Kb0OywghRGc4eAfZMu7+seDtbcBriuuLgRuKDZ9/aWaHmZzdBTXO75JyF0KIbazkqzV+HPjd4jp1TlfZ87tmkHIXQogp5UMup5jZoeD9/uJcLADM7Fbg1Ei/q9z9pqLNVUw2dn5g2i1hUUyEZy2VcxdCiCnlnfv97r43OYz7y5Z1NrNLgVcBL3XfTpFadk7X0vO7YigsI4QQcHwTU5lXA4on1/0ccJG7hw+JPgBcYmYnmtnZwB7gU5Q4vyuGlLsQQhR0tInpXcCJwC022ctwm7u/sTiT68NMFkq3gMvdfQQQO78rN4mcuxBCTOkmW+bvLKl7O/D2SPnC+V055NyFEKLABrRDVc5dCCFgR53VXgY5dyGEAKD5YmmfkHMXQogpUu5CCDFAVnDQ5LqQcxdCCBjcwzpa2cSUO46ySMr/UFH/STM7q415hRCiTczLvXYCjZ17yeMo3wB8rcjv/GXgl5rOK4QQrdPNkb+d0IZyP5fiOEp3fwyYHkcZcjFwXXH9EeClZjac+x8hhOgZbTj3MsdRbrdx9y3gQeDpscHMbJ+ZHTKzQ//3gVGsiRBCrASFZWZJHVNZtc2k0H2/u+91973PePpmrIkQQrSPMzl+oMxrB9CGc192TOVCGzPbBTwVONrC3EII0R6Kuc9Q5jjKA8ClxfVrgN8PzjAWQoheMKSwTOM8d3ffih1HaWZvBQ65+wHgN4DfLJ4JeJTJHwAhhOgXO8Rxl6GVTUyx4yjd/c3B9SPAa9uYSwghVoacuxBCDIudFHIpg5y7EEJM2SGZMGWQcxdCiAIpdyGEGCJy7kIIMTAUcxdCiIEi5y6EEMPDBvSwjlbOcxdCCNEvpNyFEGKKwjJCCDEwtKAqhBADRc5dCCEGiJx7NzgwZkDL16JVRj75bYwT/0dOfzuj4HTpsO2ouJ4pm2k7225SH5snsCl4Ls3YF8tn6y1SvxGtj40/8qBt0S9dvzh+rP/MXDP2bRQ2bSyUhW3HyfFtoWz2cy1+7tmycF5bKGsDY1jZMr127kII0RmKuXfHmDHfGD+6bjNETymrvGN9Jm0X28WU94xCjSjvUfQpkik12p7ynpmraDuOqOmwXxXlHR8/bt/x8RfnDOed/f5SKn5RmVe5C2iEnLsQQgwQOfduGOE85FvrNkP0lPLKO1TWi3HuWOx7ch1To4vKdZxQ9rO2RpRvJD5dV3nH+sTi302V98xcERWeUua5+VPzxuq373IiaxJNUVhGCCGGiJz7BDP7ZuBDwFnAF4AfdvevRdqNgM8Ub7/o7heVGX/sxkNjnZAg4jRV3ttliayRUSS2G1Peyf7RbJdUBsiiGq2jvENiajiWdRKWV1HeM5/Lc8o/lk0TzxyK2RL7XG1ny+DDypZp+u28Cfg9d98D/F7xPsbfuvvfLV6lHLsQQnSOl3ztAJo694uB64rr64B/1HA8IYRYG9PnqOZeO4GmMfdvcfevALj7V8zsmYl2TzCzQ8AWcLW7/05qQDPbB+wDOPX0TR4an9DQRDFU4mGTZmGVkNjCXTy9LxFqyIRVZj5LZKw2wyrz88zb0mZYJTZ/LIQ2TtqyGHaJjp/4LhuxQxx3GbLO3cxuBU6NVF1VYZ5nu/t9ZvZtwO+b2Wfc/S9iDd19P7Af4LnPP3FAX7UQotfsoJBLGbLO3d1flqozs782s9MK1X4a8NXEGPcV/73XzD4OvACIOveQkW/w9fETcs3E45SyW+rrKu/5cRbHX7wzqKu8522ar9+2taHyTn+u5cq6rPJOpSeOI/aNiSv/sm1jn6kJxs4JuZShacz9AHBpcX0pcNN8AzN7mpmdWFyfAnw/cHfDeYUQonW6iLmb2dvM7E4zu8PMPmZmzyrKzcx+xcwOF/UvDPpcamZ/XrwuTY9+nKYx96uBD5vZG4AvAq8tDNkLvNHdfwJ4LvBeMxsz+WNytbuXcu4jNvib8RMbmiiGSnxjzfIt9XWUd2rLfzZ9sIbynh1/eVpnU+Ud+yyx2PdMfVZNl4+TjxMx+5gy70K5A12FZd7h7v8WwMx+Gngz8EbgAmBP8XoR8B7gRUXK+VuAvYWFf2JmB2Jp5yGNnLu7PwC8NFJ+CPiJ4vqPge9sMo8QQnRCB87d3b8evH1SMOvFwPXu7sBtZnZyEe4+D7jF3Y8CmNktwPnAB5fN0+sdqiM3Hhp907rNED2l7DGydQ+zyh1gNW/HfH2bynveplTbpsp75nNFPktOeSfVePbOYflYXmGs2lQLuZxSZABO2V8kg5TCzN4O/BjwIPCSovh04EtBsyNFWap8Kb127kII0Snlnfv97r43Vbksy9Ddb3L3q4CrzOxK4AomYZfYXytfUr6UXjv3MRs8pGwZkaB0bnfDw6xSWSe5B1zkttTXUd4hOWXcVHnH5qqr3D3TP8Rzyr249hWEUNo6fmBZluEcvwV8lIlzPwKcGdSdAdxXlJ83V/7x3MA6uEUIIQo6ypbZE7y9CPhccX0A+LEia+bFwIPFJtGbgVcUmYdPA15RlC2l18pdCCE6o7tNTFeb2bcDY+CvmGTKABwELgQOAw8Drwdw96Nm9jbg9qLdW6eLq8votXMf+QbfGCksI+LUCauElN1Sn05vjKT/JY8XWJ4q2DSsEh0z9llqhlWmxBY2w7ax8ElYPlsW2B353tJjLda3RjfZMj+UKHfg8kTdtcC1VebptXMXQoiuGNoO1V479zHGQ1LuIkFT5T3fbr5tbEt9tUXKcougs7Y2U97pzxVR1g2Vd8hUTYdj5hZBPTJ+qu3sXIu2toWNh+Pde+3chRCiMx5vB4etk5Fv8P+2Tly3GaKn1DnMqs72+Gpx8grKuoZyr6K8Z+bKKvPFMaso72V9wn4ptR761O3y7FwLRY1RWEYIIYaInHs3jN34xkgP6xBxmh5mlVPe0T4NlXtKecf6xJVzM+UdElPhTZV3Mg4e7b84/+RNJOaeUfFtIeUuhBBDRM69G8a+wTeOKVtGLKfNw6yqqPjclvo6yjv1uXJ54nWUd8h2/0hZWJFV3pnPlFTg0bHCjpG2bTtib+/4gT7Qa+cuhBBdYSgs0xkjjIe3dq/bDNFTyh4jW/cwq9wBVvE+i/alx2KhPp/tsthnpj/x+pzyjveJtM0o75Qajx5smIip52Lu0/qVOOJVpOCsiV47dyGE6BIpdyGEGBraxHQcM3st8ItMnpN6bvF4vVi784F3ApvA+9z96jLjj11hGZGm7BnhTQ+zqrIIWmVLfZ2wSnquWJ+GYZWZyaYXCZu2x098P5H6pEr2aX1urkT/BgxpQbXpee6fBX4Q+ESqgZltAu9m8vDXc4DXmdk5DecVQojWsXG5106g6QOy7wEwW7qp4FzgsLvfW7S9gcmDYO/Oj288IuUuErR1jGxOTdddBK2ypb6O8p6ZK7dlv6nyjvaJqPCgPqq8M4ukIZZqG6tvA2dQC6pdPImp0sNdzWyfmR0ys0PHHnx45cYJIcSULp7E1BVZ5Z570GuJOWKyJvn1FE8Q3w/wxD2n+aNbWvMVcZoq72V9IBCbmc02uW30s3OFbyL9mirvmckyyr+O8p4ZP3KdiqnnlHeFuWK2tsYOcdxlyHrOCg96TZF66KsQQvQGbWKqzu3AHjM7G/gycAnwI2U6uhuPHpNyF3FqHWaVOYCq0pb6zMadXLZLdkt9Q+U9M1NsS3+byjtiU2z85JhRZb78+2s/5u6DelhHo5i7mb3azI4A3wt81MxuLsqfZWYHAdx9C7iCydO67wE+7O53NTNbCCFWgJd87QCaZsvcCNwYKb+PyVO8p+8PMnmyd8XxjWNbm01MFEMmqtyD6jrKOzN+dEt9iQyQXLZLdEt9LP5dV3nH+gRk1XIF5R2dP2J/+rMuH3+VoROFZYQQYmg4MKCwTK+duztsPSblLjJk4txtKO/j40falohTl1beM5NViakv9skqbxbr08q6nPLOxelLKfCSdwmrOThsBWOuiV47dyGE6BKFZYQQYoAMKVum387djfGxLjbRip1JyTPC6x5mFauPzVUirFMrrJKZK25rqj4TVpkfp+r4ZftXaNt5WGYHZcKUod/OXQghOmKyiWk43r3fzt3Bt6TcRYIa6X91DrPKKtCA7Jb6pso7JJM+WEt5Vxi/6fwh1b6LSFlb7JATH8vQb+cuhBAdIuXeFW6YYu4iRYWY95Rah1lVUKtR+0jE1FelfMvaWmX+SJ+VKPvEXLG1DsXcl9Nv5y6EEJ0xrLNl+u3cHezY0geBiMczdZR3pH+lrIyI8i4Tk6+1pb6CMo6O01BZt2mfxcoy33tIZzF3hWWEEGJg+M55hF4Z+u3cHWxLyl0kaEl5h7Sab10jft2q8o7MVXv8ZX0i85QZv5ItkTmk3JfTb+cuhBBdMhzfLucuhBBTbDycuEyvnbs5bBxbtxWitzQ9qbDs7X2F9MRWQw0thm2220XmLNMyb6D6AAALAElEQVS/Tipj/e/KK8/VCo42MQkhxNAwXJuYOsNh4zEtqIoMdVL2wvIO1GjZtMlsf+L1q0hlrHckQMI5lr3zqNJ2FY64Q+duZj8LvAN4hrvfb2YGvJPJU+weBi5z908XbS8FfqHo+u/c/brc+E2fofpaM7vLzMZmtndJuy+Y2WfM7A4zO9RkTiGEWBnu5V4NMbMzgZcDXwyKLwD2FK99wHuKtt8MvAV4EXAu8BYze1pujqbK/bPADwLvLdH2Je5+f6XRHTa26pglHhd0pEarbExqVXlH2laJuTc/stcXyhvPT6reF8vDscJYeMyWNug25v7LwL8BbgrKLgaud3cHbjOzk83sNOA84BZ3PwpgZrcA5wMfXDZB0wdk31NM1mQYIYToBRWyZU6Zi0Lsd/f9peYwuwj4srv/2ZzvPB34UvD+SFGWKl9KVzF3Bz5mZg68t/SX4MqWEUuooawbq91ldqT6B9e1le+SMdP9ayjvxFz578qXjz9eLAupNNbKYu6VQi73u/uyUPStwKmRqquAnwdeEesWNypZvpSsc19mpLvfFCmP8f3ufp+ZPRO4xcw+5+6fSMy3j0m8iV1PyYaVhBCiHZzW/mC4+8ti5Wb2ncDZwFS1nwF82szOZaLIzwyanwHcV5SfN1f+8ZwNWeeeMrIK7n5f8d+vmtmNTBYFos69UPX7Ab7p1DPdpNxFgtaOkW0Yk690/ECbyjsyV/2YeEQtx8aPxL5nx4/EzpP2xSfL2jo9ubFt4Q4rj7m7+2eAZ07fm9kXgL1FtswB4Aozu4HJ4umD7v4VM7sZ+PfBIuorgCtzc608LGNmTwI23P2h4voVwFtXPa8QQlRlzXnuB5mkQR5mkgr5egB3P2pmbwNuL9q9dbq4uoxGzt3MXg38KvAM4KNmdoe7v9LMngW8z90vBL4FuLG4BdkF/Ja7/89SEyjmLpZQR3nP9K+jzKvUz8y1qDbr5XYn+m/3ySjnhso7pFacPDwvPXMXkZ5rWrYCR9yxc3f3s4JrBy5PtLsWuLbK2E2zZW4EboyU38fkLxDufi/wXU3mEUKIleMOo+GcP9DvHapCCNElOn6gGwxtYhJpGodVImXZ2/9Ki5RLbE6O1TCsEpLbGNQ0rDIzV3rM9PzBm3GkPLm4m1n8bYKcuxBCDAwn/cdrB9Jv5+6wqQVVkaK0ci+vvEPq3RlUUN5E6isp38W2le4cIoubbSjvaH32ziQoHy+WxT9L247YwRVzF0KIYeFoQbUrJscPDOc2SbRM0/TBjFpd1gfiW+prK+9lfVK21lHeM3OFthRvYrHvsG1GeafvTBbj6LPjL94FJOsjtraGYu5CCDFA5Nw7Ygybj63bCNFbstkomQyQksq72pb/Zso7pFo2S3XlHZ0rFvsOy3PKOzX/fLv562i2TNfK3eXchRBicDigB2R3g2LuYhmlj5GteZhV6Th5hS31tZV3pE/c1obKO6SKmi4bJ08p49xc4wpjNUHKXQghhoYrW6YzHDYfG85fUtEyTbNdptc55V3pMK1cHDlua2nlHRJT4XXj2DHlPTNXQ+U+zvSPzTXz7zJeXt8GDq48dyGEGCDaoSqEEANEMfduMHctqIokdcIq0f6pRcZoqCEYILpImpgrs6W+cVhlWZ+wbd2wyna7CgumsbBKbpE0JGlrZKw2cFe2jBBCDBIp945w2HhsOH9JRbs0Vt7bZakF00KZpxY2txd0l6vhWZszyreh8s7O1abyDsktmG7PH1kYTcybXNyMzdUKjo9GLY+5Pvrt3IUQoiscLah2hTlsSrmLFNlUxXLKO6TSlvqycfL5NlFbSs5VRXmHbKvdhHJuqryXjUmgwlP2R8b13FyrcMQDSoXcaNLZzN5hZp8zszvN7EYzOznR7nwz+7yZHTazNzWZUwghVoEDPvZSr51AU+V+C3Clu2+Z2S8BVwI/FzYws03g3cDLgSPA7WZ2wN3vzo4+dsXcRZqyW+prKu+lfUr0r6S8l40f9muqvENiyrip8k7cOXisPrFJySOf1RNtW8Vdyn2Ku3/M3adPOb0NOCPS7FzgsLvf6+6PATcAFzeZVwghVoGPRqVeO4E2Y+4/DnwoUn468KXg/RHgRalBzGwfsK94++itf/QLn23NwvY4Bbh/3UZEkF3V6attsqsa3950gIf42s23+kdOKdm8j9/BDFnnbma3AqdGqq5y95uKNlcBW8AHYkNEypJBK3ffD+wvxj3k7ntzNnaN7KpGX+2C/tomu6phZoeajuHu57dhS1/IOnd3f9myejO7FHgV8FL3aMDtCHBm8P4M4L4qRgohhKhG02yZ85ksoF7k7g8nmt0O7DGzs83sBOAS4ECTeYUQQiynkXMH3gWcBNxiZneY2TUAZvYsMzsIUCy4XgHcDNwDfNjd7yo5/v6G9q0K2VWNvtoF/bVNdlWjr3atDYtHUoQQQuxkmip3IYQQPUTOXQghBsjanXvuaAIzO9HMPlTUf9LMzuqRbf/KzO4ujl/4PTP71j7YFbR7jZm5mXWSulbGLjP74eI7u8vMfqsPdpnZs83sD8zsT4t/yws7sutaM/uqmUX3ctiEXynsvtPMXtgTu/5xYc+dZvbHZvZdXdhVxrag3feY2cjMXtOVbb3D3df2AjaBvwC+DTgB+DPgnLk2/wy4pri+BPhQj2x7CfDE4vonu7CtjF1Fu5OATzDZOby3D3YBe4A/BZ5WvH9mT+zaD/xkcX0O8IWOfmN/H3gh8NlE/YXA7zLZK/Ji4JM9sev7gn/DC7qyq4xtwb/57wMHgdd0ZVvfXutW7mWOJrgYuK64/gjwUjOLbYzq3DZ3/wM/ngKaOn6hc7sK3gb8B+CRDmwqa9c/Bd7t7l8DcPev9sQuB55SXD+VjvZhuPsngKNLmlwMXO8TbgNONrPT1m2Xu//x9N+Q7n7307lz3xnATwG/DXTx++ot63busaMJTk+18Ula5YPA03tiW8gbmKisVZO1y8xeAJzp7v+jA3tK2wU8B3iOmf2Rmd1W7JPog12/CPyomR1hovZ+qgO7ylD1N7gOuvrdl8LMTgdeDVyzblvWzbrPcy9zNEGl4wtapPS8ZvajwF7gB1ZqUTFdpGzbLjPbAH4ZuKwDW0LKfF+7mIRmzmOi9v7QzJ7n7n+zZrteB7zf3f+jmX0v8JuFXes+InBdv/1SmNlLmDj3v7duWwL+M/Bz7j7q5ga/v6zbuZc5mmDa5oiZ7WJy25y7LevKNszsZcBVwA+4+6M9sOsk4HnAx4sf96nAATO7yN0bn7/RwK5pm9vc/Rjwl2b2eSbO/vY12/UG4HwAd//fZvYEJgdkrfu2vrdHd5jZ84H3ARe4+wPrtidgL3BD8ds/BbjQzLbc/XfWa9YaWGfAn8kfl3uBszm+2PUdc20uZ3ZB9cM9su0FTBbr9vTpO5tr/3G6WVAt832dD1xXXJ/CJOTw9B7Y9bvAZcX1c5k4UOvo3/Ms0guX/5DZBdVPdfg7W2bXs4HDwPd1ZU9Z2+bavZ/H8YLqWpW7Tx7yMT2aYBO41t3vMrO3Aofc/QDwG0xukw8zUeyX9Mi2dwBPBv5roRS+6O4X9cCuzilp183AK8zsbmAE/GtfseoradfPAL9uZv+SSdjjMi+8wyoxsw8yCVGdUsT73wLsLuy+hkn8/0ImjvRh4PWrtqmkXW9msu71a8Xvfss7OimyhG2iQMcPCCHEAFl3towQQogVIOcuhBADRM5dCCEGiJy7EEIMEDl3IYQYIHLuQggxQOTchRBigPx/A/V5GZOtEF8AAAAASUVORK5CYII="/>
+          <p:cNvSpPr>
+            <a:spLocks noChangeAspect="1" noChangeArrowheads="1"/>
+          </p:cNvSpPr>
+          <p:nvPr/>
+        </p:nvSpPr>
+        <p:spPr bwMode="auto">
+          <a:xfrm>
+            <a:off x="155575" y="-144463"/>
+            <a:ext cx="304800" cy="304801"/>
+          </a:xfrm>
+          <a:prstGeom prst="rect">
+            <a:avLst/>
+          </a:prstGeom>
+          <a:noFill/>
+          <a:extLst>
+            <a:ext uri="{909E8E84-426E-40DD-AFC4-6F175D3DCCD1}">
+              <a14:hiddenFill xmlns:a14="http://schemas.microsoft.com/office/drawing/2010/main">
+                <a:solidFill>
+                  <a:srgbClr val="FFFFFF"/>
+                </a:solidFill>
+              </a14:hiddenFill>
+            </a:ext>
+          </a:extLst>
+        </p:spPr>
+        <p:txBody>
+          <a:bodyPr vert="horz" wrap="square" lIns="91440" tIns="45720" rIns="91440" bIns="45720" numCol="1" anchor="t" anchorCtr="0" compatLnSpc="1">
+            <a:prstTxWarp prst="textNoShape">
+              <a:avLst/>
+            </a:prstTxWarp>
+          </a:bodyPr>
+          <a:lstStyle/>
+          <a:p>
+            <a:endParaRPr lang="fr-FR"/>
+          </a:p>
+        </p:txBody>
+      </p:sp>
+      <p:sp>
+        <p:nvSpPr>
+          <p:cNvPr id="9" name="Rectangle à coins arrondis 8"/>
+          <p:cNvSpPr/>
+          <p:nvPr/>
+        </p:nvSpPr>
+        <p:spPr>
+          <a:xfrm>
+            <a:off x="1994213" y="4777536"/>
+            <a:ext cx="561563" cy="523672"/>
+          </a:xfrm>
+          <a:prstGeom prst="roundRect">
+            <a:avLst>
+              <a:gd name="adj" fmla="val 0"/>
+            </a:avLst>
+          </a:prstGeom>
+          <a:noFill/>
+          <a:ln>
+            <a:prstDash val="dash"/>
+          </a:ln>
+        </p:spPr>
+        <p:style>
+          <a:lnRef idx="2">
+            <a:schemeClr val="accent1">
+              <a:shade val="50000"/>
+            </a:schemeClr>
+          </a:lnRef>
+          <a:fillRef idx="1">
+            <a:schemeClr val="accent1"/>
+          </a:fillRef>
+          <a:effectRef idx="0">
+            <a:schemeClr val="accent1"/>
+          </a:effectRef>
+          <a:fontRef idx="minor">
+            <a:schemeClr val="lt1"/>
+          </a:fontRef>
+        </p:style>
+        <p:txBody>
+          <a:bodyPr rtlCol="0" anchor="ctr"/>
+          <a:lstStyle/>
+          <a:p>
+            <a:pPr algn="ctr"/>
+            <a:endParaRPr lang="fr-FR"/>
+          </a:p>
+        </p:txBody>
+      </p:sp>
+      <p:sp>
+        <p:nvSpPr>
+          <p:cNvPr id="8" name="Rectangle 7"/>
+          <p:cNvSpPr/>
+          <p:nvPr/>
+        </p:nvSpPr>
+        <p:spPr>
+          <a:xfrm>
+            <a:off x="1691680" y="4941168"/>
+            <a:ext cx="302533" cy="160404"/>
+          </a:xfrm>
+          <a:prstGeom prst="rect">
+            <a:avLst/>
+          </a:prstGeom>
+          <a:solidFill>
+            <a:schemeClr val="accent2"/>
+          </a:solidFill>
+          <a:ln>
+            <a:noFill/>
+          </a:ln>
+        </p:spPr>
+        <p:style>
+          <a:lnRef idx="2">
+            <a:schemeClr val="accent1">
+              <a:shade val="50000"/>
+            </a:schemeClr>
+          </a:lnRef>
+          <a:fillRef idx="1">
+            <a:schemeClr val="accent1"/>
+          </a:fillRef>
+          <a:effectRef idx="0">
+            <a:schemeClr val="accent1"/>
+          </a:effectRef>
+          <a:fontRef idx="minor">
+            <a:schemeClr val="lt1"/>
+          </a:fontRef>
+        </p:style>
+        <p:txBody>
+          <a:bodyPr rtlCol="0" anchor="ctr"/>
+          <a:lstStyle/>
+          <a:p>
+            <a:pPr algn="ctr"/>
+            <a:endParaRPr lang="fr-FR"/>
+          </a:p>
+        </p:txBody>
+      </p:sp>
+    </p:spTree>
+    <p:extLst>
+      <p:ext uri="{BB962C8B-B14F-4D97-AF65-F5344CB8AC3E}">
+        <p14:creationId xmlns:p14="http://schemas.microsoft.com/office/powerpoint/2010/main" val="1439198707"/>
+      </p:ext>
+    </p:extLst>
+  </p:cSld>
+  <p:clrMapOvr>
+    <a:masterClrMapping/>
+  </p:clrMapOvr>
+</p:sld>
+</file>
+
+<file path=ppt/slides/slide18.xml><?xml version="1.0" encoding="utf-8"?>
 <p:sld xmlns:a="http://schemas.openxmlformats.org/drawingml/2006/main" xmlns:r="http://schemas.openxmlformats.org/officeDocument/2006/relationships" xmlns:p="http://schemas.openxmlformats.org/presentationml/2006/main">
   <p:cSld>
     <p:spTree>
@@ -3925,19 +7842,14 @@
             <p:ph type="title"/>
           </p:nvPr>
         </p:nvSpPr>
-        <p:spPr>
-          <a:xfrm>
-            <a:off x="457200" y="274638"/>
-            <a:ext cx="4546848" cy="1143000"/>
-          </a:xfrm>
-        </p:spPr>
+        <p:spPr/>
         <p:txBody>
           <a:bodyPr/>
           <a:lstStyle/>
           <a:p>
             <a:r>
-              <a:rPr lang="fr-FR" dirty="0" err="1" smtClean="0"/>
-              <a:t>Parameters</a:t>
+              <a:rPr lang="fr-FR" dirty="0" smtClean="0"/>
+              <a:t>Port</a:t>
             </a:r>
             <a:endParaRPr lang="fr-FR" dirty="0"/>
           </a:p>
@@ -3945,7 +7857,7 @@
       </p:sp>
       <p:pic>
         <p:nvPicPr>
-          <p:cNvPr id="3074" name="Picture 2"/>
+          <p:cNvPr id="3" name="Picture 4"/>
           <p:cNvPicPr>
             <a:picLocks noChangeAspect="1" noChangeArrowheads="1"/>
           </p:cNvPicPr>
@@ -3959,13 +7871,13 @@
               </a:ext>
             </a:extLst>
           </a:blip>
-          <a:srcRect l="18356" r="19315" b="21951"/>
+          <a:srcRect l="20873" r="21510"/>
           <a:stretch/>
         </p:blipFill>
         <p:spPr bwMode="auto">
           <a:xfrm>
-            <a:off x="4629720" y="116632"/>
-            <a:ext cx="4622800" cy="3632835"/>
+            <a:off x="899592" y="2204864"/>
+            <a:ext cx="3848986" cy="3575050"/>
           </a:xfrm>
           <a:prstGeom prst="rect">
             <a:avLst/>
@@ -3995,64 +7907,6 @@
           </a:extLst>
         </p:spPr>
       </p:pic>
-      <p:sp>
-        <p:nvSpPr>
-          <p:cNvPr id="3" name="ZoneTexte 2"/>
-          <p:cNvSpPr txBox="1"/>
-          <p:nvPr/>
-        </p:nvSpPr>
-        <p:spPr>
-          <a:xfrm>
-            <a:off x="813296" y="1844824"/>
-            <a:ext cx="3291991" cy="369332"/>
-          </a:xfrm>
-          <a:prstGeom prst="rect">
-            <a:avLst/>
-          </a:prstGeom>
-          <a:noFill/>
-        </p:spPr>
-        <p:txBody>
-          <a:bodyPr wrap="none" rtlCol="0">
-            <a:spAutoFit/>
-          </a:bodyPr>
-          <a:lstStyle/>
-          <a:p>
-            <a:r>
-              <a:rPr lang="fr-FR" dirty="0" err="1" smtClean="0"/>
-              <a:t>P_transferred</a:t>
-            </a:r>
-            <a:r>
-              <a:rPr lang="fr-FR" dirty="0" smtClean="0"/>
-              <a:t> : </a:t>
-            </a:r>
-            <a:r>
-              <a:rPr lang="fr-FR" dirty="0" err="1" smtClean="0"/>
-              <a:t>int</a:t>
-            </a:r>
-            <a:r>
-              <a:rPr lang="fr-FR" dirty="0" smtClean="0"/>
-              <a:t>(</a:t>
-            </a:r>
-            <a:r>
-              <a:rPr lang="fr-FR" dirty="0" err="1" smtClean="0"/>
-              <a:t>Re</a:t>
-            </a:r>
-            <a:r>
-              <a:rPr lang="fr-FR" dirty="0" smtClean="0"/>
-              <a:t>(</a:t>
-            </a:r>
-            <a:r>
-              <a:rPr lang="fr-FR" dirty="0" err="1" smtClean="0"/>
-              <a:t>Poynting</a:t>
-            </a:r>
-            <a:r>
-              <a:rPr lang="fr-FR" dirty="0" smtClean="0"/>
-              <a:t>))</a:t>
-            </a:r>
-            <a:endParaRPr lang="fr-FR" dirty="0"/>
-          </a:p>
-        </p:txBody>
-      </p:sp>
       <p:cxnSp>
         <p:nvCxnSpPr>
           <p:cNvPr id="5" name="Connecteur droit avec flèche 4"/>
@@ -4060,9 +7914,9 @@
           <p:nvPr/>
         </p:nvCxnSpPr>
         <p:spPr>
-          <a:xfrm>
-            <a:off x="3981648" y="2029490"/>
-            <a:ext cx="3384376" cy="319390"/>
+          <a:xfrm flipH="1" flipV="1">
+            <a:off x="2555776" y="5373216"/>
+            <a:ext cx="1800200" cy="1008112"/>
           </a:xfrm>
           <a:prstGeom prst="straightConnector1">
             <a:avLst/>
@@ -4086,111 +7940,43 @@
           </a:fontRef>
         </p:style>
       </p:cxnSp>
-      <p:pic>
-        <p:nvPicPr>
-          <p:cNvPr id="3075" name="Picture 3"/>
-          <p:cNvPicPr>
-            <a:picLocks noChangeAspect="1" noChangeArrowheads="1"/>
-          </p:cNvPicPr>
-          <p:nvPr/>
-        </p:nvPicPr>
-        <p:blipFill rotWithShape="1">
-          <a:blip r:embed="rId3">
-            <a:extLst>
-              <a:ext uri="{28A0092B-C50C-407E-A947-70E740481C1C}">
-                <a14:useLocalDpi xmlns:a14="http://schemas.microsoft.com/office/drawing/2010/main" val="0"/>
-              </a:ext>
-            </a:extLst>
-          </a:blip>
-          <a:srcRect l="16301" r="18057" b="17804"/>
-          <a:stretch/>
-        </p:blipFill>
-        <p:spPr bwMode="auto">
-          <a:xfrm>
-            <a:off x="323528" y="3749467"/>
-            <a:ext cx="3597424" cy="2827021"/>
+      <p:sp>
+        <p:nvSpPr>
+          <p:cNvPr id="6" name="ZoneTexte 5"/>
+          <p:cNvSpPr txBox="1"/>
+          <p:nvPr/>
+        </p:nvSpPr>
+        <p:spPr>
+          <a:xfrm>
+            <a:off x="4499992" y="6209088"/>
+            <a:ext cx="3384376" cy="369332"/>
           </a:xfrm>
           <a:prstGeom prst="rect">
             <a:avLst/>
           </a:prstGeom>
           <a:noFill/>
-          <a:ln>
-            <a:noFill/>
-          </a:ln>
-          <a:extLst>
-            <a:ext uri="{909E8E84-426E-40DD-AFC4-6F175D3DCCD1}">
-              <a14:hiddenFill xmlns:a14="http://schemas.microsoft.com/office/drawing/2010/main">
-                <a:solidFill>
-                  <a:schemeClr val="accent1"/>
-                </a:solidFill>
-              </a14:hiddenFill>
-            </a:ext>
-            <a:ext uri="{91240B29-F687-4F45-9708-019B960494DF}">
-              <a14:hiddenLine xmlns:a14="http://schemas.microsoft.com/office/drawing/2010/main" w="9525">
-                <a:solidFill>
-                  <a:schemeClr val="tx1"/>
-                </a:solidFill>
-                <a:miter lim="800000"/>
-                <a:headEnd/>
-                <a:tailEnd/>
-              </a14:hiddenLine>
-            </a:ext>
-          </a:extLst>
-        </p:spPr>
-      </p:pic>
-      <p:sp>
-        <p:nvSpPr>
-          <p:cNvPr id="8" name="ZoneTexte 7"/>
-          <p:cNvSpPr txBox="1"/>
-          <p:nvPr/>
-        </p:nvSpPr>
-        <p:spPr>
-          <a:xfrm>
-            <a:off x="3920952" y="4725144"/>
-            <a:ext cx="2955233" cy="369332"/>
-          </a:xfrm>
-          <a:prstGeom prst="rect">
-            <a:avLst/>
-          </a:prstGeom>
-          <a:noFill/>
-        </p:spPr>
-        <p:txBody>
-          <a:bodyPr wrap="none" rtlCol="0">
+        </p:spPr>
+        <p:txBody>
+          <a:bodyPr wrap="square" rtlCol="0">
             <a:spAutoFit/>
           </a:bodyPr>
           <a:lstStyle/>
           <a:p>
             <a:r>
               <a:rPr lang="fr-FR" dirty="0" err="1" smtClean="0"/>
-              <a:t>P_radiated</a:t>
+              <a:t>Capped</a:t>
             </a:r>
             <a:r>
               <a:rPr lang="fr-FR" dirty="0" smtClean="0"/>
-              <a:t> : </a:t>
+              <a:t> </a:t>
             </a:r>
             <a:r>
               <a:rPr lang="fr-FR" dirty="0" err="1" smtClean="0"/>
-              <a:t>int</a:t>
+              <a:t>wave</a:t>
             </a:r>
             <a:r>
               <a:rPr lang="fr-FR" dirty="0" smtClean="0"/>
-              <a:t>(</a:t>
-            </a:r>
-            <a:r>
-              <a:rPr lang="fr-FR" dirty="0" err="1" smtClean="0"/>
-              <a:t>Re</a:t>
-            </a:r>
-            <a:r>
-              <a:rPr lang="fr-FR" dirty="0" smtClean="0"/>
-              <a:t>(</a:t>
-            </a:r>
-            <a:r>
-              <a:rPr lang="fr-FR" dirty="0" err="1" smtClean="0"/>
-              <a:t>Poynting</a:t>
-            </a:r>
-            <a:r>
-              <a:rPr lang="fr-FR" dirty="0" smtClean="0"/>
-              <a:t>))</a:t>
+              <a:t> port</a:t>
             </a:r>
             <a:endParaRPr lang="fr-FR" dirty="0"/>
           </a:p>
@@ -4198,14 +7984,14 @@
       </p:sp>
       <p:cxnSp>
         <p:nvCxnSpPr>
-          <p:cNvPr id="7" name="Connecteur droit avec flèche 6"/>
+          <p:cNvPr id="8" name="Connecteur droit avec flèche 7"/>
           <p:cNvCxnSpPr/>
           <p:nvPr/>
         </p:nvCxnSpPr>
         <p:spPr>
-          <a:xfrm flipH="1" flipV="1">
-            <a:off x="2915816" y="4293096"/>
-            <a:ext cx="1189471" cy="504056"/>
+          <a:xfrm flipH="1">
+            <a:off x="2555776" y="1700808"/>
+            <a:ext cx="1800200" cy="864096"/>
           </a:xfrm>
           <a:prstGeom prst="straightConnector1">
             <a:avLst/>
@@ -4231,14 +8017,14 @@
       </p:cxnSp>
       <p:sp>
         <p:nvSpPr>
-          <p:cNvPr id="4" name="ZoneTexte 3"/>
+          <p:cNvPr id="9" name="ZoneTexte 8"/>
           <p:cNvSpPr txBox="1"/>
           <p:nvPr/>
         </p:nvSpPr>
         <p:spPr>
           <a:xfrm>
-            <a:off x="4105287" y="6309310"/>
-            <a:ext cx="4805483" cy="369332"/>
+            <a:off x="4499992" y="1484784"/>
+            <a:ext cx="3960440" cy="369332"/>
           </a:xfrm>
           <a:prstGeom prst="rect">
             <a:avLst/>
@@ -4246,22 +8032,89 @@
           <a:noFill/>
         </p:spPr>
         <p:txBody>
-          <a:bodyPr wrap="none" rtlCol="0">
+          <a:bodyPr wrap="square" rtlCol="0">
             <a:spAutoFit/>
           </a:bodyPr>
           <a:lstStyle/>
           <a:p>
             <a:r>
               <a:rPr lang="fr-FR" dirty="0" smtClean="0"/>
-              <a:t>Convergence criterium on Z: 1% real and </a:t>
-            </a:r>
+              <a:t>short</a:t>
+            </a:r>
+            <a:endParaRPr lang="fr-FR" dirty="0"/>
+          </a:p>
+        </p:txBody>
+      </p:sp>
+      <p:cxnSp>
+        <p:nvCxnSpPr>
+          <p:cNvPr id="11" name="Connecteur droit avec flèche 10"/>
+          <p:cNvCxnSpPr/>
+          <p:nvPr/>
+        </p:nvCxnSpPr>
+        <p:spPr>
+          <a:xfrm flipH="1" flipV="1">
+            <a:off x="2824085" y="2636912"/>
+            <a:ext cx="2467995" cy="1355477"/>
+          </a:xfrm>
+          <a:prstGeom prst="straightConnector1">
+            <a:avLst/>
+          </a:prstGeom>
+          <a:ln>
+            <a:tailEnd type="arrow"/>
+          </a:ln>
+        </p:spPr>
+        <p:style>
+          <a:lnRef idx="1">
+            <a:schemeClr val="accent1"/>
+          </a:lnRef>
+          <a:fillRef idx="0">
+            <a:schemeClr val="accent1"/>
+          </a:fillRef>
+          <a:effectRef idx="0">
+            <a:schemeClr val="accent1"/>
+          </a:effectRef>
+          <a:fontRef idx="minor">
+            <a:schemeClr val="tx1"/>
+          </a:fontRef>
+        </p:style>
+      </p:cxnSp>
+      <p:sp>
+        <p:nvSpPr>
+          <p:cNvPr id="12" name="ZoneTexte 11"/>
+          <p:cNvSpPr txBox="1"/>
+          <p:nvPr/>
+        </p:nvSpPr>
+        <p:spPr>
+          <a:xfrm>
+            <a:off x="5408963" y="3755351"/>
+            <a:ext cx="3384376" cy="369332"/>
+          </a:xfrm>
+          <a:prstGeom prst="rect">
+            <a:avLst/>
+          </a:prstGeom>
+          <a:noFill/>
+        </p:spPr>
+        <p:txBody>
+          <a:bodyPr wrap="square" rtlCol="0">
+            <a:spAutoFit/>
+          </a:bodyPr>
+          <a:lstStyle/>
+          <a:p>
             <a:r>
               <a:rPr lang="fr-FR" dirty="0" err="1" smtClean="0"/>
-              <a:t>im</a:t>
+              <a:t>Current</a:t>
             </a:r>
             <a:r>
               <a:rPr lang="fr-FR" dirty="0" smtClean="0"/>
-              <a:t> parts</a:t>
+              <a:t> </a:t>
+            </a:r>
+            <a:r>
+              <a:rPr lang="fr-FR" dirty="0" err="1" smtClean="0"/>
+              <a:t>evaluated</a:t>
+            </a:r>
+            <a:r>
+              <a:rPr lang="fr-FR" dirty="0" smtClean="0"/>
+              <a:t> @ short</a:t>
             </a:r>
             <a:endParaRPr lang="fr-FR" dirty="0"/>
           </a:p>
@@ -4270,7 +8123,7 @@
     </p:spTree>
     <p:extLst>
       <p:ext uri="{BB962C8B-B14F-4D97-AF65-F5344CB8AC3E}">
-        <p14:creationId xmlns:p14="http://schemas.microsoft.com/office/powerpoint/2010/main" val="3622771922"/>
+        <p14:creationId xmlns:p14="http://schemas.microsoft.com/office/powerpoint/2010/main" val="3642988303"/>
       </p:ext>
     </p:extLst>
   </p:cSld>
@@ -4314,135 +8167,19 @@
           <a:p>
             <a:r>
               <a:rPr lang="fr-FR" dirty="0" err="1" smtClean="0"/>
-              <a:t>Step</a:t>
+              <a:t>Boundary</a:t>
             </a:r>
             <a:r>
               <a:rPr lang="fr-FR" dirty="0" smtClean="0"/>
-              <a:t> 1 : size of the plasma box</a:t>
+              <a:t> conditions</a:t>
             </a:r>
             <a:endParaRPr lang="fr-FR" dirty="0"/>
-          </a:p>
-        </p:txBody>
-      </p:sp>
-      <p:sp>
-        <p:nvSpPr>
-          <p:cNvPr id="3" name="ZoneTexte 2"/>
-          <p:cNvSpPr txBox="1"/>
-          <p:nvPr/>
-        </p:nvSpPr>
-        <p:spPr>
-          <a:xfrm>
-            <a:off x="395536" y="1349295"/>
-            <a:ext cx="8496944" cy="646331"/>
-          </a:xfrm>
-          <a:prstGeom prst="rect">
-            <a:avLst/>
-          </a:prstGeom>
-          <a:noFill/>
-        </p:spPr>
-        <p:txBody>
-          <a:bodyPr wrap="square" rtlCol="0">
-            <a:spAutoFit/>
-          </a:bodyPr>
-          <a:lstStyle/>
-          <a:p>
-            <a:r>
-              <a:rPr lang="fr-FR" dirty="0" err="1" smtClean="0"/>
-              <a:t>Increasing</a:t>
-            </a:r>
-            <a:r>
-              <a:rPr lang="fr-FR" dirty="0" smtClean="0"/>
-              <a:t> the </a:t>
-            </a:r>
-            <a:r>
-              <a:rPr lang="fr-FR" dirty="0" smtClean="0"/>
-              <a:t>propagation medium box </a:t>
-            </a:r>
-            <a:r>
-              <a:rPr lang="fr-FR" dirty="0" smtClean="0"/>
-              <a:t>size to </a:t>
-            </a:r>
-            <a:r>
-              <a:rPr lang="fr-FR" dirty="0" err="1" smtClean="0"/>
-              <a:t>see</a:t>
-            </a:r>
-            <a:r>
-              <a:rPr lang="fr-FR" dirty="0" smtClean="0"/>
-              <a:t> the size at </a:t>
-            </a:r>
-            <a:r>
-              <a:rPr lang="fr-FR" dirty="0" err="1" smtClean="0"/>
-              <a:t>which</a:t>
-            </a:r>
-            <a:r>
-              <a:rPr lang="fr-FR" dirty="0" smtClean="0"/>
-              <a:t> the port </a:t>
-            </a:r>
-            <a:r>
-              <a:rPr lang="fr-FR" dirty="0" err="1" smtClean="0"/>
-              <a:t>impedance</a:t>
-            </a:r>
-            <a:r>
-              <a:rPr lang="fr-FR" dirty="0" smtClean="0"/>
-              <a:t> converge</a:t>
-            </a:r>
-            <a:endParaRPr lang="fr-FR" dirty="0"/>
-          </a:p>
-        </p:txBody>
-      </p:sp>
-      <p:sp>
-        <p:nvSpPr>
-          <p:cNvPr id="4" name="ZoneTexte 3"/>
-          <p:cNvSpPr txBox="1"/>
-          <p:nvPr/>
-        </p:nvSpPr>
-        <p:spPr>
-          <a:xfrm>
-            <a:off x="411808" y="2119053"/>
-            <a:ext cx="3153427" cy="646331"/>
-          </a:xfrm>
-          <a:prstGeom prst="rect">
-            <a:avLst/>
-          </a:prstGeom>
-          <a:noFill/>
-        </p:spPr>
-        <p:txBody>
-          <a:bodyPr wrap="none" rtlCol="0">
-            <a:spAutoFit/>
-          </a:bodyPr>
-          <a:lstStyle/>
-          <a:p>
-            <a:r>
-              <a:rPr lang="fr-FR" dirty="0" err="1" smtClean="0"/>
-              <a:t>losses</a:t>
-            </a:r>
-            <a:r>
-              <a:rPr lang="fr-FR" dirty="0" smtClean="0"/>
-              <a:t> = 0 </a:t>
-            </a:r>
-            <a:r>
-              <a:rPr lang="fr-FR" dirty="0" smtClean="0">
-                <a:sym typeface="Wingdings" panose="05000000000000000000" pitchFamily="2" charset="2"/>
-              </a:rPr>
-              <a:t> </a:t>
-            </a:r>
-            <a:r>
-              <a:rPr lang="fr-FR" dirty="0"/>
-              <a:t>Plasma1=plasma2 </a:t>
-            </a:r>
-            <a:endParaRPr lang="fr-FR" dirty="0" smtClean="0"/>
-          </a:p>
-          <a:p>
-            <a:r>
-              <a:rPr lang="fr-FR" dirty="0" smtClean="0"/>
-              <a:t>Radiation BC</a:t>
-            </a:r>
           </a:p>
         </p:txBody>
       </p:sp>
       <p:pic>
         <p:nvPicPr>
-          <p:cNvPr id="1026" name="Picture 2"/>
+          <p:cNvPr id="3074" name="Picture 2"/>
           <p:cNvPicPr>
             <a:picLocks noChangeAspect="1" noChangeArrowheads="1"/>
           </p:cNvPicPr>
@@ -4456,13 +8193,13 @@
               </a:ext>
             </a:extLst>
           </a:blip>
-          <a:srcRect l="19356" t="6832" r="34245" b="12460"/>
+          <a:srcRect l="25806" t="14162" r="32811" b="13567"/>
           <a:stretch/>
         </p:blipFill>
         <p:spPr bwMode="auto">
           <a:xfrm>
-            <a:off x="411808" y="2852936"/>
-            <a:ext cx="4557711" cy="3831704"/>
+            <a:off x="611560" y="1524746"/>
+            <a:ext cx="3456384" cy="3230389"/>
           </a:xfrm>
           <a:prstGeom prst="rect">
             <a:avLst/>
@@ -4492,176 +8229,68 @@
           </a:extLst>
         </p:spPr>
       </p:pic>
-      <p:sp>
-        <p:nvSpPr>
-          <p:cNvPr id="5" name="Flèche gauche 4"/>
-          <p:cNvSpPr/>
-          <p:nvPr/>
-        </p:nvSpPr>
-        <p:spPr>
-          <a:xfrm>
-            <a:off x="412488" y="4708102"/>
-            <a:ext cx="576064" cy="460412"/>
-          </a:xfrm>
-          <a:prstGeom prst="leftArrow">
-            <a:avLst/>
-          </a:prstGeom>
-        </p:spPr>
-        <p:style>
-          <a:lnRef idx="2">
-            <a:schemeClr val="accent1">
-              <a:shade val="50000"/>
-            </a:schemeClr>
-          </a:lnRef>
-          <a:fillRef idx="1">
-            <a:schemeClr val="accent1"/>
-          </a:fillRef>
-          <a:effectRef idx="0">
-            <a:schemeClr val="accent1"/>
-          </a:effectRef>
-          <a:fontRef idx="minor">
-            <a:schemeClr val="lt1"/>
-          </a:fontRef>
-        </p:style>
-        <p:txBody>
-          <a:bodyPr rtlCol="0" anchor="ctr"/>
-          <a:lstStyle/>
-          <a:p>
-            <a:pPr algn="ctr"/>
-            <a:endParaRPr lang="fr-FR"/>
-          </a:p>
-        </p:txBody>
-      </p:sp>
-      <p:sp>
-        <p:nvSpPr>
-          <p:cNvPr id="7" name="Flèche gauche 6"/>
-          <p:cNvSpPr/>
-          <p:nvPr/>
-        </p:nvSpPr>
-        <p:spPr>
-          <a:xfrm rot="5400000">
-            <a:off x="2281926" y="2910762"/>
-            <a:ext cx="576064" cy="460412"/>
-          </a:xfrm>
-          <a:prstGeom prst="leftArrow">
-            <a:avLst/>
-          </a:prstGeom>
-        </p:spPr>
-        <p:style>
-          <a:lnRef idx="2">
-            <a:schemeClr val="accent1">
-              <a:shade val="50000"/>
-            </a:schemeClr>
-          </a:lnRef>
-          <a:fillRef idx="1">
-            <a:schemeClr val="accent1"/>
-          </a:fillRef>
-          <a:effectRef idx="0">
-            <a:schemeClr val="accent1"/>
-          </a:effectRef>
-          <a:fontRef idx="minor">
-            <a:schemeClr val="lt1"/>
-          </a:fontRef>
-        </p:style>
-        <p:txBody>
-          <a:bodyPr rtlCol="0" anchor="ctr"/>
-          <a:lstStyle/>
-          <a:p>
-            <a:pPr algn="ctr"/>
-            <a:endParaRPr lang="fr-FR"/>
-          </a:p>
-        </p:txBody>
-      </p:sp>
-      <p:sp>
-        <p:nvSpPr>
-          <p:cNvPr id="8" name="Flèche gauche 7"/>
-          <p:cNvSpPr/>
-          <p:nvPr/>
-        </p:nvSpPr>
-        <p:spPr>
-          <a:xfrm rot="16200000">
-            <a:off x="1821514" y="6166402"/>
-            <a:ext cx="576064" cy="460412"/>
-          </a:xfrm>
-          <a:prstGeom prst="leftArrow">
-            <a:avLst/>
-          </a:prstGeom>
-        </p:spPr>
-        <p:style>
-          <a:lnRef idx="2">
-            <a:schemeClr val="accent1">
-              <a:shade val="50000"/>
-            </a:schemeClr>
-          </a:lnRef>
-          <a:fillRef idx="1">
-            <a:schemeClr val="accent1"/>
-          </a:fillRef>
-          <a:effectRef idx="0">
-            <a:schemeClr val="accent1"/>
-          </a:effectRef>
-          <a:fontRef idx="minor">
-            <a:schemeClr val="lt1"/>
-          </a:fontRef>
-        </p:style>
-        <p:txBody>
-          <a:bodyPr rtlCol="0" anchor="ctr"/>
-          <a:lstStyle/>
-          <a:p>
-            <a:pPr algn="ctr"/>
-            <a:endParaRPr lang="fr-FR"/>
-          </a:p>
-        </p:txBody>
-      </p:sp>
-      <p:sp>
-        <p:nvSpPr>
-          <p:cNvPr id="9" name="Flèche gauche 8"/>
-          <p:cNvSpPr/>
-          <p:nvPr/>
-        </p:nvSpPr>
-        <p:spPr>
-          <a:xfrm rot="10800000">
-            <a:off x="4572000" y="3429000"/>
-            <a:ext cx="576064" cy="460412"/>
-          </a:xfrm>
-          <a:prstGeom prst="leftArrow">
-            <a:avLst/>
-          </a:prstGeom>
-        </p:spPr>
-        <p:style>
-          <a:lnRef idx="2">
-            <a:schemeClr val="accent1">
-              <a:shade val="50000"/>
-            </a:schemeClr>
-          </a:lnRef>
-          <a:fillRef idx="1">
-            <a:schemeClr val="accent1"/>
-          </a:fillRef>
-          <a:effectRef idx="0">
-            <a:schemeClr val="accent1"/>
-          </a:effectRef>
-          <a:fontRef idx="minor">
-            <a:schemeClr val="lt1"/>
-          </a:fontRef>
-        </p:style>
-        <p:txBody>
-          <a:bodyPr rtlCol="0" anchor="ctr"/>
-          <a:lstStyle/>
-          <a:p>
-            <a:pPr algn="ctr"/>
-            <a:endParaRPr lang="fr-FR"/>
-          </a:p>
-        </p:txBody>
-      </p:sp>
-      <p:sp>
-        <p:nvSpPr>
-          <p:cNvPr id="6" name="ZoneTexte 5"/>
+      <p:pic>
+        <p:nvPicPr>
+          <p:cNvPr id="3075" name="Picture 3"/>
+          <p:cNvPicPr>
+            <a:picLocks noChangeAspect="1" noChangeArrowheads="1"/>
+          </p:cNvPicPr>
+          <p:nvPr/>
+        </p:nvPicPr>
+        <p:blipFill rotWithShape="1">
+          <a:blip r:embed="rId3">
+            <a:extLst>
+              <a:ext uri="{28A0092B-C50C-407E-A947-70E740481C1C}">
+                <a14:useLocalDpi xmlns:a14="http://schemas.microsoft.com/office/drawing/2010/main" val="0"/>
+              </a:ext>
+            </a:extLst>
+          </a:blip>
+          <a:srcRect l="21936" r="27610"/>
+          <a:stretch/>
+        </p:blipFill>
+        <p:spPr bwMode="auto">
+          <a:xfrm>
+            <a:off x="5029200" y="1597477"/>
+            <a:ext cx="3370521" cy="3575050"/>
+          </a:xfrm>
+          <a:prstGeom prst="rect">
+            <a:avLst/>
+          </a:prstGeom>
+          <a:noFill/>
+          <a:ln>
+            <a:noFill/>
+          </a:ln>
+          <a:extLst>
+            <a:ext uri="{909E8E84-426E-40DD-AFC4-6F175D3DCCD1}">
+              <a14:hiddenFill xmlns:a14="http://schemas.microsoft.com/office/drawing/2010/main">
+                <a:solidFill>
+                  <a:schemeClr val="accent1"/>
+                </a:solidFill>
+              </a14:hiddenFill>
+            </a:ext>
+            <a:ext uri="{91240B29-F687-4F45-9708-019B960494DF}">
+              <a14:hiddenLine xmlns:a14="http://schemas.microsoft.com/office/drawing/2010/main" w="9525">
+                <a:solidFill>
+                  <a:schemeClr val="tx1"/>
+                </a:solidFill>
+                <a:miter lim="800000"/>
+                <a:headEnd/>
+                <a:tailEnd/>
+              </a14:hiddenLine>
+            </a:ext>
+          </a:extLst>
+        </p:spPr>
+      </p:pic>
+      <p:sp>
+        <p:nvSpPr>
+          <p:cNvPr id="3" name="ZoneTexte 2"/>
           <p:cNvSpPr txBox="1"/>
           <p:nvPr/>
         </p:nvSpPr>
         <p:spPr>
           <a:xfrm>
-            <a:off x="988552" y="3889413"/>
-            <a:ext cx="1074333" cy="369332"/>
+            <a:off x="1115616" y="5085184"/>
+            <a:ext cx="3141181" cy="646331"/>
           </a:xfrm>
           <a:prstGeom prst="rect">
             <a:avLst/>
@@ -4674,9 +8303,33 @@
           </a:bodyPr>
           <a:lstStyle/>
           <a:p>
+            <a:pPr algn="ctr"/>
             <a:r>
               <a:rPr lang="fr-FR" dirty="0" smtClean="0"/>
-              <a:t>Plasma 2 </a:t>
+              <a:t>Radiation </a:t>
+            </a:r>
+            <a:r>
+              <a:rPr lang="fr-FR" dirty="0" err="1" smtClean="0"/>
+              <a:t>around</a:t>
+            </a:r>
+            <a:r>
+              <a:rPr lang="fr-FR" dirty="0" smtClean="0"/>
+              <a:t> the </a:t>
+            </a:r>
+            <a:r>
+              <a:rPr lang="fr-FR" dirty="0" err="1" smtClean="0"/>
+              <a:t>dielectric</a:t>
+            </a:r>
+            <a:r>
+              <a:rPr lang="fr-FR" dirty="0" smtClean="0"/>
+              <a:t> </a:t>
+            </a:r>
+          </a:p>
+          <a:p>
+            <a:pPr algn="ctr"/>
+            <a:r>
+              <a:rPr lang="fr-FR" dirty="0" smtClean="0"/>
+              <a:t>(5 faces)</a:t>
             </a:r>
             <a:endParaRPr lang="fr-FR" dirty="0"/>
           </a:p>
@@ -4684,14 +8337,14 @@
       </p:sp>
       <p:sp>
         <p:nvSpPr>
-          <p:cNvPr id="11" name="ZoneTexte 10"/>
+          <p:cNvPr id="6" name="ZoneTexte 5"/>
           <p:cNvSpPr txBox="1"/>
           <p:nvPr/>
         </p:nvSpPr>
         <p:spPr>
           <a:xfrm>
-            <a:off x="2800164" y="4005064"/>
-            <a:ext cx="1074333" cy="369332"/>
+            <a:off x="5311440" y="5454530"/>
+            <a:ext cx="3404394" cy="646331"/>
           </a:xfrm>
           <a:prstGeom prst="rect">
             <a:avLst/>
@@ -4704,9 +8357,25 @@
           </a:bodyPr>
           <a:lstStyle/>
           <a:p>
+            <a:pPr algn="ctr"/>
             <a:r>
               <a:rPr lang="fr-FR" dirty="0" smtClean="0"/>
-              <a:t>Plasma 1 </a:t>
+              <a:t>Radiation </a:t>
+            </a:r>
+            <a:r>
+              <a:rPr lang="fr-FR" dirty="0" err="1" smtClean="0"/>
+              <a:t>around</a:t>
+            </a:r>
+            <a:r>
+              <a:rPr lang="fr-FR" dirty="0" smtClean="0"/>
+              <a:t> the vacuum gap </a:t>
+            </a:r>
+            <a:br>
+              <a:rPr lang="fr-FR" dirty="0" smtClean="0"/>
+            </a:br>
+            <a:r>
+              <a:rPr lang="fr-FR" dirty="0" smtClean="0"/>
+              <a:t>(4 faces)</a:t>
             </a:r>
             <a:endParaRPr lang="fr-FR" dirty="0"/>
           </a:p>
@@ -4714,24 +8383,21 @@
       </p:sp>
       <p:cxnSp>
         <p:nvCxnSpPr>
-          <p:cNvPr id="12" name="Connecteur droit avec flèche 11"/>
+          <p:cNvPr id="5" name="Connecteur droit avec flèche 4"/>
           <p:cNvCxnSpPr/>
           <p:nvPr/>
         </p:nvCxnSpPr>
         <p:spPr>
-          <a:xfrm flipV="1">
-            <a:off x="3627240" y="5589240"/>
-            <a:ext cx="806388" cy="360040"/>
+          <a:xfrm flipH="1">
+            <a:off x="8399721" y="3139940"/>
+            <a:ext cx="60711" cy="577092"/>
           </a:xfrm>
           <a:prstGeom prst="straightConnector1">
             <a:avLst/>
           </a:prstGeom>
-          <a:ln w="28575">
-            <a:solidFill>
-              <a:schemeClr val="accent2"/>
-            </a:solidFill>
-            <a:headEnd type="triangle" w="med" len="med"/>
-            <a:tailEnd type="triangle" w="med" len="med"/>
+          <a:ln>
+            <a:headEnd type="arrow" w="med" len="med"/>
+            <a:tailEnd type="arrow" w="med" len="med"/>
           </a:ln>
         </p:spPr>
         <p:style>
@@ -4751,14 +8417,14 @@
       </p:cxnSp>
       <p:sp>
         <p:nvSpPr>
-          <p:cNvPr id="13" name="ZoneTexte 12"/>
+          <p:cNvPr id="7" name="ZoneTexte 6"/>
           <p:cNvSpPr txBox="1"/>
           <p:nvPr/>
         </p:nvSpPr>
         <p:spPr>
           <a:xfrm>
-            <a:off x="4148440" y="5714444"/>
-            <a:ext cx="3240360" cy="369332"/>
+            <a:off x="7890184" y="2031949"/>
+            <a:ext cx="1253816" cy="646331"/>
           </a:xfrm>
           <a:prstGeom prst="rect">
             <a:avLst/>
@@ -4772,290 +8438,34 @@
           <a:lstStyle/>
           <a:p>
             <a:r>
+              <a:rPr lang="fr-FR" dirty="0" err="1" smtClean="0">
+                <a:solidFill>
+                  <a:schemeClr val="tx2"/>
+                </a:solidFill>
+                <a:latin typeface="Courier (W1)" pitchFamily="49" charset="0"/>
+              </a:rPr>
+              <a:t>h_strap</a:t>
+            </a:r>
+            <a:r>
               <a:rPr lang="fr-FR" dirty="0" smtClean="0">
                 <a:solidFill>
-                  <a:srgbClr val="FF0000"/>
-                </a:solidFill>
+                  <a:schemeClr val="tx2"/>
+                </a:solidFill>
+                <a:latin typeface="Courier (W1)" pitchFamily="49" charset="0"/>
               </a:rPr>
-              <a:t>D</a:t>
+              <a:t>  </a:t>
+            </a:r>
+            <a:r>
+              <a:rPr lang="fr-FR" dirty="0" smtClean="0">
+                <a:solidFill>
+                  <a:schemeClr val="tx2"/>
+                </a:solidFill>
+              </a:rPr>
+              <a:t>200mm</a:t>
             </a:r>
             <a:endParaRPr lang="fr-FR" dirty="0">
               <a:solidFill>
-                <a:srgbClr val="FF0000"/>
-              </a:solidFill>
-            </a:endParaRPr>
-          </a:p>
-        </p:txBody>
-      </p:sp>
-      <p:cxnSp>
-        <p:nvCxnSpPr>
-          <p:cNvPr id="15" name="Connecteur droit avec flèche 14"/>
-          <p:cNvCxnSpPr/>
-          <p:nvPr/>
-        </p:nvCxnSpPr>
-        <p:spPr>
-          <a:xfrm flipH="1" flipV="1">
-            <a:off x="3131840" y="4374396"/>
-            <a:ext cx="72008" cy="1340048"/>
-          </a:xfrm>
-          <a:prstGeom prst="straightConnector1">
-            <a:avLst/>
-          </a:prstGeom>
-          <a:ln w="28575">
-            <a:solidFill>
-              <a:schemeClr val="accent2"/>
-            </a:solidFill>
-            <a:headEnd type="triangle" w="med" len="med"/>
-            <a:tailEnd type="triangle" w="med" len="med"/>
-          </a:ln>
-        </p:spPr>
-        <p:style>
-          <a:lnRef idx="1">
-            <a:schemeClr val="accent1"/>
-          </a:lnRef>
-          <a:fillRef idx="0">
-            <a:schemeClr val="accent1"/>
-          </a:fillRef>
-          <a:effectRef idx="0">
-            <a:schemeClr val="accent1"/>
-          </a:effectRef>
-          <a:fontRef idx="minor">
-            <a:schemeClr val="tx1"/>
-          </a:fontRef>
-        </p:style>
-      </p:cxnSp>
-      <p:cxnSp>
-        <p:nvCxnSpPr>
-          <p:cNvPr id="18" name="Connecteur droit avec flèche 17"/>
-          <p:cNvCxnSpPr/>
-          <p:nvPr/>
-        </p:nvCxnSpPr>
-        <p:spPr>
-          <a:xfrm flipH="1" flipV="1">
-            <a:off x="2339752" y="5714444"/>
-            <a:ext cx="1016496" cy="152400"/>
-          </a:xfrm>
-          <a:prstGeom prst="straightConnector1">
-            <a:avLst/>
-          </a:prstGeom>
-          <a:ln w="28575">
-            <a:solidFill>
-              <a:schemeClr val="accent2"/>
-            </a:solidFill>
-            <a:headEnd type="triangle" w="med" len="med"/>
-            <a:tailEnd type="triangle" w="med" len="med"/>
-          </a:ln>
-        </p:spPr>
-        <p:style>
-          <a:lnRef idx="1">
-            <a:schemeClr val="accent1"/>
-          </a:lnRef>
-          <a:fillRef idx="0">
-            <a:schemeClr val="accent1"/>
-          </a:fillRef>
-          <a:effectRef idx="0">
-            <a:schemeClr val="accent1"/>
-          </a:effectRef>
-          <a:fontRef idx="minor">
-            <a:schemeClr val="tx1"/>
-          </a:fontRef>
-        </p:style>
-      </p:cxnSp>
-      <p:sp>
-        <p:nvSpPr>
-          <p:cNvPr id="16" name="ZoneTexte 15"/>
-          <p:cNvSpPr txBox="1"/>
-          <p:nvPr/>
-        </p:nvSpPr>
-        <p:spPr>
-          <a:xfrm>
-            <a:off x="5652120" y="4522183"/>
-            <a:ext cx="3153427" cy="646331"/>
-          </a:xfrm>
-          <a:prstGeom prst="rect">
-            <a:avLst/>
-          </a:prstGeom>
-          <a:noFill/>
-        </p:spPr>
-        <p:txBody>
-          <a:bodyPr wrap="none" rtlCol="0">
-            <a:spAutoFit/>
-          </a:bodyPr>
-          <a:lstStyle/>
-          <a:p>
-            <a:r>
-              <a:rPr lang="fr-FR" dirty="0" err="1" smtClean="0"/>
-              <a:t>losses</a:t>
-            </a:r>
-            <a:r>
-              <a:rPr lang="fr-FR" dirty="0" smtClean="0"/>
-              <a:t> = 0 </a:t>
-            </a:r>
-            <a:r>
-              <a:rPr lang="fr-FR" dirty="0" smtClean="0">
-                <a:sym typeface="Wingdings" panose="05000000000000000000" pitchFamily="2" charset="2"/>
-              </a:rPr>
-              <a:t> </a:t>
-            </a:r>
-            <a:r>
-              <a:rPr lang="fr-FR" dirty="0"/>
-              <a:t>Plasma1=plasma2 </a:t>
-            </a:r>
-            <a:endParaRPr lang="fr-FR" dirty="0" smtClean="0"/>
-          </a:p>
-          <a:p>
-            <a:r>
-              <a:rPr lang="fr-FR" dirty="0" smtClean="0"/>
-              <a:t>Radiation BC</a:t>
-            </a:r>
-          </a:p>
-        </p:txBody>
-      </p:sp>
-      <p:cxnSp>
-        <p:nvCxnSpPr>
-          <p:cNvPr id="19" name="Connecteur droit avec flèche 18"/>
-          <p:cNvCxnSpPr/>
-          <p:nvPr/>
-        </p:nvCxnSpPr>
-        <p:spPr>
-          <a:xfrm flipV="1">
-            <a:off x="3103640" y="6108576"/>
-            <a:ext cx="1756391" cy="648072"/>
-          </a:xfrm>
-          <a:prstGeom prst="straightConnector1">
-            <a:avLst/>
-          </a:prstGeom>
-          <a:ln w="28575">
-            <a:solidFill>
-              <a:schemeClr val="accent2"/>
-            </a:solidFill>
-            <a:headEnd type="triangle" w="med" len="med"/>
-            <a:tailEnd type="triangle" w="med" len="med"/>
-          </a:ln>
-        </p:spPr>
-        <p:style>
-          <a:lnRef idx="1">
-            <a:schemeClr val="accent1"/>
-          </a:lnRef>
-          <a:fillRef idx="0">
-            <a:schemeClr val="accent1"/>
-          </a:fillRef>
-          <a:effectRef idx="0">
-            <a:schemeClr val="accent1"/>
-          </a:effectRef>
-          <a:fontRef idx="minor">
-            <a:schemeClr val="tx1"/>
-          </a:fontRef>
-        </p:style>
-      </p:cxnSp>
-      <p:sp>
-        <p:nvSpPr>
-          <p:cNvPr id="20" name="ZoneTexte 19"/>
-          <p:cNvSpPr txBox="1"/>
-          <p:nvPr/>
-        </p:nvSpPr>
-        <p:spPr>
-          <a:xfrm>
-            <a:off x="4077567" y="6432612"/>
-            <a:ext cx="494432" cy="369332"/>
-          </a:xfrm>
-          <a:prstGeom prst="rect">
-            <a:avLst/>
-          </a:prstGeom>
-          <a:noFill/>
-        </p:spPr>
-        <p:txBody>
-          <a:bodyPr wrap="square" rtlCol="0">
-            <a:spAutoFit/>
-          </a:bodyPr>
-          <a:lstStyle/>
-          <a:p>
-            <a:r>
-              <a:rPr lang="fr-FR" dirty="0" smtClean="0">
-                <a:solidFill>
-                  <a:srgbClr val="FF0000"/>
-                </a:solidFill>
-              </a:rPr>
-              <a:t>2D</a:t>
-            </a:r>
-            <a:endParaRPr lang="fr-FR" dirty="0">
-              <a:solidFill>
-                <a:srgbClr val="FF0000"/>
-              </a:solidFill>
-            </a:endParaRPr>
-          </a:p>
-        </p:txBody>
-      </p:sp>
-      <p:cxnSp>
-        <p:nvCxnSpPr>
-          <p:cNvPr id="21" name="Connecteur droit avec flèche 20"/>
-          <p:cNvCxnSpPr/>
-          <p:nvPr/>
-        </p:nvCxnSpPr>
-        <p:spPr>
-          <a:xfrm flipV="1">
-            <a:off x="3565235" y="4325896"/>
-            <a:ext cx="416600" cy="180020"/>
-          </a:xfrm>
-          <a:prstGeom prst="straightConnector1">
-            <a:avLst/>
-          </a:prstGeom>
-          <a:ln w="28575">
-            <a:solidFill>
-              <a:schemeClr val="accent2"/>
-            </a:solidFill>
-            <a:headEnd type="triangle" w="med" len="med"/>
-            <a:tailEnd type="triangle" w="med" len="med"/>
-          </a:ln>
-        </p:spPr>
-        <p:style>
-          <a:lnRef idx="1">
-            <a:schemeClr val="accent1"/>
-          </a:lnRef>
-          <a:fillRef idx="0">
-            <a:schemeClr val="accent1"/>
-          </a:fillRef>
-          <a:effectRef idx="0">
-            <a:schemeClr val="accent1"/>
-          </a:effectRef>
-          <a:fontRef idx="minor">
-            <a:schemeClr val="tx1"/>
-          </a:fontRef>
-        </p:style>
-      </p:cxnSp>
-      <p:sp>
-        <p:nvSpPr>
-          <p:cNvPr id="23" name="ZoneTexte 22"/>
-          <p:cNvSpPr txBox="1"/>
-          <p:nvPr/>
-        </p:nvSpPr>
-        <p:spPr>
-          <a:xfrm>
-            <a:off x="3961080" y="4132392"/>
-            <a:ext cx="494432" cy="369332"/>
-          </a:xfrm>
-          <a:prstGeom prst="rect">
-            <a:avLst/>
-          </a:prstGeom>
-          <a:noFill/>
-        </p:spPr>
-        <p:txBody>
-          <a:bodyPr wrap="square" rtlCol="0">
-            <a:spAutoFit/>
-          </a:bodyPr>
-          <a:lstStyle/>
-          <a:p>
-            <a:r>
-              <a:rPr lang="fr-FR" dirty="0" smtClean="0">
-                <a:solidFill>
-                  <a:srgbClr val="FF0000"/>
-                </a:solidFill>
-              </a:rPr>
-              <a:t>d</a:t>
-            </a:r>
-            <a:endParaRPr lang="fr-FR" dirty="0">
-              <a:solidFill>
-                <a:srgbClr val="FF0000"/>
+                <a:schemeClr val="tx2"/>
               </a:solidFill>
             </a:endParaRPr>
           </a:p>
@@ -5064,7 +8474,7 @@
     </p:spTree>
     <p:extLst>
       <p:ext uri="{BB962C8B-B14F-4D97-AF65-F5344CB8AC3E}">
-        <p14:creationId xmlns:p14="http://schemas.microsoft.com/office/powerpoint/2010/main" val="2170444392"/>
+        <p14:creationId xmlns:p14="http://schemas.microsoft.com/office/powerpoint/2010/main" val="2573850618"/>
       </p:ext>
     </p:extLst>
   </p:cSld>
@@ -5104,33 +8514,119 @@
         <p:spPr/>
         <p:txBody>
           <a:bodyPr>
-            <a:normAutofit/>
+            <a:normAutofit fontScale="90000"/>
           </a:bodyPr>
           <a:lstStyle/>
           <a:p>
             <a:r>
-              <a:rPr lang="fr-FR" dirty="0" smtClean="0"/>
-              <a:t>Convergence </a:t>
-            </a:r>
-            <a:r>
-              <a:rPr lang="fr-FR" dirty="0" err="1" smtClean="0"/>
-              <a:t>reached</a:t>
-            </a:r>
-            <a:r>
-              <a:rPr lang="fr-FR" dirty="0" smtClean="0"/>
-              <a:t> for </a:t>
-            </a:r>
-            <a:r>
-              <a:rPr lang="fr-FR" dirty="0" smtClean="0"/>
-              <a:t>D~&gt;0.5m </a:t>
-            </a:r>
-            <a:endParaRPr lang="fr-FR" dirty="0"/>
+              <a:rPr lang="fr-FR" sz="3600" dirty="0" smtClean="0"/>
+              <a:t>Power convergence vs </a:t>
+            </a:r>
+            <a:r>
+              <a:rPr lang="fr-FR" sz="3600" dirty="0" err="1" smtClean="0"/>
+              <a:t>dielectric</a:t>
+            </a:r>
+            <a:r>
+              <a:rPr lang="fr-FR" sz="3600" dirty="0" smtClean="0"/>
+              <a:t> </a:t>
+            </a:r>
+            <a:r>
+              <a:rPr lang="fr-FR" sz="3600" dirty="0" err="1" smtClean="0"/>
+              <a:t>domain</a:t>
+            </a:r>
+            <a:r>
+              <a:rPr lang="fr-FR" sz="3600" dirty="0" smtClean="0"/>
+              <a:t> size</a:t>
+            </a:r>
+            <a:r>
+              <a:rPr lang="fr-FR" sz="1600" dirty="0" smtClean="0"/>
+              <a:t/>
+            </a:r>
+            <a:br>
+              <a:rPr lang="fr-FR" sz="1600" dirty="0" smtClean="0"/>
+            </a:br>
+            <a:r>
+              <a:rPr lang="fr-FR" sz="1600" dirty="0" smtClean="0"/>
+              <a:t/>
+            </a:r>
+            <a:br>
+              <a:rPr lang="fr-FR" sz="1600" dirty="0" smtClean="0"/>
+            </a:br>
+            <a:r>
+              <a:rPr lang="fr-FR" sz="1600" dirty="0" smtClean="0"/>
+              <a:t>The </a:t>
+            </a:r>
+            <a:r>
+              <a:rPr lang="fr-FR" sz="1600" dirty="0" err="1" smtClean="0"/>
+              <a:t>dielectric</a:t>
+            </a:r>
+            <a:r>
+              <a:rPr lang="fr-FR" sz="1600" dirty="0" smtClean="0"/>
+              <a:t> </a:t>
+            </a:r>
+            <a:r>
+              <a:rPr lang="fr-FR" sz="1600" dirty="0" err="1" smtClean="0"/>
+              <a:t>domain</a:t>
+            </a:r>
+            <a:r>
+              <a:rPr lang="fr-FR" sz="1600" dirty="0" smtClean="0"/>
+              <a:t> must </a:t>
+            </a:r>
+            <a:r>
+              <a:rPr lang="fr-FR" sz="1600" dirty="0" err="1" smtClean="0"/>
+              <a:t>be</a:t>
+            </a:r>
+            <a:r>
+              <a:rPr lang="fr-FR" sz="1600" dirty="0" smtClean="0"/>
+              <a:t> large </a:t>
+            </a:r>
+            <a:r>
+              <a:rPr lang="fr-FR" sz="1600" dirty="0" err="1" smtClean="0"/>
+              <a:t>enough</a:t>
+            </a:r>
+            <a:r>
+              <a:rPr lang="fr-FR" sz="1600" dirty="0" smtClean="0"/>
+              <a:t>, </a:t>
+            </a:r>
+            <a:r>
+              <a:rPr lang="fr-FR" sz="1600" dirty="0" err="1" smtClean="0"/>
+              <a:t>otherwise</a:t>
+            </a:r>
+            <a:r>
+              <a:rPr lang="fr-FR" sz="1600" dirty="0" smtClean="0"/>
+              <a:t> the fraction of power </a:t>
+            </a:r>
+            <a:r>
+              <a:rPr lang="fr-FR" sz="1600" dirty="0" err="1" smtClean="0"/>
+              <a:t>reaching</a:t>
+            </a:r>
+            <a:r>
+              <a:rPr lang="fr-FR" sz="1600" dirty="0" smtClean="0"/>
+              <a:t> the </a:t>
+            </a:r>
+            <a:r>
+              <a:rPr lang="fr-FR" sz="1600" dirty="0" err="1" smtClean="0"/>
+              <a:t>radiating</a:t>
+            </a:r>
+            <a:r>
+              <a:rPr lang="fr-FR" sz="1600" dirty="0" smtClean="0"/>
+              <a:t> BC are </a:t>
+            </a:r>
+            <a:r>
+              <a:rPr lang="fr-FR" sz="1600" dirty="0" err="1" smtClean="0"/>
+              <a:t>different</a:t>
+            </a:r>
+            <a:r>
+              <a:rPr lang="fr-FR" sz="1600" dirty="0" smtClean="0"/>
+              <a:t> </a:t>
+            </a:r>
+            <a:endParaRPr lang="fr-FR" sz="1600" dirty="0"/>
           </a:p>
         </p:txBody>
       </p:sp>
       <p:pic>
         <p:nvPicPr>
-          <p:cNvPr id="2051" name="Picture 3"/>
+          <p:cNvPr id="1027" name="Picture 3"/>
           <p:cNvPicPr>
             <a:picLocks noChangeAspect="1" noChangeArrowheads="1"/>
           </p:cNvPicPr>
@@ -5151,8 +8647,8 @@
         </p:blipFill>
         <p:spPr bwMode="auto">
           <a:xfrm>
-            <a:off x="-108610" y="2996952"/>
-            <a:ext cx="9264650" cy="3587750"/>
+            <a:off x="179512" y="2996952"/>
+            <a:ext cx="8521700" cy="3575050"/>
           </a:xfrm>
           <a:prstGeom prst="rect">
             <a:avLst/>
@@ -5190,8 +8686,8 @@
         </p:nvSpPr>
         <p:spPr>
           <a:xfrm>
-            <a:off x="7925" y="2508558"/>
-            <a:ext cx="4866845" cy="369332"/>
+            <a:off x="2123728" y="3284984"/>
+            <a:ext cx="5207131" cy="369332"/>
           </a:xfrm>
           <a:prstGeom prst="rect">
             <a:avLst/>
@@ -5206,58 +8702,86 @@
           <a:p>
             <a:r>
               <a:rPr lang="fr-FR" dirty="0" smtClean="0">
-                <a:sym typeface="Wingdings" panose="05000000000000000000" pitchFamily="2" charset="2"/>
+                <a:solidFill>
+                  <a:srgbClr val="7030A0"/>
+                </a:solidFill>
               </a:rPr>
-              <a:t> </a:t>
+              <a:t>Fraction of Power </a:t>
+            </a:r>
+            <a:r>
+              <a:rPr lang="fr-FR" dirty="0" err="1" smtClean="0">
+                <a:solidFill>
+                  <a:srgbClr val="7030A0"/>
+                </a:solidFill>
+              </a:rPr>
+              <a:t>radiated</a:t>
             </a:r>
             <a:r>
               <a:rPr lang="fr-FR" dirty="0" smtClean="0">
-                <a:sym typeface="Wingdings" panose="05000000000000000000" pitchFamily="2" charset="2"/>
+                <a:solidFill>
+                  <a:srgbClr val="7030A0"/>
+                </a:solidFill>
               </a:rPr>
-              <a:t>Target </a:t>
+              <a:t> </a:t>
             </a:r>
             <a:r>
               <a:rPr lang="fr-FR" dirty="0" err="1" smtClean="0">
-                <a:sym typeface="Wingdings" panose="05000000000000000000" pitchFamily="2" charset="2"/>
+                <a:solidFill>
+                  <a:srgbClr val="7030A0"/>
+                </a:solidFill>
               </a:rPr>
-              <a:t>result</a:t>
+              <a:t>from</a:t>
             </a:r>
             <a:r>
               <a:rPr lang="fr-FR" dirty="0" smtClean="0">
-                <a:sym typeface="Wingdings" panose="05000000000000000000" pitchFamily="2" charset="2"/>
+                <a:solidFill>
+                  <a:srgbClr val="7030A0"/>
+                </a:solidFill>
               </a:rPr>
-              <a:t> for </a:t>
+              <a:t> </a:t>
             </a:r>
             <a:r>
               <a:rPr lang="fr-FR" dirty="0" err="1" smtClean="0">
-                <a:sym typeface="Wingdings" panose="05000000000000000000" pitchFamily="2" charset="2"/>
+                <a:solidFill>
+                  <a:srgbClr val="7030A0"/>
+                </a:solidFill>
               </a:rPr>
-              <a:t>next</a:t>
+              <a:t>dielectric</a:t>
             </a:r>
             <a:r>
               <a:rPr lang="fr-FR" dirty="0" smtClean="0">
-                <a:sym typeface="Wingdings" panose="05000000000000000000" pitchFamily="2" charset="2"/>
+                <a:solidFill>
+                  <a:srgbClr val="7030A0"/>
+                </a:solidFill>
               </a:rPr>
-              <a:t> simulations: </a:t>
-            </a:r>
-            <a:r>
-              <a:rPr lang="fr-FR" dirty="0" smtClean="0"/>
-              <a:t>Z=0.25+21.3j</a:t>
-            </a:r>
-            <a:endParaRPr lang="fr-FR" dirty="0"/>
-          </a:p>
-        </p:txBody>
-      </p:sp>
-      <p:sp>
-        <p:nvSpPr>
-          <p:cNvPr id="5" name="ZoneTexte 4"/>
+              <a:t> </a:t>
+            </a:r>
+            <a:r>
+              <a:rPr lang="fr-FR" dirty="0" err="1" smtClean="0">
+                <a:solidFill>
+                  <a:srgbClr val="7030A0"/>
+                </a:solidFill>
+              </a:rPr>
+              <a:t>boundaries</a:t>
+            </a:r>
+            <a:endParaRPr lang="fr-FR" dirty="0">
+              <a:solidFill>
+                <a:srgbClr val="7030A0"/>
+              </a:solidFill>
+            </a:endParaRPr>
+          </a:p>
+        </p:txBody>
+      </p:sp>
+      <p:sp>
+        <p:nvSpPr>
+          <p:cNvPr id="6" name="ZoneTexte 5"/>
           <p:cNvSpPr txBox="1"/>
           <p:nvPr/>
         </p:nvSpPr>
         <p:spPr>
           <a:xfrm>
-            <a:off x="-18144" y="1765653"/>
-            <a:ext cx="8753230" cy="646331"/>
+            <a:off x="2627784" y="5517232"/>
+            <a:ext cx="5080302" cy="369332"/>
           </a:xfrm>
           <a:prstGeom prst="rect">
             <a:avLst/>
@@ -5270,170 +8794,150 @@
           </a:bodyPr>
           <a:lstStyle/>
           <a:p>
-            <a:pPr marL="285750" indent="-285750">
-              <a:buFont typeface="Wingdings"/>
-              <a:buChar char="à"/>
-            </a:pPr>
             <a:r>
               <a:rPr lang="fr-FR" dirty="0" smtClean="0">
-                <a:sym typeface="Wingdings" panose="05000000000000000000" pitchFamily="2" charset="2"/>
+                <a:solidFill>
+                  <a:schemeClr val="tx1">
+                    <a:lumMod val="75000"/>
+                    <a:lumOff val="25000"/>
+                  </a:schemeClr>
+                </a:solidFill>
               </a:rPr>
-              <a:t>« 1st </a:t>
+              <a:t>Fraction of Power </a:t>
             </a:r>
             <a:r>
               <a:rPr lang="fr-FR" dirty="0" err="1" smtClean="0">
-                <a:sym typeface="Wingdings" panose="05000000000000000000" pitchFamily="2" charset="2"/>
+                <a:solidFill>
+                  <a:schemeClr val="tx1">
+                    <a:lumMod val="75000"/>
+                    <a:lumOff val="25000"/>
+                  </a:schemeClr>
+                </a:solidFill>
               </a:rPr>
-              <a:t>Rule</a:t>
+              <a:t>radiated</a:t>
             </a:r>
             <a:r>
               <a:rPr lang="fr-FR" dirty="0" smtClean="0">
-                <a:sym typeface="Wingdings" panose="05000000000000000000" pitchFamily="2" charset="2"/>
+                <a:solidFill>
+                  <a:schemeClr val="tx1">
+                    <a:lumMod val="75000"/>
+                    <a:lumOff val="25000"/>
+                  </a:schemeClr>
+                </a:solidFill>
               </a:rPr>
-              <a:t> of </a:t>
+              <a:t> </a:t>
             </a:r>
             <a:r>
               <a:rPr lang="fr-FR" dirty="0" err="1" smtClean="0">
-                <a:sym typeface="Wingdings" panose="05000000000000000000" pitchFamily="2" charset="2"/>
+                <a:solidFill>
+                  <a:schemeClr val="tx1">
+                    <a:lumMod val="75000"/>
+                    <a:lumOff val="25000"/>
+                  </a:schemeClr>
+                </a:solidFill>
               </a:rPr>
-              <a:t>thumb</a:t>
+              <a:t>from</a:t>
             </a:r>
             <a:r>
               <a:rPr lang="fr-FR" dirty="0" smtClean="0">
-                <a:sym typeface="Wingdings" panose="05000000000000000000" pitchFamily="2" charset="2"/>
+                <a:solidFill>
+                  <a:schemeClr val="tx1">
+                    <a:lumMod val="75000"/>
+                    <a:lumOff val="25000"/>
+                  </a:schemeClr>
+                </a:solidFill>
               </a:rPr>
-              <a:t> » : radiation medium size &gt; 4 </a:t>
+              <a:t> vacuum </a:t>
             </a:r>
             <a:r>
               <a:rPr lang="fr-FR" dirty="0" err="1" smtClean="0">
-                <a:sym typeface="Wingdings" panose="05000000000000000000" pitchFamily="2" charset="2"/>
+                <a:solidFill>
+                  <a:schemeClr val="tx1">
+                    <a:lumMod val="75000"/>
+                    <a:lumOff val="25000"/>
+                  </a:schemeClr>
+                </a:solidFill>
               </a:rPr>
-              <a:t>antenna</a:t>
-            </a:r>
-            <a:r>
-              <a:rPr lang="fr-FR" dirty="0" smtClean="0">
-                <a:sym typeface="Wingdings" panose="05000000000000000000" pitchFamily="2" charset="2"/>
-              </a:rPr>
-              <a:t> box </a:t>
-            </a:r>
-            <a:r>
-              <a:rPr lang="fr-FR" dirty="0" err="1" smtClean="0">
-                <a:sym typeface="Wingdings" panose="05000000000000000000" pitchFamily="2" charset="2"/>
-              </a:rPr>
-              <a:t>largest</a:t>
-            </a:r>
-            <a:r>
-              <a:rPr lang="fr-FR" dirty="0" smtClean="0">
-                <a:sym typeface="Wingdings" panose="05000000000000000000" pitchFamily="2" charset="2"/>
-              </a:rPr>
-              <a:t> size (250mm </a:t>
-            </a:r>
-            <a:r>
-              <a:rPr lang="fr-FR" dirty="0" err="1" smtClean="0">
-                <a:sym typeface="Wingdings" panose="05000000000000000000" pitchFamily="2" charset="2"/>
-              </a:rPr>
-              <a:t>here</a:t>
-            </a:r>
-            <a:r>
-              <a:rPr lang="fr-FR" dirty="0" smtClean="0">
-                <a:sym typeface="Wingdings" panose="05000000000000000000" pitchFamily="2" charset="2"/>
-              </a:rPr>
-              <a:t>)</a:t>
-            </a:r>
-          </a:p>
-          <a:p>
-            <a:pPr marL="285750" indent="-285750">
-              <a:buFont typeface="Wingdings"/>
-              <a:buChar char="à"/>
-            </a:pPr>
-            <a:r>
-              <a:rPr lang="fr-FR" dirty="0" smtClean="0">
-                <a:sym typeface="Wingdings" panose="05000000000000000000" pitchFamily="2" charset="2"/>
-              </a:rPr>
-              <a:t>(lambda ~ 6m  ~ radiation medium size &gt; lambda/6 at min?)</a:t>
-            </a:r>
-            <a:endParaRPr lang="fr-FR" dirty="0"/>
-          </a:p>
-        </p:txBody>
-      </p:sp>
-      <p:sp>
-        <p:nvSpPr>
-          <p:cNvPr id="7" name="ZoneTexte 6"/>
-          <p:cNvSpPr txBox="1"/>
-          <p:nvPr/>
-        </p:nvSpPr>
-        <p:spPr>
-          <a:xfrm>
-            <a:off x="3419872" y="6372036"/>
-            <a:ext cx="3240360" cy="369332"/>
-          </a:xfrm>
-          <a:prstGeom prst="rect">
-            <a:avLst/>
-          </a:prstGeom>
-          <a:solidFill>
-            <a:schemeClr val="bg1"/>
-          </a:solidFill>
-        </p:spPr>
-        <p:txBody>
-          <a:bodyPr wrap="square" rtlCol="0">
-            <a:spAutoFit/>
-          </a:bodyPr>
-          <a:lstStyle/>
-          <a:p>
-            <a:r>
-              <a:rPr lang="fr-FR" dirty="0" smtClean="0">
-                <a:solidFill>
-                  <a:srgbClr val="FF0000"/>
-                </a:solidFill>
-              </a:rPr>
-              <a:t>D [m]</a:t>
+              <a:t>boundaries</a:t>
             </a:r>
             <a:endParaRPr lang="fr-FR" dirty="0">
               <a:solidFill>
-                <a:srgbClr val="FF0000"/>
+                <a:schemeClr val="tx1">
+                  <a:lumMod val="75000"/>
+                  <a:lumOff val="25000"/>
+                </a:schemeClr>
               </a:solidFill>
             </a:endParaRPr>
           </a:p>
         </p:txBody>
       </p:sp>
-      <p:sp>
-        <p:nvSpPr>
-          <p:cNvPr id="6" name="ZoneTexte 5"/>
-          <p:cNvSpPr txBox="1"/>
-          <p:nvPr/>
-        </p:nvSpPr>
-        <p:spPr>
-          <a:xfrm>
-            <a:off x="3275856" y="3645024"/>
-            <a:ext cx="3365537" cy="369332"/>
-          </a:xfrm>
-          <a:prstGeom prst="rect">
-            <a:avLst/>
-          </a:prstGeom>
-          <a:noFill/>
-        </p:spPr>
-        <p:txBody>
-          <a:bodyPr wrap="none" rtlCol="0">
-            <a:spAutoFit/>
-          </a:bodyPr>
-          <a:lstStyle/>
-          <a:p>
-            <a:r>
-              <a:rPr lang="fr-FR" dirty="0" err="1" smtClean="0"/>
-              <a:t>Antenna</a:t>
-            </a:r>
-            <a:r>
-              <a:rPr lang="fr-FR" dirty="0" smtClean="0"/>
-              <a:t> box : d=0.16 m, h=0.25m</a:t>
-            </a:r>
-            <a:endParaRPr lang="fr-FR" dirty="0"/>
-          </a:p>
-        </p:txBody>
-      </p:sp>
+      <p:cxnSp>
+        <p:nvCxnSpPr>
+          <p:cNvPr id="5" name="Connecteur droit 4"/>
+          <p:cNvCxnSpPr/>
+          <p:nvPr/>
+        </p:nvCxnSpPr>
+        <p:spPr>
+          <a:xfrm>
+            <a:off x="4044318" y="4653136"/>
+            <a:ext cx="0" cy="576064"/>
+          </a:xfrm>
+          <a:prstGeom prst="line">
+            <a:avLst/>
+          </a:prstGeom>
+        </p:spPr>
+        <p:style>
+          <a:lnRef idx="1">
+            <a:schemeClr val="accent1"/>
+          </a:lnRef>
+          <a:fillRef idx="0">
+            <a:schemeClr val="accent1"/>
+          </a:fillRef>
+          <a:effectRef idx="0">
+            <a:schemeClr val="accent1"/>
+          </a:effectRef>
+          <a:fontRef idx="minor">
+            <a:schemeClr val="tx1"/>
+          </a:fontRef>
+        </p:style>
+      </p:cxnSp>
+      <p:cxnSp>
+        <p:nvCxnSpPr>
+          <p:cNvPr id="8" name="Connecteur droit avec flèche 7"/>
+          <p:cNvCxnSpPr/>
+          <p:nvPr/>
+        </p:nvCxnSpPr>
+        <p:spPr>
+          <a:xfrm>
+            <a:off x="4044318" y="4927564"/>
+            <a:ext cx="792088" cy="0"/>
+          </a:xfrm>
+          <a:prstGeom prst="straightConnector1">
+            <a:avLst/>
+          </a:prstGeom>
+          <a:ln>
+            <a:tailEnd type="arrow"/>
+          </a:ln>
+        </p:spPr>
+        <p:style>
+          <a:lnRef idx="1">
+            <a:schemeClr val="accent1"/>
+          </a:lnRef>
+          <a:fillRef idx="0">
+            <a:schemeClr val="accent1"/>
+          </a:fillRef>
+          <a:effectRef idx="0">
+            <a:schemeClr val="accent1"/>
+          </a:effectRef>
+          <a:fontRef idx="minor">
+            <a:schemeClr val="tx1"/>
+          </a:fontRef>
+        </p:style>
+      </p:cxnSp>
     </p:spTree>
     <p:extLst>
       <p:ext uri="{BB962C8B-B14F-4D97-AF65-F5344CB8AC3E}">
-        <p14:creationId xmlns:p14="http://schemas.microsoft.com/office/powerpoint/2010/main" val="2712479689"/>
+        <p14:creationId xmlns:p14="http://schemas.microsoft.com/office/powerpoint/2010/main" val="1743474001"/>
       </p:ext>
     </p:extLst>
   </p:cSld>
@@ -5460,6 +8964,60 @@
           <a:chExt cx="0" cy="0"/>
         </a:xfrm>
       </p:grpSpPr>
+      <p:pic>
+        <p:nvPicPr>
+          <p:cNvPr id="4105" name="Picture 9"/>
+          <p:cNvPicPr>
+            <a:picLocks noChangeAspect="1" noChangeArrowheads="1"/>
+          </p:cNvPicPr>
+          <p:nvPr/>
+        </p:nvPicPr>
+        <p:blipFill>
+          <a:blip r:embed="rId2">
+            <a:extLst>
+              <a:ext uri="{28A0092B-C50C-407E-A947-70E740481C1C}">
+                <a14:useLocalDpi xmlns:a14="http://schemas.microsoft.com/office/drawing/2010/main" val="0"/>
+              </a:ext>
+            </a:extLst>
+          </a:blip>
+          <a:srcRect/>
+          <a:stretch>
+            <a:fillRect/>
+          </a:stretch>
+        </p:blipFill>
+        <p:spPr bwMode="auto">
+          <a:xfrm>
+            <a:off x="147500" y="3282950"/>
+            <a:ext cx="8521700" cy="3575050"/>
+          </a:xfrm>
+          <a:prstGeom prst="rect">
+            <a:avLst/>
+          </a:prstGeom>
+          <a:noFill/>
+          <a:ln>
+            <a:noFill/>
+          </a:ln>
+          <a:extLst>
+            <a:ext uri="{909E8E84-426E-40DD-AFC4-6F175D3DCCD1}">
+              <a14:hiddenFill xmlns:a14="http://schemas.microsoft.com/office/drawing/2010/main">
+                <a:solidFill>
+                  <a:schemeClr val="accent1"/>
+                </a:solidFill>
+              </a14:hiddenFill>
+            </a:ext>
+            <a:ext uri="{91240B29-F687-4F45-9708-019B960494DF}">
+              <a14:hiddenLine xmlns:a14="http://schemas.microsoft.com/office/drawing/2010/main" w="9525">
+                <a:solidFill>
+                  <a:schemeClr val="tx1"/>
+                </a:solidFill>
+                <a:miter lim="800000"/>
+                <a:headEnd/>
+                <a:tailEnd/>
+              </a14:hiddenLine>
+            </a:ext>
+          </a:extLst>
+        </p:spPr>
+      </p:pic>
       <p:sp>
         <p:nvSpPr>
           <p:cNvPr id="2" name="Titre 1"/>
@@ -5470,60 +9028,57 @@
             <p:ph type="title"/>
           </p:nvPr>
         </p:nvSpPr>
-        <p:spPr/>
-        <p:txBody>
-          <a:bodyPr>
-            <a:normAutofit fontScale="90000"/>
+        <p:spPr>
+          <a:xfrm>
+            <a:off x="-1332656" y="-171496"/>
+            <a:ext cx="8229600" cy="1143000"/>
+          </a:xfrm>
+        </p:spPr>
+        <p:txBody>
+          <a:bodyPr/>
+          <a:lstStyle/>
+          <a:p>
+            <a:r>
+              <a:rPr lang="fr-FR" dirty="0" smtClean="0"/>
+              <a:t>Aperture </a:t>
+            </a:r>
+            <a:r>
+              <a:rPr lang="fr-FR" dirty="0" err="1" smtClean="0"/>
+              <a:t>resistance</a:t>
+            </a:r>
+            <a:endParaRPr lang="fr-FR" dirty="0"/>
+          </a:p>
+        </p:txBody>
+      </p:sp>
+      <p:sp>
+        <p:nvSpPr>
+          <p:cNvPr id="3" name="ZoneTexte 2"/>
+          <p:cNvSpPr txBox="1"/>
+          <p:nvPr/>
+        </p:nvSpPr>
+        <p:spPr>
+          <a:xfrm>
+            <a:off x="156152" y="721663"/>
+            <a:ext cx="1344792" cy="369332"/>
+          </a:xfrm>
+          <a:prstGeom prst="rect">
+            <a:avLst/>
+          </a:prstGeom>
+          <a:noFill/>
+        </p:spPr>
+        <p:txBody>
+          <a:bodyPr wrap="none" rtlCol="0">
+            <a:spAutoFit/>
           </a:bodyPr>
           <a:lstStyle/>
           <a:p>
             <a:r>
+              <a:rPr lang="fr-FR" dirty="0" err="1" smtClean="0"/>
+              <a:t>Defined</a:t>
+            </a:r>
+            <a:r>
               <a:rPr lang="fr-FR" dirty="0" smtClean="0"/>
-              <a:t>Step2 : </a:t>
-            </a:r>
-            <a:r>
-              <a:rPr lang="fr-FR" dirty="0" err="1" smtClean="0"/>
-              <a:t>creating</a:t>
-            </a:r>
-            <a:r>
-              <a:rPr lang="fr-FR" dirty="0" smtClean="0"/>
-              <a:t> a </a:t>
-            </a:r>
-            <a:r>
-              <a:rPr lang="fr-FR" dirty="0" err="1" smtClean="0"/>
-              <a:t>lossy</a:t>
-            </a:r>
-            <a:r>
-              <a:rPr lang="fr-FR" dirty="0" smtClean="0"/>
-              <a:t> plasma </a:t>
-            </a:r>
-            <a:r>
-              <a:rPr lang="fr-FR" dirty="0" err="1" smtClean="0"/>
-              <a:t>surrounding</a:t>
-            </a:r>
-            <a:r>
-              <a:rPr lang="fr-FR" dirty="0" smtClean="0"/>
-              <a:t> a </a:t>
-            </a:r>
-            <a:r>
-              <a:rPr lang="fr-FR" dirty="0" err="1" smtClean="0"/>
-              <a:t>low</a:t>
-            </a:r>
-            <a:r>
-              <a:rPr lang="fr-FR" dirty="0" smtClean="0"/>
-              <a:t> or non-</a:t>
-            </a:r>
-            <a:r>
-              <a:rPr lang="fr-FR" dirty="0" err="1" smtClean="0"/>
-              <a:t>lossy</a:t>
-            </a:r>
-            <a:r>
-              <a:rPr lang="fr-FR" dirty="0" smtClean="0"/>
-              <a:t> </a:t>
-            </a:r>
-            <a:r>
-              <a:rPr lang="fr-FR" dirty="0" smtClean="0"/>
-              <a:t>plasma</a:t>
+              <a:t> as : </a:t>
             </a:r>
             <a:endParaRPr lang="fr-FR" dirty="0"/>
           </a:p>
@@ -5531,27 +9086,29 @@
       </p:sp>
       <p:pic>
         <p:nvPicPr>
-          <p:cNvPr id="3074" name="Picture 2"/>
+          <p:cNvPr id="4099" name="Picture 3"/>
           <p:cNvPicPr>
             <a:picLocks noChangeAspect="1" noChangeArrowheads="1"/>
           </p:cNvPicPr>
           <p:nvPr/>
         </p:nvPicPr>
-        <p:blipFill rotWithShape="1">
-          <a:blip r:embed="rId2">
+        <p:blipFill>
+          <a:blip r:embed="rId3">
             <a:extLst>
               <a:ext uri="{28A0092B-C50C-407E-A947-70E740481C1C}">
                 <a14:useLocalDpi xmlns:a14="http://schemas.microsoft.com/office/drawing/2010/main" val="0"/>
               </a:ext>
             </a:extLst>
           </a:blip>
-          <a:srcRect l="16863" r="36219" b="7929"/>
-          <a:stretch/>
+          <a:srcRect/>
+          <a:stretch>
+            <a:fillRect/>
+          </a:stretch>
         </p:blipFill>
         <p:spPr bwMode="auto">
           <a:xfrm>
-            <a:off x="711200" y="1664965"/>
-            <a:ext cx="3482758" cy="3303275"/>
+            <a:off x="1380288" y="673816"/>
+            <a:ext cx="2628900" cy="447675"/>
           </a:xfrm>
           <a:prstGeom prst="rect">
             <a:avLst/>
@@ -5583,14 +9140,14 @@
       </p:pic>
       <p:sp>
         <p:nvSpPr>
-          <p:cNvPr id="3" name="ZoneTexte 2"/>
+          <p:cNvPr id="4" name="ZoneTexte 3"/>
           <p:cNvSpPr txBox="1"/>
           <p:nvPr/>
         </p:nvSpPr>
         <p:spPr>
           <a:xfrm>
-            <a:off x="2248352" y="2996952"/>
-            <a:ext cx="2520280" cy="923330"/>
+            <a:off x="215072" y="1121491"/>
+            <a:ext cx="5087803" cy="646331"/>
           </a:xfrm>
           <a:prstGeom prst="rect">
             <a:avLst/>
@@ -5598,144 +9155,138 @@
           <a:noFill/>
         </p:spPr>
         <p:txBody>
-          <a:bodyPr wrap="square" rtlCol="0">
+          <a:bodyPr wrap="none" rtlCol="0">
             <a:spAutoFit/>
           </a:bodyPr>
           <a:lstStyle/>
           <a:p>
             <a:r>
               <a:rPr lang="fr-FR" dirty="0" smtClean="0"/>
-              <a:t>Plasma1, </a:t>
-            </a:r>
-          </a:p>
-          <a:p>
+              <a:t>But I</a:t>
+            </a:r>
+            <a:r>
+              <a:rPr lang="fr-FR" baseline="-25000" dirty="0" smtClean="0"/>
+              <a:t>HFSS </a:t>
+            </a:r>
             <a:r>
               <a:rPr lang="fr-FR" dirty="0" smtClean="0"/>
-              <a:t>Constant </a:t>
+              <a:t>= </a:t>
+            </a:r>
+            <a:r>
+              <a:rPr lang="fr-FR" dirty="0" err="1" smtClean="0"/>
+              <a:t>I</a:t>
+            </a:r>
+            <a:r>
+              <a:rPr lang="fr-FR" baseline="-25000" dirty="0" err="1" smtClean="0"/>
+              <a:t>peak</a:t>
+            </a:r>
+            <a:r>
+              <a:rPr lang="fr-FR" dirty="0" smtClean="0"/>
+              <a:t> = </a:t>
+            </a:r>
+            <a:r>
+              <a:rPr lang="fr-FR" dirty="0" err="1" smtClean="0"/>
+              <a:t>sqrt</a:t>
+            </a:r>
+            <a:r>
+              <a:rPr lang="fr-FR" dirty="0" smtClean="0"/>
+              <a:t>(2) </a:t>
+            </a:r>
+            <a:r>
+              <a:rPr lang="fr-FR" dirty="0" err="1" smtClean="0"/>
+              <a:t>I</a:t>
+            </a:r>
+            <a:r>
+              <a:rPr lang="fr-FR" baseline="-25000" dirty="0" err="1" smtClean="0"/>
+              <a:t>rms</a:t>
+            </a:r>
+            <a:r>
+              <a:rPr lang="fr-FR" dirty="0" smtClean="0"/>
+              <a:t> but </a:t>
+            </a:r>
+            <a:r>
+              <a:rPr lang="fr-FR" dirty="0" err="1" smtClean="0"/>
+              <a:t>P</a:t>
+            </a:r>
+            <a:r>
+              <a:rPr lang="fr-FR" baseline="-25000" dirty="0" err="1" smtClean="0"/>
+              <a:t>rad</a:t>
+            </a:r>
+            <a:r>
+              <a:rPr lang="fr-FR" dirty="0" smtClean="0"/>
+              <a:t> </a:t>
+            </a:r>
+            <a:r>
+              <a:rPr lang="fr-FR" dirty="0" err="1" smtClean="0"/>
+              <a:t>is</a:t>
+            </a:r>
+            <a:r>
+              <a:rPr lang="fr-FR" dirty="0" smtClean="0"/>
+              <a:t> time-</a:t>
+            </a:r>
+            <a:r>
+              <a:rPr lang="fr-FR" dirty="0" err="1" smtClean="0"/>
+              <a:t>averaged</a:t>
+            </a:r>
+            <a:r>
+              <a:rPr lang="fr-FR" dirty="0" smtClean="0"/>
+              <a:t> </a:t>
             </a:r>
             <a:br>
               <a:rPr lang="fr-FR" dirty="0" smtClean="0"/>
             </a:br>
             <a:r>
-              <a:rPr lang="fr-FR" dirty="0" err="1" smtClean="0"/>
-              <a:t>losses</a:t>
-            </a:r>
-            <a:endParaRPr lang="fr-FR" dirty="0"/>
-          </a:p>
-        </p:txBody>
-      </p:sp>
-      <p:sp>
-        <p:nvSpPr>
-          <p:cNvPr id="5" name="ZoneTexte 4"/>
-          <p:cNvSpPr txBox="1"/>
-          <p:nvPr/>
-        </p:nvSpPr>
-        <p:spPr>
-          <a:xfrm>
-            <a:off x="956204" y="4010605"/>
-            <a:ext cx="2520280" cy="646331"/>
-          </a:xfrm>
-          <a:prstGeom prst="rect">
-            <a:avLst/>
-          </a:prstGeom>
-          <a:noFill/>
-        </p:spPr>
-        <p:txBody>
-          <a:bodyPr wrap="square" rtlCol="0">
-            <a:spAutoFit/>
-          </a:bodyPr>
-          <a:lstStyle/>
-          <a:p>
-            <a:r>
-              <a:rPr lang="fr-FR" dirty="0" smtClean="0"/>
-              <a:t>Plasma2, </a:t>
-            </a:r>
-          </a:p>
-          <a:p>
-            <a:r>
-              <a:rPr lang="fr-FR" dirty="0" err="1" smtClean="0"/>
-              <a:t>Increasing</a:t>
-            </a:r>
-            <a:r>
-              <a:rPr lang="fr-FR" dirty="0" smtClean="0"/>
-              <a:t> </a:t>
-            </a:r>
-            <a:r>
-              <a:rPr lang="fr-FR" dirty="0" err="1" smtClean="0"/>
-              <a:t>losses</a:t>
-            </a:r>
-            <a:endParaRPr lang="fr-FR" dirty="0"/>
-          </a:p>
-        </p:txBody>
-      </p:sp>
-      <p:cxnSp>
-        <p:nvCxnSpPr>
-          <p:cNvPr id="6" name="Connecteur droit avec flèche 5"/>
-          <p:cNvCxnSpPr/>
-          <p:nvPr/>
-        </p:nvCxnSpPr>
-        <p:spPr>
-          <a:xfrm>
-            <a:off x="2087724" y="2564904"/>
-            <a:ext cx="1404156" cy="0"/>
-          </a:xfrm>
-          <a:prstGeom prst="straightConnector1">
-            <a:avLst/>
-          </a:prstGeom>
-          <a:ln w="28575">
-            <a:solidFill>
-              <a:schemeClr val="accent2"/>
-            </a:solidFill>
-            <a:headEnd type="triangle" w="med" len="med"/>
-            <a:tailEnd type="triangle" w="med" len="med"/>
-          </a:ln>
-        </p:spPr>
-        <p:style>
-          <a:lnRef idx="1">
-            <a:schemeClr val="accent1"/>
-          </a:lnRef>
-          <a:fillRef idx="0">
-            <a:schemeClr val="accent1"/>
-          </a:fillRef>
-          <a:effectRef idx="0">
-            <a:schemeClr val="accent1"/>
-          </a:effectRef>
-          <a:fontRef idx="minor">
-            <a:schemeClr val="tx1"/>
-          </a:fontRef>
-        </p:style>
-      </p:cxnSp>
-      <p:sp>
-        <p:nvSpPr>
-          <p:cNvPr id="7" name="ZoneTexte 6"/>
-          <p:cNvSpPr txBox="1"/>
-          <p:nvPr/>
-        </p:nvSpPr>
-        <p:spPr>
-          <a:xfrm>
-            <a:off x="2447764" y="2195572"/>
-            <a:ext cx="504056" cy="369332"/>
-          </a:xfrm>
-          <a:prstGeom prst="rect">
-            <a:avLst/>
-          </a:prstGeom>
-          <a:noFill/>
-        </p:spPr>
-        <p:txBody>
-          <a:bodyPr wrap="square" rtlCol="0">
-            <a:spAutoFit/>
-          </a:bodyPr>
-          <a:lstStyle/>
-          <a:p>
-            <a:r>
               <a:rPr lang="fr-FR" dirty="0" smtClean="0">
+                <a:sym typeface="Wingdings" panose="05000000000000000000" pitchFamily="2" charset="2"/>
+              </a:rPr>
+              <a:t> </a:t>
+            </a:r>
+            <a:r>
+              <a:rPr lang="fr-FR" dirty="0" smtClean="0">
                 <a:solidFill>
                   <a:srgbClr val="FF0000"/>
                 </a:solidFill>
+                <a:sym typeface="Wingdings" panose="05000000000000000000" pitchFamily="2" charset="2"/>
               </a:rPr>
-              <a:t>D</a:t>
-            </a:r>
-            <a:endParaRPr lang="fr-FR" dirty="0">
+              <a:t>R</a:t>
+            </a:r>
+            <a:r>
+              <a:rPr lang="fr-FR" baseline="-25000" dirty="0" smtClean="0">
+                <a:solidFill>
+                  <a:srgbClr val="FF0000"/>
+                </a:solidFill>
+                <a:sym typeface="Wingdings" panose="05000000000000000000" pitchFamily="2" charset="2"/>
+              </a:rPr>
+              <a:t>a</a:t>
+            </a:r>
+            <a:r>
+              <a:rPr lang="fr-FR" dirty="0" smtClean="0">
+                <a:solidFill>
+                  <a:srgbClr val="FF0000"/>
+                </a:solidFill>
+                <a:sym typeface="Wingdings" panose="05000000000000000000" pitchFamily="2" charset="2"/>
+              </a:rPr>
+              <a:t> x </a:t>
+            </a:r>
+            <a:r>
+              <a:rPr lang="fr-FR" dirty="0" err="1" smtClean="0">
+                <a:solidFill>
+                  <a:srgbClr val="FF0000"/>
+                </a:solidFill>
+                <a:sym typeface="Wingdings" panose="05000000000000000000" pitchFamily="2" charset="2"/>
+              </a:rPr>
+              <a:t>sqrt</a:t>
+            </a:r>
+            <a:r>
+              <a:rPr lang="fr-FR" dirty="0" smtClean="0">
+                <a:solidFill>
+                  <a:srgbClr val="FF0000"/>
+                </a:solidFill>
+                <a:sym typeface="Wingdings" panose="05000000000000000000" pitchFamily="2" charset="2"/>
+              </a:rPr>
+              <a:t>(2)^2 to match ANTITER ?</a:t>
+            </a:r>
+            <a:endParaRPr lang="fr-FR" baseline="-25000" dirty="0">
               <a:solidFill>
                 <a:srgbClr val="FF0000"/>
               </a:solidFill>
@@ -5743,117 +9294,38 @@
           </a:p>
         </p:txBody>
       </p:sp>
-      <p:sp>
-        <p:nvSpPr>
-          <p:cNvPr id="9" name="AutoShape 7" descr="data:image/png;base64,iVBORw0KGgoAAAANSUhEUgAAAXIAAAD8CAYAAABq6S8VAAAABHNCSVQICAgIfAhkiAAAAAlwSFlzAAALEgAACxIB0t1+/AAAADl0RVh0U29mdHdhcmUAbWF0cGxvdGxpYiB2ZXJzaW9uIDIuMi4yLCBodHRwOi8vbWF0cGxvdGxpYi5vcmcvhp/UCwAAIABJREFUeJztnXu0JVV95z/fe7sbRo0CtkAHaMGxE4JZiZgbNA8VBYZH1giZ+IBEbZLudMgEkxlnMpKFS7OYlZU2rBkzSXxMD2FsX+AjUXoQJdAxS2YUpE0UwQx0i4o99KLlZXQRuu895zd/1K46VftUnar7On33ub+P61i1H7X3vtWX3/2d3/79fltmhuM4jpMuU0d6AY7jOM7icEHuOI6TOC7IHcdxEscFueM4TuK4IHccx0kcF+SO4ziJ0yrIJV0v6aCke1v6/ayknqTXLt3yHMdx0kLScZJuk7Q3XI9t6Pc5SU9KujmqP03SXeH5j0la1zZnF438A8AFLQufBt4F3NphPMdxnEnmKmC3mW0CdodyHdcCb6qpfxfw7vD8E8CWtglbBbmZfQF4vKXbW4C/Ag62jec4jjPhXAzsDPc7gUvqOpnZbuAH5TpJAl4NfLLt+TJrFrrS0sQnAb8cJv/Zlr7bgG0Az3zmM3/m9NNPX+z0I9n3w4eWdXxn+TBTds3LqLY+q8vvVCnnz5Q7x32JA5uNmvrRfVUXHB2No1Hjt/QZqi/PGfcd/PDDaxtqs9p6+jUvzPqVtnJE+I+95DSWm6985SuPmtnzFjPG+a96pj32eK/bfPccug94ulS1w8x2dJzqBDM7AGBmByQdP49lPhd40szmQnk/cFLbQ4sW5MCfAm8zs172x6SZ8CJ2AMzMzNiePXuWYPpm/vUdb1nW8Z3l43B/GoC5fvalcTaUZ3vZtdcffJnM+8z1qte8T7836Jvf93tB6Icr/WpZvdLvclQ3uGbNmquWy/dTRZ+ofq7Udy7qG/WZmrOhZ4q2Wate56Ly4X7pmX6oyybQbLgenquUOTQ7mOjw4VCXXe3QIQD6Tx8quvzNno+y3Ej6zmLHeOzxHl++dWOnvtMb9j5tZjMj1nM7cGJN09ULXF4xdE1dax6VpRDkM8CNQYivBy6SNGdmn16CsR3HcZYEA/r0W/t1Gsvs3KY2SY9I2hC08Q3Mz+T8KHCMpDVBKz8ZeLjtoUULcjMrvldJ+gBw80oR4uumu32NclYeU8EmcFjT1fqgnMxG9QAKzxTX8M/fq+mDMs3cwrfIXFPPv1RaSS/Kb4fVoqhFw2252Ig3o8riZCqqy8u59aKfL6ac4G7ItFJV5BQ/Cyjc99dmM0wVZpPpyvjqld6tranOHUws6i+NQBwnhjFrY5EJu4DNwPZwvanrg2Zmkj4PvBa4sevzXdwPbwC+BPy4pP2Stki6QtIVXRfnOI6zEuh3/N8i2Q6cJ2kvcF4oI2lG0nV5J0l3AJ8Azgmy9fzQ9DbgrZL2kdnM/7JtwlaN3Mwu67p6M7u8a99xcPT0bHsnZ0VyOPxq5pp5ronnGrpKu3j5/VxvWEsfpqr/9kJ5KpT7oVzWb/OZ1LDnOdqsWd2ArfsvLs4kHYuRwYprV5X9v+WbkEHrDs1T/cEzA008jJCvJZ8wLpfGpRc08TWh09o0NfLeGNJ2m9ljwDk19XuAraXyyxuefxA4az5zLoWN3HEcJwn67fuGSTLRgnxdeZvfSYpCA+9Xf0WbbOdlFGnxZWeqqUJ7D3pu4bSianluYHWMbeTtNvMSua06nz//lSz9WEN29AZvwKnShIUbZtAwB7bw6OG1pTUVdVP5IGHc8C2kMMqXLK793H6+tvKMEjyQxoCeC3LHcZy0cY3ccRwnYQyYTfCbRBcmWpD/C9/sTJbDUbjklPqhfvhXttgQ7TW7JrYTOwEOKIKGQp92E0tda+SOWLb6Vb3/hs0xjStj4HZYuAeGcrCElF9jZB3Bgoll4FkYuSOWGpW3rQlt/fREh2FuWnEcx0kag95kyvHJFuRH+WZn8uQblofiTc+SZpWH8zeOUXZVDPEgc0PBQ2ETNFePS/pvvyFkZzGaed03/KbgoaLvsKI8CBpqckMsv7ZiszMvh2emGwKFAHKXzjW5Zh4G7KXoftjwrWYCmGhB7jiOM0D0an3+02eiBblr5OkyHTTlQ5GeO7CVD6u0cfBQXp5l/jbznoaDnrtq5uW6AVVbdjm4Zyh8P3I3rHU/nB7dty7LovrVbwM2pInn9aWHClt79BUgwU3DbLPTBbnjOE6yZH7kLsiT4xlTh4/0EpwFUtjEg+aZa+JTNd4STcFDS0Y0bJtmDgNvkaKuCNEftqjnwTyFxp1r25XRI/turolHHi9xgi2VNND+2oZgoTzn15o8vH/wHaHQ0vMgoXBVp3QIK4++a+SO4zjp4hp5ohw95X7kqZN7UExRH6oP9fbyZaFBM8/D5JtTWtWYlKfLofNVT5OY2L+8XFdo6ZGtvPBaqZz2k3upVMfIk2flmvhUSfW34K1SaOSRF0tKGCqSpE0aEy3IHcdxyrhpJUGOco08eaat3vN3ah5eE2XtPY/+nIr8x+eDFdp0dW21ibYsKtcOmEd95t8+qrbrItCyRiMv+jRcqwdLBI+Z2Dbej54tpb7NNfHck0W5Jt5PT7M1xGFL07bfxkQLcsdxnJwsICi9P0BdcEHuOM6qwTc7E+RouWklWYLiNBWZVqaDHeDp/tr4ieEh8tzlLSH8C2UonL9k+ihOGpquNsmqQTlAaeOwmmOcuG9NiH6TaaUuiKg4ZrNwN8z7Rom3ShuxuUtiYWLpJ2xaMdGz9NbdhYkW5I7jOGX6rpGnh7sfpku+yVlo3g0aeu2zxabh8rrIDdwFq26IWU04AzQ/fad4Jg/UKY2TJ7yajtwQR0TDN4bmh9cTBwrBYBOzOFWoX9XEixD+8ulF/YbEWgkGBGWbnZMp8ibzp3Icx4nwzc5EcRt5ukwVqmWoCMXpIvKl+dnpJQgQagrOGdmnpKTmgSdFWtlQn2vddV8WivEKd8OgOcch/KU+Q7byyFxfjgfK3Qzz8fLDIorgoelqPxiRWGvt8n7bWS56E+pH3vrnSdL1kg5Kureh/dck3RM+X5T000u/TMdxnMWRR3Z2+SwGScdJuk3S3nA9tqHf5yQ9KenmqP4jku6XdG+Qv607+1008g8AfwF8sKH9W8ArzewJSRcCO4CXdhh32XEbeboUtvAoc9TUUGw6Q+rIbL9Q3xdMf7pdc4v7VDX0XDWuHvFm5FrwoOdQGH/hpVK1YVfGbwgWsii4p/wO8tdS2NWbvFhK73aQSKtatgS9VqCaEGwZuQrYbWbbJV0Vym+r6Xct8Azgt6L6jwBvDPcfBbYC7xs1YetPZWZfAB4f0f5FM3siFO8ETm4b03EcZ9xkSbOWXyMHLgZ2hvudwCW16zHbDfygpv4WCwBfpoNMXWob+Rbgs02NkrYB2wA2bty4xFMPc7Q8jW2qFEmyIhv5VJ2NPNba49OLF6CZd8nJEXuTVJ/JQ9uri+vnKvP04AcY+JjXjzvwJx9OgBVr3sUXmRo/couTZTV4sahGi89/jKLPVHq2ZkPMdg/RXy9pT6m8w8x2dHz2BDM7AGBmByQdP5915gSTypuA32vru2SCXNKryAT5Lzb1CS9iB8DMzEyauyWO4ySJGfMJCHrUzGaaGiXdDpxY03T1QtbWwHuBL5jZHW0dl0SQS/op4DrgQjN7bCnGXAqOlh/1NjGE//6mR9nIm04vLvdtUchyG+q66V5zn2DVXhPbyGvGHlKubdjnfCjBVqRtD/mXlwaOtXfrN7fHUZ9NXizl8zly3/I8He5UL/c1T08jBy1ZQJCZnds4i/SIpA1BG98AHJzv+JLeCTyPYft5LYs2BknaCPw18CYze2Cx4zmO4ywHRqaRd/kskl3A5nC/GbhpPg9L2gqcD1xm1iECjg4auaQbgLPJbEb7gXcSjmQ1s/cD7wCeC7xXEsDcqK8kjuM4R4oxHSyxHfi4pC3AQ8DrACTNAFeY2dZQvgM4HXhWkK1bzOxW4P3Ad4AvBZn612Z2zagJWwW5mV3W0r6VzD1mxeEBQenTGGY/YrOz0cRSbpuOq3M3uw5uhw196r62D5k+ak77KcL4i83Iahj/UKBQaaAiWCh3O4zdESsh+lTGKdwRcxNLERBUOudzTX34fr+fnmnF0FgOlgjm5XNq6vdQkpVm9vKG5+dt8p7oyE7HcZwcA2Y910p6+GZn+kxRbyKcLtc3aeI1mnmuNfdCQEsvuNGtm8cmWKx551re2hptz4qNy3AtNi5Lm51FGH81edaQVl0J0Y+ChfrVDdLYHREGGnesvQ+CiIbP+Sw2O6PwfesQMLXykOcjdxzHSRljbJGdY2eiBfnRanYhcyaJEPjVppmX6xZArnmvm+rV1tfV5QFBoxJsFWH8lvfNg4my5rpAoSIv2JQqfRvdEaExsVZRju3sDOzocfi+knQ/9BOCHMdxksZMrpGnyNolSGfqHCkW8m2qRTNvqmtbidXb0QsNvSZ4KLYh5wm2+jXh9gOtvRosVGjiU3lYfGn8/L4p5W2Ndq0m23hcLnmk5Db9OHy/X791saLJNjvTOxCjCxMtyB3HcQb4mZ1JcrQm0x62Osg11qq2mx+o3ODMEp4I3kqjbOQNmnmu0fZLvzv9qQZNvEFDBzDrVerycxjqbNmFrTryThn4lw8fRtGU8rY4LGJ6+JDnwmslspX3I0+XysESuZY+Fa0/we2nbLNzMmXCRAtyx3GcMmOK7Bw7Lsgdx1kVjCuy80gw0YL8KE3mX9/VQfadfio2seRmh3mYzXplMwlV00mvKGe/K0dNNQeR5aaOfoP74bqSvaEwqYR15+6Haxh2RyyChaZys0i+2ZkHCtWcKhTlFC/6FoFCeXtpoQ2bnPEmaGUjs1812dTlLE8JP3zZcRwnYcxgNtEj6tqYaEG+dkL/+q4KCoU1SrC9ELfEhSbYKrrkp/tUtfWmAKHsmRb3w+mB2jsUxp9r17mGHrThqvthNZx/KLFWtOmZFcIlPk0oDt0vz1No6c05y1MhM61MpkxI8J/DcRxnYXhkZ4IcpYn+8SabXPuNNPN+B8280KDr/qNt0MTzJFq5rbxXUn/7eTrk6XzmbNyjRrgf5lp64c4Y7Od1boF54q7pvC3UN7kjQofEWtNV7R5KqWgjjXwoUKgm9W3hflhc0xOI7n7oOI6TPG5aSZK1rpGnT4NmXs3p2t1uXmjrmqqUi0NIRvx3nmvtR0XaaF0If/5tYF0UGNQLKm75vM+87yCNbIMXSym97MCOnpXzU+2Lcm47Lx8S0ZLGlhE28sKeHtnKU2OpzuxcabikcxxnVZB5rSTqN9mCC3LHcVYFHhDkOI4zAbhpxXEcJ2Hca8VxHGcCmFSvldafStL1kg5KurehXZL+TNI+SfdIesnSL9NxHGdxmIk5m+r0WQySjpN0m6S94XpsQ7/PSXpS0s0N7X8u6Ydd5uyy4g8AF4xovxDYFD7bgPd1mdhxHGfc9E2dPovkKmC3mW0CdodyHdcCb6prkDQDHNN1wlZBbmZfAB4f0eVi4IOWcSdwjKQNXRfgOI4zDnIb+RgE+cXAznC/E7ikdj1mu4EfxPWSpsmE/H/qOuFSGIxOAr5bKu8PdUNI2iZpj6Q93/ve95ZgasdxnO7MQ5Cvz2VV+GybxzQnmNkBgHA9fp7LvBLYlY/RhaXY7Kz781Ub9mVmO4AdADMzM2mGhjmOkyTz9CN/1Mxmmhol3Q6cWNN09ULWVhr3R4HXAWfP57mlEOT7gVNK5ZOBh5dgXMdxnCVlqfzIzezcpjZJj0jaYGYHgpn54DyGPhN4IbBP2eEnz5C0z8xeOOqhpTCt7ALeHLxXXgZ8fz5fCRzHccaBGcz1pzp9FskuYHO43wzc1H2N9hkzO9HMTjWzU4Gn2oQ4dNDIJd1Apuavl7QfeCewNkz6fuAW4CJgH/AU8OtdF+04jjNOxhQQtB34uKQtwENkppLcE+UKM9sayncApwPPCrJ1i5ndupAJWwW5mV3W0m7A7yxkcsdxnHExrlwrZvYYcE5N/R5ga6n88g5jPavLnB7Z6TjOqsHGo5GPHRfkjuOsGjxpluM4TsKYedIsx3GcxFFxytOk4YLccZxVg9vIHcdxEsbzkTuO46SOZXbyScQFueM4qwb3WnEcx0kY881Ox3Gc9HHTiuM4TuK414rjOE7CmLkgdxzHSR53P3Qcx0kct5E7juMkjCH67rXiOI6TNhOqkLsgdxxnleCbnY7jOBPAhKrkLsgdx1k1uEbuOI6TMAb0+y7IHcdx0sUA18gdx3HSZlL9yDs5VUq6QNL9kvZJuqqmfaOkz0v6B0n3SLpo6ZfqOI6zSKzjZxFIOk7SbZL2huuxDf0+J+lJSTdH9ZL0R5IekPSPkn63bc5WQS5pGngPcCFwBnCZpDOibm8HPm5mZwKXAu9tG9dxHGe8CLNun0VyFbDbzDYBu0O5jmuBN9XUXw6cApxuZj8B3Ng2YReN/Cxgn5k9aGaHw6AXR30MeHa4fw7wcIdxHcdxxssYNHIy+bgz3O8ELqlditlu4Ac1Tb8NXGNm/dDvYNuEXQT5ScB3S+X9oa7MHwJvlLQfuAV4S4dxHcdxxoeB9dXpA6yXtKf02TaPmU4wswMA4Xr8PFf6L4E3hHk/K2lT2wNdNjvrvmfEf7MuAz5gZv9F0s8BH5L0k/lflGKg7GVsA9i4cWOHqR3HcZaSzmaTR81spnEU6XbgxJqmqxeyqoijgKfNbEbSvwGuB14+6oEugnw/mb0m52SGTSdbgAsAzOxLko4G1gOVrwRmtgPYATAzMzOh+8eO46xYlkjqmNm5TW2SHpG0wcwOSNpAJAc7sB/4q3D/KeB/tj3QxbRyN7BJ0mmS1pFtZu6K+jwEnAMg6SeAo4HvdVy04zjOeBiPjXwXsDncbwZumufznwZeHe5fCTzQ9kCrIDezOeBK4FbgH8m8U+6TdI2k14Ru/wH4TUlfA24ALjebVI9Nx3GSJA8I6vJZHNuB8yTtBc4LZSTNSLou7yTpDuATwDmS9ks6v/T8r0j6OvDHwNa2CTsFBJnZLWSbmOW6d5TuvwH8QpexHMdxjhTjUC/N7DGChSKq30NJKJtZrd3bzJ4Efmk+c3pkp+M4qwfPteI4jpM2mlCDrwtyx3FWB0uzkbkicUHuOM4qYUk2MlckLsgdx1k9uEbuOI6TOP32LinigtxxnNWBHyzhOI6TPu614jiOkzoTKsg7nRDkOI7jrFxcI3ccZ9XgphXHcZyUMTxE33EcJ3lcI3ccx0kbN604juOkjgtyx3GcxHFB7jiOky4yN604juOkj3utOI7jpI1r5I7jOKnjgtxxHCdh3EbuOI4zAUyoIO+UNEvSBZLul7RP0lUNfV4v6RuS7pP00aVdpuM4zuJRv9tnUXNIx0m6TdLecD22od/nJD0p6eao/hxJfy/pq5L+t6QXts3ZKsglTQPvAS4EzgAuk3RG1GcT8AfAL5jZi4B/1zau4zjOhHIVsNvMNgG7Q7mOa4E31dS/D/g1M3sx8FHg7W0TdtHIzwL2mdmDZnYYuBG4OOrzm8B7zOwJADM72GFcx3Gc8WIdP4vjYmBnuN8JXFK7FLPdwA8aVvnscP8c4OG2CbvYyE8Cvlsq7wdeGvX5MQBJ/weYBv7QzD7XYWzHcZzxML/NzvWS9pTKO8xsR8dnTzCzAwBmdkDS8fNYJcBW4BZJ/wz8E/Cytge6CPI6D/r4dawBNgFnAycDd0j6STN7sjKQtA3YBrBx48YOUzuO4ywh3QX5o2Y209Qo6XbgxJqmqxewqph/D1xkZndJ+n3gv5IJ90a6CPL9wCml8skMq/r7gTvNbBb4lqT7yQT73eVO4S/aDoCZmZkJ3T92HGfFskRSx8zObWqT9IikDUEb3wB0NjVLeh7w02Z2V6j6GNBq3ehiI78b2CTpNEnrgEuBXVGfTwOvCgtZT2ZqebDj2h3HcZYdMR6vFTL5uDncbwZumsezTwDPkfRjoXwe8I9tD7Vq5GY2J+lK4FYy+/f1ZnafpGuAPWa2K7T9K0nfAHrA75vZY/NYvOM4zvIyvoCg7cDHJW0BHgJeByBpBrjCzLaG8h3A6cCzJO0HtpjZrZJ+E/grSX0ywf4bbRN2Cggys1uAW6K6d5TuDXhr+DiO46xMxiDIgxJ7Tk39Hkq2bjN7ecPznwI+NZ85PbLTcZzVw4TuzLkgdxxn1eC5VhzHcVLHBbnjOE7C2JJ4pKxIXJA7jrN6cI3ccRwnbdxG7jiOkzouyB3HcRJmaTIbrkhckDuOsyoQblpxHMdJHhfkjuM4qeOC3HEcJ3FckDuO4yTM+LIfjh0X5I7jrB5ckDuO46SNh+g7juMkjptWHMdxUsYDghzHcSYAF+SO4zjp4pGdjuM4E4D6kynJXZA7jrM6cBu54zhO+kyqaWXqSC/AcRxnbFjHzyKQdJyk2yTtDddja/q8WNKXJN0n6R5Jbyi1nSbprvD8xySta5uzkyCXdIGk+yXtk3TViH6vlWSSZrqM6ziOM05k3T6L5Cpgt5ltAnaHcsxTwJvN7EXABcCfSjomtL0LeHd4/glgS9uErYJc0jTwHuBC4AzgMkln1PT7EeB3gbvaxnQcxzkijEEjBy4Gdob7ncAlQ8swe8DM9ob7h4GDwPMkCXg18MlRz8d00cjPAvaZ2YNmdhi4MSw05j8DfwI83WFMx3Gc8WJZiH6XD7Be0p7SZ9s8ZjrBzA4AhOvxozpLOgtYB3wTeC7wpJnNheb9wEltE3bZ7DwJ+G6pvB94abSQM4FTzOxmSf9xxIK3AdsANm7c2GFqx3GcpWGefuSPmlmjiVjS7cCJNU1Xz2tN0gbgQ8BmM+sHjTymddVdBPnIgSVNAe8GLm8byMx2ADsAZmZmJnT/2HGcFYstjdgxs3Ob2iQ9ImmDmR0IgvpgQ79nA58B3m5md4bqR4FjJK0JWvnJwMNt6+liWtkPnFIqxwP/CPCTwN9J+jbwMmCXb3g6jrPSGNNm5y5gc7jfDNw0tI7ME+VTwAfN7BN5vZkZ8HngtaOej+kiyO8GNgWXmHXApWGh+cTfN7P1ZnaqmZ0K3Am8xsz2dBjbcRxnPHTd6Fy8IN8OnCdpL3BeKCNpRtJ1oc/rgVcAl0v6avi8OLS9DXirpH1kNvO/bJuw1bRiZnOSrgRuBaaB683sPknXAHvMbNfoERzHcVYG48hHbmaPAefU1O8Btob7DwMfbnj+QTInk850iuw0s1uAW6K6dzT0PXs+C3AcxxkXfrCE4zhOyhhLttm50nBB7jjOqmFSc61MtCCfLXzqndQ4FP7tZumHcnZ9OmhUszbwin3apsN1TbiurZQP2+DX/HDom19ni2ezZw71w7PhmtVlz8+Fvnn5cF7fD2P2BvPM9adCn+lKuReuc72Bn0F+n7f1w8/W72dX64Vrv+QJHO6V1wWTQWE66KlaBqZ6oU8QZupF13iMmj5TPauUk8MFueM4Trr4wRKJcsg18mSJNfHDkSaea+HZfa55T0fXqoYOA037kFU179lIQ58tjZ/3PdSrauB5udDMbaBlx5r4bCjP9rJrr9S3n2vrQTPvN1wpaeS5lq74mmvqhSZd1uKJ2lrqGdbSB9cEJaJZmuvuwEQLcsdxnAqTKccnW5DnWp2THrEmfijSxJ+usXsPbOPRtWzvjuqabOO5HRxgNmjMed2hSAM/XNjIB1p8fp9r4nOFJq5QHraR5zbxwjaea+A2bCNvsoUP7N1Vzby+T3Ydsp3X2Mhj2/hUol923bTiOI6TMga4aSU9cq3OSY/YOyXXxA9TtYNnbfWa+GzQ2mcr2vuaqK1qE4+17vL9bKyBF14r1XoYeKAUNvF+VRMva+SNXiq5fTuyg1fq8l/xIds41faauiYb+VRJix/SxItyogIx0WW3MdGC3HEcp4ybVhzHcRLHvVYS5OkJDcddDcQmldjFsOJSaLELYXA7jDY0obSpaWuq5QY3xKxPUwBQbmKpuhrCYJOzF7kf5pue/VLfNnfD2NWwfD+0qRmbWOoCguIgn3jTc5T7Yc24ybA0mQ1XJBMtyB3HcXKygKDJlOQTLcjLYdxOWrRp4mUtexBmvy67NrgWlsdrcjeMtW8YDsEvNPB88zNyNYTBJudcHOwTuRjCQAMvNjcj98PBhubg/QxpyOHZpjD88vNq6DPQtgfCrmmTcyrVzc4Uv0l0YKIFueM4ThnXyBOkHMbtpEWbJj5bcT8crYmXg4e6auKHSgmw4hD8OAAotn/DcOBPnBirV3Y/LJJiVW3jGuV+GCfLarB/V+zdLX2G3BIpafhzcTlBgeg2csdxnNTxXCtJUtbEnLTItepmjXzwb9umic9Wwu1z+3Zuw64G98SJsLL7yEsl0sQHninDYfdF+H0e9BMH+5Tv+9VyU0KsrI6oTyiP8C5pTWNb2L8Hz8Q2cSUfEJToultwSec4zurAEnWb7MBEC/KyZ4OTFvGhELEm/nR/2I+8SROvhNtHKWmL8PtIMy+H28f+4nFK2rqw+yJJVr/eR7xf6lskxYpt4Q0Jscp92rXs0jMNofhDybNK2naeHKvQxOcS91pxjdxxHCdxJlOOM9XexXEcZzJQv9/ps6g5pOMk3SZpb7geW9PnxZK+JOk+SfdIekOp7SOS7pd0r6TrJbWaFjpp5JIuAP4bMA1cZ2bbo/a3AluBOeB7wG+Y2Xe6jL2c+GZnusQmlUEI/fCpP20mlUPlvpFJ5VBkSomDfMpts5G5JDel1LofNphS4qCfct3ApJJdhnKOz8eVcIT7YRyKPyrXeLwBmnt9JOt+OB4b+VXAbjPbLumqUH5b1Ocp4M1mtlfSjwJfkXSrmT0JfAR4Y+j3UTLZ+r5RE7Zq5JKmgfcAFwJnAJdJOiPq9g/AjJn9FPBJ4E/axnUcxxknwpB1+yySi4Gd4X4ncEncwcweMLO94f5h4CDwvFC+xQLAl4GT2ybsorKeBewzswcBJN0YFvqN0qI+X+p/J4O/JkeUPFDESY/C7TA6Y/NwFGIPw2H3uYYcb2xmfeo18WKTM9rYhIEmHm9yFu6HvZognzwUv9DIq0E/VpMAKw78GXIt7NWbn8+KAAANYklEQVS4HzYEBMUbmXV91CHXeLGpGbshpuqP3V1Ir5e0p1TeYWY7Oj57gpkdyKazA5KOH9VZ0lnAOuCbUf1a4E3A77VN2EWQnwR8t1TeD7x0RP8twGfrGiRtA7YBbNy4scPUjuM4S0h3Qf6omc00NUq6HTixpunq+SxH0gbgQ8Bms6GTcN4LfMHM7mgbp4sgr8s8Vfs2JL0RmAFeWdce/qLtAJiZmVn2P+llFzUnLXKNfPi0+9xG3hx2nwf7xPbw8n2bJj5bsncPuRtGYfbxmZvltqEAoFGn/TSkpo0186wPUZ/oOircPtLam8Lws7pIE5/Lrwk6ZC+hjdzMzm1qk/SIpA1BG99AZjap6/ds4DPA283szqjtnWSmlt/qsp4uXiv7gVNK5ZOBh2sWdS7ZX6PXmNmhLpM7juOMk3F4rQC7gM3hfjNw09A6pHXAp4APmtknoratwPnAZTVaei1dNPK7gU2STgP+H3Ap8KvRxGcC/x24wMxq//ocCTwgKF1mIxt5nCyrYiOPEmDlYfd152+2aeJdUtJ2SYQ1dO7miEMimgJ/hoJ+Rtq766/VcPu8zqK+9WH4lbbZfiiH62yCGjk2roCg7cDHJW0BHgJeByBpBrjCzLYCrwdeATxX0uXhucvN7KvA+4HvAF+SBPDXZnbNqAlbBbmZzUm6EriVzP3wejO7T9I1wB4z2wVcCzwL+ESY+CEze828fnTHcZzlxBiLIDezx4Bzaur3kLkSYmYfBj7c8Py8/aY7PWBmtwC3RHXvKN032ouOJG4jT5cmDTzW1LO2+lS0g7D7sk/4aE08PzyibCNv08TrEmG1HtdW9kBp8Bcf5RPeaO9usJ1n9/VeKk1h+OU+w5p5+cSKhEjxi0QHPGLGcZxVgx8skSBuI0+XJg28SHI14nDkOBVtHq0J3TXxuREpaYsDlHuxr3jJd6BRE88uFXv33GgvlfqkWaOvdQcpN3qpFJ4peXvJRh55qcTX5HBB7jiOkzBm0Ev0D1ALLsgdx1k9uEaeHod8szNZnu7Hm51R/nAb3sCMTSqx+aRc1xR2H29slu/jzc3CpDJX3diEGpPKXBT0UxNuPxWbWEZuXHa7Ts3Z0DNTsw2n/swNb3YW7oa5JjsXXVPDBbnjOE7CGJBqjpgWJlqQu/thusQpaPPzMOuCfOJzN4c2MjskwGpyMYRSwM/c6JS0lURYcw2JsKLw+0rbfFLSRuH08eZm3fmbTeduFmH4c5H2DcObncHtUHMpuh8adAuUTI6JFuSO4zgFhm92pshTfU9jmypNia9m84MfymH3vaqb4UISYDUF+0CzJm5RuVMirCL4ZtA3DsGPD3gYuAkOhm8K/GkK8gGYmq3ON2Qrn6sG/WR1DW6HqQYEuY3ccRwncVyQp0fZjuqkRVMCrOJItv6wJ0pT4quydt2micfBPtl9R018ruyJMvpwiOpxatVrU/h9XdKsob6x7bzm2Lb4OpQQq2wjnw0DFdcw4OFZ0mNsSbPGjks6x3FWBwYsPkXtimSiBblr5OkS+4bPRbbxsm94bBsfsoOXPFDi49nafMShuyZe9Q2PNPGhMHxKfbNrbBPvFKIfhdkPea3UJMBq8iMvNPOSj/iQl8pcmNBt5CsKl3SO46wSPEQ/Sf65537kqdLkG57btiupaRts4rm2XT4koqsmXkRrQnMCrA7RmrEmXmjdHQ6JGE5uNXhmYAuvT3iVa92VQyKiOs3We6QUdvHyfa6Bx5p5Shh0PHAnOSZakDuO41TwyE7HcZzEcRt5ehz2zc5kaQvyKecLz00nc4WJpd6lEEqn2wdzSS/awIxP9im3tZlURiW1ik0qqjGTzCe3+NBpP0UwT/WZ3MSS1VU3NYsN0tkRCbFyU0rubjibXS1F90Mz91pxHMdJHtfI0+Np3+xMlnhTM9fI883JulPue5ZpxrEmXj7dvqsm3ikBVkOyq/IzQy6EczV9403NxhD9knYdux1GIfkDd8RyiH4U+BO07YGLYTaIZktfFyJ3Qwtlm01QI8ewVN0mW5hoQe44jlPgaWzTpBw04qRFbAuPg3zKYfftp9yXNPJe1d2wKRXtyARYLcE+5fvYhTC2mZfbhlPR5vV1KWmr4xQ28uhwiLKNvCnwJ3cxLAKByilq45D8wwnbyGEsaWwlHQd8DDgV+DbwejN7IurzYuB9wLPJTnL9IzP7WNTnz4FfN7Nntc051dYhDHiBpPsl7ZN0VU37UZI+FtrvknRql3Edx3HGhQHWt06fRXIVsNvMNgG7QznmKeDNZvYi4ALgTyUdkzdKmgGOqXmullaNXNI08B7gPGA/cLekXWb2jVK3LcATZvZCSZcC7wLe0HURy8XTvYn+wjHRxJp4Ye8OmvOoIJ++NZ9u31kTr0uA1R+tiVe07AabeGz3huGUtMNa9vD4RZh93icOv687JKJNE8+177L9u/BSOZxdQx+bS1Ajt7EdLHExcHa43wn8HfC26lLsgdL9w5IOAs8Dngwy91rgV4Ff7jJhF438LGCfmT1oZoeBG8NC44XvDPefBM6RJBzHcVYQ1ut1+gDrJe0pfbbNY5oTzOwAQLgeP6qzpLOAdcA3Q9WVwK58jC50UVlPAr5bKu8HXtrUx8zmJH0feC7waLTgbUD+Qn4o6f6uC10g6+M1rCB8bQvD17Ywlm1ti9TZuq7r+YuZBOAHPHHr7fbJ9R27P2pmFzQ1SrodOLGm6er5rEnSBuBDwGYz60v6UeB1DDT6TnQR5HX/SrERqUsfzGwHsKPDnEuCpD1mNjOu+eaDr21h+NoWxkpd2zjXNUowL2Csc5vaJD0iaYOZHQiC+mBDv2cDnwHebmZ3huozgRcC+8IfyGdI2mdmLxy1ni6mlf3AKaXyycDDTX0krQGeAzzeYWzHcZxJYxewOdxvBm6KO0haB3wK+KCZfSKvN7PPmNmJZnaqmZ0KPNUmxKGbIL8b2CTptDD5pWGhTQt/LfC3ZhMaQuU4jjOa7cB5kvaSOYlsh8wTRdJ1oc/rgVcAl0v6avi8eKETtppWgs37SuBWYBq43szuk3QNsMfMdgF/CXxI0j4yTfzShS5oiRmbGWcB+NoWhq9tYazUta3UdS0YM3sMOKemfg+wNdx/GPhwh7FafcgB5Iqz4zhO2nQKCHIcx3FWLi7IHcdxEidZQb6YtAGS/iDU3y/p/COwtrdK+oakeyTtlvT8UluvtPkRbyqPY22XS/peaQ1bS22bJe0Nn83xs8u8rneX1vSApCdLbcv9zq6XdFDSvQ3tkvRnYe33SHpJqW0531nbun4trOceSV+U9NOltm9L+np4Z3uWcl0d13a2pO+X/t3eUWob+bvg1GBmyX3INl2/CbyALCLqa8AZUZ9/C7w/3F8KfCzcnxH6HwWcFsaZHvPaXgU8I9z/dr62UP7hEX5vlwN/UfPsccCD4XpsuD92XOuK+r+FbNN92d9ZGP8VwEuAexvaLwI+SxZP8TLgruV+Zx3X9fP5fMCF+bpC+dvA+iP4zs4Gbl7s74J/sk+qGvli0gZcDNxoZofM7FvAvjDe2NZmZp83s6dC8U4y3/xx0OW9NXE+cJuZPW5ZJrfbyJL9HIl1XQbcsERzt2JmX2B0XMTFZP7AZllgxzEhEGQ531nruszsizbIujfO37Mu76yJxfyOrlpSFeR1aQNOaupjZnNAnjagy7PLvbYyW8i0uZyjleV2uFPSJUu4rvms7VfC1/FPSsqDwZbzvXUeO5ihTgP+tlS9nO+sC03rX+7ftfkQ/54Z8DeSvqL55RFZSn5O0tckfVbSi0LdSnpnyZBqesDFpA3olE5gEXQeX9IbgRnglaXqjZZlQ3sB8LeSvm5m36x7fpnW9r+AG8zskKQryL7VvLrjs8u5rpxLgU+aWfmol+V8Z104Ur9rnZD0KjJB/oul6l8I7+x44DZJ/zdo0ePi74Hnm9kPJV0EfBrYxAp5Z6mRqka+mLQBXZ5d7rUh6VyyBDuvMbNDeb2ZPRyuD5KlvzxznGszs8dK6/kfwM90fXY511XiUiKzyjK/sy40rX+5f9dakfRTwHXAxZYFqgCVd3aQLFR8Kc2LrZjZP5nZD8P9LcBaSetZAe8sSY60kX4hH7JvEg+SfcXON0ReFPX5HaqbnR8P9y+iutn5IEu72dllbWeSbehsiuqPBY4K9+uBvSzhRk/HtW0o3f8ycGe4Pw74VljjseH+uHGtK/T7cbJNOo3rnZXmOZXmjbtforrZ+eXlfmcd17WRbA/o56P6ZwI/Urr/InDBmN/Zifm/I9kfkYfC++v0u+Cf6H0e6QUs4pfkIuCBIBCvDnXXkGm4AEcDnwi/yF8GXlB69urw3P3AhUdgbbcDjwBfDZ9dof7nga+HX96vA1uOwNr+GLgvrOHzwOmlZ38jvM99ZEdQjW1dofyHwPbouXG8sxuAA8Asmca4BbgCuCK0i+zwlW+GNcyM6Z21res64InS79meUP+C8L6+Fv6trz4C7+zK0u/ZnZT+2NT9Lvhn9MdD9B3HcRInVRu54ziOE3BB7jiOkzguyB3HcRLHBbnjOE7iuCB3HMdJHBfkjuM4ieOC3HEcJ3H+P9I2QnJe4PnWAAAAAElFTkSuQmCC"/>
-          <p:cNvSpPr>
-            <a:spLocks noChangeAspect="1" noChangeArrowheads="1"/>
-          </p:cNvSpPr>
-          <p:nvPr/>
-        </p:nvSpPr>
-        <p:spPr bwMode="auto">
-          <a:xfrm>
-            <a:off x="155575" y="-144463"/>
-            <a:ext cx="304800" cy="304801"/>
-          </a:xfrm>
-          <a:prstGeom prst="rect">
-            <a:avLst/>
-          </a:prstGeom>
-          <a:noFill/>
-          <a:extLst>
-            <a:ext uri="{909E8E84-426E-40DD-AFC4-6F175D3DCCD1}">
-              <a14:hiddenFill xmlns:a14="http://schemas.microsoft.com/office/drawing/2010/main">
-                <a:solidFill>
-                  <a:srgbClr val="FFFFFF"/>
-                </a:solidFill>
-              </a14:hiddenFill>
-            </a:ext>
-          </a:extLst>
-        </p:spPr>
-        <p:txBody>
-          <a:bodyPr vert="horz" wrap="square" lIns="91440" tIns="45720" rIns="91440" bIns="45720" numCol="1" anchor="t" anchorCtr="0" compatLnSpc="1">
-            <a:prstTxWarp prst="textNoShape">
-              <a:avLst/>
-            </a:prstTxWarp>
-          </a:bodyPr>
-          <a:lstStyle/>
-          <a:p>
-            <a:endParaRPr lang="fr-FR"/>
-          </a:p>
-        </p:txBody>
-      </p:sp>
-      <p:sp>
-        <p:nvSpPr>
-          <p:cNvPr id="10" name="AutoShape 9" descr="data:image/png;base64,iVBORw0KGgoAAAANSUhEUgAAAXIAAAD8CAYAAABq6S8VAAAABHNCSVQICAgIfAhkiAAAAAlwSFlzAAALEgAACxIB0t1+/AAAADl0RVh0U29mdHdhcmUAbWF0cGxvdGxpYiB2ZXJzaW9uIDIuMi4yLCBodHRwOi8vbWF0cGxvdGxpYi5vcmcvhp/UCwAAIABJREFUeJztnXu0JVV95z/fe7sbRo0CtkAHaMGxE4JZiZgbNA8VBYZH1giZ+IBEbZLudMgEkxlnMpKFS7OYlZU2rBkzSXxMD2FsX+AjUXoQJdAxS2YUpE0UwQx0i4o99KLlZXQRuu895zd/1K46VftUnar7On33ub+P61i1H7X3vtWX3/2d3/79fltmhuM4jpMuU0d6AY7jOM7icEHuOI6TOC7IHcdxEscFueM4TuK4IHccx0kcF+SO4ziJ0yrIJV0v6aCke1v6/ayknqTXLt3yHMdx0kLScZJuk7Q3XI9t6Pc5SU9KujmqP03SXeH5j0la1zZnF438A8AFLQufBt4F3NphPMdxnEnmKmC3mW0CdodyHdcCb6qpfxfw7vD8E8CWtglbBbmZfQF4vKXbW4C/Ag62jec4jjPhXAzsDPc7gUvqOpnZbuAH5TpJAl4NfLLt+TJrFrrS0sQnAb8cJv/Zlr7bgG0Az3zmM3/m9NNPX+z0I9n3w4eWdXxn+TBTds3LqLY+q8vvVCnnz5Q7x32JA5uNmvrRfVUXHB2No1Hjt/QZqi/PGfcd/PDDaxtqs9p6+jUvzPqVtnJE+I+95DSWm6985SuPmtnzFjPG+a96pj32eK/bfPccug94ulS1w8x2dJzqBDM7AGBmByQdP49lPhd40szmQnk/cFLbQ4sW5MCfAm8zs172x6SZ8CJ2AMzMzNiePXuWYPpm/vUdb1nW8Z3l43B/GoC5fvalcTaUZ3vZtdcffJnM+8z1qte8T7836Jvf93tB6Icr/WpZvdLvclQ3uGbNmquWy/dTRZ+ofq7Udy7qG/WZmrOhZ4q2Wate56Ly4X7pmX6oyybQbLgenquUOTQ7mOjw4VCXXe3QIQD6Tx8quvzNno+y3Ej6zmLHeOzxHl++dWOnvtMb9j5tZjMj1nM7cGJN09ULXF4xdE1dax6VpRDkM8CNQYivBy6SNGdmn16CsR3HcZYEA/r0W/t1Gsvs3KY2SY9I2hC08Q3Mz+T8KHCMpDVBKz8ZeLjtoUULcjMrvldJ+gBw80oR4uumu32NclYeU8EmcFjT1fqgnMxG9QAKzxTX8M/fq+mDMs3cwrfIXFPPv1RaSS/Kb4fVoqhFw2252Ig3o8riZCqqy8u59aKfL6ac4G7ItFJV5BQ/Cyjc99dmM0wVZpPpyvjqld6tranOHUws6i+NQBwnhjFrY5EJu4DNwPZwvanrg2Zmkj4PvBa4sevzXdwPbwC+BPy4pP2Stki6QtIVXRfnOI6zEuh3/N8i2Q6cJ2kvcF4oI2lG0nV5J0l3AJ8Azgmy9fzQ9DbgrZL2kdnM/7JtwlaN3Mwu67p6M7u8a99xcPT0bHsnZ0VyOPxq5pp5ronnGrpKu3j5/VxvWEsfpqr/9kJ5KpT7oVzWb/OZ1LDnOdqsWd2ArfsvLs4kHYuRwYprV5X9v+WbkEHrDs1T/cEzA008jJCvJZ8wLpfGpRc08TWh09o0NfLeGNJ2m9ljwDk19XuAraXyyxuefxA4az5zLoWN3HEcJwn67fuGSTLRgnxdeZvfSYpCA+9Xf0WbbOdlFGnxZWeqqUJ7D3pu4bSianluYHWMbeTtNvMSua06nz//lSz9WEN29AZvwKnShIUbZtAwB7bw6OG1pTUVdVP5IGHc8C2kMMqXLK793H6+tvKMEjyQxoCeC3LHcZy0cY3ccRwnYQyYTfCbRBcmWpD/C9/sTJbDUbjklPqhfvhXttgQ7TW7JrYTOwEOKIKGQp92E0tda+SOWLb6Vb3/hs0xjStj4HZYuAeGcrCElF9jZB3Bgoll4FkYuSOWGpW3rQlt/fREh2FuWnEcx0kag95kyvHJFuRH+WZn8uQblofiTc+SZpWH8zeOUXZVDPEgc0PBQ2ETNFePS/pvvyFkZzGaed03/KbgoaLvsKI8CBpqckMsv7ZiszMvh2emGwKFAHKXzjW5Zh4G7KXoftjwrWYCmGhB7jiOM0D0an3+02eiBblr5OkyHTTlQ5GeO7CVD6u0cfBQXp5l/jbznoaDnrtq5uW6AVVbdjm4Zyh8P3I3rHU/nB7dty7LovrVbwM2pInn9aWHClt79BUgwU3DbLPTBbnjOE6yZH7kLsiT4xlTh4/0EpwFUtjEg+aZa+JTNd4STcFDS0Y0bJtmDgNvkaKuCNEftqjnwTyFxp1r25XRI/turolHHi9xgi2VNND+2oZgoTzn15o8vH/wHaHQ0vMgoXBVp3QIK4++a+SO4zjp4hp5ohw95X7kqZN7UExRH6oP9fbyZaFBM8/D5JtTWtWYlKfLofNVT5OY2L+8XFdo6ZGtvPBaqZz2k3upVMfIk2flmvhUSfW34K1SaOSRF0tKGCqSpE0aEy3IHcdxyrhpJUGOco08eaat3vN3ah5eE2XtPY/+nIr8x+eDFdp0dW21ibYsKtcOmEd95t8+qrbrItCyRiMv+jRcqwdLBI+Z2Dbej54tpb7NNfHck0W5Jt5PT7M1xGFL07bfxkQLcsdxnJwsICi9P0BdcEHuOM6qwTc7E+RouWklWYLiNBWZVqaDHeDp/tr4ieEh8tzlLSH8C2UonL9k+ihOGpquNsmqQTlAaeOwmmOcuG9NiH6TaaUuiKg4ZrNwN8z7Rom3ShuxuUtiYWLpJ2xaMdGz9NbdhYkW5I7jOGX6rpGnh7sfpku+yVlo3g0aeu2zxabh8rrIDdwFq26IWU04AzQ/fad4Jg/UKY2TJ7yajtwQR0TDN4bmh9cTBwrBYBOzOFWoX9XEixD+8ulF/YbEWgkGBGWbnZMp8ibzp3Icx4nwzc5EcRt5ukwVqmWoCMXpIvKl+dnpJQgQagrOGdmnpKTmgSdFWtlQn2vddV8WivEKd8OgOcch/KU+Q7byyFxfjgfK3Qzz8fLDIorgoelqPxiRWGvt8n7bWS56E+pH3vrnSdL1kg5Kureh/dck3RM+X5T000u/TMdxnMWRR3Z2+SwGScdJuk3S3nA9tqHf5yQ9KenmqP4jku6XdG+Qv607+1008g8AfwF8sKH9W8ArzewJSRcCO4CXdhh32XEbeboUtvAoc9TUUGw6Q+rIbL9Q3xdMf7pdc4v7VDX0XDWuHvFm5FrwoOdQGH/hpVK1YVfGbwgWsii4p/wO8tdS2NWbvFhK73aQSKtatgS9VqCaEGwZuQrYbWbbJV0Vym+r6Xct8Azgt6L6jwBvDPcfBbYC7xs1YetPZWZfAB4f0f5FM3siFO8ETm4b03EcZ9xkSbOWXyMHLgZ2hvudwCW16zHbDfygpv4WCwBfpoNMXWob+Rbgs02NkrYB2wA2bty4xFMPc7Q8jW2qFEmyIhv5VJ2NPNba49OLF6CZd8nJEXuTVJ/JQ9uri+vnKvP04AcY+JjXjzvwJx9OgBVr3sUXmRo/couTZTV4sahGi89/jKLPVHq2ZkPMdg/RXy9pT6m8w8x2dHz2BDM7AGBmByQdP5915gSTypuA32vru2SCXNKryAT5Lzb1CS9iB8DMzEyauyWO4ySJGfMJCHrUzGaaGiXdDpxY03T1QtbWwHuBL5jZHW0dl0SQS/op4DrgQjN7bCnGXAqOlh/1NjGE//6mR9nIm04vLvdtUchyG+q66V5zn2DVXhPbyGvGHlKubdjnfCjBVqRtD/mXlwaOtXfrN7fHUZ9NXizl8zly3/I8He5UL/c1T08jBy1ZQJCZnds4i/SIpA1BG98AHJzv+JLeCTyPYft5LYs2BknaCPw18CYze2Cx4zmO4ywHRqaRd/kskl3A5nC/GbhpPg9L2gqcD1xm1iECjg4auaQbgLPJbEb7gXcSjmQ1s/cD7wCeC7xXEsDcqK8kjuM4R4oxHSyxHfi4pC3AQ8DrACTNAFeY2dZQvgM4HXhWkK1bzOxW4P3Ad4AvBZn612Z2zagJWwW5mV3W0r6VzD1mxeEBQenTGGY/YrOz0cRSbpuOq3M3uw5uhw196r62D5k+ak77KcL4i83Iahj/UKBQaaAiWCh3O4zdESsh+lTGKdwRcxNLERBUOudzTX34fr+fnmnF0FgOlgjm5XNq6vdQkpVm9vKG5+dt8p7oyE7HcZwcA2Y910p6+GZn+kxRbyKcLtc3aeI1mnmuNfdCQEsvuNGtm8cmWKx551re2hptz4qNy3AtNi5Lm51FGH81edaQVl0J0Y+ChfrVDdLYHREGGnesvQ+CiIbP+Sw2O6PwfesQMLXykOcjdxzHSRljbJGdY2eiBfnRanYhcyaJEPjVppmX6xZArnmvm+rV1tfV5QFBoxJsFWH8lvfNg4my5rpAoSIv2JQqfRvdEaExsVZRju3sDOzocfi+knQ/9BOCHMdxksZMrpGnyNolSGfqHCkW8m2qRTNvqmtbidXb0QsNvSZ4KLYh5wm2+jXh9gOtvRosVGjiU3lYfGn8/L4p5W2Ndq0m23hcLnmk5Db9OHy/X791saLJNjvTOxCjCxMtyB3HcQb4mZ1JcrQm0x62Osg11qq2mx+o3ODMEp4I3kqjbOQNmnmu0fZLvzv9qQZNvEFDBzDrVerycxjqbNmFrTryThn4lw8fRtGU8rY4LGJ6+JDnwmslspX3I0+XysESuZY+Fa0/we2nbLNzMmXCRAtyx3GcMmOK7Bw7Lsgdx1kVjCuy80gw0YL8KE3mX9/VQfadfio2seRmh3mYzXplMwlV00mvKGe/K0dNNQeR5aaOfoP74bqSvaEwqYR15+6Haxh2RyyChaZys0i+2ZkHCtWcKhTlFC/6FoFCeXtpoQ2bnPEmaGUjs1812dTlLE8JP3zZcRwnYcxgNtEj6tqYaEG+dkL/+q4KCoU1SrC9ELfEhSbYKrrkp/tUtfWmAKHsmRb3w+mB2jsUxp9r17mGHrThqvthNZx/KLFWtOmZFcIlPk0oDt0vz1No6c05y1MhM61MpkxI8J/DcRxnYXhkZ4IcpYn+8SabXPuNNPN+B8280KDr/qNt0MTzJFq5rbxXUn/7eTrk6XzmbNyjRrgf5lp64c4Y7Od1boF54q7pvC3UN7kjQofEWtNV7R5KqWgjjXwoUKgm9W3hflhc0xOI7n7oOI6TPG5aSZK1rpGnT4NmXs3p2t1uXmjrmqqUi0NIRvx3nmvtR0XaaF0If/5tYF0UGNQLKm75vM+87yCNbIMXSym97MCOnpXzU+2Lcm47Lx8S0ZLGlhE28sKeHtnKU2OpzuxcabikcxxnVZB5rSTqN9mCC3LHcVYFHhDkOI4zAbhpxXEcJ2Hca8VxHGcCmFSvldafStL1kg5KurehXZL+TNI+SfdIesnSL9NxHGdxmIk5m+r0WQySjpN0m6S94XpsQ7/PSXpS0s0N7X8u6Ydd5uyy4g8AF4xovxDYFD7bgPd1mdhxHGfc9E2dPovkKmC3mW0CdodyHdcCb6prkDQDHNN1wlZBbmZfAB4f0eVi4IOWcSdwjKQNXRfgOI4zDnIb+RgE+cXAznC/E7ikdj1mu4EfxPWSpsmE/H/qOuFSGIxOAr5bKu8PdUNI2iZpj6Q93/ve95ZgasdxnO7MQ5Cvz2VV+GybxzQnmNkBgHA9fp7LvBLYlY/RhaXY7Kz781Ub9mVmO4AdADMzM2mGhjmOkyTz9CN/1Mxmmhol3Q6cWNN09ULWVhr3R4HXAWfP57mlEOT7gVNK5ZOBh5dgXMdxnCVlqfzIzezcpjZJj0jaYGYHgpn54DyGPhN4IbBP2eEnz5C0z8xeOOqhpTCt7ALeHLxXXgZ8fz5fCRzHccaBGcz1pzp9FskuYHO43wzc1H2N9hkzO9HMTjWzU4Gn2oQ4dNDIJd1Apuavl7QfeCewNkz6fuAW4CJgH/AU8OtdF+04jjNOxhQQtB34uKQtwENkppLcE+UKM9sayncApwPPCrJ1i5ndupAJWwW5mV3W0m7A7yxkcsdxnHExrlwrZvYYcE5N/R5ga6n88g5jPavLnB7Z6TjOqsHGo5GPHRfkjuOsGjxpluM4TsKYedIsx3GcxFFxytOk4YLccZxVg9vIHcdxEsbzkTuO46SOZXbyScQFueM4qwb3WnEcx0kY881Ox3Gc9HHTiuM4TuK414rjOE7CmLkgdxzHSR53P3Qcx0kct5E7juMkjCH67rXiOI6TNhOqkLsgdxxnleCbnY7jOBPAhKrkLsgdx1k1uEbuOI6TMAb0+y7IHcdx0sUA18gdx3HSZlL9yDs5VUq6QNL9kvZJuqqmfaOkz0v6B0n3SLpo6ZfqOI6zSKzjZxFIOk7SbZL2huuxDf0+J+lJSTdH9ZL0R5IekPSPkn63bc5WQS5pGngPcCFwBnCZpDOibm8HPm5mZwKXAu9tG9dxHGe8CLNun0VyFbDbzDYBu0O5jmuBN9XUXw6cApxuZj8B3Ng2YReN/Cxgn5k9aGaHw6AXR30MeHa4fw7wcIdxHcdxxssYNHIy+bgz3O8ELqlditlu4Ac1Tb8NXGNm/dDvYNuEXQT5ScB3S+X9oa7MHwJvlLQfuAV4S4dxHcdxxoeB9dXpA6yXtKf02TaPmU4wswMA4Xr8PFf6L4E3hHk/K2lT2wNdNjvrvmfEf7MuAz5gZv9F0s8BH5L0k/lflGKg7GVsA9i4cWOHqR3HcZaSzmaTR81spnEU6XbgxJqmqxeyqoijgKfNbEbSvwGuB14+6oEugnw/mb0m52SGTSdbgAsAzOxLko4G1gOVrwRmtgPYATAzMzOh+8eO46xYlkjqmNm5TW2SHpG0wcwOSNpAJAc7sB/4q3D/KeB/tj3QxbRyN7BJ0mmS1pFtZu6K+jwEnAMg6SeAo4HvdVy04zjOeBiPjXwXsDncbwZumufznwZeHe5fCTzQ9kCrIDezOeBK4FbgH8m8U+6TdI2k14Ru/wH4TUlfA24ALjebVI9Nx3GSJA8I6vJZHNuB8yTtBc4LZSTNSLou7yTpDuATwDmS9ks6v/T8r0j6OvDHwNa2CTsFBJnZLWSbmOW6d5TuvwH8QpexHMdxjhTjUC/N7DGChSKq30NJKJtZrd3bzJ4Efmk+c3pkp+M4qwfPteI4jpM2mlCDrwtyx3FWB0uzkbkicUHuOM4qYUk2MlckLsgdx1k9uEbuOI6TOP32LinigtxxnNWBHyzhOI6TPu614jiOkzoTKsg7nRDkOI7jrFxcI3ccZ9XgphXHcZyUMTxE33EcJ3lcI3ccx0kbN604juOkjgtyx3GcxHFB7jiOky4yN604juOkj3utOI7jpI1r5I7jOKnjgtxxHCdh3EbuOI4zAUyoIO+UNEvSBZLul7RP0lUNfV4v6RuS7pP00aVdpuM4zuJRv9tnUXNIx0m6TdLecD22od/nJD0p6eao/hxJfy/pq5L+t6QXts3ZKsglTQPvAS4EzgAuk3RG1GcT8AfAL5jZi4B/1zau4zjOhHIVsNvMNgG7Q7mOa4E31dS/D/g1M3sx8FHg7W0TdtHIzwL2mdmDZnYYuBG4OOrzm8B7zOwJADM72GFcx3Gc8WIdP4vjYmBnuN8JXFK7FLPdwA8aVvnscP8c4OG2CbvYyE8Cvlsq7wdeGvX5MQBJ/weYBv7QzD7XYWzHcZzxML/NzvWS9pTKO8xsR8dnTzCzAwBmdkDS8fNYJcBW4BZJ/wz8E/Cytge6CPI6D/r4dawBNgFnAycDd0j6STN7sjKQtA3YBrBx48YOUzuO4ywh3QX5o2Y209Qo6XbgxJqmqxewqph/D1xkZndJ+n3gv5IJ90a6CPL9wCml8skMq/r7gTvNbBb4lqT7yQT73eVO4S/aDoCZmZkJ3T92HGfFskRSx8zObWqT9IikDUEb3wB0NjVLeh7w02Z2V6j6GNBq3ehiI78b2CTpNEnrgEuBXVGfTwOvCgtZT2ZqebDj2h3HcZYdMR6vFTL5uDncbwZumsezTwDPkfRjoXwe8I9tD7Vq5GY2J+lK4FYy+/f1ZnafpGuAPWa2K7T9K0nfAHrA75vZY/NYvOM4zvIyvoCg7cDHJW0BHgJeByBpBrjCzLaG8h3A6cCzJO0HtpjZrZJ+E/grSX0ywf4bbRN2Cggys1uAW6K6d5TuDXhr+DiO46xMxiDIgxJ7Tk39Hkq2bjN7ecPznwI+NZ85PbLTcZzVw4TuzLkgdxxn1eC5VhzHcVLHBbnjOE7C2JJ4pKxIXJA7jrN6cI3ccRwnbdxG7jiOkzouyB3HcRJmaTIbrkhckDuOsyoQblpxHMdJHhfkjuM4qeOC3HEcJ3FckDuO4yTM+LIfjh0X5I7jrB5ckDuO46SNh+g7juMkjptWHMdxUsYDghzHcSYAF+SO4zjp4pGdjuM4E4D6kynJXZA7jrM6cBu54zhO+kyqaWXqSC/AcRxnbFjHzyKQdJyk2yTtDddja/q8WNKXJN0n6R5Jbyi1nSbprvD8xySta5uzkyCXdIGk+yXtk3TViH6vlWSSZrqM6ziOM05k3T6L5Cpgt5ltAnaHcsxTwJvN7EXABcCfSjomtL0LeHd4/glgS9uErYJc0jTwHuBC4AzgMkln1PT7EeB3gbvaxnQcxzkijEEjBy4Gdob7ncAlQ8swe8DM9ob7h4GDwPMkCXg18MlRz8d00cjPAvaZ2YNmdhi4MSw05j8DfwI83WFMx3Gc8WJZiH6XD7Be0p7SZ9s8ZjrBzA4AhOvxozpLOgtYB3wTeC7wpJnNheb9wEltE3bZ7DwJ+G6pvB94abSQM4FTzOxmSf9xxIK3AdsANm7c2GFqx3GcpWGefuSPmlmjiVjS7cCJNU1Xz2tN0gbgQ8BmM+sHjTymddVdBPnIgSVNAe8GLm8byMx2ADsAZmZmJnT/2HGcFYstjdgxs3Ob2iQ9ImmDmR0IgvpgQ79nA58B3m5md4bqR4FjJK0JWvnJwMNt6+liWtkPnFIqxwP/CPCTwN9J+jbwMmCXb3g6jrPSGNNm5y5gc7jfDNw0tI7ME+VTwAfN7BN5vZkZ8HngtaOej+kiyO8GNgWXmHXApWGh+cTfN7P1ZnaqmZ0K3Am8xsz2dBjbcRxnPHTd6Fy8IN8OnCdpL3BeKCNpRtJ1oc/rgVcAl0v6avi8OLS9DXirpH1kNvO/bJuw1bRiZnOSrgRuBaaB683sPknXAHvMbNfoERzHcVYG48hHbmaPAefU1O8Btob7DwMfbnj+QTInk850iuw0s1uAW6K6dzT0PXs+C3AcxxkXfrCE4zhOyhhLttm50nBB7jjOqmFSc61MtCCfLXzqndQ4FP7tZumHcnZ9OmhUszbwin3apsN1TbiurZQP2+DX/HDom19ni2ezZw71w7PhmtVlz8+Fvnn5cF7fD2P2BvPM9adCn+lKuReuc72Bn0F+n7f1w8/W72dX64Vrv+QJHO6V1wWTQWE66KlaBqZ6oU8QZupF13iMmj5TPauUk8MFueM4Trr4wRKJcsg18mSJNfHDkSaea+HZfa55T0fXqoYOA037kFU179lIQ58tjZ/3PdSrauB5udDMbaBlx5r4bCjP9rJrr9S3n2vrQTPvN1wpaeS5lq74mmvqhSZd1uKJ2lrqGdbSB9cEJaJZmuvuwEQLcsdxnAqTKccnW5DnWp2THrEmfijSxJ+usXsPbOPRtWzvjuqabOO5HRxgNmjMed2hSAM/XNjIB1p8fp9r4nOFJq5QHraR5zbxwjaea+A2bCNvsoUP7N1Vzby+T3Ydsp3X2Mhj2/hUol923bTiOI6TMga4aSU9cq3OSY/YOyXXxA9TtYNnbfWa+GzQ2mcr2vuaqK1qE4+17vL9bKyBF14r1XoYeKAUNvF+VRMva+SNXiq5fTuyg1fq8l/xIds41faauiYb+VRJix/SxItyogIx0WW3MdGC3HEcp4ybVhzHcRLHvVYS5OkJDcddDcQmldjFsOJSaLELYXA7jDY0obSpaWuq5QY3xKxPUwBQbmKpuhrCYJOzF7kf5pue/VLfNnfD2NWwfD+0qRmbWOoCguIgn3jTc5T7Yc24ybA0mQ1XJBMtyB3HcXKygKDJlOQTLcjLYdxOWrRp4mUtexBmvy67NrgWlsdrcjeMtW8YDsEvNPB88zNyNYTBJudcHOwTuRjCQAMvNjcj98PBhubg/QxpyOHZpjD88vNq6DPQtgfCrmmTcyrVzc4Uv0l0YKIFueM4ThnXyBOkHMbtpEWbJj5bcT8crYmXg4e6auKHSgmw4hD8OAAotn/DcOBPnBirV3Y/LJJiVW3jGuV+GCfLarB/V+zdLX2G3BIpafhzcTlBgeg2csdxnNTxXCtJUtbEnLTItepmjXzwb9umic9Wwu1z+3Zuw64G98SJsLL7yEsl0sQHninDYfdF+H0e9BMH+5Tv+9VyU0KsrI6oTyiP8C5pTWNb2L8Hz8Q2cSUfEJToultwSec4zurAEnWb7MBEC/KyZ4OTFvGhELEm/nR/2I+8SROvhNtHKWmL8PtIMy+H28f+4nFK2rqw+yJJVr/eR7xf6lskxYpt4Q0Jscp92rXs0jMNofhDybNK2naeHKvQxOcS91pxjdxxHCdxJlOOM9XexXEcZzJQv9/ps6g5pOMk3SZpb7geW9PnxZK+JOk+SfdIekOp7SOS7pd0r6TrJbWaFjpp5JIuAP4bMA1cZ2bbo/a3AluBOeB7wG+Y2Xe6jL2c+GZnusQmlUEI/fCpP20mlUPlvpFJ5VBkSomDfMpts5G5JDel1LofNphS4qCfct3ApJJdhnKOz8eVcIT7YRyKPyrXeLwBmnt9JOt+OB4b+VXAbjPbLumqUH5b1Ocp4M1mtlfSjwJfkXSrmT0JfAR4Y+j3UTLZ+r5RE7Zq5JKmgfcAFwJnAJdJOiPq9g/AjJn9FPBJ4E/axnUcxxknwpB1+yySi4Gd4X4ncEncwcweMLO94f5h4CDwvFC+xQLAl4GT2ybsorKeBewzswcBJN0YFvqN0qI+X+p/J4O/JkeUPFDESY/C7TA6Y/NwFGIPw2H3uYYcb2xmfeo18WKTM9rYhIEmHm9yFu6HvZognzwUv9DIq0E/VpMAKw78GXIt7NWbn8+KAAANYklEQVS4HzYEBMUbmXV91CHXeLGpGbshpuqP3V1Ir5e0p1TeYWY7Oj57gpkdyKazA5KOH9VZ0lnAOuCbUf1a4E3A77VN2EWQnwR8t1TeD7x0RP8twGfrGiRtA7YBbNy4scPUjuM4S0h3Qf6omc00NUq6HTixpunq+SxH0gbgQ8Bms6GTcN4LfMHM7mgbp4sgr8s8Vfs2JL0RmAFeWdce/qLtAJiZmVn2P+llFzUnLXKNfPi0+9xG3hx2nwf7xPbw8n2bJj5bsncPuRtGYfbxmZvltqEAoFGn/TSkpo0186wPUZ/oOircPtLam8Lws7pIE5/Lrwk6ZC+hjdzMzm1qk/SIpA1BG99AZjap6/ds4DPA283szqjtnWSmlt/qsp4uXiv7gVNK5ZOBh2sWdS7ZX6PXmNmhLpM7juOMk3F4rQC7gM3hfjNw09A6pHXAp4APmtknoratwPnAZTVaei1dNPK7gU2STgP+H3Ap8KvRxGcC/x24wMxq//ocCTwgKF1mIxt5nCyrYiOPEmDlYfd152+2aeJdUtJ2SYQ1dO7miEMimgJ/hoJ+Rtq766/VcPu8zqK+9WH4lbbZfiiH62yCGjk2roCg7cDHJW0BHgJeByBpBrjCzLYCrwdeATxX0uXhucvN7KvA+4HvAF+SBPDXZnbNqAlbBbmZzUm6EriVzP3wejO7T9I1wB4z2wVcCzwL+ESY+CEze828fnTHcZzlxBiLIDezx4Bzaur3kLkSYmYfBj7c8Py8/aY7PWBmtwC3RHXvKN032ouOJG4jT5cmDTzW1LO2+lS0g7D7sk/4aE08PzyibCNv08TrEmG1HtdW9kBp8Bcf5RPeaO9usJ1n9/VeKk1h+OU+w5p5+cSKhEjxi0QHPGLGcZxVgx8skSBuI0+XJg28SHI14nDkOBVtHq0J3TXxuREpaYsDlHuxr3jJd6BRE88uFXv33GgvlfqkWaOvdQcpN3qpFJ4peXvJRh55qcTX5HBB7jiOkzBm0Ev0D1ALLsgdx1k9uEaeHod8szNZnu7Hm51R/nAb3sCMTSqx+aRc1xR2H29slu/jzc3CpDJX3diEGpPKXBT0UxNuPxWbWEZuXHa7Ts3Z0DNTsw2n/swNb3YW7oa5JjsXXVPDBbnjOE7CGJBqjpgWJlqQu/thusQpaPPzMOuCfOJzN4c2MjskwGpyMYRSwM/c6JS0lURYcw2JsKLw+0rbfFLSRuH08eZm3fmbTeduFmH4c5H2DcObncHtUHMpuh8adAuUTI6JFuSO4zgFhm92pshTfU9jmypNia9m84MfymH3vaqb4UISYDUF+0CzJm5RuVMirCL4ZtA3DsGPD3gYuAkOhm8K/GkK8gGYmq3ON2Qrn6sG/WR1DW6HqQYEuY3ccRwncVyQp0fZjuqkRVMCrOJItv6wJ0pT4quydt2micfBPtl9R018ruyJMvpwiOpxatVrU/h9XdKsob6x7bzm2Lb4OpQQq2wjnw0DFdcw4OFZ0mNsSbPGjks6x3FWBwYsPkXtimSiBblr5OkS+4bPRbbxsm94bBsfsoOXPFDi49nafMShuyZe9Q2PNPGhMHxKfbNrbBPvFKIfhdkPea3UJMBq8iMvNPOSj/iQl8pcmNBt5CsKl3SO46wSPEQ/Sf65537kqdLkG57btiupaRts4rm2XT4koqsmXkRrQnMCrA7RmrEmXmjdHQ6JGE5uNXhmYAuvT3iVa92VQyKiOs3We6QUdvHyfa6Bx5p5Shh0PHAnOSZakDuO41TwyE7HcZzEcRt5ehz2zc5kaQvyKecLz00nc4WJpd6lEEqn2wdzSS/awIxP9im3tZlURiW1ik0qqjGTzCe3+NBpP0UwT/WZ3MSS1VU3NYsN0tkRCbFyU0rubjibXS1F90Mz91pxHMdJHtfI0+Np3+xMlnhTM9fI883JulPue5ZpxrEmXj7dvqsm3ikBVkOyq/IzQy6EczV9403NxhD9knYdux1GIfkDd8RyiH4U+BO07YGLYTaIZktfFyJ3Qwtlm01QI8ewVN0mW5hoQe44jlPgaWzTpBw04qRFbAuPg3zKYfftp9yXNPJe1d2wKRXtyARYLcE+5fvYhTC2mZfbhlPR5vV1KWmr4xQ28uhwiLKNvCnwJ3cxLAKByilq45D8wwnbyGEsaWwlHQd8DDgV+DbwejN7IurzYuB9wLPJTnL9IzP7WNTnz4FfN7Nntc051dYhDHiBpPsl7ZN0VU37UZI+FtrvknRql3Edx3HGhQHWt06fRXIVsNvMNgG7QznmKeDNZvYi4ALgTyUdkzdKmgGOqXmullaNXNI08B7gPGA/cLekXWb2jVK3LcATZvZCSZcC7wLe0HURy8XTvYn+wjHRxJp4Ye8OmvOoIJ++NZ9u31kTr0uA1R+tiVe07AabeGz3huGUtMNa9vD4RZh93icOv687JKJNE8+177L9u/BSOZxdQx+bS1Ajt7EdLHExcHa43wn8HfC26lLsgdL9w5IOAs8Dngwy91rgV4Ff7jJhF438LGCfmT1oZoeBG8NC44XvDPefBM6RJBzHcVYQ1ut1+gDrJe0pfbbNY5oTzOwAQLgeP6qzpLOAdcA3Q9WVwK58jC50UVlPAr5bKu8HXtrUx8zmJH0feC7waLTgbUD+Qn4o6f6uC10g6+M1rCB8bQvD17Ywlm1ti9TZuq7r+YuZBOAHPHHr7fbJ9R27P2pmFzQ1SrodOLGm6er5rEnSBuBDwGYz60v6UeB1DDT6TnQR5HX/SrERqUsfzGwHsKPDnEuCpD1mNjOu+eaDr21h+NoWxkpd2zjXNUowL2Csc5vaJD0iaYOZHQiC+mBDv2cDnwHebmZ3huozgRcC+8IfyGdI2mdmLxy1ni6mlf3AKaXyycDDTX0krQGeAzzeYWzHcZxJYxewOdxvBm6KO0haB3wK+KCZfSKvN7PPmNmJZnaqmZ0KPNUmxKGbIL8b2CTptDD5pWGhTQt/LfC3ZhMaQuU4jjOa7cB5kvaSOYlsh8wTRdJ1oc/rgVcAl0v6avi8eKETtppWgs37SuBWYBq43szuk3QNsMfMdgF/CXxI0j4yTfzShS5oiRmbGWcB+NoWhq9tYazUta3UdS0YM3sMOKemfg+wNdx/GPhwh7FafcgB5Iqz4zhO2nQKCHIcx3FWLi7IHcdxEidZQb6YtAGS/iDU3y/p/COwtrdK+oakeyTtlvT8UluvtPkRbyqPY22XS/peaQ1bS22bJe0Nn83xs8u8rneX1vSApCdLbcv9zq6XdFDSvQ3tkvRnYe33SHpJqW0531nbun4trOceSV+U9NOltm9L+np4Z3uWcl0d13a2pO+X/t3eUWob+bvg1GBmyX3INl2/CbyALCLqa8AZUZ9/C7w/3F8KfCzcnxH6HwWcFsaZHvPaXgU8I9z/dr62UP7hEX5vlwN/UfPsccCD4XpsuD92XOuK+r+FbNN92d9ZGP8VwEuAexvaLwI+SxZP8TLgruV+Zx3X9fP5fMCF+bpC+dvA+iP4zs4Gbl7s74J/sk+qGvli0gZcDNxoZofM7FvAvjDe2NZmZp83s6dC8U4y3/xx0OW9NXE+cJuZPW5ZJrfbyJL9HIl1XQbcsERzt2JmX2B0XMTFZP7AZllgxzEhEGQ531nruszsizbIujfO37Mu76yJxfyOrlpSFeR1aQNOaupjZnNAnjagy7PLvbYyW8i0uZyjleV2uFPSJUu4rvms7VfC1/FPSsqDwZbzvXUeO5ihTgP+tlS9nO+sC03rX+7ftfkQ/54Z8DeSvqL55RFZSn5O0tckfVbSi0LdSnpnyZBqesDFpA3olE5gEXQeX9IbgRnglaXqjZZlQ3sB8LeSvm5m36x7fpnW9r+AG8zskKQryL7VvLrjs8u5rpxLgU+aWfmol+V8Z104Ur9rnZD0KjJB/oul6l8I7+x44DZJ/zdo0ePi74Hnm9kPJV0EfBrYxAp5Z6mRqka+mLQBXZ5d7rUh6VyyBDuvMbNDeb2ZPRyuD5KlvzxznGszs8dK6/kfwM90fXY511XiUiKzyjK/sy40rX+5f9dakfRTwHXAxZYFqgCVd3aQLFR8Kc2LrZjZP5nZD8P9LcBaSetZAe8sSY60kX4hH7JvEg+SfcXON0ReFPX5HaqbnR8P9y+iutn5IEu72dllbWeSbehsiuqPBY4K9+uBvSzhRk/HtW0o3f8ycGe4Pw74VljjseH+uHGtK/T7cbJNOo3rnZXmOZXmjbtforrZ+eXlfmcd17WRbA/o56P6ZwI/Urr/InDBmN/Zifm/I9kfkYfC++v0u+Cf6H0e6QUs4pfkIuCBIBCvDnXXkGm4AEcDnwi/yF8GXlB69urw3P3AhUdgbbcDjwBfDZ9dof7nga+HX96vA1uOwNr+GLgvrOHzwOmlZ38jvM99ZEdQjW1dofyHwPbouXG8sxuAA8Asmca4BbgCuCK0i+zwlW+GNcyM6Z21res64InS79meUP+C8L6+Fv6trz4C7+zK0u/ZnZT+2NT9Lvhn9MdD9B3HcRInVRu54ziOE3BB7jiOkzguyB3HcRLHBbnjOE7iuCB3HMdJHBfkjuM4ieOC3HEcJ3H+P9I2QnJe4PnWAAAAAElFTkSuQmCC"/>
-          <p:cNvSpPr>
-            <a:spLocks noChangeAspect="1" noChangeArrowheads="1"/>
-          </p:cNvSpPr>
-          <p:nvPr/>
-        </p:nvSpPr>
-        <p:spPr bwMode="auto">
-          <a:xfrm>
-            <a:off x="307975" y="7937"/>
-            <a:ext cx="304800" cy="304801"/>
-          </a:xfrm>
-          <a:prstGeom prst="rect">
-            <a:avLst/>
-          </a:prstGeom>
-          <a:noFill/>
-          <a:extLst>
-            <a:ext uri="{909E8E84-426E-40DD-AFC4-6F175D3DCCD1}">
-              <a14:hiddenFill xmlns:a14="http://schemas.microsoft.com/office/drawing/2010/main">
-                <a:solidFill>
-                  <a:srgbClr val="FFFFFF"/>
-                </a:solidFill>
-              </a14:hiddenFill>
-            </a:ext>
-          </a:extLst>
-        </p:spPr>
-        <p:txBody>
-          <a:bodyPr vert="horz" wrap="square" lIns="91440" tIns="45720" rIns="91440" bIns="45720" numCol="1" anchor="t" anchorCtr="0" compatLnSpc="1">
-            <a:prstTxWarp prst="textNoShape">
-              <a:avLst/>
-            </a:prstTxWarp>
-          </a:bodyPr>
-          <a:lstStyle/>
-          <a:p>
-            <a:endParaRPr lang="fr-FR"/>
-          </a:p>
-        </p:txBody>
-      </p:sp>
       <p:pic>
         <p:nvPicPr>
-          <p:cNvPr id="3082" name="Picture 10"/>
+          <p:cNvPr id="4101" name="Picture 5"/>
           <p:cNvPicPr>
             <a:picLocks noChangeAspect="1" noChangeArrowheads="1"/>
           </p:cNvPicPr>
           <p:nvPr/>
         </p:nvPicPr>
         <p:blipFill rotWithShape="1">
-          <a:blip r:embed="rId3">
-            <a:clrChange>
-              <a:clrFrom>
-                <a:srgbClr val="000000"/>
-              </a:clrFrom>
-              <a:clrTo>
-                <a:srgbClr val="000000">
-                  <a:alpha val="0"/>
-                </a:srgbClr>
-              </a:clrTo>
-            </a:clrChange>
+          <a:blip r:embed="rId4">
             <a:extLst>
+              <a:ext uri="{BEBA8EAE-BF5A-486C-A8C5-ECC9F3942E4B}">
+                <a14:imgProps xmlns:a14="http://schemas.microsoft.com/office/drawing/2010/main">
+                  <a14:imgLayer r:embed="rId5">
+                    <a14:imgEffect>
+                      <a14:backgroundRemoval t="10000" b="90000" l="10000" r="90000"/>
+                    </a14:imgEffect>
+                  </a14:imgLayer>
+                </a14:imgProps>
+              </a:ext>
               <a:ext uri="{28A0092B-C50C-407E-A947-70E740481C1C}">
                 <a14:useLocalDpi xmlns:a14="http://schemas.microsoft.com/office/drawing/2010/main" val="0"/>
               </a:ext>
             </a:extLst>
           </a:blip>
-          <a:srcRect r="18408"/>
+          <a:srcRect l="8936" r="39336" b="7619"/>
           <a:stretch/>
         </p:blipFill>
         <p:spPr bwMode="auto">
-          <a:xfrm rot="10800000">
-            <a:off x="5105399" y="1883618"/>
-            <a:ext cx="3640993" cy="3039273"/>
+          <a:xfrm>
+            <a:off x="7092280" y="631094"/>
+            <a:ext cx="2285950" cy="2184792"/>
           </a:xfrm>
           <a:prstGeom prst="rect">
             <a:avLst/>
@@ -5883,214 +9355,24 @@
           </a:extLst>
         </p:spPr>
       </p:pic>
-      <p:sp>
-        <p:nvSpPr>
-          <p:cNvPr id="11" name="ZoneTexte 10"/>
-          <p:cNvSpPr txBox="1"/>
-          <p:nvPr/>
-        </p:nvSpPr>
-        <p:spPr>
-          <a:xfrm>
-            <a:off x="6948264" y="3335010"/>
-            <a:ext cx="966931" cy="369332"/>
-          </a:xfrm>
-          <a:prstGeom prst="rect">
-            <a:avLst/>
-          </a:prstGeom>
-          <a:noFill/>
-        </p:spPr>
-        <p:txBody>
-          <a:bodyPr wrap="none" rtlCol="0">
-            <a:spAutoFit/>
-          </a:bodyPr>
-          <a:lstStyle/>
-          <a:p>
-            <a:r>
-              <a:rPr lang="el-GR" dirty="0" smtClean="0">
-                <a:solidFill>
-                  <a:schemeClr val="tx2"/>
-                </a:solidFill>
-                <a:latin typeface="Calibri"/>
-                <a:cs typeface="Calibri"/>
-              </a:rPr>
-              <a:t>ε</a:t>
-            </a:r>
-            <a:r>
-              <a:rPr lang="fr-FR" dirty="0" smtClean="0">
-                <a:solidFill>
-                  <a:schemeClr val="tx2"/>
-                </a:solidFill>
-                <a:latin typeface="Calibri"/>
-                <a:cs typeface="Calibri"/>
-              </a:rPr>
-              <a:t>" = -</a:t>
-            </a:r>
-            <a:r>
-              <a:rPr lang="fr-FR" dirty="0" smtClean="0">
-                <a:solidFill>
-                  <a:schemeClr val="tx2"/>
-                </a:solidFill>
-              </a:rPr>
-              <a:t>0.1</a:t>
-            </a:r>
-            <a:endParaRPr lang="fr-FR" dirty="0">
-              <a:solidFill>
-                <a:schemeClr val="tx2"/>
-              </a:solidFill>
-            </a:endParaRPr>
-          </a:p>
-        </p:txBody>
-      </p:sp>
-      <p:sp>
-        <p:nvSpPr>
-          <p:cNvPr id="13" name="Rectangle à coins arrondis 12"/>
-          <p:cNvSpPr/>
-          <p:nvPr/>
-        </p:nvSpPr>
-        <p:spPr>
-          <a:xfrm>
-            <a:off x="6732240" y="2780928"/>
-            <a:ext cx="1368152" cy="1368152"/>
-          </a:xfrm>
-          <a:prstGeom prst="roundRect">
-            <a:avLst>
-              <a:gd name="adj" fmla="val 0"/>
-            </a:avLst>
-          </a:prstGeom>
-          <a:noFill/>
-          <a:ln>
-            <a:prstDash val="dash"/>
-          </a:ln>
-        </p:spPr>
-        <p:style>
-          <a:lnRef idx="2">
-            <a:schemeClr val="accent1">
-              <a:shade val="50000"/>
-            </a:schemeClr>
-          </a:lnRef>
-          <a:fillRef idx="1">
-            <a:schemeClr val="accent1"/>
-          </a:fillRef>
-          <a:effectRef idx="0">
-            <a:schemeClr val="accent1"/>
-          </a:effectRef>
-          <a:fontRef idx="minor">
-            <a:schemeClr val="lt1"/>
-          </a:fontRef>
-        </p:style>
-        <p:txBody>
-          <a:bodyPr rtlCol="0" anchor="ctr"/>
-          <a:lstStyle/>
-          <a:p>
-            <a:pPr algn="ctr"/>
-            <a:endParaRPr lang="fr-FR"/>
-          </a:p>
-        </p:txBody>
-      </p:sp>
-      <p:sp>
-        <p:nvSpPr>
-          <p:cNvPr id="14" name="Rectangle 13"/>
-          <p:cNvSpPr/>
-          <p:nvPr/>
-        </p:nvSpPr>
-        <p:spPr>
-          <a:xfrm>
-            <a:off x="5652120" y="3273951"/>
-            <a:ext cx="772969" cy="369332"/>
-          </a:xfrm>
-          <a:prstGeom prst="rect">
-            <a:avLst/>
-          </a:prstGeom>
-        </p:spPr>
-        <p:txBody>
-          <a:bodyPr wrap="none">
-            <a:spAutoFit/>
-          </a:bodyPr>
-          <a:lstStyle/>
-          <a:p>
-            <a:r>
-              <a:rPr lang="el-GR" dirty="0" smtClean="0">
-                <a:cs typeface="Calibri"/>
-              </a:rPr>
-              <a:t>ε</a:t>
-            </a:r>
-            <a:r>
-              <a:rPr lang="fr-FR" dirty="0" smtClean="0">
-                <a:cs typeface="Calibri"/>
-              </a:rPr>
-              <a:t>"(</a:t>
-            </a:r>
-            <a:r>
-              <a:rPr lang="fr-FR" dirty="0" err="1" smtClean="0">
-                <a:cs typeface="Calibri"/>
-              </a:rPr>
-              <a:t>x,z</a:t>
-            </a:r>
-            <a:r>
-              <a:rPr lang="fr-FR" dirty="0" smtClean="0">
-                <a:cs typeface="Calibri"/>
-              </a:rPr>
-              <a:t>)</a:t>
-            </a:r>
-            <a:endParaRPr lang="fr-FR" dirty="0"/>
-          </a:p>
-        </p:txBody>
-      </p:sp>
-      <p:sp>
-        <p:nvSpPr>
-          <p:cNvPr id="15" name="ZoneTexte 14"/>
-          <p:cNvSpPr txBox="1"/>
-          <p:nvPr/>
-        </p:nvSpPr>
-        <p:spPr>
-          <a:xfrm>
-            <a:off x="612775" y="1628800"/>
-            <a:ext cx="1262718" cy="369332"/>
-          </a:xfrm>
-          <a:prstGeom prst="rect">
-            <a:avLst/>
-          </a:prstGeom>
-          <a:noFill/>
-        </p:spPr>
-        <p:txBody>
-          <a:bodyPr wrap="none" rtlCol="0">
-            <a:spAutoFit/>
-          </a:bodyPr>
-          <a:lstStyle/>
-          <a:p>
-            <a:r>
-              <a:rPr lang="fr-FR" dirty="0" err="1" smtClean="0"/>
-              <a:t>PerfectE</a:t>
-            </a:r>
-            <a:r>
-              <a:rPr lang="fr-FR" dirty="0" smtClean="0"/>
-              <a:t> BC</a:t>
-            </a:r>
-            <a:endParaRPr lang="fr-FR" dirty="0"/>
-          </a:p>
-        </p:txBody>
-      </p:sp>
       <p:cxnSp>
         <p:nvCxnSpPr>
-          <p:cNvPr id="17" name="Connecteur droit 16"/>
-          <p:cNvCxnSpPr/>
+          <p:cNvPr id="16" name="Connecteur droit avec flèche 15"/>
+          <p:cNvCxnSpPr>
+            <a:stCxn id="18" idx="3"/>
+          </p:cNvCxnSpPr>
           <p:nvPr/>
         </p:nvCxnSpPr>
         <p:spPr>
-          <a:xfrm flipH="1">
-            <a:off x="827584" y="2132856"/>
-            <a:ext cx="2648900" cy="0"/>
-          </a:xfrm>
-          <a:prstGeom prst="line">
-            <a:avLst/>
-          </a:prstGeom>
-          <a:ln w="38100">
-            <a:solidFill>
-              <a:schemeClr val="tx2">
-                <a:lumMod val="75000"/>
-              </a:schemeClr>
-            </a:solidFill>
-            <a:prstDash val="dash"/>
+          <a:xfrm>
+            <a:off x="8100302" y="400004"/>
+            <a:ext cx="792178" cy="1284315"/>
+          </a:xfrm>
+          <a:prstGeom prst="straightConnector1">
+            <a:avLst/>
+          </a:prstGeom>
+          <a:ln>
+            <a:tailEnd type="arrow"/>
           </a:ln>
         </p:spPr>
         <p:style>
@@ -6108,125 +9390,16 @@
           </a:fontRef>
         </p:style>
       </p:cxnSp>
-      <p:cxnSp>
-        <p:nvCxnSpPr>
-          <p:cNvPr id="19" name="Connecteur droit 18"/>
-          <p:cNvCxnSpPr/>
-          <p:nvPr/>
-        </p:nvCxnSpPr>
-        <p:spPr>
-          <a:xfrm>
-            <a:off x="827584" y="2132856"/>
-            <a:ext cx="0" cy="2520280"/>
-          </a:xfrm>
-          <a:prstGeom prst="line">
-            <a:avLst/>
-          </a:prstGeom>
-          <a:ln w="38100">
-            <a:solidFill>
-              <a:schemeClr val="tx2">
-                <a:lumMod val="75000"/>
-              </a:schemeClr>
-            </a:solidFill>
-            <a:prstDash val="dash"/>
-          </a:ln>
-        </p:spPr>
-        <p:style>
-          <a:lnRef idx="1">
-            <a:schemeClr val="accent1"/>
-          </a:lnRef>
-          <a:fillRef idx="0">
-            <a:schemeClr val="accent1"/>
-          </a:fillRef>
-          <a:effectRef idx="0">
-            <a:schemeClr val="accent1"/>
-          </a:effectRef>
-          <a:fontRef idx="minor">
-            <a:schemeClr val="tx1"/>
-          </a:fontRef>
-        </p:style>
-      </p:cxnSp>
-      <p:cxnSp>
-        <p:nvCxnSpPr>
-          <p:cNvPr id="21" name="Connecteur droit 20"/>
-          <p:cNvCxnSpPr/>
-          <p:nvPr/>
-        </p:nvCxnSpPr>
-        <p:spPr>
-          <a:xfrm>
-            <a:off x="827584" y="4653136"/>
-            <a:ext cx="2648900" cy="0"/>
-          </a:xfrm>
-          <a:prstGeom prst="line">
-            <a:avLst/>
-          </a:prstGeom>
-          <a:ln w="38100">
-            <a:solidFill>
-              <a:schemeClr val="tx2">
-                <a:lumMod val="75000"/>
-              </a:schemeClr>
-            </a:solidFill>
-            <a:prstDash val="dash"/>
-          </a:ln>
-        </p:spPr>
-        <p:style>
-          <a:lnRef idx="1">
-            <a:schemeClr val="accent1"/>
-          </a:lnRef>
-          <a:fillRef idx="0">
-            <a:schemeClr val="accent1"/>
-          </a:fillRef>
-          <a:effectRef idx="0">
-            <a:schemeClr val="accent1"/>
-          </a:effectRef>
-          <a:fontRef idx="minor">
-            <a:schemeClr val="tx1"/>
-          </a:fontRef>
-        </p:style>
-      </p:cxnSp>
-      <p:cxnSp>
-        <p:nvCxnSpPr>
-          <p:cNvPr id="23" name="Connecteur droit avec flèche 22"/>
-          <p:cNvCxnSpPr/>
-          <p:nvPr/>
-        </p:nvCxnSpPr>
-        <p:spPr>
-          <a:xfrm>
-            <a:off x="1979712" y="4656936"/>
-            <a:ext cx="0" cy="311304"/>
-          </a:xfrm>
-          <a:prstGeom prst="straightConnector1">
-            <a:avLst/>
-          </a:prstGeom>
-          <a:ln>
-            <a:tailEnd type="arrow"/>
-          </a:ln>
-        </p:spPr>
-        <p:style>
-          <a:lnRef idx="1">
-            <a:schemeClr val="accent1"/>
-          </a:lnRef>
-          <a:fillRef idx="0">
-            <a:schemeClr val="accent1"/>
-          </a:fillRef>
-          <a:effectRef idx="0">
-            <a:schemeClr val="accent1"/>
-          </a:effectRef>
-          <a:fontRef idx="minor">
-            <a:schemeClr val="tx1"/>
-          </a:fontRef>
-        </p:style>
-      </p:cxnSp>
-      <p:sp>
-        <p:nvSpPr>
-          <p:cNvPr id="24" name="ZoneTexte 23"/>
+      <p:sp>
+        <p:nvSpPr>
+          <p:cNvPr id="18" name="ZoneTexte 17"/>
           <p:cNvSpPr txBox="1"/>
           <p:nvPr/>
         </p:nvSpPr>
         <p:spPr>
           <a:xfrm>
-            <a:off x="1670076" y="4975456"/>
-            <a:ext cx="619272" cy="369332"/>
+            <a:off x="5974784" y="138394"/>
+            <a:ext cx="2125518" cy="523220"/>
           </a:xfrm>
           <a:prstGeom prst="rect">
             <a:avLst/>
@@ -6240,14 +9413,101 @@
           <a:lstStyle/>
           <a:p>
             <a:r>
-              <a:rPr lang="fr-FR" dirty="0" smtClean="0">
+              <a:rPr lang="fr-FR" sz="1400" dirty="0" smtClean="0">
                 <a:solidFill>
                   <a:schemeClr val="tx2"/>
                 </a:solidFill>
               </a:rPr>
-              <a:t>Pout</a:t>
-            </a:r>
-            <a:endParaRPr lang="fr-FR" dirty="0">
+              <a:t>Power rad </a:t>
+            </a:r>
+            <a:r>
+              <a:rPr lang="fr-FR" sz="1400" dirty="0" err="1" smtClean="0">
+                <a:solidFill>
+                  <a:schemeClr val="tx2"/>
+                </a:solidFill>
+              </a:rPr>
+              <a:t>from</a:t>
+            </a:r>
+            <a:r>
+              <a:rPr lang="fr-FR" sz="1400" dirty="0" smtClean="0">
+                <a:solidFill>
+                  <a:schemeClr val="tx2"/>
+                </a:solidFill>
+              </a:rPr>
+              <a:t> aperture : </a:t>
+            </a:r>
+            <a:br>
+              <a:rPr lang="fr-FR" sz="1400" dirty="0" smtClean="0">
+                <a:solidFill>
+                  <a:schemeClr val="tx2"/>
+                </a:solidFill>
+              </a:rPr>
+            </a:br>
+            <a:r>
+              <a:rPr lang="fr-FR" sz="1400" dirty="0" err="1" smtClean="0">
+                <a:solidFill>
+                  <a:schemeClr val="tx2"/>
+                </a:solidFill>
+              </a:rPr>
+              <a:t>int</a:t>
+            </a:r>
+            <a:r>
+              <a:rPr lang="fr-FR" sz="1400" dirty="0" smtClean="0">
+                <a:solidFill>
+                  <a:schemeClr val="tx2"/>
+                </a:solidFill>
+              </a:rPr>
+              <a:t>(</a:t>
+            </a:r>
+            <a:r>
+              <a:rPr lang="fr-FR" sz="1400" dirty="0" err="1" smtClean="0">
+                <a:solidFill>
+                  <a:schemeClr val="tx2"/>
+                </a:solidFill>
+              </a:rPr>
+              <a:t>Re</a:t>
+            </a:r>
+            <a:r>
+              <a:rPr lang="fr-FR" sz="1400" dirty="0" smtClean="0">
+                <a:solidFill>
+                  <a:schemeClr val="tx2"/>
+                </a:solidFill>
+              </a:rPr>
+              <a:t>[</a:t>
+            </a:r>
+            <a:r>
+              <a:rPr lang="fr-FR" sz="1400" dirty="0" err="1" smtClean="0">
+                <a:solidFill>
+                  <a:schemeClr val="tx2"/>
+                </a:solidFill>
+              </a:rPr>
+              <a:t>Poynting</a:t>
+            </a:r>
+            <a:r>
+              <a:rPr lang="fr-FR" sz="1400" dirty="0" smtClean="0">
+                <a:solidFill>
+                  <a:schemeClr val="tx2"/>
+                </a:solidFill>
+              </a:rPr>
+              <a:t>].</a:t>
+            </a:r>
+            <a:r>
+              <a:rPr lang="fr-FR" sz="1400" dirty="0" err="1" smtClean="0">
+                <a:solidFill>
+                  <a:schemeClr val="tx2"/>
+                </a:solidFill>
+              </a:rPr>
+              <a:t>dS</a:t>
+            </a:r>
+            <a:r>
+              <a:rPr lang="fr-FR" sz="1400" dirty="0" smtClean="0">
+                <a:solidFill>
+                  <a:schemeClr val="tx2"/>
+                </a:solidFill>
+              </a:rPr>
+              <a:t>)</a:t>
+            </a:r>
+            <a:endParaRPr lang="fr-FR" sz="1400" dirty="0">
               <a:solidFill>
                 <a:schemeClr val="tx2"/>
               </a:solidFill>
@@ -6255,16 +9515,70 @@
           </a:p>
         </p:txBody>
       </p:sp>
-      <p:sp>
-        <p:nvSpPr>
-          <p:cNvPr id="29" name="ZoneTexte 28"/>
+      <p:pic>
+        <p:nvPicPr>
+          <p:cNvPr id="4104" name="Picture 8"/>
+          <p:cNvPicPr>
+            <a:picLocks noChangeAspect="1" noChangeArrowheads="1"/>
+          </p:cNvPicPr>
+          <p:nvPr/>
+        </p:nvPicPr>
+        <p:blipFill>
+          <a:blip r:embed="rId6">
+            <a:extLst>
+              <a:ext uri="{28A0092B-C50C-407E-A947-70E740481C1C}">
+                <a14:useLocalDpi xmlns:a14="http://schemas.microsoft.com/office/drawing/2010/main" val="0"/>
+              </a:ext>
+            </a:extLst>
+          </a:blip>
+          <a:srcRect/>
+          <a:stretch>
+            <a:fillRect/>
+          </a:stretch>
+        </p:blipFill>
+        <p:spPr bwMode="auto">
+          <a:xfrm>
+            <a:off x="147500" y="1967211"/>
+            <a:ext cx="5439474" cy="1296455"/>
+          </a:xfrm>
+          <a:prstGeom prst="rect">
+            <a:avLst/>
+          </a:prstGeom>
+          <a:noFill/>
+          <a:ln>
+            <a:noFill/>
+          </a:ln>
+          <a:extLst>
+            <a:ext uri="{909E8E84-426E-40DD-AFC4-6F175D3DCCD1}">
+              <a14:hiddenFill xmlns:a14="http://schemas.microsoft.com/office/drawing/2010/main">
+                <a:solidFill>
+                  <a:schemeClr val="accent1"/>
+                </a:solidFill>
+              </a14:hiddenFill>
+            </a:ext>
+            <a:ext uri="{91240B29-F687-4F45-9708-019B960494DF}">
+              <a14:hiddenLine xmlns:a14="http://schemas.microsoft.com/office/drawing/2010/main" w="9525">
+                <a:solidFill>
+                  <a:schemeClr val="tx1"/>
+                </a:solidFill>
+                <a:miter lim="800000"/>
+                <a:headEnd/>
+                <a:tailEnd/>
+              </a14:hiddenLine>
+            </a:ext>
+          </a:extLst>
+        </p:spPr>
+      </p:pic>
+      <p:sp>
+        <p:nvSpPr>
+          <p:cNvPr id="20" name="ZoneTexte 19"/>
           <p:cNvSpPr txBox="1"/>
           <p:nvPr/>
         </p:nvSpPr>
         <p:spPr>
           <a:xfrm>
-            <a:off x="3505452" y="3648147"/>
-            <a:ext cx="478016" cy="369332"/>
+            <a:off x="4408350" y="4690987"/>
+            <a:ext cx="2347117" cy="369332"/>
           </a:xfrm>
           <a:prstGeom prst="rect">
             <a:avLst/>
@@ -6280,17 +9594,55 @@
             <a:r>
               <a:rPr lang="fr-FR" dirty="0" smtClean="0">
                 <a:solidFill>
-                  <a:schemeClr val="accent3">
+                  <a:schemeClr val="tx1">
                     <a:lumMod val="75000"/>
+                    <a:lumOff val="25000"/>
                   </a:schemeClr>
                 </a:solidFill>
               </a:rPr>
-              <a:t>Pin</a:t>
+              <a:t>Ra ~ 1,1 </a:t>
+            </a:r>
+            <a:r>
+              <a:rPr lang="fr-FR" dirty="0" smtClean="0">
+                <a:solidFill>
+                  <a:schemeClr val="tx1">
+                    <a:lumMod val="75000"/>
+                    <a:lumOff val="25000"/>
+                  </a:schemeClr>
+                </a:solidFill>
+                <a:sym typeface="Wingdings" panose="05000000000000000000" pitchFamily="2" charset="2"/>
+              </a:rPr>
+              <a:t> 2xRa </a:t>
+            </a:r>
+            <a:r>
+              <a:rPr lang="fr-FR" dirty="0">
+                <a:solidFill>
+                  <a:schemeClr val="tx1">
+                    <a:lumMod val="75000"/>
+                    <a:lumOff val="25000"/>
+                  </a:schemeClr>
+                </a:solidFill>
+                <a:sym typeface="Wingdings" panose="05000000000000000000" pitchFamily="2" charset="2"/>
+              </a:rPr>
+              <a:t>=</a:t>
+            </a:r>
+            <a:r>
+              <a:rPr lang="fr-FR" dirty="0" smtClean="0">
+                <a:solidFill>
+                  <a:schemeClr val="tx1">
+                    <a:lumMod val="75000"/>
+                    <a:lumOff val="25000"/>
+                  </a:schemeClr>
+                </a:solidFill>
+                <a:sym typeface="Wingdings" panose="05000000000000000000" pitchFamily="2" charset="2"/>
+              </a:rPr>
+              <a:t> 2,23</a:t>
             </a:r>
             <a:endParaRPr lang="fr-FR" dirty="0">
               <a:solidFill>
-                <a:schemeClr val="accent3">
+                <a:schemeClr val="tx1">
                   <a:lumMod val="75000"/>
+                  <a:lumOff val="25000"/>
                 </a:schemeClr>
               </a:solidFill>
             </a:endParaRPr>
@@ -6299,401 +9651,26 @@
       </p:sp>
       <p:cxnSp>
         <p:nvCxnSpPr>
-          <p:cNvPr id="30" name="Connecteur droit 29"/>
+          <p:cNvPr id="22" name="Connecteur droit avec flèche 21"/>
           <p:cNvCxnSpPr/>
           <p:nvPr/>
         </p:nvCxnSpPr>
         <p:spPr>
           <a:xfrm>
-            <a:off x="3458248" y="3200678"/>
-            <a:ext cx="0" cy="442605"/>
-          </a:xfrm>
-          <a:prstGeom prst="line">
-            <a:avLst/>
-          </a:prstGeom>
-          <a:ln w="38100">
-            <a:solidFill>
-              <a:schemeClr val="tx2">
-                <a:lumMod val="75000"/>
-              </a:schemeClr>
-            </a:solidFill>
-            <a:prstDash val="sysDot"/>
-          </a:ln>
-        </p:spPr>
-        <p:style>
-          <a:lnRef idx="1">
-            <a:schemeClr val="accent1"/>
-          </a:lnRef>
-          <a:fillRef idx="0">
-            <a:schemeClr val="accent1"/>
-          </a:fillRef>
-          <a:effectRef idx="0">
-            <a:schemeClr val="accent1"/>
-          </a:effectRef>
-          <a:fontRef idx="minor">
-            <a:schemeClr val="tx1"/>
-          </a:fontRef>
-        </p:style>
-      </p:cxnSp>
-      <p:cxnSp>
-        <p:nvCxnSpPr>
-          <p:cNvPr id="27" name="Connecteur droit avec flèche 26"/>
-          <p:cNvCxnSpPr/>
-          <p:nvPr/>
-        </p:nvCxnSpPr>
-        <p:spPr>
-          <a:xfrm flipH="1">
-            <a:off x="3286945" y="3421980"/>
-            <a:ext cx="221547" cy="0"/>
+            <a:off x="5220072" y="5070475"/>
+            <a:ext cx="0" cy="1001619"/>
           </a:xfrm>
           <a:prstGeom prst="straightConnector1">
             <a:avLst/>
           </a:prstGeom>
           <a:ln w="28575">
             <a:solidFill>
-              <a:schemeClr val="accent3">
+              <a:schemeClr val="tx1">
                 <a:lumMod val="75000"/>
+                <a:lumOff val="25000"/>
               </a:schemeClr>
             </a:solidFill>
             <a:tailEnd type="arrow"/>
-          </a:ln>
-        </p:spPr>
-        <p:style>
-          <a:lnRef idx="1">
-            <a:schemeClr val="accent1"/>
-          </a:lnRef>
-          <a:fillRef idx="0">
-            <a:schemeClr val="accent1"/>
-          </a:fillRef>
-          <a:effectRef idx="0">
-            <a:schemeClr val="accent1"/>
-          </a:effectRef>
-          <a:fontRef idx="minor">
-            <a:schemeClr val="tx1"/>
-          </a:fontRef>
-        </p:style>
-      </p:cxnSp>
-      <p:cxnSp>
-        <p:nvCxnSpPr>
-          <p:cNvPr id="35" name="Connecteur droit avec flèche 34"/>
-          <p:cNvCxnSpPr/>
-          <p:nvPr/>
-        </p:nvCxnSpPr>
-        <p:spPr>
-          <a:xfrm flipH="1">
-            <a:off x="460375" y="3364024"/>
-            <a:ext cx="353529" cy="0"/>
-          </a:xfrm>
-          <a:prstGeom prst="straightConnector1">
-            <a:avLst/>
-          </a:prstGeom>
-          <a:ln>
-            <a:tailEnd type="arrow"/>
-          </a:ln>
-        </p:spPr>
-        <p:style>
-          <a:lnRef idx="1">
-            <a:schemeClr val="accent1"/>
-          </a:lnRef>
-          <a:fillRef idx="0">
-            <a:schemeClr val="accent1"/>
-          </a:fillRef>
-          <a:effectRef idx="0">
-            <a:schemeClr val="accent1"/>
-          </a:effectRef>
-          <a:fontRef idx="minor">
-            <a:schemeClr val="tx1"/>
-          </a:fontRef>
-        </p:style>
-      </p:cxnSp>
-      <p:cxnSp>
-        <p:nvCxnSpPr>
-          <p:cNvPr id="37" name="Connecteur droit avec flèche 36"/>
-          <p:cNvCxnSpPr/>
-          <p:nvPr/>
-        </p:nvCxnSpPr>
-        <p:spPr>
-          <a:xfrm flipH="1" flipV="1">
-            <a:off x="2425116" y="1813466"/>
-            <a:ext cx="1" cy="312326"/>
-          </a:xfrm>
-          <a:prstGeom prst="straightConnector1">
-            <a:avLst/>
-          </a:prstGeom>
-          <a:ln>
-            <a:tailEnd type="arrow"/>
-          </a:ln>
-        </p:spPr>
-        <p:style>
-          <a:lnRef idx="1">
-            <a:schemeClr val="accent1"/>
-          </a:lnRef>
-          <a:fillRef idx="0">
-            <a:schemeClr val="accent1"/>
-          </a:fillRef>
-          <a:effectRef idx="0">
-            <a:schemeClr val="accent1"/>
-          </a:effectRef>
-          <a:fontRef idx="minor">
-            <a:schemeClr val="tx1"/>
-          </a:fontRef>
-        </p:style>
-      </p:cxnSp>
-      <p:cxnSp>
-        <p:nvCxnSpPr>
-          <p:cNvPr id="25" name="Connecteur droit avec flèche 24"/>
-          <p:cNvCxnSpPr/>
-          <p:nvPr/>
-        </p:nvCxnSpPr>
-        <p:spPr>
-          <a:xfrm>
-            <a:off x="3635896" y="3182358"/>
-            <a:ext cx="0" cy="441792"/>
-          </a:xfrm>
-          <a:prstGeom prst="straightConnector1">
-            <a:avLst/>
-          </a:prstGeom>
-          <a:ln w="28575">
-            <a:solidFill>
-              <a:schemeClr val="accent2"/>
-            </a:solidFill>
-            <a:headEnd type="triangle" w="med" len="med"/>
-            <a:tailEnd type="triangle" w="med" len="med"/>
-          </a:ln>
-        </p:spPr>
-        <p:style>
-          <a:lnRef idx="1">
-            <a:schemeClr val="accent1"/>
-          </a:lnRef>
-          <a:fillRef idx="0">
-            <a:schemeClr val="accent1"/>
-          </a:fillRef>
-          <a:effectRef idx="0">
-            <a:schemeClr val="accent1"/>
-          </a:effectRef>
-          <a:fontRef idx="minor">
-            <a:schemeClr val="tx1"/>
-          </a:fontRef>
-        </p:style>
-      </p:cxnSp>
-      <p:sp>
-        <p:nvSpPr>
-          <p:cNvPr id="28" name="ZoneTexte 27"/>
-          <p:cNvSpPr txBox="1"/>
-          <p:nvPr/>
-        </p:nvSpPr>
-        <p:spPr>
-          <a:xfrm>
-            <a:off x="3538973" y="2794193"/>
-            <a:ext cx="504056" cy="369332"/>
-          </a:xfrm>
-          <a:prstGeom prst="rect">
-            <a:avLst/>
-          </a:prstGeom>
-          <a:noFill/>
-        </p:spPr>
-        <p:txBody>
-          <a:bodyPr wrap="square" rtlCol="0">
-            <a:spAutoFit/>
-          </a:bodyPr>
-          <a:lstStyle/>
-          <a:p>
-            <a:r>
-              <a:rPr lang="fr-FR" dirty="0" smtClean="0">
-                <a:solidFill>
-                  <a:srgbClr val="FF0000"/>
-                </a:solidFill>
-              </a:rPr>
-              <a:t>d</a:t>
-            </a:r>
-            <a:endParaRPr lang="fr-FR" dirty="0">
-              <a:solidFill>
-                <a:srgbClr val="FF0000"/>
-              </a:solidFill>
-            </a:endParaRPr>
-          </a:p>
-        </p:txBody>
-      </p:sp>
-      <p:cxnSp>
-        <p:nvCxnSpPr>
-          <p:cNvPr id="12" name="Connecteur droit avec flèche 11"/>
-          <p:cNvCxnSpPr/>
-          <p:nvPr/>
-        </p:nvCxnSpPr>
-        <p:spPr>
-          <a:xfrm flipH="1" flipV="1">
-            <a:off x="2627784" y="4656936"/>
-            <a:ext cx="848700" cy="1220336"/>
-          </a:xfrm>
-          <a:prstGeom prst="straightConnector1">
-            <a:avLst/>
-          </a:prstGeom>
-          <a:ln>
-            <a:tailEnd type="arrow"/>
-          </a:ln>
-        </p:spPr>
-        <p:style>
-          <a:lnRef idx="1">
-            <a:schemeClr val="accent1"/>
-          </a:lnRef>
-          <a:fillRef idx="0">
-            <a:schemeClr val="accent1"/>
-          </a:fillRef>
-          <a:effectRef idx="0">
-            <a:schemeClr val="accent1"/>
-          </a:effectRef>
-          <a:fontRef idx="minor">
-            <a:schemeClr val="tx1"/>
-          </a:fontRef>
-        </p:style>
-      </p:cxnSp>
-      <p:sp>
-        <p:nvSpPr>
-          <p:cNvPr id="16" name="ZoneTexte 15"/>
-          <p:cNvSpPr txBox="1"/>
-          <p:nvPr/>
-        </p:nvSpPr>
-        <p:spPr>
-          <a:xfrm>
-            <a:off x="3538973" y="5877272"/>
-            <a:ext cx="4561419" cy="369332"/>
-          </a:xfrm>
-          <a:prstGeom prst="rect">
-            <a:avLst/>
-          </a:prstGeom>
-          <a:noFill/>
-        </p:spPr>
-        <p:txBody>
-          <a:bodyPr wrap="square" rtlCol="0">
-            <a:spAutoFit/>
-          </a:bodyPr>
-          <a:lstStyle/>
-          <a:p>
-            <a:r>
-              <a:rPr lang="fr-FR" dirty="0" err="1" smtClean="0"/>
-              <a:t>Dummy</a:t>
-            </a:r>
-            <a:r>
-              <a:rPr lang="fr-FR" dirty="0" smtClean="0"/>
-              <a:t> </a:t>
-            </a:r>
-            <a:r>
-              <a:rPr lang="fr-FR" dirty="0" err="1" smtClean="0"/>
-              <a:t>boundary</a:t>
-            </a:r>
-            <a:r>
-              <a:rPr lang="fr-FR" dirty="0" smtClean="0"/>
-              <a:t>, close to </a:t>
-            </a:r>
-            <a:r>
-              <a:rPr lang="fr-FR" dirty="0" err="1" smtClean="0"/>
-              <a:t>PerfE</a:t>
-            </a:r>
-            <a:r>
-              <a:rPr lang="fr-FR" dirty="0" smtClean="0"/>
-              <a:t> BC</a:t>
-            </a:r>
-            <a:endParaRPr lang="fr-FR" dirty="0"/>
-          </a:p>
-        </p:txBody>
-      </p:sp>
-      <p:cxnSp>
-        <p:nvCxnSpPr>
-          <p:cNvPr id="31" name="Connecteur droit 30"/>
-          <p:cNvCxnSpPr/>
-          <p:nvPr/>
-        </p:nvCxnSpPr>
-        <p:spPr>
-          <a:xfrm flipH="1">
-            <a:off x="5652120" y="2384207"/>
-            <a:ext cx="2498947" cy="0"/>
-          </a:xfrm>
-          <a:prstGeom prst="line">
-            <a:avLst/>
-          </a:prstGeom>
-          <a:ln w="38100">
-            <a:solidFill>
-              <a:schemeClr val="tx2">
-                <a:lumMod val="75000"/>
-              </a:schemeClr>
-            </a:solidFill>
-            <a:prstDash val="dash"/>
-          </a:ln>
-        </p:spPr>
-        <p:style>
-          <a:lnRef idx="1">
-            <a:schemeClr val="accent1"/>
-          </a:lnRef>
-          <a:fillRef idx="0">
-            <a:schemeClr val="accent1"/>
-          </a:fillRef>
-          <a:effectRef idx="0">
-            <a:schemeClr val="accent1"/>
-          </a:effectRef>
-          <a:fontRef idx="minor">
-            <a:schemeClr val="tx1"/>
-          </a:fontRef>
-        </p:style>
-      </p:cxnSp>
-      <p:cxnSp>
-        <p:nvCxnSpPr>
-          <p:cNvPr id="33" name="Connecteur droit 32"/>
-          <p:cNvCxnSpPr/>
-          <p:nvPr/>
-        </p:nvCxnSpPr>
-        <p:spPr>
-          <a:xfrm flipH="1">
-            <a:off x="5652120" y="4581128"/>
-            <a:ext cx="2407987" cy="0"/>
-          </a:xfrm>
-          <a:prstGeom prst="line">
-            <a:avLst/>
-          </a:prstGeom>
-          <a:ln w="38100">
-            <a:solidFill>
-              <a:schemeClr val="tx2">
-                <a:lumMod val="75000"/>
-              </a:schemeClr>
-            </a:solidFill>
-            <a:prstDash val="dash"/>
-          </a:ln>
-        </p:spPr>
-        <p:style>
-          <a:lnRef idx="1">
-            <a:schemeClr val="accent1"/>
-          </a:lnRef>
-          <a:fillRef idx="0">
-            <a:schemeClr val="accent1"/>
-          </a:fillRef>
-          <a:effectRef idx="0">
-            <a:schemeClr val="accent1"/>
-          </a:effectRef>
-          <a:fontRef idx="minor">
-            <a:schemeClr val="tx1"/>
-          </a:fontRef>
-        </p:style>
-      </p:cxnSp>
-      <p:cxnSp>
-        <p:nvCxnSpPr>
-          <p:cNvPr id="34" name="Connecteur droit 33"/>
-          <p:cNvCxnSpPr/>
-          <p:nvPr/>
-        </p:nvCxnSpPr>
-        <p:spPr>
-          <a:xfrm>
-            <a:off x="5652120" y="2380238"/>
-            <a:ext cx="0" cy="2200890"/>
-          </a:xfrm>
-          <a:prstGeom prst="line">
-            <a:avLst/>
-          </a:prstGeom>
-          <a:ln w="38100">
-            <a:solidFill>
-              <a:schemeClr val="tx2">
-                <a:lumMod val="75000"/>
-              </a:schemeClr>
-            </a:solidFill>
-            <a:prstDash val="dash"/>
           </a:ln>
         </p:spPr>
         <p:style>
@@ -6714,7 +9691,7 @@
     </p:spTree>
     <p:extLst>
       <p:ext uri="{BB962C8B-B14F-4D97-AF65-F5344CB8AC3E}">
-        <p14:creationId xmlns:p14="http://schemas.microsoft.com/office/powerpoint/2010/main" val="254740491"/>
+        <p14:creationId xmlns:p14="http://schemas.microsoft.com/office/powerpoint/2010/main" val="85041658"/>
       </p:ext>
     </p:extLst>
   </p:cSld>
@@ -6741,9 +9718,82 @@
           <a:chExt cx="0" cy="0"/>
         </a:xfrm>
       </p:grpSpPr>
+      <p:sp>
+        <p:nvSpPr>
+          <p:cNvPr id="2" name="Titre 1"/>
+          <p:cNvSpPr>
+            <a:spLocks noGrp="1"/>
+          </p:cNvSpPr>
+          <p:nvPr>
+            <p:ph type="title"/>
+          </p:nvPr>
+        </p:nvSpPr>
+        <p:spPr/>
+        <p:txBody>
+          <a:bodyPr/>
+          <a:lstStyle/>
+          <a:p>
+            <a:r>
+              <a:rPr lang="fr-FR" dirty="0" err="1" smtClean="0"/>
+              <a:t>Current</a:t>
+            </a:r>
+            <a:endParaRPr lang="fr-FR" dirty="0"/>
+          </a:p>
+        </p:txBody>
+      </p:sp>
+      <p:sp>
+        <p:nvSpPr>
+          <p:cNvPr id="3" name="ZoneTexte 2"/>
+          <p:cNvSpPr txBox="1"/>
+          <p:nvPr/>
+        </p:nvSpPr>
+        <p:spPr>
+          <a:xfrm>
+            <a:off x="1043608" y="1772816"/>
+            <a:ext cx="4902881" cy="369332"/>
+          </a:xfrm>
+          <a:prstGeom prst="rect">
+            <a:avLst/>
+          </a:prstGeom>
+          <a:noFill/>
+        </p:spPr>
+        <p:txBody>
+          <a:bodyPr wrap="none" rtlCol="0">
+            <a:spAutoFit/>
+          </a:bodyPr>
+          <a:lstStyle/>
+          <a:p>
+            <a:r>
+              <a:rPr lang="fr-FR" dirty="0" err="1" smtClean="0"/>
+              <a:t>Current</a:t>
+            </a:r>
+            <a:r>
+              <a:rPr lang="fr-FR" dirty="0" smtClean="0"/>
+              <a:t> ~ constant </a:t>
+            </a:r>
+            <a:r>
+              <a:rPr lang="fr-FR" dirty="0" err="1" smtClean="0"/>
+              <a:t>independently</a:t>
+            </a:r>
+            <a:r>
+              <a:rPr lang="fr-FR" dirty="0" smtClean="0"/>
+              <a:t> of </a:t>
+            </a:r>
+            <a:r>
+              <a:rPr lang="fr-FR" dirty="0" err="1" smtClean="0"/>
+              <a:t>dielectric</a:t>
+            </a:r>
+            <a:r>
+              <a:rPr lang="fr-FR" dirty="0" smtClean="0"/>
+              <a:t> size</a:t>
+            </a:r>
+            <a:endParaRPr lang="fr-FR" dirty="0"/>
+          </a:p>
+        </p:txBody>
+      </p:sp>
       <p:pic>
         <p:nvPicPr>
-          <p:cNvPr id="12" name="Picture 3"/>
+          <p:cNvPr id="1026" name="Picture 2"/>
           <p:cNvPicPr>
             <a:picLocks noChangeAspect="1" noChangeArrowheads="1"/>
           </p:cNvPicPr>
@@ -6764,8 +9814,8 @@
         </p:blipFill>
         <p:spPr bwMode="auto">
           <a:xfrm>
-            <a:off x="-133350" y="3212976"/>
-            <a:ext cx="9277350" cy="3587750"/>
+            <a:off x="323250" y="2852936"/>
+            <a:ext cx="8521700" cy="3575050"/>
           </a:xfrm>
           <a:prstGeom prst="rect">
             <a:avLst/>
@@ -6795,276 +9845,10 @@
           </a:extLst>
         </p:spPr>
       </p:pic>
-      <p:sp>
-        <p:nvSpPr>
-          <p:cNvPr id="2" name="Titre 1"/>
-          <p:cNvSpPr>
-            <a:spLocks noGrp="1"/>
-          </p:cNvSpPr>
-          <p:nvPr>
-            <p:ph type="title"/>
-          </p:nvPr>
-        </p:nvSpPr>
-        <p:spPr/>
-        <p:txBody>
-          <a:bodyPr/>
-          <a:lstStyle/>
-          <a:p>
-            <a:r>
-              <a:rPr lang="fr-FR" dirty="0" err="1" smtClean="0"/>
-              <a:t>Linear</a:t>
-            </a:r>
-            <a:r>
-              <a:rPr lang="fr-FR" dirty="0" smtClean="0"/>
-              <a:t> </a:t>
-            </a:r>
-            <a:r>
-              <a:rPr lang="fr-FR" dirty="0" err="1" smtClean="0"/>
-              <a:t>loss</a:t>
-            </a:r>
-            <a:r>
-              <a:rPr lang="fr-FR" dirty="0" smtClean="0"/>
-              <a:t> </a:t>
-            </a:r>
-            <a:r>
-              <a:rPr lang="fr-FR" dirty="0" err="1" smtClean="0"/>
-              <a:t>evolution</a:t>
-            </a:r>
-            <a:endParaRPr lang="fr-FR" dirty="0"/>
-          </a:p>
-        </p:txBody>
-      </p:sp>
-      <p:cxnSp>
-        <p:nvCxnSpPr>
-          <p:cNvPr id="6" name="Connecteur droit avec flèche 5"/>
-          <p:cNvCxnSpPr>
-            <a:stCxn id="8" idx="2"/>
-          </p:cNvCxnSpPr>
-          <p:nvPr/>
-        </p:nvCxnSpPr>
-        <p:spPr>
-          <a:xfrm flipH="1">
-            <a:off x="6660232" y="3890898"/>
-            <a:ext cx="358997" cy="463406"/>
-          </a:xfrm>
-          <a:prstGeom prst="straightConnector1">
-            <a:avLst/>
-          </a:prstGeom>
-          <a:ln>
-            <a:tailEnd type="arrow"/>
-          </a:ln>
-        </p:spPr>
-        <p:style>
-          <a:lnRef idx="1">
-            <a:schemeClr val="accent1"/>
-          </a:lnRef>
-          <a:fillRef idx="0">
-            <a:schemeClr val="accent1"/>
-          </a:fillRef>
-          <a:effectRef idx="0">
-            <a:schemeClr val="accent1"/>
-          </a:effectRef>
-          <a:fontRef idx="minor">
-            <a:schemeClr val="tx1"/>
-          </a:fontRef>
-        </p:style>
-      </p:cxnSp>
-      <p:sp>
-        <p:nvSpPr>
-          <p:cNvPr id="7" name="AutoShape 4" descr="data:image/png;base64,iVBORw0KGgoAAAANSUhEUgAAAX4AAAD8CAYAAABw1c+bAAAABHNCSVQICAgIfAhkiAAAAAlwSFlzAAALEgAACxIB0t1+/AAAADl0RVh0U29mdHdhcmUAbWF0cGxvdGxpYiB2ZXJzaW9uIDIuMi4yLCBodHRwOi8vbWF0cGxvdGxpYi5vcmcvhp/UCwAAIABJREFUeJzt3XlwnIWd5vHvT5fl+5RtWWpjAzZgA77aDhkmEBIgBgbbDJYMcyypIkuxmexU7dROLanZSqZIbdXsZGdndjbZnWGyVGZ2axLJBowTTDgChBBwUPvEBz6wgW7JtuQb3zp++0e3Qke0rLbV6re73+dT1aXW+76t/kmYR6/e9+2nzd0REZHwKAt6ABERyS8Fv4hIyCj4RURCRsEvIhIyCn4RkZBR8IuIhIyCX0QkZBT8IiIho+AXEQmZiqAHyGTSpEk+Y8aMoMcQESkaGzduPOLuNdlsW5DBP2PGDGKxWNBjiIgUDTP7KNttdahHRCRkFPwiIiGj4BcRCRkFv4hIyCj4RURCRsEvIhIyCn4RkZApmeA/39nNU29+wNsfHAl6FBGRy/b6++08/dYBLnb1DPlzlUzwV5QZP/jlAZ5+60DQo4iIXLZ/+MUH/Ms7H1JZbkP+XKUT/OVlPLiontd3d9B+6nzQ44iIZO3DI2f49YFjNEQjmCn4L0vDonq6e5xnNrUGPYqISNZWb4xTZvDgwvq8PF9JBf/VNaNYMmMCq2Nx3D3ocUREBtTd46zZmOD22TVMHVudl+csqeAHaIjWs//IGWIfHQ96FBGRAb25p4PDpy6wanEkb89ZcsF/3821jKwqp6klHvQoIiIDamqJM3FkFV+6fkrenrPkgn9EVQX3z5vGC9sOcvpCV9DjiIj06+jpC7y66zAPLKijqiJ/cVxywQ/QuDjCuc5ufrq1LehRRET69dzmVrp6nMY8HuaBLILfzJ42s3Yz297P+j83sy2p23Yz6zazCal1H5rZe6l1eXtnlQWRcVw7eRTNMR3uEZHC5O40tcSZFxnH7Cmj8/rc2ezx/xBY2t9Kd/+uu8939/nAN4FfuPuxtE3uSK2PDm7U7JkZq6IRNn18gn3tn+TraUVEsrYlfoK97adZFc3v3j5kEfzu/iZwbKDtUh4GfjSoiXLkgYV1VJSZTvKKSEFqjiWorizj/nm1eX/unB3jN7MRJP8yeCZtsQMvm9lGM3ssV8+VjUmjhvHlGybz7KZWOruHvvtCRCRbZy928ZOtbdx7Uy2jqyvz/vy5PLl7P/CrPod5bnX3hcA9wJ+Y2W39PdjMHjOzmJnFOjo6cjJQYzTC0TMX+fmu9px8PRGRXHjxvUOcvtAVyGEeyG3wP0Sfwzzu3pb62A48Byzp78Hu/pS7R909WlNTk5OBbp9dw+TRw1itk7wiUkCaYnFmTBzBkpkTAnn+nAS/mY0FbgeeT1s20sxG994H7gYyXhk0VD4tbmvnsIrbRKQAHDhyhnfzWMiWSTaXc/4IeAe4zswSZvaomT1uZo+nbfYA8LK7n0lbNgV4y8y2Au8CL7j7z3I5fDYaoxF6HNZsTOT7qUVEPmN1LL+FbJlUDLSBuz+cxTY/JHnZZ/qy/cC8Kx0sV2ZOGsmSGRNYszHB1794TWC/YUVEurp78l7IlklJvnK3r8bFEQ4cOUPLhypuE5HgvLm3g/ZP8lvIlkkogv/em6YyaliFrukXkUAFUciWSSiCP1ncVsv69w7yyfnOoMcRkRA6cvoCP9/Vzu8vzG8hWyahCH6AhmiquG3bwaBHEZEQem5TqpAtoGv304Um+BdExjFLxW0iEgB3pzkWZ8H0cczKcyFbJqEJfjOjMRph88cn2HtYxW0ikj+bU4VshbC3DyEKflBxm4gEo7klzvDKcn7v5vwXsmUSquDvLW57bnMrF7tU3CYiQy/oQrZMQhX8AKsWJ4vbXnv/cNCjiEgIrH/vEGcudgd+7X660AX/bbNqmDJmGM0xVTiIyNBrbokzc9JIFs8YH/QovxG64K8oL+PBhfW8sbudQydV3CYiQ2d/x2ne/fAYDdH6gqqLCV3ww6fFbc9s0l6/iAyd1RsTlJcZKwMsZMsklME/Y9JIPjdzAqtjcdw96HFEpAR1dffwzMYEX5xdw+QxwRWyZRLK4IfkXv+HR8/y7oFs305YRCR7v9iTLGRrLKCTur1CG/z33lTL6GEVNOmVvCIyBJpjcSaNquJL108OepTPCG3wD68q5/7501TcJiI51/FJbyFbPZXlhRezhTdRHjVGI5zv7OEnW1XcJiK5s3ZzbyFbYZ3U7RXq4J9XP5brpoxWcZuI5Iy70xSLs3D6OK6dHHwhWyahDn4zoyFaz5b4CfaouE1EcmBz/AT72k8X1Ct1+8rmzdafNrN2M9vez/ovmtlJM9uSun0rbd1SM9ttZvvM7IlcDp4rDyyoo7LcaFZxm4jkQHNLnBFV5dx387SgR+lXNnv8PwSWDrDNL919fur2JICZlQPfB+4B5gAPm9mcwQw7FCaOGsadN0zhWRW3icgg9Ray3XdTLaOGVQQ9Tr8GDH53fxO4kovdlwD73H2/u18Efgwsv4KvM+QaF0c4puI2ERmkF7Yd5MzF7oK8dj9dro7xf97MtprZi2Y2N7WsDkg/fpJILSs4t82qYeqYavX0i8igNMfiXD1pJNGrCqeQLZNcBP8m4Cp3nwf8T2BtanmmRqJ++xHM7DEzi5lZrKOjIwdjZa+8zFi5qJ5f7OlQcZuIXJH9Hadp+fA4DdFIQRWyZTLo4Hf3U+5+OnV/PVBpZpNI7uGn/71TD7Rd4us85e5Rd4/W1NQMdqzL1hCtV3GbiFyx5liykO3BRQV5YOO3DDr4zWyqpX69mdmS1Nc8CrQAs8xspplVAQ8B6wb7fEPlqokjueXqCTTH4vT0qLhNRLLX1d3DM5sS3HHdZCaPLqxCtkyyuZzzR8A7wHVmljCzR83scTN7PLXJSmC7mW0F/h54yJO6gG8ALwG7gGZ33zE030ZuNEYjfHT0LO9+qOI2EcneG7s76PjkQsG+UrevAa83cveHB1j/PeB7/axbD6y/stHy754ba/n28ztobolzy9UTgx5HRIpEUyzOpFHDuKMAC9kyCfUrd/saXlXOsvnTWL/9IKdU3CYiWWj/5Dyvvd/OgwvrCrKQLZPimDKPPi1u6/c8tIjIbzy3qZXuHqchWtjX7qdT8Pdxc/1Yrp86WhUOIjIgd6c5FmfRVeO5dvKooMfJmoK/j2RxW4StiZPsPqTiNhHp36aPj/NBxxlWFdHePij4M/pNcZvqmkXkEppbEqlCttqgR7ksCv4MJoys4q45U3hOxW0i0o8zF7r46bY2fu/mWkYWcCFbJgr+fjRGk8VtP9+l4jYR+awX3ksWshVy735/FPz9+MKsGmrHVuvN2EUko+aWOFfXjGTh9MIuZMtEwd+P3uK2N/d0cPDkuaDHEZEC8kHHaWIfHWdVERSyZaLgv4SVi1LFbRtV3CYin2qOxSkvMx5YWPiFbJko+C/h0+K2hIrbRARIFrI9u6m1aArZMlHwD2DV4ggfHzvLrw+ouE1E4PVUIVsxntTtpeAfwD031jK6uoLVOskrIiQP89SMHsYd1+X/fUNyRcE/gOrKcpbNU3GbiHxayPb7C+uoKJJCtkyKd/I8WrU4Wdy2bouK20TCrLeQrbHIKhr6UvBn4aa6ZHGbDveIhJe70xSLE71qPNfUFE8hWyYK/iyYGY2p4rb3D50KehwRCcCmj4+zv+MMjUV8UreXgj9LK1LFbU2qaxYJpaaWOCOryrnvpuIqZMtEwZ+lCSOruHvOVNZubuVCV3fQ44hIHiUL2Q5yXxEWsmWSzZutP21m7Wa2vZ/1f2hm21K3t81sXtq6D83sPTPbYmaxXA4ehIZoPcfPdvLqzvagRxGRPHph20HOFmkhWybZ7PH/EFh6ifUHgNvd/WbgO8BTfdbf4e7z3T16ZSMWjt7iNvX0i4RLUyzONUVayJbJgMHv7m8C/b5s1d3fdvfjqU83APU5mq3g/Ka4bW8HbSdU3CYSBvvaT7Pxo+M0FmkhWya5Psb/KPBi2ucOvGxmG83ssRw/VyAaFkVwFbeJhMbqVCHb7y8snX3anAW/md1BMvj/U9riW919IXAP8CdmdtslHv+YmcXMLNbR0ZGrsXJu+sQRfP7qiTRvjKu4TaTEdXb38MymBF+6fjI1o4cFPU7O5CT4zexm4AfAcnc/2rvc3dtSH9uB54Al/X0Nd3/K3aPuHq2pKewOjFWLI8SPnWPDgaMDbywiRev199s5cvpi0b2Z+kAGHfxmNh14Fvhjd9+TtnykmY3uvQ/cDWS8MqjYLL1xKqOrK2jWNf0iJa23kO2LRVzIlkk2l3P+CHgHuM7MEmb2qJk9bmaPpzb5FjAR+F99LtucArxlZluBd4EX3P1nQ/A95F11ZTnL50/jxe2HOHlOxW0ipaj91Hle391R9IVsmQz4SgR3f3iA9V8DvpZh+X5g3mcfURoaoxH+34aPWbe1jT++5aqgxxGRHHumRArZMimtX2N51FvcpsM9IqXH3Vkdi7N4RvEXsmWi4L9CZsaqxRHeaz3JzjYVt4mUkthHx9l/5ExJ7u2Dgn9QVsyvo6q8TK/kFSkxvYVs95ZAIVsmCv5BGD+yirvmTmHtFhW3iZSK0xe6eGHbQe6fN60kCtkyUfAP0qpohBNnO3ll5+GgRxGRHPjp1jbOdXbTUKKHeUDBP2i3XjuJaWOraY6pwkGkFDTH4lw7eRQLp48LepQho+AfpPIyY2U0wi/3dtCq4jaRorav/RM2fXyCxmh9yRSyZaLgz4GGRfUqbhMpAc2xBBVlxgMLSqeQLRMFfw5EJozg1msn0hxTcZtIsers7uHZEixky0TBnyON0QiJ4+fYsF/FbSLF6LXeQrYSeZetS1Hw58hX5k5lTHUFTbqmX6QoNbfEmTx6GLfPLq1CtkwU/DlSXVnOigV1yeK2sypuEykmh0+d5/Xd7Ty4qL7kCtkyKf3vMI8aoxEudvWwbmtr0KOIyGV4ZlOCHqdkKxr6UvDn0I11Y5lTO0aHe0SKSLKQLcGSmROYOWlk0OPkhYI/xxqj9WxvPcWOtpNBjyIiWWj58DgHSriQLRMFf46tWJAsblutV/KKFIWmljijhlVw701Tgx4lbxT8OTZuRBV3z53Cc5tbOd+p4jaRQvbJ+U7Wv3eQ++fVMqKqNAvZMlHwD4FViyOcPKfiNpFC99NtBznX2R2qwzyg4B8St14zibpxw9XTL1LgmmNxZk8ZxfxI6RayZaLgHwJlZcbKRfW8te8IieNngx5HRDLYe/gTNn98gsZopKQL2TLJKvjN7Gkzazez7f2sNzP7ezPbZ2bbzGxh2rpHzGxv6vZIrgYvdA3RZMnTMxt1Tb9IIWqOxVOFbHVBj5J32e7x/xBYeon19wCzUrfHgP8NYGYTgG8DnwOWAN82s/FXOmwxqR8/gluvmaTiNpECdLGrh2c3tXLnDVOYOKq0C9kyySr43f1N4NglNlkO/IsnbQDGmVkt8BXgFXc/5u7HgVe49C+QktK4OELriXO8o+I2kYLy2vvtHD1zkcbFpV2/3J9cHeOvA9LPZCZSy/pb/hlm9piZxcws1tHRkaOxgnX3nCmMHV5JU4tO8ooUkuZYnCljhnHbrNIvZMskV8Gf6cyIX2L5Zxe6P+XuUXeP1tSUxn+M6spyVsyfxs92qLhNpFAcPnWeN3a3szIkhWyZ5Oq7TgDpF8LWA22XWB4aDanitudV3CZSENZsTBayNSwK17X76XIV/OuAf5O6uucW4KS7HwReAu42s/Gpk7p3p5aFxo11Y5k7bYyu6RcpAMlCtjifmzmBGSEpZMsk28s5fwS8A1xnZgkze9TMHjezx1ObrAf2A/uAfwK+DuDux4DvAC2p25OpZaHSGI2ouE2kALx74BgfHj0bulfq9pVVOYW7PzzAegf+pJ91TwNPX/5opWP5/Gn8l/W7WB1LMHfZ2KDHEQmt5lgiVchWG/QogQrnmY08Gzeiiq/MnariNpEAfVrINo3hVeVBjxMoBX+eNEbrVdwmEqBPC9nCee1+OgV/nqi4TSRYTS3hLGTLRMGfJ2VlRkNUxW0iQdhz+BO2xMNZyJaJgj+PVi5K/om5ZqPenUskn5pb4lSWh7OQLRMFfx7Vjx/B7147idWxhIrbRPLkYlcPz20ObyFbJgr+PGuIJovbfvXBkaBHEQmF194/nCxkC/m1++kU/HnWW9zWrDdjF8mL5liCqWOquW12aXSA5YKCP896i9te2n6IE2cvBj2OSEnrLWR7cFEd5WU6qdtLwR+AxsURLnb38PyWUPXVieSdCtkyU/AHYO60ZHGbevpFho6706xCtowU/AFZtTjCzoOn2N6q4jaRofDrA8f46OhZVi3W3n5fCv6ALJ9XR1VFmV7JKzJEmmNxRg+r4J4bw13IlomCPyBjR1SydO5U1qq4TSTnTvUWss1XIVsmCv4ANUYjnDrfxUs7DgU9ikhJ+cnWNs539uja/X4o+AP0O9dMVHGbyBBojiW4bspo5tXr/S8yUfAHqLe47Vf7jhI/puI2kVzYfegTtsZP0BCtVyFbPxT8AWuIRjCD1SpuE8mJJhWyDUjBH7C6ccP53WsnsSYWp1vFbSKDkixkS6iQbQDZvtn6UjPbbWb7zOyJDOv/1sy2pG57zOxE2rrutHXrcjl8qWiMRmg7eZ5f7VNxm8hgvLrrMMfPdtKoa/cvacA3WzezcuD7wF1AAmgxs3XuvrN3G3f/D2nb/3tgQdqXOOfu83M3cum5e+4Uxo2opDkWV5GUyCA0x+LJQrZZ+v/oUrLZ418C7HP3/e5+EfgxsPwS2z8M/CgXw4XFsIpyVsyv4+Udhzl+RsVtIlfi4MlzvLmng5WL6lXINoBsgr8OSL/eMJFa9hlmdhUwE3gtbXG1mcXMbIOZrejvSczssdR2sY6OjizGKi2N0d7ittagRxEpSs/0FrLpzdQHlE3wZ/rV2d9ZyIeANe6e/lLU6e4eBf4A+DszuybTA939KXePunu0piZ8f6bNmTaGm+rG0hRL4K6TvCKXo6fHaY4luOXqCVw1UYVsA8km+BNA+pmSeqC/PuGH6HOYx93bUh/3A2/w28f/JU3j4gi7Dp5ie+upoEcRKSq/PnCMj4+pkC1b2QR/CzDLzGaaWRXJcP/M1Tlmdh0wHngnbdl4MxuWuj8JuBXY2fexkrRs3jSGqbhN5LL1FrItnatCtmwMGPzu3gV8A3gJ2AU0u/sOM3vSzJalbfow8GP/7eMUNwAxM9sKvA78VfrVQPLbxg6v5J4bp/L8FhW3iWSrt5BtmQrZsjbg5ZwA7r4eWN9n2bf6fP6XGR73NnDTIOYLncZohLVb2nhpxyGWz9crD0UGsm5LGxe6VMh2OfTK3QJzy9UTiUxQcZtItlbH4lw/dTQ3q5Atawr+AlNWZjQsiqi4TSQL7x86xdbESRqjERWyXQYFfwFauahexW0iWWhuSVBZbqxQIdtlUfAXoGnjhvOFWTUqbhO5hAtd3Ty3OcHdc6YyYWRV0OMUFQV/gVqVKm57S8VtIhm9urOd42c79UrdK6DgL1B3zpnM+FRxm4h8VnMszrSx1XxBhWyXTcFfoIZVlLNiQR2vqLhN5DPaTpzjzb0qZLtSCv4C1lvctlbFbSK/5ZmNCdxh5SJdu38lFPwF7IbaMdxcP5amlriK20RSenqc5o1xfueaiUyfOCLocYqSgr/ANUYjvH/oExW3iaRsOHCU+LFzKmQbBAV/gbs/VdzWFPs46FFECkJzS5zR1RV8Ze7UoEcpWgr+Ajd2eCX33lTL81vaVNwmoXfyXCcvbj/Eivl1VFeqkO1KKfiLQEO0nk/Od/Gz7YeCHkUkUOu2qpAtFxT8ReCWmROZPmGErumX0Fsdi3ND7RhurBsT9ChFTcFfBJLFbfW8/cFRPj6q4jYJp10HT7EtcZLGaL0K2QZJwV8kVkaTxW1rNmqvX8KpORanqryMFXqfikFT8BeJ2rHDuW1WDas3JlTcJqGTLGRr5a65UxivQrZBU/AXkVWLIxxUcZuE0Ks72zlxtpNVOqmbEwr+IvLlG1LFbS063CPh0pQqZLv12klBj1ISsgp+M1tqZrvNbJ+ZPZFh/VfNrMPMtqRuX0tb94iZ7U3dHsnl8GEzrKKcBxbU8/LOQxxTcZuERNuJc/xybwcroxEVsuXIgMFvZuXA94F7gDnAw2Y2J8OmTe4+P3X7QeqxE4BvA58DlgDfNrPxOZs+hBoX19PZ7azdrOI2CYc1qUK2hkXq3c+VbPb4lwD73H2/u18Efgwsz/LrfwV4xd2Puftx4BVg6ZWNKgDXTx3DvPqxNMdU3Calr6fHWb0xzq3XTiQyQYVsuZJN8NcB6QeVE6llfT1oZtvMbI2Z9Z6ByfaxchkaUsVt77WeDHoUkSG1YX+ykE2v1M2tbII/00G1vruaPwFmuPvNwKvAP1/GY5Mbmj1mZjEzi3V0dGQxVngtm58qbtNJXilxzbE4Y1TIlnPZBH8CSP91Ww+0pW/g7kfd/ULq038CFmX72LSv8ZS7R909WlOjt1K7lDHVyeK2dVvaOHdRxW1SmnoL2ZarkC3nsgn+FmCWmc00syrgIWBd+gZmVpv26TJgV+r+S8DdZjY+dVL37tQyGaTGaIRPLnTxsx0Hgx5FZEj0FrKpdz/3Bgx+d+8CvkEysHcBze6+w8yeNLNlqc3+1Mx2mNlW4E+Br6Yeewz4DslfHi3Ak6llMkifmzmB6RNG6HCPlKzmlmQh29xpKmTLtYpsNnL39cD6Psu+lXb/m8A3+3ns08DTg5hRMigrMxqj9fy3l/fw0dEzXDVxZNAjieTMzrZTvNd6kr+8f44K2YaAXrlbxB5cVE+ZwepYIuhRRHKqt5BtuQrZhoSCv4jVjh3ObbNrWKPiNikhF7q6WbullbtVyDZkFPxFrjEa4dCp87y5V5fASml4ZedhTpzt1LX7Q0jBX+TuvGEKE0ZWsVrvziUloqklTt244SpkG0IK/iJXVZF8Y4pXdh7m6OkLAz9ApIAljp/lrX1HeHBRvQrZhpCCvwSsWhyhs9t5TsVtUuSe2diqQrY8UPCXgOumjlZxmxQ9FbLlj4K/RDQujrDn8Gm2JlTcJsXp7Q+OkjiuQrZ8UPCXiPvnTaO6UsVtUrxUyJY/Cv4SMaa6kntvrOWnW1XcJsXn5NlOfrbjECsWqJAtHxT8JaRxcbK47cXtKm6T4vL81lYudvXoME+eKPhLyOdmTuCqiSpuk+LT1BJnTu0YbqwbG/QooaDgLyFmRmM0wq8PHOPDI2eCHkckK9tbT7Kj7ZTql/NIwV9iHlyYKm7bqL1+KQ6rY3GqKspYPn9a0KOEhoK/xEwdW83tKm6TInG+s5u1W9r4ytypjBuhQrZ8UfCXoFWLIxw+dYE396i4TQrbyzsPc/JcJ41RvVI3nxT8JehL109h4sgqmlXcJgVudSxVyHaNCtnyScFfgqoqynhgQR2v7lJxmxSu3kK2lYvqKVMhW14p+EtUo4rbpMCt2Zh857gGHebJu6yC38yWmtluM9tnZk9kWP9nZrbTzLaZ2c/N7Kq0dd1mtiV1W5fL4aV/s6eMZn5knIrbpCD19DirYwl+99pJ1I9XIVu+DRj8ZlYOfB+4B5gDPGxmc/psthmIuvvNwBrgr9PWnXP3+anbshzNLVlYpeI2KVBvf3CU1hPnaNArdQORzR7/EmCfu+9394vAj4Hl6Ru4++vufjb16QZAf7sVgN+7uZbhleV6Ja8UnKZYnLHDK7l7zpSgRwmlbIK/DkhPjkRqWX8eBV5M+7zazGJmtsHMVlzBjHKFRldXcu9NtfxkaxtnL3YFPY4IACfOXuSlHYd4QIVsgckm+DOdbs940NjM/giIAt9NWzzd3aPAHwB/Z2bX9PPYx1K/IGIdHbr+PFcao/WcvtDF+vcOBT2KCADPb2njYlePTuoGKJvgTwDpB+Lqgba+G5nZncBfAMvc/TfXELp7W+rjfuANYEGmJ3H3p9w96u7RmpqarL8BubQlMycwc9JIXdMvBaOpJc7caWOYO02FbEHJJvhbgFlmNtPMqoCHgN+6OsfMFgD/SDL029OWjzezYan7k4BbgZ25Gl4GZmasXFTPuweOcUDFbRKw7a0n2XlQhWxBGzD43b0L+AbwErALaHb3HWb2pJn1XqXzXWAUsLrPZZs3ADEz2wq8DvyVuyv482zlolRxm/b6JWDNvYVs8y51mlCGWkU2G7n7emB9n2XfSrt/Zz+Pexu4aTADyuBNGVPNHddN5plNCf7srtlUlOt1e5J/5zu7Wbu5lXtunMrYEZVBjxNqSoCQaIimitv26sS5BOOlHYc4db5L77JVABT8IfHlGyYzaVQVzS2JoEeRkFodS1A/fjifv3pi0KOEnoI/JCrLPy1uO6LiNsmz+LFkIVvDoogK2QqAgj9EGqMRunqc5zapuE3ya83GBGawUtfuFwQFf4jMmjKaBdNV3Cb51d3jrNmYLGSrGzc86HEEBX/orIpG2Nt+mi3xE0GPIiHx9gdHaD1xTtfuFxAFf8jclypu0yt5JV+aWuKMG1HJXSpkKxgK/pAZXV3JfTfX8pOtB1XcJkPuxNmLvLzjMCvm1zGsQoVshULBH0KN0YiK2yQv1m5u5WJ3j67dLzAK/hBaPGO8itskL5pjCW6qG8ucaWOCHkXSKPhDyMxoiKq4TYZWbyFboy7hLDhZdfVI6Vm5sJ6/eXkPDz31DmOq1ZsiuXfiXCfDKspYNl+FbIVGwR9Sk8dU8817rmfTx8eDHkVK2O9cM4mxw7VjUWgU/CH2tS9cHfQIIhIAHeMXEQkZBb+ISMgo+EVEQkbBLyISMgp+EZGQUfCLiISMgl9EJGQU/CIiIWOF+E5MZtYBfBT0HH1MAo4EPUSWNOvQKaZ5i2lWKK55C3HWq9y9JpsNCzL4C5GZxdw9GvQc2dCsQ6eY5i2mWaG45i2mWTPRoR4RkZBR8IuIhIyCP3tPBT3AZdCsQ6eY5i2mWaG45i2mWT9Dx/hFREJGe/wiIiGj4O+HmU0ws1fMbG/q4/h+tptuZi+b2S4z22lmM/I7afazprYdY2bOZQR1AAAEK0lEQVStZva9fM6Y9vwDzmpm883sHTPbYWbbzGxVAHMuNbPdZrbPzJ7IsH6YmTWl1v86iP/uabMMNOufpf5tbjOzn5vZVUHMmTbPJedN226lmbmZBXb1TDazmllj6ue7w8z+Nd8zXhF31y3DDfhr4InU/SeA/9rPdm8Ad6XujwJGFOqsqfX/A/hX4HuF+nMFZgOzUvenAQeBcXmcsRz4ALgaqAK2AnP6bPN14B9S9x8CmgL6eWYz6x29/y6BfxfUrNnOm9puNPAmsAGIFuqswCxgMzA+9fnkoH62l3PTHn//lgP/nLr/z8CKvhuY2Rygwt1fAXD30+5+Nn8j/saAswKY2SJgCvBynubKZMBZ3X2Pu+9N3W8D2oGsXpiSI0uAfe6+390vAj8mOXe69O9jDfBlM7M8zthrwFnd/fW0f5cbgCDf/Tybny3Ad0juJJzP53B9ZDPrvwW+7+7HAdy9Pc8zXhEFf/+muPtBgNTHyRm2mQ2cMLNnzWyzmX3XzMrzOmXSgLOaWRnwN8Cf53m2vrL5uf6GmS0hubf1QR5m61UHxNM+T6SWZdzG3buAk8DEvEzXzxwpmWZN9yjw4pBOdGkDzmtmC4CIu/80n4NlkM3PdjYw28x+ZWYbzGxp3qYbhFC/566ZvQpMzbDqL7L8EhXAF4AFwMdAE/BV4P/kYr50OZj168B6d48P9Y5pDmbt/Tq1wP8FHnH3nlzMlu1TZ1jW9/K3bLbJh6znMLM/AqLA7UM60aVdct7UDsrfkvz/KGjZ/GwrSB7u+SLJv6R+aWY3uvuJIZ5tUEId/O5+Z3/rzOywmdW6+8FUAGX6Ey4BbHb3/anHrAVuYQiCPwezfh74gpl9neS5iCozO+3u/Z5cC3BWzGwM8ALwn919Q65nHEACiKR9Xg+09bNNwswqgLHAsfyMl3GOXplmxczuJPmL93Z3v5Cn2TIZaN7RwI3AG6kdlKnAOjNb5u6xvE2ZlO2/gw3u3gkcMLPdJH8RtORnxCujQz39Wwc8krr/CPB8hm1agPFm1nv8+UvAzjzM1teAs7r7H7r7dHefAfxH4F+GIvSzMOCsZlYFPEdyxtV5nK1XCzDLzGamZnmI5Nzp0r+PlcBrnjq7l2cDzpo6dPKPwLICOAZ9yXnd/aS7T3L3Gal/qxtIzp3v0B9w1pS1JE+eY2aTSB762Z/XKa9E0GeXC/VG8njtz4G9qY8TUsujwA/StrsL2Aa8B/wQqCrUWdO2/yrBXdUz4KzAHwGdwJa02/w8z3kvsIfkuYW/SC17kmQIAVQDq4F9wLvA1QH+Wx1o1leBw2k/y3VBzZrNvH22fYOArurJ8mdrwH8nucP3HvBQkD/bbG965a6ISMjoUI+ISMgo+EVEQkbBLyISMgp+EZGQUfCLiISMgl9EJGQU/CIiIaPgFxEJmf8PoFkpmDkDJVsAAAAASUVORK5CYII="/>
-          <p:cNvSpPr>
-            <a:spLocks noChangeAspect="1" noChangeArrowheads="1"/>
-          </p:cNvSpPr>
-          <p:nvPr/>
-        </p:nvSpPr>
-        <p:spPr bwMode="auto">
-          <a:xfrm>
-            <a:off x="155575" y="-144463"/>
-            <a:ext cx="304800" cy="304801"/>
-          </a:xfrm>
-          <a:prstGeom prst="rect">
-            <a:avLst/>
-          </a:prstGeom>
-          <a:noFill/>
-          <a:extLst>
-            <a:ext uri="{909E8E84-426E-40DD-AFC4-6F175D3DCCD1}">
-              <a14:hiddenFill xmlns:a14="http://schemas.microsoft.com/office/drawing/2010/main">
-                <a:solidFill>
-                  <a:srgbClr val="FFFFFF"/>
-                </a:solidFill>
-              </a14:hiddenFill>
-            </a:ext>
-          </a:extLst>
-        </p:spPr>
-        <p:txBody>
-          <a:bodyPr vert="horz" wrap="square" lIns="91440" tIns="45720" rIns="91440" bIns="45720" numCol="1" anchor="t" anchorCtr="0" compatLnSpc="1">
-            <a:prstTxWarp prst="textNoShape">
-              <a:avLst/>
-            </a:prstTxWarp>
-          </a:bodyPr>
-          <a:lstStyle/>
-          <a:p>
-            <a:endParaRPr lang="fr-FR"/>
-          </a:p>
-        </p:txBody>
-      </p:sp>
-      <p:pic>
-        <p:nvPicPr>
-          <p:cNvPr id="6149" name="Picture 5"/>
-          <p:cNvPicPr>
-            <a:picLocks noChangeAspect="1" noChangeArrowheads="1"/>
-          </p:cNvPicPr>
-          <p:nvPr/>
-        </p:nvPicPr>
-        <p:blipFill>
-          <a:blip r:embed="rId3">
-            <a:clrChange>
-              <a:clrFrom>
-                <a:srgbClr val="000000"/>
-              </a:clrFrom>
-              <a:clrTo>
-                <a:srgbClr val="000000">
-                  <a:alpha val="0"/>
-                </a:srgbClr>
-              </a:clrTo>
-            </a:clrChange>
-            <a:extLst>
-              <a:ext uri="{28A0092B-C50C-407E-A947-70E740481C1C}">
-                <a14:useLocalDpi xmlns:a14="http://schemas.microsoft.com/office/drawing/2010/main" val="0"/>
-              </a:ext>
-            </a:extLst>
-          </a:blip>
-          <a:srcRect/>
-          <a:stretch>
-            <a:fillRect/>
-          </a:stretch>
-        </p:blipFill>
-        <p:spPr bwMode="auto">
-          <a:xfrm>
-            <a:off x="6977372" y="1275546"/>
-            <a:ext cx="1944216" cy="1282572"/>
-          </a:xfrm>
-          <a:prstGeom prst="rect">
-            <a:avLst/>
-          </a:prstGeom>
-          <a:noFill/>
-          <a:ln>
-            <a:noFill/>
-          </a:ln>
-          <a:extLst>
-            <a:ext uri="{909E8E84-426E-40DD-AFC4-6F175D3DCCD1}">
-              <a14:hiddenFill xmlns:a14="http://schemas.microsoft.com/office/drawing/2010/main">
-                <a:solidFill>
-                  <a:schemeClr val="accent1"/>
-                </a:solidFill>
-              </a14:hiddenFill>
-            </a:ext>
-            <a:ext uri="{91240B29-F687-4F45-9708-019B960494DF}">
-              <a14:hiddenLine xmlns:a14="http://schemas.microsoft.com/office/drawing/2010/main" w="9525">
-                <a:solidFill>
-                  <a:schemeClr val="tx1"/>
-                </a:solidFill>
-                <a:miter lim="800000"/>
-                <a:headEnd/>
-                <a:tailEnd/>
-              </a14:hiddenLine>
-            </a:ext>
-          </a:extLst>
-        </p:spPr>
-      </p:pic>
-      <p:sp>
-        <p:nvSpPr>
-          <p:cNvPr id="8" name="ZoneTexte 7"/>
-          <p:cNvSpPr txBox="1"/>
-          <p:nvPr/>
-        </p:nvSpPr>
-        <p:spPr>
-          <a:xfrm>
-            <a:off x="6692857" y="3521566"/>
-            <a:ext cx="652743" cy="369332"/>
-          </a:xfrm>
-          <a:prstGeom prst="rect">
-            <a:avLst/>
-          </a:prstGeom>
-          <a:noFill/>
-          <a:ln>
-            <a:solidFill>
-              <a:schemeClr val="accent1"/>
-            </a:solidFill>
-          </a:ln>
-        </p:spPr>
-        <p:txBody>
-          <a:bodyPr wrap="none" rtlCol="0">
-            <a:spAutoFit/>
-          </a:bodyPr>
-          <a:lstStyle/>
-          <a:p>
-            <a:r>
-              <a:rPr lang="fr-FR" dirty="0" smtClean="0"/>
-              <a:t>2500</a:t>
-            </a:r>
-            <a:endParaRPr lang="fr-FR" dirty="0"/>
-          </a:p>
-        </p:txBody>
-      </p:sp>
-      <p:pic>
-        <p:nvPicPr>
-          <p:cNvPr id="6151" name="Picture 7"/>
-          <p:cNvPicPr>
-            <a:picLocks noChangeAspect="1" noChangeArrowheads="1"/>
-          </p:cNvPicPr>
-          <p:nvPr/>
-        </p:nvPicPr>
-        <p:blipFill>
-          <a:blip r:embed="rId4">
-            <a:extLst>
-              <a:ext uri="{28A0092B-C50C-407E-A947-70E740481C1C}">
-                <a14:useLocalDpi xmlns:a14="http://schemas.microsoft.com/office/drawing/2010/main" val="0"/>
-              </a:ext>
-            </a:extLst>
-          </a:blip>
-          <a:srcRect/>
-          <a:stretch>
-            <a:fillRect/>
-          </a:stretch>
-        </p:blipFill>
-        <p:spPr bwMode="auto">
-          <a:xfrm>
-            <a:off x="160087" y="1628800"/>
-            <a:ext cx="4943475" cy="1304925"/>
-          </a:xfrm>
-          <a:prstGeom prst="rect">
-            <a:avLst/>
-          </a:prstGeom>
-          <a:noFill/>
-          <a:ln>
-            <a:noFill/>
-          </a:ln>
-          <a:extLst>
-            <a:ext uri="{909E8E84-426E-40DD-AFC4-6F175D3DCCD1}">
-              <a14:hiddenFill xmlns:a14="http://schemas.microsoft.com/office/drawing/2010/main">
-                <a:solidFill>
-                  <a:schemeClr val="accent1"/>
-                </a:solidFill>
-              </a14:hiddenFill>
-            </a:ext>
-            <a:ext uri="{91240B29-F687-4F45-9708-019B960494DF}">
-              <a14:hiddenLine xmlns:a14="http://schemas.microsoft.com/office/drawing/2010/main" w="9525">
-                <a:solidFill>
-                  <a:schemeClr val="tx1"/>
-                </a:solidFill>
-                <a:miter lim="800000"/>
-                <a:headEnd/>
-                <a:tailEnd/>
-              </a14:hiddenLine>
-            </a:ext>
-          </a:extLst>
-        </p:spPr>
-      </p:pic>
     </p:spTree>
     <p:extLst>
       <p:ext uri="{BB962C8B-B14F-4D97-AF65-F5344CB8AC3E}">
-        <p14:creationId xmlns:p14="http://schemas.microsoft.com/office/powerpoint/2010/main" val="217047539"/>
+        <p14:creationId xmlns:p14="http://schemas.microsoft.com/office/powerpoint/2010/main" val="4185084240"/>
       </p:ext>
     </p:extLst>
   </p:cSld>
@@ -7110,110 +9894,10 @@
           </a:p>
         </p:txBody>
       </p:sp>
-      <p:pic>
-        <p:nvPicPr>
-          <p:cNvPr id="7170" name="Picture 2"/>
-          <p:cNvPicPr>
-            <a:picLocks noChangeAspect="1" noChangeArrowheads="1"/>
-          </p:cNvPicPr>
-          <p:nvPr/>
-        </p:nvPicPr>
-        <p:blipFill>
-          <a:blip r:embed="rId2">
-            <a:extLst>
-              <a:ext uri="{28A0092B-C50C-407E-A947-70E740481C1C}">
-                <a14:useLocalDpi xmlns:a14="http://schemas.microsoft.com/office/drawing/2010/main" val="0"/>
-              </a:ext>
-            </a:extLst>
-          </a:blip>
-          <a:srcRect/>
-          <a:stretch>
-            <a:fillRect/>
-          </a:stretch>
-        </p:blipFill>
-        <p:spPr bwMode="auto">
-          <a:xfrm>
-            <a:off x="0" y="3270250"/>
-            <a:ext cx="9277350" cy="3587750"/>
-          </a:xfrm>
-          <a:prstGeom prst="rect">
-            <a:avLst/>
-          </a:prstGeom>
-          <a:noFill/>
-          <a:ln>
-            <a:noFill/>
-          </a:ln>
-          <a:extLst>
-            <a:ext uri="{909E8E84-426E-40DD-AFC4-6F175D3DCCD1}">
-              <a14:hiddenFill xmlns:a14="http://schemas.microsoft.com/office/drawing/2010/main">
-                <a:solidFill>
-                  <a:schemeClr val="accent1"/>
-                </a:solidFill>
-              </a14:hiddenFill>
-            </a:ext>
-            <a:ext uri="{91240B29-F687-4F45-9708-019B960494DF}">
-              <a14:hiddenLine xmlns:a14="http://schemas.microsoft.com/office/drawing/2010/main" w="9525">
-                <a:solidFill>
-                  <a:schemeClr val="tx1"/>
-                </a:solidFill>
-                <a:miter lim="800000"/>
-                <a:headEnd/>
-                <a:tailEnd/>
-              </a14:hiddenLine>
-            </a:ext>
-          </a:extLst>
-        </p:spPr>
-      </p:pic>
-      <p:sp>
-        <p:nvSpPr>
-          <p:cNvPr id="3" name="ZoneTexte 2"/>
-          <p:cNvSpPr txBox="1"/>
-          <p:nvPr/>
-        </p:nvSpPr>
-        <p:spPr>
-          <a:xfrm>
-            <a:off x="7081378" y="4941168"/>
-            <a:ext cx="2160240" cy="923330"/>
-          </a:xfrm>
-          <a:prstGeom prst="rect">
-            <a:avLst/>
-          </a:prstGeom>
-          <a:noFill/>
-        </p:spPr>
-        <p:txBody>
-          <a:bodyPr wrap="square" rtlCol="0">
-            <a:spAutoFit/>
-          </a:bodyPr>
-          <a:lstStyle/>
-          <a:p>
-            <a:r>
-              <a:rPr lang="fr-FR" dirty="0" smtClean="0"/>
-              <a:t>-30dB </a:t>
-            </a:r>
-            <a:r>
-              <a:rPr lang="fr-FR" dirty="0" err="1" smtClean="0"/>
-              <a:t>between</a:t>
-            </a:r>
-            <a:r>
-              <a:rPr lang="fr-FR" dirty="0" smtClean="0"/>
-              <a:t> </a:t>
-            </a:r>
-            <a:r>
-              <a:rPr lang="fr-FR" dirty="0" err="1" smtClean="0"/>
-              <a:t>antenna</a:t>
-            </a:r>
-            <a:r>
-              <a:rPr lang="fr-FR" dirty="0" smtClean="0"/>
-              <a:t> aperture and ~BC</a:t>
-            </a:r>
-            <a:endParaRPr lang="fr-FR" dirty="0"/>
-          </a:p>
-        </p:txBody>
-      </p:sp>
     </p:spTree>
     <p:extLst>
       <p:ext uri="{BB962C8B-B14F-4D97-AF65-F5344CB8AC3E}">
-        <p14:creationId xmlns:p14="http://schemas.microsoft.com/office/powerpoint/2010/main" val="2197940790"/>
+        <p14:creationId xmlns:p14="http://schemas.microsoft.com/office/powerpoint/2010/main" val="1554851127"/>
       </p:ext>
     </p:extLst>
   </p:cSld>
@@ -7252,12 +9936,26 @@
         </p:nvSpPr>
         <p:spPr/>
         <p:txBody>
-          <a:bodyPr/>
-          <a:lstStyle/>
-          <a:p>
+          <a:bodyPr>
+            <a:normAutofit fontScale="90000"/>
+          </a:bodyPr>
+          <a:lstStyle/>
+          <a:p>
+            <a:r>
+              <a:rPr lang="fr-FR" dirty="0" smtClean="0"/>
+              <a:t>Old </a:t>
+            </a:r>
             <a:r>
               <a:rPr lang="fr-FR" dirty="0" err="1" smtClean="0"/>
-              <a:t>Exponential</a:t>
+              <a:t>results</a:t>
+            </a:r>
+            <a:r>
+              <a:rPr lang="fr-FR" dirty="0" smtClean="0"/>
+              <a:t>, </a:t>
+            </a:r>
+            <a:r>
+              <a:rPr lang="fr-FR" dirty="0" err="1" smtClean="0"/>
+              <a:t>probably</a:t>
             </a:r>
             <a:r>
               <a:rPr lang="fr-FR" dirty="0" smtClean="0"/>
@@ -7265,7 +9963,7 @@
             </a:r>
             <a:r>
               <a:rPr lang="fr-FR" dirty="0" err="1" smtClean="0"/>
-              <a:t>loss</a:t>
+              <a:t>most</a:t>
             </a:r>
             <a:r>
               <a:rPr lang="fr-FR" dirty="0" smtClean="0"/>
@@ -7273,124 +9971,32 @@
             </a:r>
             <a:r>
               <a:rPr lang="fr-FR" dirty="0" err="1" smtClean="0"/>
-              <a:t>evolution</a:t>
+              <a:t>wrong</a:t>
+            </a:r>
+            <a:r>
+              <a:rPr lang="fr-FR" dirty="0" smtClean="0"/>
+              <a:t> and to </a:t>
+            </a:r>
+            <a:r>
+              <a:rPr lang="fr-FR" dirty="0" err="1" smtClean="0"/>
+              <a:t>be</a:t>
+            </a:r>
+            <a:r>
+              <a:rPr lang="fr-FR" dirty="0" smtClean="0"/>
+              <a:t> </a:t>
+            </a:r>
+            <a:r>
+              <a:rPr lang="fr-FR" dirty="0" err="1" smtClean="0"/>
+              <a:t>revised</a:t>
             </a:r>
             <a:endParaRPr lang="fr-FR" dirty="0"/>
           </a:p>
         </p:txBody>
       </p:sp>
-      <p:pic>
-        <p:nvPicPr>
-          <p:cNvPr id="8195" name="Picture 3"/>
-          <p:cNvPicPr>
-            <a:picLocks noChangeAspect="1" noChangeArrowheads="1"/>
-          </p:cNvPicPr>
-          <p:nvPr/>
-        </p:nvPicPr>
-        <p:blipFill>
-          <a:blip r:embed="rId2">
-            <a:extLst>
-              <a:ext uri="{28A0092B-C50C-407E-A947-70E740481C1C}">
-                <a14:useLocalDpi xmlns:a14="http://schemas.microsoft.com/office/drawing/2010/main" val="0"/>
-              </a:ext>
-            </a:extLst>
-          </a:blip>
-          <a:srcRect/>
-          <a:stretch>
-            <a:fillRect/>
-          </a:stretch>
-        </p:blipFill>
-        <p:spPr bwMode="auto">
-          <a:xfrm>
-            <a:off x="209550" y="1268760"/>
-            <a:ext cx="4362450" cy="1390650"/>
-          </a:xfrm>
-          <a:prstGeom prst="rect">
-            <a:avLst/>
-          </a:prstGeom>
-          <a:noFill/>
-          <a:ln>
-            <a:noFill/>
-          </a:ln>
-          <a:extLst>
-            <a:ext uri="{909E8E84-426E-40DD-AFC4-6F175D3DCCD1}">
-              <a14:hiddenFill xmlns:a14="http://schemas.microsoft.com/office/drawing/2010/main">
-                <a:solidFill>
-                  <a:schemeClr val="accent1"/>
-                </a:solidFill>
-              </a14:hiddenFill>
-            </a:ext>
-            <a:ext uri="{91240B29-F687-4F45-9708-019B960494DF}">
-              <a14:hiddenLine xmlns:a14="http://schemas.microsoft.com/office/drawing/2010/main" w="9525">
-                <a:solidFill>
-                  <a:schemeClr val="tx1"/>
-                </a:solidFill>
-                <a:miter lim="800000"/>
-                <a:headEnd/>
-                <a:tailEnd/>
-              </a14:hiddenLine>
-            </a:ext>
-          </a:extLst>
-        </p:spPr>
-      </p:pic>
-      <p:pic>
-        <p:nvPicPr>
-          <p:cNvPr id="8197" name="Picture 5"/>
-          <p:cNvPicPr>
-            <a:picLocks noChangeAspect="1" noChangeArrowheads="1"/>
-          </p:cNvPicPr>
-          <p:nvPr/>
-        </p:nvPicPr>
-        <p:blipFill>
-          <a:blip r:embed="rId3">
-            <a:extLst>
-              <a:ext uri="{28A0092B-C50C-407E-A947-70E740481C1C}">
-                <a14:useLocalDpi xmlns:a14="http://schemas.microsoft.com/office/drawing/2010/main" val="0"/>
-              </a:ext>
-            </a:extLst>
-          </a:blip>
-          <a:srcRect/>
-          <a:stretch>
-            <a:fillRect/>
-          </a:stretch>
-        </p:blipFill>
-        <p:spPr bwMode="auto">
-          <a:xfrm>
-            <a:off x="-40635" y="2438400"/>
-            <a:ext cx="9277350" cy="4419600"/>
-          </a:xfrm>
-          <a:prstGeom prst="rect">
-            <a:avLst/>
-          </a:prstGeom>
-          <a:noFill/>
-          <a:ln>
-            <a:noFill/>
-          </a:ln>
-          <a:extLst>
-            <a:ext uri="{909E8E84-426E-40DD-AFC4-6F175D3DCCD1}">
-              <a14:hiddenFill xmlns:a14="http://schemas.microsoft.com/office/drawing/2010/main">
-                <a:solidFill>
-                  <a:schemeClr val="accent1"/>
-                </a:solidFill>
-              </a14:hiddenFill>
-            </a:ext>
-            <a:ext uri="{91240B29-F687-4F45-9708-019B960494DF}">
-              <a14:hiddenLine xmlns:a14="http://schemas.microsoft.com/office/drawing/2010/main" w="9525">
-                <a:solidFill>
-                  <a:schemeClr val="tx1"/>
-                </a:solidFill>
-                <a:miter lim="800000"/>
-                <a:headEnd/>
-                <a:tailEnd/>
-              </a14:hiddenLine>
-            </a:ext>
-          </a:extLst>
-        </p:spPr>
-      </p:pic>
     </p:spTree>
     <p:extLst>
       <p:ext uri="{BB962C8B-B14F-4D97-AF65-F5344CB8AC3E}">
-        <p14:creationId xmlns:p14="http://schemas.microsoft.com/office/powerpoint/2010/main" val="2675285443"/>
+        <p14:creationId xmlns:p14="http://schemas.microsoft.com/office/powerpoint/2010/main" val="4025827239"/>
       </p:ext>
     </p:extLst>
   </p:cSld>
@@ -7419,13 +10025,13 @@
       </p:grpSpPr>
       <p:pic>
         <p:nvPicPr>
-          <p:cNvPr id="7" name="Image 6"/>
+          <p:cNvPr id="2050" name="Picture 2"/>
           <p:cNvPicPr>
-            <a:picLocks noChangeAspect="1"/>
+            <a:picLocks noChangeAspect="1" noChangeArrowheads="1"/>
           </p:cNvPicPr>
           <p:nvPr/>
         </p:nvPicPr>
-        <p:blipFill>
+        <p:blipFill rotWithShape="1">
           <a:blip r:embed="rId2">
             <a:extLst>
               <a:ext uri="{28A0092B-C50C-407E-A947-70E740481C1C}">
@@ -7433,58 +10039,45 @@
               </a:ext>
             </a:extLst>
           </a:blip>
-          <a:stretch>
-            <a:fillRect/>
-          </a:stretch>
+          <a:srcRect l="4657" t="4707" r="31371" b="6671"/>
+          <a:stretch/>
         </p:blipFill>
-        <p:spPr>
-          <a:xfrm>
-            <a:off x="289205" y="3501008"/>
-            <a:ext cx="4763585" cy="3201129"/>
+        <p:spPr bwMode="auto">
+          <a:xfrm>
+            <a:off x="107504" y="1320800"/>
+            <a:ext cx="4744720" cy="4124960"/>
           </a:xfrm>
           <a:prstGeom prst="rect">
             <a:avLst/>
           </a:prstGeom>
+          <a:noFill/>
+          <a:ln>
+            <a:noFill/>
+          </a:ln>
+          <a:extLst>
+            <a:ext uri="{909E8E84-426E-40DD-AFC4-6F175D3DCCD1}">
+              <a14:hiddenFill xmlns:a14="http://schemas.microsoft.com/office/drawing/2010/main">
+                <a:solidFill>
+                  <a:schemeClr val="accent1"/>
+                </a:solidFill>
+              </a14:hiddenFill>
+            </a:ext>
+            <a:ext uri="{91240B29-F687-4F45-9708-019B960494DF}">
+              <a14:hiddenLine xmlns:a14="http://schemas.microsoft.com/office/drawing/2010/main" w="9525">
+                <a:solidFill>
+                  <a:schemeClr val="tx1"/>
+                </a:solidFill>
+                <a:miter lim="800000"/>
+                <a:headEnd/>
+                <a:tailEnd/>
+              </a14:hiddenLine>
+            </a:ext>
+          </a:extLst>
         </p:spPr>
       </p:pic>
-      <p:sp>
-        <p:nvSpPr>
-          <p:cNvPr id="2" name="Titre 1"/>
-          <p:cNvSpPr>
-            <a:spLocks noGrp="1"/>
-          </p:cNvSpPr>
-          <p:nvPr>
-            <p:ph type="title"/>
-          </p:nvPr>
-        </p:nvSpPr>
-        <p:spPr/>
-        <p:txBody>
-          <a:bodyPr/>
-          <a:lstStyle/>
-          <a:p>
-            <a:r>
-              <a:rPr lang="fr-FR" dirty="0" smtClean="0"/>
-              <a:t>PML-</a:t>
-            </a:r>
-            <a:r>
-              <a:rPr lang="fr-FR" dirty="0" err="1" smtClean="0"/>
-              <a:t>like</a:t>
-            </a:r>
-            <a:r>
-              <a:rPr lang="fr-FR" dirty="0" smtClean="0"/>
-              <a:t> </a:t>
-            </a:r>
-            <a:r>
-              <a:rPr lang="fr-FR" dirty="0" err="1" smtClean="0"/>
-              <a:t>evolution</a:t>
-            </a:r>
-            <a:endParaRPr lang="fr-FR" dirty="0"/>
-          </a:p>
-        </p:txBody>
-      </p:sp>
       <p:pic>
         <p:nvPicPr>
-          <p:cNvPr id="1026" name="Picture 2"/>
+          <p:cNvPr id="2051" name="Picture 3"/>
           <p:cNvPicPr>
             <a:picLocks noChangeAspect="1" noChangeArrowheads="1"/>
           </p:cNvPicPr>
@@ -7498,13 +10091,13 @@
               </a:ext>
             </a:extLst>
           </a:blip>
-          <a:srcRect b="88137"/>
+          <a:srcRect l="19452" r="20548" b="21514"/>
           <a:stretch/>
         </p:blipFill>
         <p:spPr bwMode="auto">
           <a:xfrm>
-            <a:off x="521025" y="1484784"/>
-            <a:ext cx="8096250" cy="221468"/>
+            <a:off x="4682480" y="1412776"/>
+            <a:ext cx="4450080" cy="3653155"/>
           </a:xfrm>
           <a:prstGeom prst="rect">
             <a:avLst/>
@@ -7534,68 +10127,113 @@
           </a:extLst>
         </p:spPr>
       </p:pic>
-      <p:pic>
-        <p:nvPicPr>
-          <p:cNvPr id="4" name="Picture 2"/>
-          <p:cNvPicPr>
-            <a:picLocks noChangeAspect="1" noChangeArrowheads="1"/>
-          </p:cNvPicPr>
-          <p:nvPr/>
-        </p:nvPicPr>
-        <p:blipFill rotWithShape="1">
-          <a:blip r:embed="rId3">
-            <a:extLst>
-              <a:ext uri="{28A0092B-C50C-407E-A947-70E740481C1C}">
-                <a14:useLocalDpi xmlns:a14="http://schemas.microsoft.com/office/drawing/2010/main" val="0"/>
-              </a:ext>
-            </a:extLst>
-          </a:blip>
-          <a:srcRect t="57728"/>
-          <a:stretch/>
-        </p:blipFill>
-        <p:spPr bwMode="auto">
-          <a:xfrm>
-            <a:off x="521025" y="1706252"/>
-            <a:ext cx="8096250" cy="789164"/>
-          </a:xfrm>
-          <a:prstGeom prst="rect">
-            <a:avLst/>
-          </a:prstGeom>
-          <a:noFill/>
+      <p:sp>
+        <p:nvSpPr>
+          <p:cNvPr id="4" name="Titre 3"/>
+          <p:cNvSpPr>
+            <a:spLocks noGrp="1"/>
+          </p:cNvSpPr>
+          <p:nvPr>
+            <p:ph type="title"/>
+          </p:nvPr>
+        </p:nvSpPr>
+        <p:spPr/>
+        <p:txBody>
+          <a:bodyPr>
+            <a:normAutofit fontScale="90000"/>
+          </a:bodyPr>
+          <a:lstStyle/>
+          <a:p>
+            <a:r>
+              <a:rPr lang="fr-FR" dirty="0" smtClean="0"/>
+              <a:t>1 </a:t>
+            </a:r>
+            <a:r>
+              <a:rPr lang="fr-FR" dirty="0" err="1" smtClean="0"/>
+              <a:t>strap</a:t>
+            </a:r>
+            <a:r>
+              <a:rPr lang="fr-FR" dirty="0" smtClean="0"/>
+              <a:t> – </a:t>
+            </a:r>
+            <a:r>
+              <a:rPr lang="fr-FR" dirty="0" err="1" smtClean="0"/>
+              <a:t>lossy</a:t>
+            </a:r>
+            <a:r>
+              <a:rPr lang="fr-FR" dirty="0" smtClean="0"/>
+              <a:t> water </a:t>
+            </a:r>
+            <a:br>
+              <a:rPr lang="fr-FR" dirty="0" smtClean="0"/>
+            </a:br>
+            <a:r>
+              <a:rPr lang="fr-FR" dirty="0" err="1" smtClean="0"/>
+              <a:t>eps</a:t>
+            </a:r>
+            <a:r>
+              <a:rPr lang="fr-FR" baseline="-25000" dirty="0" err="1" smtClean="0"/>
+              <a:t>r</a:t>
+            </a:r>
+            <a:r>
+              <a:rPr lang="fr-FR" dirty="0" smtClean="0"/>
+              <a:t>=(81-1j*$</a:t>
+            </a:r>
+            <a:r>
+              <a:rPr lang="fr-FR" dirty="0" err="1" smtClean="0"/>
+              <a:t>losses</a:t>
+            </a:r>
+            <a:r>
+              <a:rPr lang="fr-FR" dirty="0" smtClean="0"/>
+              <a:t>)</a:t>
+            </a:r>
+            <a:endParaRPr lang="fr-FR" dirty="0"/>
+          </a:p>
+        </p:txBody>
+      </p:sp>
+      <p:cxnSp>
+        <p:nvCxnSpPr>
+          <p:cNvPr id="6" name="Connecteur droit avec flèche 5"/>
+          <p:cNvCxnSpPr/>
+          <p:nvPr/>
+        </p:nvCxnSpPr>
+        <p:spPr>
+          <a:xfrm flipH="1">
+            <a:off x="4283968" y="4365104"/>
+            <a:ext cx="1440160" cy="1296144"/>
+          </a:xfrm>
+          <a:prstGeom prst="straightConnector1">
+            <a:avLst/>
+          </a:prstGeom>
           <a:ln>
-            <a:noFill/>
+            <a:tailEnd type="arrow"/>
           </a:ln>
-          <a:extLst>
-            <a:ext uri="{909E8E84-426E-40DD-AFC4-6F175D3DCCD1}">
-              <a14:hiddenFill xmlns:a14="http://schemas.microsoft.com/office/drawing/2010/main">
-                <a:solidFill>
-                  <a:schemeClr val="accent1"/>
-                </a:solidFill>
-              </a14:hiddenFill>
-            </a:ext>
-            <a:ext uri="{91240B29-F687-4F45-9708-019B960494DF}">
-              <a14:hiddenLine xmlns:a14="http://schemas.microsoft.com/office/drawing/2010/main" w="9525">
-                <a:solidFill>
-                  <a:schemeClr val="tx1"/>
-                </a:solidFill>
-                <a:miter lim="800000"/>
-                <a:headEnd/>
-                <a:tailEnd/>
-              </a14:hiddenLine>
-            </a:ext>
-          </a:extLst>
-        </p:spPr>
-      </p:pic>
-      <p:sp>
-        <p:nvSpPr>
-          <p:cNvPr id="3" name="ZoneTexte 2"/>
+        </p:spPr>
+        <p:style>
+          <a:lnRef idx="1">
+            <a:schemeClr val="accent1"/>
+          </a:lnRef>
+          <a:fillRef idx="0">
+            <a:schemeClr val="accent1"/>
+          </a:fillRef>
+          <a:effectRef idx="0">
+            <a:schemeClr val="accent1"/>
+          </a:effectRef>
+          <a:fontRef idx="minor">
+            <a:schemeClr val="tx1"/>
+          </a:fontRef>
+        </p:style>
+      </p:cxnSp>
+      <p:sp>
+        <p:nvSpPr>
+          <p:cNvPr id="7" name="ZoneTexte 6"/>
           <p:cNvSpPr txBox="1"/>
           <p:nvPr/>
         </p:nvSpPr>
         <p:spPr>
           <a:xfrm>
-            <a:off x="3491880" y="1226186"/>
-            <a:ext cx="2339936" cy="369332"/>
+            <a:off x="3995936" y="5949280"/>
+            <a:ext cx="1468159" cy="369332"/>
           </a:xfrm>
           <a:prstGeom prst="rect">
             <a:avLst/>
@@ -7609,160 +10247,21 @@
           <a:lstStyle/>
           <a:p>
             <a:r>
+              <a:rPr lang="fr-FR" dirty="0" smtClean="0"/>
+              <a:t>Radiation </a:t>
+            </a:r>
+            <a:r>
               <a:rPr lang="fr-FR" dirty="0" err="1" smtClean="0"/>
-              <a:t>Epsr_HFSS</a:t>
-            </a:r>
-            <a:r>
-              <a:rPr lang="fr-FR" dirty="0" smtClean="0"/>
-              <a:t> = </a:t>
-            </a:r>
-            <a:r>
-              <a:rPr lang="fr-FR" dirty="0" err="1" smtClean="0"/>
-              <a:t>epsr</a:t>
-            </a:r>
-            <a:r>
-              <a:rPr lang="fr-FR" dirty="0" smtClean="0"/>
-              <a:t> . S(x)</a:t>
+              <a:t>BCs</a:t>
             </a:r>
             <a:endParaRPr lang="fr-FR" dirty="0"/>
-          </a:p>
-        </p:txBody>
-      </p:sp>
-      <p:sp>
-        <p:nvSpPr>
-          <p:cNvPr id="5" name="AutoShape 4" descr="data:image/png;base64,iVBORw0KGgoAAAANSUhEUgAAAXcAAAD8CAYAAACMwORRAAAABHNCSVQICAgIfAhkiAAAAAlwSFlzAAALEgAACxIB0t1+/AAAADl0RVh0U29mdHdhcmUAbWF0cGxvdGxpYiB2ZXJzaW9uIDIuMi4yLCBodHRwOi8vbWF0cGxvdGxpYi5vcmcvhp/UCwAAIABJREFUeJztnX/QbVdZ3z/P+96bIBAIEjAhCSZOLw4RseA1oHZqKL+SlEmKghOsNUHsHWyi/aGtxFhwoHRimdaiIOGKGRKLBIqNuS3XhkRlsNpArhgDSaBeI8IljDS5GEJjkvue8/SPs8971zlnrbP2r7PPfne+n5kz2Wf9fM65J8/73c961trm7gghhBgWG+s2QAghRPvIuQshxACRcxdCiAEi5y6EEANEzl0IIQaInLsQQgyQxs7dzM40sz8ws3vM7C4z++eRNmZmv2Jmh83sTjN7YdN5hRCiz5jZ+Wb2+cLvvanr+dtQ7lvAz7j7c4EXA5eb2TlzbS4A9hSvfcB7WphXCCF6iZltAu9m4vvOAV4X8YsrpbFzd/evuPuni+uHgHuA0+eaXQxc7xNuA042s9Oazi2EED3lXOCwu9/r7o8BNzDxg52xq83BzOws4AXAJ+eqTge+FLw/UpR9JTLGPibqno2NE777SU96RpsmiiHhCxeZdk3nAWt1Lo9elh+/wmS57yo7lFeestLny+6Uj9QHRV/3o/e7eyNn8cqXPMkfODoq1fZP7nz0LuCRoGi/u+8P3sd83oua2FeV1py7mT0Z+G3gX7j71+erI12i/5rFF7Qf4ClPOcO/Z+/lbZkohsb0FxQ4Bgt/VUW5jRfLZvoH2Ex9cT3O1IdlubYhdeYaJ8aM2RIy7efBBDN2R/pH50/0XzYm4NN5U/ZHxvXcXMFYH3vkv/zVYoNqPHB0xKdufnaptpun/fkj7r53SZPSPm9VtOLczWw3E8f+AXf/b5EmR4Azg/dnAPe1MbcQQrSBA+Pwr2sz1u7zGjt3MzPgN4B73P0/JZodAK4wsxuY3Jo86O4LIZl53GB0grI1RZxtlR6GTSIq2jJqvYry98hYKYXuET+RVPMR5Z5V5ok7hqVzVVH+M23Hi/UhGeVvOeUfvYtIONrYXI/Em1bBcY55ubBMCW4H9pjZ2cCXgUuAH2lr8DK0ody/H/gnwGfM7I6i7OeBZwO4+zXAQeBC4DDwMPD6FuYVQohWaUu5u/uWmV0B3AxsAte6+12tDF6Sxs7d3f8X8fhS2MaB6sFzg7GUu0iwrbJnFKYt1ifUZmPlP1X2kbKFubaFb3wsiyhnj8Xfc3H8hso/u07QpvJPjUXGlnHmLqImjjNqcUx3P8hE2K6FVrNlhBBiJzPuds1zpfTaubsZ491LbwrE45ntmHfwG4kqwLA+LC8uKij/WZW+aFJM+c+UJ1R+dK5UrD8yf2PlP46UzczVUPnnsnFic8WUf6q+BRwYybkLIcTwkHIXQoiB4cCxAT12tN/O3WB0gsIyIs522GLm/8fqYZVUWOd4/8iYIbmwTjBuKqxzPFUwUhbSNKyTWjyebhwK52oa1qm0ySozV2zxdRULqlLuQggxMBxGw/Ht/XbubmhBVaSJLmiG9VO1nFhQjSj/mIqPqvWgX1b5w7ainylLKP54/4bKP6Lso3M1Vf7ZO4+M8g/Lq2z4agFvf8i10mvnLoQQ3WGMlm/Z2VH027lvwOiEdRshesu2cl4sm5RbpCzXP3wTUds1lP/MGKm2y/pAaeWf+izRu4+Gyj97VAOL9TnlD8fVf6WjGlpgsqAq5y6EEINikucu594JirmLpUTV8GJ96viAmJqOZ9vkxg/LQmW7GOu3lNosnbkT2pJZH8jF8eso/5Tyzh5ctmTM+fLMUQ3R8VtiLOUuhBDDQsq9SwxGu9dthOgr5ZV1PFsmVtZU+efmSq8PTMsqKP868fuayj96VAMR+1pQ/tGjGkJyWUw1cYxRK4+V7gf9du5CCNEhCst0hAPjXlso1sn2/4YZ5Z1SgI2VfyZbZ3auWLZI+bmytm73aaj8s4ekVdmBm1H+md28Idk7qhZwjMd8s9Ux14lcpxBCMN3EpLCMEEIMDi2odoXBWAuqIkHZsMoMYdtYWSask02FTM0V2VCVD7ssLuRWOwohN37YfxpWSTi3lsI6ubP3Z8dK2Lp9Nny7jtjdGPlwlHsrn8TMrjWzr5rZZxP155nZg2Z2R/F6cxvzCiFEm4yxUq+dQFvK/f3Au4Drl7T5Q3d/VaVRDVzKXSTwiBoNiW5SqqRmI/VRQzL9g+t8KmRYFktvrNI/o/wrzFVL+Ydtyx7PPDNWxtaVLKj2O5hRhVY+ibt/wszOamMsIYRYB1pQrc/3mtmfAfcBP+vud+U6uGLuYhm5mHpGbcaU/ypSKcPrGX2csXWGpsq/dCplWF9D+VdY/8ge2xBT/jO2tB8eGSnPvTKfBr7V3b9hZhcCvwPsiTU0s33APoBdT31aR+YJIR7vaIdqDdz968H1QTP7NTM7xd3vj7TdD+wHeMLpZ7o2MYksKWWeqS+bDRNSS/kH19XUbKQ/8frS6wsV+ldS/tufL3HrUSXmX/oupd2YO8B4QNkynbhOMzsV+Gt3dzM7l0mWzgNdzC2EEGVwkHKfx8w+CJwHnGJmR4C3ALsB3P0a4DXAT5rZFvC3wCXuJf7sGoxPaP+vsxgINR7G4bn66DzLxy+j3KflyV99TtnXiLlH7wwic5bpX359IZUBU7Z/+aMaErlLtXGMYzp+YBZ3f12m/l1MUiWFEKKXuDOoTUy9jmgrW0YsJZIPnVPmpA4BI9Z2sayS8q8Q8y6rzGPzz/SreWeQVe7L+kTmKTN+lcyb2BxtH/nLDtqgVIZeO3chhOgKR8pdCCEGiRZUu8LAd2lBVSRYXHeLhmBmFzEXYyhNwzrlznOP1MfCLglTSy+YthnWqRCCaRzWqfG5VvEkJj2sQwghBoYDx3S2TEcY+G4pd5EgohZTynRKTAFWUv6RI21z6Y0z49Y8krfsIWl1lX92/kif1aRSJvpHylexoKrz3IUQYmA42qHaHeb47nG+nXh8ElHDFpOuMwp4+Zb6fMw9ehmfP5jruPJeVP6z9fmxYgY0PSQtKoLbVP4l7zxm2mRUfvvKXU9iEkKIweFuUu6dYWC7pNxFiqnKSkjQiLL3yDG2SeVftPVUBkWFmH9M2UZj/aGtM3Mt3oXUUv51MmBKjB+LyVeKqWeUefaOqgUmC6o6fkAIIQbGsJ6h2m/nbs6GYu4iRyam7smYfORxbdE49/HCqDLPKP8ZG1Lx+5j0jY1bRflHbMkelVBX+efUdmTSnC2VDlFrgcmC6upj7mb2WuAXgecC57r7oaDuSuANwAj4aXe/uSg/H3gnsAm8z92vzs3Tb+cuhBAd0tEO1c8CPwi8Nyw0s3OAS4DvAJ4F3Gpmzymq3w28HDgC3G5mB9z97mWTyLkLIQR0tkPV3e8BMFuY62LgBnd/FPhLMzsMnFvUHXb3e4t+NxRtd65zN4NdJ4zWbYboK5Gwy0yEZTuUkApVLPbPjV8vrBMs5KZCCUXbxmGdzIJpasNVrbBOZsG0TlgnLM8tTq8gE3LdD8g+HbgteH+kKAP40lz5i3KD9dq5CyFEV7jDsXFp536KmR0K3u8vHhEKgJndCpwa6XeVu9+UGDOmMhyif3Gyf9t67dzNnN27pNxFHI8oa4+kEkY3Ls2Xz405U19F+SfGjy/+hf0icjSn/KMLroHaJ9K2rvKPTB9PpWyu/HNHNSydvwGTsExp536/u+9NjuX+shomHAHODN6fAdxXXKfKkwwn70cIIRoyKs6Xyb1WxAHgEjM70czOBvYAnwJuB/aY2dlmdgKTRdcDucF6r9xP3L21bjNET5kufkXVdnA9TqnJJX2gvPJPzR87MiClVmMx9bjyj6j9uX6x+Wsp/4xyjqeFHi+qc0jb7Ljxz5c9sK0mHaZCvhr4VeAZwEfN7A53f6W732VmH2ayULoFXO7uo6LPFcDNTFIhr3X3u3LztPWA7GuBVwFfdffnReqNSY7mhcDDwGXu/uk25hZCiHbo5vgBd78RuDFR93bg7ZHyg8DBKvO0pdzfz+QB2Ncn6i9gcouxh8kq73sosdq7YXDiLil3ESenzGPPwwzVaFPlf1y5x9XebMh5uTKPrR/EDx6LTtWe8k8d1TDfbq5taeVfO9tm8XIVB4fpGapzuPsnzOysJU0uBq73ya/lNjM72cxOc/evtDG/EEI0ZZIto7NlqnI6i3mapwMLzt3M9gH7AE585kk8YdexTgwUO49tZc2iGo+1m68vq/zT/dM2pfrl7hKian++Ito/1me58s8e1TAzWaS0ivKP1EePZ07YEsvyaT/mPqzH7HWVLZPK31wsdN/v7nvdfe/uk5+4YrOEEOI4Y6zUayfQlXJflr+ZZMOcJ0q5iwTT/8lSamscUeZR5Z5Q/nFlvzhXmZh/0/h9W8o/tZs33qeh8p8Z32YbLhgbXk8/a6ptZDdvC3SVLdMVXSn3A8CP2YQXAw8q3i6E6Btj3yj12gm0lQr5QeA8JltyjwBvAXYDuPs1TFJ4LgQOM0mFfH0b8wohRFu4G1s7xHGXoa1smddl6h24vOq4mygsI/Kkwiq5sEwsrJO6jpWVDeuE5VUWZ5uGdWJtk2mbDcM62aMa5sZJjR+Wx8M6wcCrSIUcUFim1ztUhRCiK4YWc++1c9+wMU/e/ci6zRA9ZRr7jKnxsDyMkVZR7tE+NZV/VLlHsi6aKv+Y2k99rqbKP3tUw8xksf6L80/eLC4e5w58aws5dyGEGBhDy3PvtXPfMOfJm4+t2wzRU0ZR5Ryo9KJ+lKqPqfQWlX/2jiA6Vz3lH6ufmasl5Z9U20v6hP1yyn+mPDvXQlFjdkoOexl67dyFEKIr3GGr/MM6ek+vnfumjXnSrkfXbYboKdtqN9iuMYoox1B5x87ibqr809k6i44ivz6QyfzJZAalP1d15Z/b0BXSVPnn2s7OtfwupQkKywghxMBQzL1DNnBO2lS2jIgzmmbLBGpxFFHWo8RG7KbKPxqTT8RsR7G22fh9+buE6Jg1lH/ubqBN5V/neOaw3yqU+yozcbqm185dCCG6RAuqHbFpY54s5S4STJXtrJpeVOmp+jrKf1ZtR+ZKKueYrYv1s7ZUj9/XVf4x5R6bq67yL3s880zbmjH5urgr5i6EEAPEGClbRgghhodi7h2xwZiTNhSWEXGOpyrG1dY0nBLeas+GWJaHdY5vkloM5cTsmK+PzZsK64yiYY1ciKl6WCeXijnzuRqGdXJho9m5lo8VW8htO4Sis2WEEGKI+Gp2va6LXjv3TXNO2vzbdZshekpc2UbUMHHlHVP+scXTdCplOeU/0zaRNhm9I2hR+ceOaoh9lqbKv87xDqnrKhu+2kLZMkIIMTBcC6rdscmYkzceXrcZoqdsK++kMp+q5VzMPb6JaX6cxfHLKf+wPH8UQjPln15fyH2u6so/d1RD7HOVifmXv0tYxSam1odcG7127kII0SXKlpnDzM4H3glsAu9z96vn6i8D3gF8uSh6l7u/Lzfupo15irJlRIJRRDmPbVFtJtUui2o4pKnyjyn+9PEEi2NVUf6lN3Q1VP65oxpC6ij/cNwq8fs2cJdzn8HMNoF3Ay8HjgC3m9kBd797rumH3P2KpvMJIcSqUCrkLOcCh939XgAzuwG4GJh37pXZxDlpQw/rEHFianAUUeap+u2ySJw+bFtF+aeU7XyfiV2Lsfoqyj8V6z8+fnvKv+ydRxvKP2ZL7HPF7kyaMqSYexvfzunAl4L3R4qyeX7IzO40s4+Y2Zmpwcxsn5kdMrNDR4+OWzBPCCHyOMZ4vFHqtRNoQ7nH/rzO//3778AH3f1RM3sjcB3wD2KDuft+YD/A879rt5+0IQcv4oymD4gIfoGzyrMos4TabKj8t9VqJM6/aGtEeUeVeVzZxpV35uCyGso/t5t3Zq6Gyj+3mzcklt+fysxpwoCEeyvK/QgQKvEzgPvCBu7+gLtPH6n068B3tzCvEEK0R7GgWua1E2jDud8O7DGzs83sBOAS4EDYwMxOC95eBNzTwrxCCNEuXvK1A2gclnH3LTO7AriZSSrkte5+l5m9FTjk7geAnzazi4At4ChwWZmxNzFOMqXiizgjm/xfNg7+bxsFK2LHwzVB/Uzb+Xb5sE7s4K5kKCZ6lEEiLGGLYY3ohqmEHmsa1okd1RAfv1lYJ5eqGbZJHdiWOzCuCTtFlZehFc/p7geBg3Nlbw6urwSubGMuIYRYBQ6Mx3LunbDBBk/eOHHdZoieMvLJYnuo3EMRPWZctAvUfKjcSyr/EeOgPjDApmMGNkWU/2SuReUeW6jNHRnQpvJPpXAer2+m/Kuo7dyBbbmjmFvBASl3IYQYHkPKc++1czcm6l2IGBs2jQOHyjrU0cVvx4Ky3P+8gXDbnI4S9Nmcic97ZMzwLiJoHPMaQfVG0W/TwzuLSPx65s4h9rk2EvUbRe1ou2gzqI8exRCkeDL9XkNhO2PLxmw7YCMYf6roNwjvosLvZ/lYs/NG/l3bYkDOXZ5TCCEAKJcG2XTR1czeYWafKzZ13mhmJwd1V5rZYTP7vJm9Mig/vyg7bGZvKjOPnLsQQkzpJhXyFuB57v584P9QJJuY2TlMUsm/Azgf+DUz2wzO77oAOAd4XdF2Kb0OywghRGc4eAfZMu7+seDtbcBriuuLgRuKDZ9/aWaHmZzdBTXO75JyF0KIbazkqzV+HPjd4jp1TlfZ87tmkHIXQogp5UMup5jZoeD9/uJcLADM7Fbg1Ei/q9z9pqLNVUw2dn5g2i1hUUyEZy2VcxdCiCnlnfv97r43OYz7y5Z1NrNLgVcBL3XfTpFadk7X0vO7YigsI4QQcHwTU5lXA4on1/0ccJG7hw+JPgBcYmYnmtnZwB7gU5Q4vyuGlLsQQhR0tInpXcCJwC022ctwm7u/sTiT68NMFkq3gMvdfQQQO78rN4mcuxBCTOkmW+bvLKl7O/D2SPnC+V055NyFEKLABrRDVc5dCCFgR53VXgY5dyGEAKD5YmmfkHMXQogpUu5CCDFAVnDQ5LqQcxdCCBjcwzpa2cSUO46ySMr/UFH/STM7q415hRCiTczLvXYCjZ17yeMo3wB8rcjv/GXgl5rOK4QQrdPNkb+d0IZyP5fiOEp3fwyYHkcZcjFwXXH9EeClZjac+x8hhOgZbTj3MsdRbrdx9y3gQeDpscHMbJ+ZHTKzQ//3gVGsiRBCrASFZWZJHVNZtc2k0H2/u+91973PePpmrIkQQrSPMzl+oMxrB9CGc192TOVCGzPbBTwVONrC3EII0R6Kuc9Q5jjKA8ClxfVrgN8PzjAWQoheMKSwTOM8d3ffih1HaWZvBQ65+wHgN4DfLJ4JeJTJHwAhhOgXO8Rxl6GVTUyx4yjd/c3B9SPAa9uYSwghVoacuxBCDIudFHIpg5y7EEJM2SGZMGWQcxdCiAIpdyGEGCJy7kIIMTAUcxdCiIEi5y6EEMPDBvSwjlbOcxdCCNEvpNyFEGKKwjJCCDEwtKAqhBADRc5dCCEGiJx7NzgwZkDL16JVRj75bYwT/0dOfzuj4HTpsO2ouJ4pm2k7225SH5snsCl4Ls3YF8tn6y1SvxGtj40/8qBt0S9dvzh+rP/MXDP2bRQ2bSyUhW3HyfFtoWz2cy1+7tmycF5bKGsDY1jZMr127kII0RmKuXfHmDHfGD+6bjNETymrvGN9Jm0X28WU94xCjSjvUfQpkik12p7ynpmraDuOqOmwXxXlHR8/bt/x8RfnDOed/f5SKn5RmVe5C2iEnLsQQgwQOfduGOE85FvrNkP0lPLKO1TWi3HuWOx7ch1To4vKdZxQ9rO2RpRvJD5dV3nH+sTi302V98xcERWeUua5+VPzxuq373IiaxJNUVhGCCGGiJz7BDP7ZuBDwFnAF4AfdvevRdqNgM8Ub7/o7heVGX/sxkNjnZAg4jRV3ttliayRUSS2G1Peyf7RbJdUBsiiGq2jvENiajiWdRKWV1HeM5/Lc8o/lk0TzxyK2RL7XG1ny+DDypZp+u28Cfg9d98D/F7xPsbfuvvfLV6lHLsQQnSOl3ztAJo694uB64rr64B/1HA8IYRYG9PnqOZeO4GmMfdvcfevALj7V8zsmYl2TzCzQ8AWcLW7/05qQDPbB+wDOPX0TR4an9DQRDFU4mGTZmGVkNjCXTy9LxFqyIRVZj5LZKw2wyrz88zb0mZYJTZ/LIQ2TtqyGHaJjp/4LhuxQxx3GbLO3cxuBU6NVF1VYZ5nu/t9ZvZtwO+b2Wfc/S9iDd19P7Af4LnPP3FAX7UQotfsoJBLGbLO3d1flqozs782s9MK1X4a8NXEGPcV/73XzD4OvACIOveQkW/w9fETcs3E45SyW+rrKu/5cRbHX7wzqKu8522ar9+2taHyTn+u5cq6rPJOpSeOI/aNiSv/sm1jn6kJxs4JuZShacz9AHBpcX0pcNN8AzN7mpmdWFyfAnw/cHfDeYUQonW6iLmb2dvM7E4zu8PMPmZmzyrKzcx+xcwOF/UvDPpcamZ/XrwuTY9+nKYx96uBD5vZG4AvAq8tDNkLvNHdfwJ4LvBeMxsz+WNytbuXcu4jNvib8RMbmiiGSnxjzfIt9XWUd2rLfzZ9sIbynh1/eVpnU+Ud+yyx2PdMfVZNl4+TjxMx+5gy70K5A12FZd7h7v8WwMx+Gngz8EbgAmBP8XoR8B7gRUXK+VuAvYWFf2JmB2Jp5yGNnLu7PwC8NFJ+CPiJ4vqPge9sMo8QQnRCB87d3b8evH1SMOvFwPXu7sBtZnZyEe4+D7jF3Y8CmNktwPnAB5fN0+sdqiM3Hhp907rNED2l7DGydQ+zyh1gNW/HfH2bynveplTbpsp75nNFPktOeSfVePbOYflYXmGs2lQLuZxSZABO2V8kg5TCzN4O/BjwIPCSovh04EtBsyNFWap8Kb127kII0Snlnfv97r43Vbksy9Ddb3L3q4CrzOxK4AomYZfYXytfUr6UXjv3MRs8pGwZkaB0bnfDw6xSWSe5B1zkttTXUd4hOWXcVHnH5qqr3D3TP8Rzyr249hWEUNo6fmBZluEcvwV8lIlzPwKcGdSdAdxXlJ83V/7x3MA6uEUIIQo6ypbZE7y9CPhccX0A+LEia+bFwIPFJtGbgVcUmYdPA15RlC2l18pdCCE6o7tNTFeb2bcDY+CvmGTKABwELgQOAw8Drwdw96Nm9jbg9qLdW6eLq8votXMf+QbfGCksI+LUCauElN1Sn05vjKT/JY8XWJ4q2DSsEh0z9llqhlWmxBY2w7ax8ElYPlsW2B353tJjLda3RjfZMj+UKHfg8kTdtcC1VebptXMXQoiuGNoO1V479zHGQ1LuIkFT5T3fbr5tbEt9tUXKcougs7Y2U97pzxVR1g2Vd8hUTYdj5hZBPTJ+qu3sXIu2toWNh+Pde+3chRCiMx5vB4etk5Fv8P+2Tly3GaKn1DnMqs72+Gpx8grKuoZyr6K8Z+bKKvPFMaso72V9wn4ptR761O3y7FwLRY1RWEYIIYaInHs3jN34xkgP6xBxmh5mlVPe0T4NlXtKecf6xJVzM+UdElPhTZV3Mg4e7b84/+RNJOaeUfFtIeUuhBBDRM69G8a+wTeOKVtGLKfNw6yqqPjclvo6yjv1uXJ54nWUd8h2/0hZWJFV3pnPlFTg0bHCjpG2bTtib+/4gT7Qa+cuhBBdYSgs0xkjjIe3dq/bDNFTyh4jW/cwq9wBVvE+i/alx2KhPp/tsthnpj/x+pzyjveJtM0o75Qajx5smIip52Lu0/qVOOJVpOCsiV47dyGE6BIpdyGEGBraxHQcM3st8ItMnpN6bvF4vVi784F3ApvA+9z96jLjj11hGZGm7BnhTQ+zqrIIWmVLfZ2wSnquWJ+GYZWZyaYXCZu2x098P5H6pEr2aX1urkT/BgxpQbXpee6fBX4Q+ESqgZltAu9m8vDXc4DXmdk5DecVQojWsXG5106g6QOy7wEwW7qp4FzgsLvfW7S9gcmDYO/Oj288IuUuErR1jGxOTdddBK2ypb6O8p6ZK7dlv6nyjvaJqPCgPqq8M4ukIZZqG6tvA2dQC6pdPImp0sNdzWyfmR0ys0PHHnx45cYJIcSULp7E1BVZ5Z570GuJOWKyJvn1FE8Q3w/wxD2n+aNbWvMVcZoq72V9IBCbmc02uW30s3OFbyL9mirvmckyyr+O8p4ZP3KdiqnnlHeFuWK2tsYOcdxlyHrOCg96TZF66KsQQvQGbWKqzu3AHjM7G/gycAnwI2U6uhuPHpNyF3FqHWaVOYCq0pb6zMadXLZLdkt9Q+U9M1NsS3+byjtiU2z85JhRZb78+2s/5u6DelhHo5i7mb3azI4A3wt81MxuLsqfZWYHAdx9C7iCydO67wE+7O53NTNbCCFWgJd87QCaZsvcCNwYKb+PyVO8p+8PMnmyd8XxjWNbm01MFEMmqtyD6jrKOzN+dEt9iQyQXLZLdEt9LP5dV3nH+gRk1XIF5R2dP2J/+rMuH3+VoROFZYQQYmg4MKCwTK+duztsPSblLjJk4txtKO/j40falohTl1beM5NViakv9skqbxbr08q6nPLOxelLKfCSdwmrOThsBWOuiV47dyGE6BKFZYQQYoAMKVum387djfGxLjbRip1JyTPC6x5mFauPzVUirFMrrJKZK25rqj4TVpkfp+r4ZftXaNt5WGYHZcKUod/OXQghOmKyiWk43r3fzt3Bt6TcRYIa6X91DrPKKtCA7Jb6pso7JJM+WEt5Vxi/6fwh1b6LSFlb7JATH8vQb+cuhBAdIuXeFW6YYu4iRYWY95Rah1lVUKtR+0jE1FelfMvaWmX+SJ+VKPvEXLG1DsXcl9Nv5y6EEJ0xrLNl+u3cHezY0geBiMczdZR3pH+lrIyI8i4Tk6+1pb6CMo6O01BZt2mfxcoy33tIZzF3hWWEEGJg+M55hF4Z+u3cHWxLyl0kaEl5h7Sab10jft2q8o7MVXv8ZX0i85QZv5ItkTmk3JfTb+cuhBBdMhzfLucuhBBTbDycuEyvnbs5bBxbtxWitzQ9qbDs7X2F9MRWQw0thm2220XmLNMyb6D6AAALAElEQVS/Tipj/e/KK8/VCo42MQkhxNAwXJuYOsNh4zEtqIoMdVL2wvIO1GjZtMlsf+L1q0hlrHckQMI5lr3zqNJ2FY64Q+duZj8LvAN4hrvfb2YGvJPJU+weBi5z908XbS8FfqHo+u/c/brc+E2fofpaM7vLzMZmtndJuy+Y2WfM7A4zO9RkTiGEWBnu5V4NMbMzgZcDXwyKLwD2FK99wHuKtt8MvAV4EXAu8BYze1pujqbK/bPADwLvLdH2Je5+f6XRHTa26pglHhd0pEarbExqVXlH2laJuTc/stcXyhvPT6reF8vDscJYeMyWNug25v7LwL8BbgrKLgaud3cHbjOzk83sNOA84BZ3PwpgZrcA5wMfXDZB0wdk31NM1mQYIYToBRWyZU6Zi0Lsd/f9peYwuwj4srv/2ZzvPB34UvD+SFGWKl9KVzF3Bz5mZg68t/SX4MqWEUuooawbq91ldqT6B9e1le+SMdP9ayjvxFz578qXjz9eLAupNNbKYu6VQi73u/uyUPStwKmRqquAnwdeEesWNypZvpSsc19mpLvfFCmP8f3ufp+ZPRO4xcw+5+6fSMy3j0m8iV1PyYaVhBCiHZzW/mC4+8ti5Wb2ncDZwFS1nwF82szOZaLIzwyanwHcV5SfN1f+8ZwNWeeeMrIK7n5f8d+vmtmNTBYFos69UPX7Ab7p1DPdpNxFgtaOkW0Yk690/ECbyjsyV/2YeEQtx8aPxL5nx4/EzpP2xSfL2jo9ubFt4Q4rj7m7+2eAZ07fm9kXgL1FtswB4Aozu4HJ4umD7v4VM7sZ+PfBIuorgCtzc608LGNmTwI23P2h4voVwFtXPa8QQlRlzXnuB5mkQR5mkgr5egB3P2pmbwNuL9q9dbq4uoxGzt3MXg38KvAM4KNmdoe7v9LMngW8z90vBL4FuLG4BdkF/Ja7/89SEyjmLpZQR3nP9K+jzKvUz8y1qDbr5XYn+m/3ySjnhso7pFacPDwvPXMXkZ5rWrYCR9yxc3f3s4JrBy5PtLsWuLbK2E2zZW4EboyU38fkLxDufi/wXU3mEUKIleMOo+GcP9DvHapCCNElOn6gGwxtYhJpGodVImXZ2/9Ki5RLbE6O1TCsEpLbGNQ0rDIzV3rM9PzBm3GkPLm4m1n8bYKcuxBCDAwn/cdrB9Jv5+6wqQVVkaK0ci+vvEPq3RlUUN5E6isp38W2le4cIoubbSjvaH32ziQoHy+WxT9L247YwRVzF0KIYeFoQbUrJscPDOc2SbRM0/TBjFpd1gfiW+prK+9lfVK21lHeM3OFthRvYrHvsG1GeafvTBbj6LPjL94FJOsjtraGYu5CCDFA5Nw7Ygybj63bCNFbstkomQyQksq72pb/Zso7pFo2S3XlHZ0rFvsOy3PKOzX/fLv562i2TNfK3eXchRBicDigB2R3g2LuYhmlj5GteZhV6Th5hS31tZV3pE/c1obKO6SKmi4bJ08p49xc4wpjNUHKXQghhoYrW6YzHDYfG85fUtEyTbNdptc55V3pMK1cHDlua2nlHRJT4XXj2DHlPTNXQ+U+zvSPzTXz7zJeXt8GDq48dyGEGCDaoSqEEANEMfduMHctqIokdcIq0f6pRcZoqCEYILpImpgrs6W+cVhlWZ+wbd2wyna7CgumsbBKbpE0JGlrZKw2cFe2jBBCDBIp945w2HhsOH9JRbs0Vt7bZakF00KZpxY2txd0l6vhWZszyreh8s7O1abyDsktmG7PH1kYTcybXNyMzdUKjo9GLY+5Pvrt3IUQoiscLah2hTlsSrmLFNlUxXLKO6TSlvqycfL5NlFbSs5VRXmHbKvdhHJuqryXjUmgwlP2R8b13FyrcMQDSoXcaNLZzN5hZp8zszvN7EYzOznR7nwz+7yZHTazNzWZUwghVoEDPvZSr51AU+V+C3Clu2+Z2S8BVwI/FzYws03g3cDLgSPA7WZ2wN3vzo4+dsXcRZqyW+prKu+lfUr0r6S8l40f9muqvENiyrip8k7cOXisPrFJySOf1RNtW8Vdyn2Ku3/M3adPOb0NOCPS7FzgsLvf6+6PATcAFzeZVwghVoGPRqVeO4E2Y+4/DnwoUn468KXg/RHgRalBzGwfsK94++itf/QLn23NwvY4Bbh/3UZEkF3V6attsqsa3950gIf42s23+kdOKdm8j9/BDFnnbma3AqdGqq5y95uKNlcBW8AHYkNEypJBK3ffD+wvxj3k7ntzNnaN7KpGX+2C/tomu6phZoeajuHu57dhS1/IOnd3f9myejO7FHgV8FL3aMDtCHBm8P4M4L4qRgohhKhG02yZ85ksoF7k7g8nmt0O7DGzs83sBOAS4ECTeYUQQiynkXMH3gWcBNxiZneY2TUAZvYsMzsIUCy4XgHcDNwDfNjd7yo5/v6G9q0K2VWNvtoF/bVNdlWjr3atDYtHUoQQQuxkmip3IYQQPUTOXQghBsjanXvuaAIzO9HMPlTUf9LMzuqRbf/KzO4ujl/4PTP71j7YFbR7jZm5mXWSulbGLjP74eI7u8vMfqsPdpnZs83sD8zsT4t/yws7sutaM/uqmUX3ctiEXynsvtPMXtgTu/5xYc+dZvbHZvZdXdhVxrag3feY2cjMXtOVbb3D3df2AjaBvwC+DTgB+DPgnLk2/wy4pri+BPhQj2x7CfDE4vonu7CtjF1Fu5OATzDZOby3D3YBe4A/BZ5WvH9mT+zaD/xkcX0O8IWOfmN/H3gh8NlE/YXA7zLZK/Ji4JM9sev7gn/DC7qyq4xtwb/57wMHgdd0ZVvfXutW7mWOJrgYuK64/gjwUjOLbYzq3DZ3/wM/ngKaOn6hc7sK3gb8B+CRDmwqa9c/Bd7t7l8DcPev9sQuB55SXD+VjvZhuPsngKNLmlwMXO8TbgNONrPT1m2Xu//x9N+Q7n7307lz3xnATwG/DXTx++ot63busaMJTk+18Ula5YPA03tiW8gbmKisVZO1y8xeAJzp7v+jA3tK2wU8B3iOmf2Rmd1W7JPog12/CPyomR1hovZ+qgO7ylD1N7gOuvrdl8LMTgdeDVyzblvWzbrPcy9zNEGl4wtapPS8ZvajwF7gB1ZqUTFdpGzbLjPbAH4ZuKwDW0LKfF+7mIRmzmOi9v7QzJ7n7n+zZrteB7zf3f+jmX0v8JuFXes+InBdv/1SmNlLmDj3v7duWwL+M/Bz7j7q5ga/v6zbuZc5mmDa5oiZ7WJy25y7LevKNszsZcBVwA+4+6M9sOsk4HnAx4sf96nAATO7yN0bn7/RwK5pm9vc/Rjwl2b2eSbO/vY12/UG4HwAd//fZvYEJgdkrfu2vrdHd5jZ84H3ARe4+wPrtidgL3BD8ds/BbjQzLbc/XfWa9YaWGfAn8kfl3uBszm+2PUdc20uZ3ZB9cM9su0FTBbr9vTpO5tr/3G6WVAt832dD1xXXJ/CJOTw9B7Y9bvAZcX1c5k4UOvo3/Ms0guX/5DZBdVPdfg7W2bXs4HDwPd1ZU9Z2+bavZ/H8YLqWpW7Tx7yMT2aYBO41t3vMrO3Aofc/QDwG0xukw8zUeyX9Mi2dwBPBv5roRS+6O4X9cCuzilp183AK8zsbmAE/GtfseoradfPAL9uZv+SSdjjMi+8wyoxsw8yCVGdUsT73wLsLuy+hkn8/0ImjvRh4PWrtqmkXW9msu71a8Xvfss7OimyhG2iQMcPCCHEAFl3towQQogVIOcuhBADRM5dCCEGiJy7EEIMEDl3IYQYIHLuQggxQOTchRBigPx/A/V5GZOtEF8AAAAASUVORK5CYII="/>
-          <p:cNvSpPr>
-            <a:spLocks noChangeAspect="1" noChangeArrowheads="1"/>
-          </p:cNvSpPr>
-          <p:nvPr/>
-        </p:nvSpPr>
-        <p:spPr bwMode="auto">
-          <a:xfrm>
-            <a:off x="155575" y="-144463"/>
-            <a:ext cx="304800" cy="304801"/>
-          </a:xfrm>
-          <a:prstGeom prst="rect">
-            <a:avLst/>
-          </a:prstGeom>
-          <a:noFill/>
-          <a:extLst>
-            <a:ext uri="{909E8E84-426E-40DD-AFC4-6F175D3DCCD1}">
-              <a14:hiddenFill xmlns:a14="http://schemas.microsoft.com/office/drawing/2010/main">
-                <a:solidFill>
-                  <a:srgbClr val="FFFFFF"/>
-                </a:solidFill>
-              </a14:hiddenFill>
-            </a:ext>
-          </a:extLst>
-        </p:spPr>
-        <p:txBody>
-          <a:bodyPr vert="horz" wrap="square" lIns="91440" tIns="45720" rIns="91440" bIns="45720" numCol="1" anchor="t" anchorCtr="0" compatLnSpc="1">
-            <a:prstTxWarp prst="textNoShape">
-              <a:avLst/>
-            </a:prstTxWarp>
-          </a:bodyPr>
-          <a:lstStyle/>
-          <a:p>
-            <a:endParaRPr lang="fr-FR"/>
-          </a:p>
-        </p:txBody>
-      </p:sp>
-      <p:sp>
-        <p:nvSpPr>
-          <p:cNvPr id="9" name="Rectangle à coins arrondis 8"/>
-          <p:cNvSpPr/>
-          <p:nvPr/>
-        </p:nvSpPr>
-        <p:spPr>
-          <a:xfrm>
-            <a:off x="1994213" y="4777536"/>
-            <a:ext cx="561563" cy="523672"/>
-          </a:xfrm>
-          <a:prstGeom prst="roundRect">
-            <a:avLst>
-              <a:gd name="adj" fmla="val 0"/>
-            </a:avLst>
-          </a:prstGeom>
-          <a:noFill/>
-          <a:ln>
-            <a:prstDash val="dash"/>
-          </a:ln>
-        </p:spPr>
-        <p:style>
-          <a:lnRef idx="2">
-            <a:schemeClr val="accent1">
-              <a:shade val="50000"/>
-            </a:schemeClr>
-          </a:lnRef>
-          <a:fillRef idx="1">
-            <a:schemeClr val="accent1"/>
-          </a:fillRef>
-          <a:effectRef idx="0">
-            <a:schemeClr val="accent1"/>
-          </a:effectRef>
-          <a:fontRef idx="minor">
-            <a:schemeClr val="lt1"/>
-          </a:fontRef>
-        </p:style>
-        <p:txBody>
-          <a:bodyPr rtlCol="0" anchor="ctr"/>
-          <a:lstStyle/>
-          <a:p>
-            <a:pPr algn="ctr"/>
-            <a:endParaRPr lang="fr-FR"/>
-          </a:p>
-        </p:txBody>
-      </p:sp>
-      <p:sp>
-        <p:nvSpPr>
-          <p:cNvPr id="8" name="Rectangle 7"/>
-          <p:cNvSpPr/>
-          <p:nvPr/>
-        </p:nvSpPr>
-        <p:spPr>
-          <a:xfrm>
-            <a:off x="1691680" y="4941168"/>
-            <a:ext cx="302533" cy="160404"/>
-          </a:xfrm>
-          <a:prstGeom prst="rect">
-            <a:avLst/>
-          </a:prstGeom>
-          <a:solidFill>
-            <a:schemeClr val="accent2"/>
-          </a:solidFill>
-          <a:ln>
-            <a:noFill/>
-          </a:ln>
-        </p:spPr>
-        <p:style>
-          <a:lnRef idx="2">
-            <a:schemeClr val="accent1">
-              <a:shade val="50000"/>
-            </a:schemeClr>
-          </a:lnRef>
-          <a:fillRef idx="1">
-            <a:schemeClr val="accent1"/>
-          </a:fillRef>
-          <a:effectRef idx="0">
-            <a:schemeClr val="accent1"/>
-          </a:effectRef>
-          <a:fontRef idx="minor">
-            <a:schemeClr val="lt1"/>
-          </a:fontRef>
-        </p:style>
-        <p:txBody>
-          <a:bodyPr rtlCol="0" anchor="ctr"/>
-          <a:lstStyle/>
-          <a:p>
-            <a:pPr algn="ctr"/>
-            <a:endParaRPr lang="fr-FR"/>
           </a:p>
         </p:txBody>
       </p:sp>
     </p:spTree>
     <p:extLst>
       <p:ext uri="{BB962C8B-B14F-4D97-AF65-F5344CB8AC3E}">
-        <p14:creationId xmlns:p14="http://schemas.microsoft.com/office/powerpoint/2010/main" val="1439198707"/>
+        <p14:creationId xmlns:p14="http://schemas.microsoft.com/office/powerpoint/2010/main" val="3718662431"/>
       </p:ext>
     </p:extLst>
   </p:cSld>
